--- a/O3652-7 Deep Dive into Security and OAuth/O3652-7 Deep Dive into Security and OAuth.pptx
+++ b/O3652-7 Deep Dive into Security and OAuth/O3652-7 Deep Dive into Security and OAuth.pptx
@@ -32,9 +32,9 @@
     <p:sldId id="801" r:id="rId23"/>
     <p:sldId id="802" r:id="rId24"/>
     <p:sldId id="803" r:id="rId25"/>
-    <p:sldId id="837" r:id="rId26"/>
-    <p:sldId id="841" r:id="rId27"/>
-    <p:sldId id="838" r:id="rId28"/>
+    <p:sldId id="838" r:id="rId26"/>
+    <p:sldId id="837" r:id="rId27"/>
+    <p:sldId id="841" r:id="rId28"/>
     <p:sldId id="842" r:id="rId29"/>
     <p:sldId id="785" r:id="rId30"/>
     <p:sldId id="843" r:id="rId31"/>
@@ -1246,7 +1246,7 @@
           <a:bodyPr/>
           <a:lstStyle/>
           <a:p>
-            <a:fld id="{E1069F9F-5C72-40FE-A962-D85A4E6A7779}" type="datetime1">
+            <a:fld id="{4184ABB7-2538-4DA8-837C-1631AA9C3786}" type="datetime1">
               <a:rPr lang="en-US" smtClean="0"/>
               <a:t>7/24/2014</a:t>
             </a:fld>
@@ -1271,7 +1271,7 @@
           <a:p>
             <a:fld id="{B4008EB6-D09E-4580-8CD6-DDB14511944F}" type="slidenum">
               <a:rPr lang="en-US" smtClean="0"/>
-              <a:t>26</a:t>
+              <a:t>23</a:t>
             </a:fld>
             <a:endParaRPr lang="en-US" dirty="0"/>
           </a:p>
@@ -1379,7 +1379,7 @@
     </p:spTree>
     <p:extLst>
       <p:ext uri="{BB962C8B-B14F-4D97-AF65-F5344CB8AC3E}">
-        <p14:creationId xmlns:p14="http://schemas.microsoft.com/office/powerpoint/2010/main" val="2573664494"/>
+        <p14:creationId xmlns:p14="http://schemas.microsoft.com/office/powerpoint/2010/main" val="3840526151"/>
       </p:ext>
     </p:extLst>
   </p:cSld>
@@ -1433,6 +1433,20 @@
           <a:bodyPr/>
           <a:lstStyle/>
           <a:p>
+            <a:r>
+              <a:rPr lang="en-US" dirty="0" smtClean="0"/>
+              <a:t>Apps are first-class principals in SharePoint</a:t>
+            </a:r>
+          </a:p>
+          <a:p>
+            <a:r>
+              <a:rPr lang="en-US" dirty="0" smtClean="0"/>
+              <a:t>They have an identifier and permissions, which</a:t>
+            </a:r>
+            <a:r>
+              <a:rPr lang="en-US" baseline="0" dirty="0" smtClean="0"/>
+              <a:t> are tracked in SharePoint through the registration and installation process</a:t>
+            </a:r>
             <a:endParaRPr lang="en-US" dirty="0"/>
           </a:p>
         </p:txBody>
@@ -1452,7 +1466,7 @@
           <a:bodyPr/>
           <a:lstStyle/>
           <a:p>
-            <a:fld id="{8A515E4B-48A0-498D-B44A-AAB8296969D7}" type="datetime1">
+            <a:fld id="{E1069F9F-5C72-40FE-A962-D85A4E6A7779}" type="datetime1">
               <a:rPr lang="en-US" smtClean="0"/>
               <a:t>7/24/2014</a:t>
             </a:fld>
@@ -1477,7 +1491,7 @@
           <a:p>
             <a:fld id="{B4008EB6-D09E-4580-8CD6-DDB14511944F}" type="slidenum">
               <a:rPr lang="en-US" smtClean="0"/>
-              <a:t>28</a:t>
+              <a:t>26</a:t>
             </a:fld>
             <a:endParaRPr lang="en-US" dirty="0"/>
           </a:p>
@@ -1585,7 +1599,7 @@
     </p:spTree>
     <p:extLst>
       <p:ext uri="{BB962C8B-B14F-4D97-AF65-F5344CB8AC3E}">
-        <p14:creationId xmlns:p14="http://schemas.microsoft.com/office/powerpoint/2010/main" val="865538117"/>
+        <p14:creationId xmlns:p14="http://schemas.microsoft.com/office/powerpoint/2010/main" val="2573664494"/>
       </p:ext>
     </p:extLst>
   </p:cSld>
@@ -1639,6 +1653,10 @@
           <a:bodyPr/>
           <a:lstStyle/>
           <a:p>
+            <a:r>
+              <a:rPr lang="en-US" dirty="0" smtClean="0"/>
+              <a:t>Apps must be registered with SharePoint. This page will generate a new client ID and secret for the app. If deployed to Azure, use that information to fill out the rest of the form.</a:t>
+            </a:r>
             <a:endParaRPr lang="en-US" dirty="0"/>
           </a:p>
         </p:txBody>
@@ -1658,7 +1676,7 @@
           <a:bodyPr/>
           <a:lstStyle/>
           <a:p>
-            <a:fld id="{676707B7-EE71-47B8-B3DA-B599B395A08A}" type="datetime1">
+            <a:fld id="{130F6A78-FCFE-4D45-B005-38A37DBDA5FF}" type="datetime1">
               <a:rPr lang="en-US" smtClean="0"/>
               <a:t>7/24/2014</a:t>
             </a:fld>
@@ -1683,7 +1701,7 @@
           <a:p>
             <a:fld id="{B4008EB6-D09E-4580-8CD6-DDB14511944F}" type="slidenum">
               <a:rPr lang="en-US" smtClean="0"/>
-              <a:t>37</a:t>
+              <a:t>27</a:t>
             </a:fld>
             <a:endParaRPr lang="en-US" dirty="0"/>
           </a:p>
@@ -1791,7 +1809,7 @@
     </p:spTree>
     <p:extLst>
       <p:ext uri="{BB962C8B-B14F-4D97-AF65-F5344CB8AC3E}">
-        <p14:creationId xmlns:p14="http://schemas.microsoft.com/office/powerpoint/2010/main" val="2390288072"/>
+        <p14:creationId xmlns:p14="http://schemas.microsoft.com/office/powerpoint/2010/main" val="504153509"/>
       </p:ext>
     </p:extLst>
   </p:cSld>
@@ -1864,7 +1882,7 @@
           <a:bodyPr/>
           <a:lstStyle/>
           <a:p>
-            <a:fld id="{676707B7-EE71-47B8-B3DA-B599B395A08A}" type="datetime1">
+            <a:fld id="{8A515E4B-48A0-498D-B44A-AAB8296969D7}" type="datetime1">
               <a:rPr lang="en-US" smtClean="0"/>
               <a:t>7/24/2014</a:t>
             </a:fld>
@@ -1889,7 +1907,7 @@
           <a:p>
             <a:fld id="{B4008EB6-D09E-4580-8CD6-DDB14511944F}" type="slidenum">
               <a:rPr lang="en-US" smtClean="0"/>
-              <a:t>38</a:t>
+              <a:t>28</a:t>
             </a:fld>
             <a:endParaRPr lang="en-US" dirty="0"/>
           </a:p>
@@ -1997,7 +2015,7 @@
     </p:spTree>
     <p:extLst>
       <p:ext uri="{BB962C8B-B14F-4D97-AF65-F5344CB8AC3E}">
-        <p14:creationId xmlns:p14="http://schemas.microsoft.com/office/powerpoint/2010/main" val="402909491"/>
+        <p14:creationId xmlns:p14="http://schemas.microsoft.com/office/powerpoint/2010/main" val="865538117"/>
       </p:ext>
     </p:extLst>
   </p:cSld>
@@ -2070,7 +2088,7 @@
           <a:bodyPr/>
           <a:lstStyle/>
           <a:p>
-            <a:fld id="{8A515E4B-48A0-498D-B44A-AAB8296969D7}" type="datetime1">
+            <a:fld id="{676707B7-EE71-47B8-B3DA-B599B395A08A}" type="datetime1">
               <a:rPr lang="en-US" smtClean="0"/>
               <a:t>7/24/2014</a:t>
             </a:fld>
@@ -2095,7 +2113,7 @@
           <a:p>
             <a:fld id="{B4008EB6-D09E-4580-8CD6-DDB14511944F}" type="slidenum">
               <a:rPr lang="en-US" smtClean="0"/>
-              <a:t>44</a:t>
+              <a:t>37</a:t>
             </a:fld>
             <a:endParaRPr lang="en-US" dirty="0"/>
           </a:p>
@@ -2203,7 +2221,7 @@
     </p:spTree>
     <p:extLst>
       <p:ext uri="{BB962C8B-B14F-4D97-AF65-F5344CB8AC3E}">
-        <p14:creationId xmlns:p14="http://schemas.microsoft.com/office/powerpoint/2010/main" val="4251820457"/>
+        <p14:creationId xmlns:p14="http://schemas.microsoft.com/office/powerpoint/2010/main" val="2390288072"/>
       </p:ext>
     </p:extLst>
   </p:cSld>
@@ -2301,7 +2319,7 @@
           <a:p>
             <a:fld id="{B4008EB6-D09E-4580-8CD6-DDB14511944F}" type="slidenum">
               <a:rPr lang="en-US" smtClean="0"/>
-              <a:t>47</a:t>
+              <a:t>38</a:t>
             </a:fld>
             <a:endParaRPr lang="en-US" dirty="0"/>
           </a:p>
@@ -2409,7 +2427,7 @@
     </p:spTree>
     <p:extLst>
       <p:ext uri="{BB962C8B-B14F-4D97-AF65-F5344CB8AC3E}">
-        <p14:creationId xmlns:p14="http://schemas.microsoft.com/office/powerpoint/2010/main" val="3032937167"/>
+        <p14:creationId xmlns:p14="http://schemas.microsoft.com/office/powerpoint/2010/main" val="402909491"/>
       </p:ext>
     </p:extLst>
   </p:cSld>
@@ -2463,6 +2481,10 @@
           <a:bodyPr/>
           <a:lstStyle/>
           <a:p>
+            <a:r>
+              <a:rPr lang="en-US" dirty="0" smtClean="0"/>
+              <a:t>Abstracts the management of tokens to make it easier</a:t>
+            </a:r>
             <a:endParaRPr lang="en-US" dirty="0"/>
           </a:p>
         </p:txBody>
@@ -2482,7 +2504,7 @@
           <a:bodyPr/>
           <a:lstStyle/>
           <a:p>
-            <a:fld id="{676707B7-EE71-47B8-B3DA-B599B395A08A}" type="datetime1">
+            <a:fld id="{65036D97-0781-4CB4-8310-DBE67BB75DC2}" type="datetime1">
               <a:rPr lang="en-US" smtClean="0"/>
               <a:t>7/24/2014</a:t>
             </a:fld>
@@ -2507,7 +2529,7 @@
           <a:p>
             <a:fld id="{B4008EB6-D09E-4580-8CD6-DDB14511944F}" type="slidenum">
               <a:rPr lang="en-US" smtClean="0"/>
-              <a:t>48</a:t>
+              <a:t>39</a:t>
             </a:fld>
             <a:endParaRPr lang="en-US" dirty="0"/>
           </a:p>
@@ -2615,7 +2637,7 @@
     </p:spTree>
     <p:extLst>
       <p:ext uri="{BB962C8B-B14F-4D97-AF65-F5344CB8AC3E}">
-        <p14:creationId xmlns:p14="http://schemas.microsoft.com/office/powerpoint/2010/main" val="886403123"/>
+        <p14:creationId xmlns:p14="http://schemas.microsoft.com/office/powerpoint/2010/main" val="2935189899"/>
       </p:ext>
     </p:extLst>
   </p:cSld>
@@ -2688,7 +2710,7 @@
           <a:bodyPr/>
           <a:lstStyle/>
           <a:p>
-            <a:fld id="{676707B7-EE71-47B8-B3DA-B599B395A08A}" type="datetime1">
+            <a:fld id="{8A515E4B-48A0-498D-B44A-AAB8296969D7}" type="datetime1">
               <a:rPr lang="en-US" smtClean="0"/>
               <a:t>7/24/2014</a:t>
             </a:fld>
@@ -2713,7 +2735,7 @@
           <a:p>
             <a:fld id="{B4008EB6-D09E-4580-8CD6-DDB14511944F}" type="slidenum">
               <a:rPr lang="en-US" smtClean="0"/>
-              <a:t>49</a:t>
+              <a:t>44</a:t>
             </a:fld>
             <a:endParaRPr lang="en-US" dirty="0"/>
           </a:p>
@@ -2821,7 +2843,7 @@
     </p:spTree>
     <p:extLst>
       <p:ext uri="{BB962C8B-B14F-4D97-AF65-F5344CB8AC3E}">
-        <p14:creationId xmlns:p14="http://schemas.microsoft.com/office/powerpoint/2010/main" val="1345786002"/>
+        <p14:creationId xmlns:p14="http://schemas.microsoft.com/office/powerpoint/2010/main" val="4251820457"/>
       </p:ext>
     </p:extLst>
   </p:cSld>
@@ -2919,7 +2941,7 @@
           <a:p>
             <a:fld id="{B4008EB6-D09E-4580-8CD6-DDB14511944F}" type="slidenum">
               <a:rPr lang="en-US" smtClean="0"/>
-              <a:t>50</a:t>
+              <a:t>47</a:t>
             </a:fld>
             <a:endParaRPr lang="en-US" dirty="0"/>
           </a:p>
@@ -3027,7 +3049,7 @@
     </p:spTree>
     <p:extLst>
       <p:ext uri="{BB962C8B-B14F-4D97-AF65-F5344CB8AC3E}">
-        <p14:creationId xmlns:p14="http://schemas.microsoft.com/office/powerpoint/2010/main" val="750826854"/>
+        <p14:creationId xmlns:p14="http://schemas.microsoft.com/office/powerpoint/2010/main" val="3032937167"/>
       </p:ext>
     </p:extLst>
   </p:cSld>
@@ -3125,7 +3147,7 @@
           <a:p>
             <a:fld id="{B4008EB6-D09E-4580-8CD6-DDB14511944F}" type="slidenum">
               <a:rPr lang="en-US" smtClean="0"/>
-              <a:t>51</a:t>
+              <a:t>48</a:t>
             </a:fld>
             <a:endParaRPr lang="en-US" dirty="0"/>
           </a:p>
@@ -3233,7 +3255,7 @@
     </p:spTree>
     <p:extLst>
       <p:ext uri="{BB962C8B-B14F-4D97-AF65-F5344CB8AC3E}">
-        <p14:creationId xmlns:p14="http://schemas.microsoft.com/office/powerpoint/2010/main" val="1219654585"/>
+        <p14:creationId xmlns:p14="http://schemas.microsoft.com/office/powerpoint/2010/main" val="886403123"/>
       </p:ext>
     </p:extLst>
   </p:cSld>
@@ -3613,7 +3635,7 @@
           <a:p>
             <a:fld id="{B4008EB6-D09E-4580-8CD6-DDB14511944F}" type="slidenum">
               <a:rPr lang="en-US" smtClean="0"/>
-              <a:t>52</a:t>
+              <a:t>49</a:t>
             </a:fld>
             <a:endParaRPr lang="en-US" dirty="0"/>
           </a:p>
@@ -3721,7 +3743,7 @@
     </p:spTree>
     <p:extLst>
       <p:ext uri="{BB962C8B-B14F-4D97-AF65-F5344CB8AC3E}">
-        <p14:creationId xmlns:p14="http://schemas.microsoft.com/office/powerpoint/2010/main" val="4084494337"/>
+        <p14:creationId xmlns:p14="http://schemas.microsoft.com/office/powerpoint/2010/main" val="1345786002"/>
       </p:ext>
     </p:extLst>
   </p:cSld>
@@ -3819,7 +3841,7 @@
           <a:p>
             <a:fld id="{B4008EB6-D09E-4580-8CD6-DDB14511944F}" type="slidenum">
               <a:rPr lang="en-US" smtClean="0"/>
-              <a:t>53</a:t>
+              <a:t>50</a:t>
             </a:fld>
             <a:endParaRPr lang="en-US" dirty="0"/>
           </a:p>
@@ -3927,7 +3949,7 @@
     </p:spTree>
     <p:extLst>
       <p:ext uri="{BB962C8B-B14F-4D97-AF65-F5344CB8AC3E}">
-        <p14:creationId xmlns:p14="http://schemas.microsoft.com/office/powerpoint/2010/main" val="3684340556"/>
+        <p14:creationId xmlns:p14="http://schemas.microsoft.com/office/powerpoint/2010/main" val="750826854"/>
       </p:ext>
     </p:extLst>
   </p:cSld>
@@ -4025,7 +4047,7 @@
           <a:p>
             <a:fld id="{B4008EB6-D09E-4580-8CD6-DDB14511944F}" type="slidenum">
               <a:rPr lang="en-US" smtClean="0"/>
-              <a:t>54</a:t>
+              <a:t>51</a:t>
             </a:fld>
             <a:endParaRPr lang="en-US" dirty="0"/>
           </a:p>
@@ -4133,7 +4155,7 @@
     </p:spTree>
     <p:extLst>
       <p:ext uri="{BB962C8B-B14F-4D97-AF65-F5344CB8AC3E}">
-        <p14:creationId xmlns:p14="http://schemas.microsoft.com/office/powerpoint/2010/main" val="3388193389"/>
+        <p14:creationId xmlns:p14="http://schemas.microsoft.com/office/powerpoint/2010/main" val="1219654585"/>
       </p:ext>
     </p:extLst>
   </p:cSld>
@@ -4206,7 +4228,7 @@
           <a:bodyPr/>
           <a:lstStyle/>
           <a:p>
-            <a:fld id="{8A515E4B-48A0-498D-B44A-AAB8296969D7}" type="datetime1">
+            <a:fld id="{676707B7-EE71-47B8-B3DA-B599B395A08A}" type="datetime1">
               <a:rPr lang="en-US" smtClean="0"/>
               <a:t>7/24/2014</a:t>
             </a:fld>
@@ -4231,7 +4253,7 @@
           <a:p>
             <a:fld id="{B4008EB6-D09E-4580-8CD6-DDB14511944F}" type="slidenum">
               <a:rPr lang="en-US" smtClean="0"/>
-              <a:t>59</a:t>
+              <a:t>52</a:t>
             </a:fld>
             <a:endParaRPr lang="en-US" dirty="0"/>
           </a:p>
@@ -4339,7 +4361,7 @@
     </p:spTree>
     <p:extLst>
       <p:ext uri="{BB962C8B-B14F-4D97-AF65-F5344CB8AC3E}">
-        <p14:creationId xmlns:p14="http://schemas.microsoft.com/office/powerpoint/2010/main" val="841008933"/>
+        <p14:creationId xmlns:p14="http://schemas.microsoft.com/office/powerpoint/2010/main" val="4084494337"/>
       </p:ext>
     </p:extLst>
   </p:cSld>
@@ -4437,7 +4459,7 @@
           <a:p>
             <a:fld id="{B4008EB6-D09E-4580-8CD6-DDB14511944F}" type="slidenum">
               <a:rPr lang="en-US" smtClean="0"/>
-              <a:t>62</a:t>
+              <a:t>53</a:t>
             </a:fld>
             <a:endParaRPr lang="en-US" dirty="0"/>
           </a:p>
@@ -4545,7 +4567,7 @@
     </p:spTree>
     <p:extLst>
       <p:ext uri="{BB962C8B-B14F-4D97-AF65-F5344CB8AC3E}">
-        <p14:creationId xmlns:p14="http://schemas.microsoft.com/office/powerpoint/2010/main" val="1770342298"/>
+        <p14:creationId xmlns:p14="http://schemas.microsoft.com/office/powerpoint/2010/main" val="3684340556"/>
       </p:ext>
     </p:extLst>
   </p:cSld>
@@ -4643,7 +4665,7 @@
           <a:p>
             <a:fld id="{B4008EB6-D09E-4580-8CD6-DDB14511944F}" type="slidenum">
               <a:rPr lang="en-US" smtClean="0"/>
-              <a:t>63</a:t>
+              <a:t>54</a:t>
             </a:fld>
             <a:endParaRPr lang="en-US" dirty="0"/>
           </a:p>
@@ -4751,7 +4773,7 @@
     </p:spTree>
     <p:extLst>
       <p:ext uri="{BB962C8B-B14F-4D97-AF65-F5344CB8AC3E}">
-        <p14:creationId xmlns:p14="http://schemas.microsoft.com/office/powerpoint/2010/main" val="1295717207"/>
+        <p14:creationId xmlns:p14="http://schemas.microsoft.com/office/powerpoint/2010/main" val="3388193389"/>
       </p:ext>
     </p:extLst>
   </p:cSld>
@@ -4805,6 +4827,22 @@
           <a:bodyPr/>
           <a:lstStyle/>
           <a:p>
+            <a:r>
+              <a:rPr lang="en-US" dirty="0" smtClean="0"/>
+              <a:t>The </a:t>
+            </a:r>
+            <a:r>
+              <a:rPr lang="en-US" dirty="0" err="1" smtClean="0"/>
+              <a:t>Oauth</a:t>
+            </a:r>
+            <a:r>
+              <a:rPr lang="en-US" dirty="0" smtClean="0"/>
+              <a:t> controller should be used in scenarios where you need to customize how tokens are handled. For example, you might want</a:t>
+            </a:r>
+            <a:r>
+              <a:rPr lang="en-US" baseline="0" dirty="0" smtClean="0"/>
+              <a:t> to save them to a database and make them available across sessions.</a:t>
+            </a:r>
             <a:endParaRPr lang="en-US" dirty="0"/>
           </a:p>
         </p:txBody>
@@ -4824,7 +4862,7 @@
           <a:bodyPr/>
           <a:lstStyle/>
           <a:p>
-            <a:fld id="{676707B7-EE71-47B8-B3DA-B599B395A08A}" type="datetime1">
+            <a:fld id="{2FB72B3C-19A5-40A1-B772-DE16D35E262B}" type="datetime1">
               <a:rPr lang="en-US" smtClean="0"/>
               <a:t>7/24/2014</a:t>
             </a:fld>
@@ -4849,7 +4887,7 @@
           <a:p>
             <a:fld id="{B4008EB6-D09E-4580-8CD6-DDB14511944F}" type="slidenum">
               <a:rPr lang="en-US" smtClean="0"/>
-              <a:t>64</a:t>
+              <a:t>58</a:t>
             </a:fld>
             <a:endParaRPr lang="en-US" dirty="0"/>
           </a:p>
@@ -4957,7 +4995,7 @@
     </p:spTree>
     <p:extLst>
       <p:ext uri="{BB962C8B-B14F-4D97-AF65-F5344CB8AC3E}">
-        <p14:creationId xmlns:p14="http://schemas.microsoft.com/office/powerpoint/2010/main" val="3126874683"/>
+        <p14:creationId xmlns:p14="http://schemas.microsoft.com/office/powerpoint/2010/main" val="47417999"/>
       </p:ext>
     </p:extLst>
   </p:cSld>
@@ -5030,7 +5068,7 @@
           <a:bodyPr/>
           <a:lstStyle/>
           <a:p>
-            <a:fld id="{676707B7-EE71-47B8-B3DA-B599B395A08A}" type="datetime1">
+            <a:fld id="{8A515E4B-48A0-498D-B44A-AAB8296969D7}" type="datetime1">
               <a:rPr lang="en-US" smtClean="0"/>
               <a:t>7/24/2014</a:t>
             </a:fld>
@@ -5055,7 +5093,7 @@
           <a:p>
             <a:fld id="{B4008EB6-D09E-4580-8CD6-DDB14511944F}" type="slidenum">
               <a:rPr lang="en-US" smtClean="0"/>
-              <a:t>65</a:t>
+              <a:t>59</a:t>
             </a:fld>
             <a:endParaRPr lang="en-US" dirty="0"/>
           </a:p>
@@ -5163,7 +5201,7 @@
     </p:spTree>
     <p:extLst>
       <p:ext uri="{BB962C8B-B14F-4D97-AF65-F5344CB8AC3E}">
-        <p14:creationId xmlns:p14="http://schemas.microsoft.com/office/powerpoint/2010/main" val="4112521448"/>
+        <p14:creationId xmlns:p14="http://schemas.microsoft.com/office/powerpoint/2010/main" val="841008933"/>
       </p:ext>
     </p:extLst>
   </p:cSld>
@@ -5261,7 +5299,7 @@
           <a:p>
             <a:fld id="{B4008EB6-D09E-4580-8CD6-DDB14511944F}" type="slidenum">
               <a:rPr lang="en-US" smtClean="0"/>
-              <a:t>66</a:t>
+              <a:t>62</a:t>
             </a:fld>
             <a:endParaRPr lang="en-US" dirty="0"/>
           </a:p>
@@ -5369,7 +5407,7 @@
     </p:spTree>
     <p:extLst>
       <p:ext uri="{BB962C8B-B14F-4D97-AF65-F5344CB8AC3E}">
-        <p14:creationId xmlns:p14="http://schemas.microsoft.com/office/powerpoint/2010/main" val="906975882"/>
+        <p14:creationId xmlns:p14="http://schemas.microsoft.com/office/powerpoint/2010/main" val="1770342298"/>
       </p:ext>
     </p:extLst>
   </p:cSld>
@@ -5467,7 +5505,7 @@
           <a:p>
             <a:fld id="{B4008EB6-D09E-4580-8CD6-DDB14511944F}" type="slidenum">
               <a:rPr lang="en-US" smtClean="0"/>
-              <a:t>67</a:t>
+              <a:t>63</a:t>
             </a:fld>
             <a:endParaRPr lang="en-US" dirty="0"/>
           </a:p>
@@ -5575,7 +5613,7 @@
     </p:spTree>
     <p:extLst>
       <p:ext uri="{BB962C8B-B14F-4D97-AF65-F5344CB8AC3E}">
-        <p14:creationId xmlns:p14="http://schemas.microsoft.com/office/powerpoint/2010/main" val="2177756301"/>
+        <p14:creationId xmlns:p14="http://schemas.microsoft.com/office/powerpoint/2010/main" val="1295717207"/>
       </p:ext>
     </p:extLst>
   </p:cSld>
@@ -5839,6 +5877,1056 @@
           <a:bodyPr/>
           <a:lstStyle/>
           <a:p>
+            <a:endParaRPr lang="en-US" dirty="0"/>
+          </a:p>
+        </p:txBody>
+      </p:sp>
+      <p:sp>
+        <p:nvSpPr>
+          <p:cNvPr id="4" name="Date Placeholder 3"/>
+          <p:cNvSpPr>
+            <a:spLocks noGrp="1"/>
+          </p:cNvSpPr>
+          <p:nvPr>
+            <p:ph type="dt" idx="10"/>
+          </p:nvPr>
+        </p:nvSpPr>
+        <p:spPr/>
+        <p:txBody>
+          <a:bodyPr/>
+          <a:lstStyle/>
+          <a:p>
+            <a:fld id="{676707B7-EE71-47B8-B3DA-B599B395A08A}" type="datetime1">
+              <a:rPr lang="en-US" smtClean="0"/>
+              <a:t>7/24/2014</a:t>
+            </a:fld>
+            <a:endParaRPr lang="en-US"/>
+          </a:p>
+        </p:txBody>
+      </p:sp>
+      <p:sp>
+        <p:nvSpPr>
+          <p:cNvPr id="5" name="Slide Number Placeholder 4"/>
+          <p:cNvSpPr>
+            <a:spLocks noGrp="1"/>
+          </p:cNvSpPr>
+          <p:nvPr>
+            <p:ph type="sldNum" sz="quarter" idx="11"/>
+          </p:nvPr>
+        </p:nvSpPr>
+        <p:spPr/>
+        <p:txBody>
+          <a:bodyPr/>
+          <a:lstStyle/>
+          <a:p>
+            <a:fld id="{B4008EB6-D09E-4580-8CD6-DDB14511944F}" type="slidenum">
+              <a:rPr lang="en-US" smtClean="0"/>
+              <a:t>64</a:t>
+            </a:fld>
+            <a:endParaRPr lang="en-US" dirty="0"/>
+          </a:p>
+        </p:txBody>
+      </p:sp>
+      <p:sp>
+        <p:nvSpPr>
+          <p:cNvPr id="6" name="Header Placeholder 5"/>
+          <p:cNvSpPr>
+            <a:spLocks noGrp="1"/>
+          </p:cNvSpPr>
+          <p:nvPr>
+            <p:ph type="hdr" sz="quarter" idx="12"/>
+          </p:nvPr>
+        </p:nvSpPr>
+        <p:spPr/>
+        <p:txBody>
+          <a:bodyPr/>
+          <a:lstStyle/>
+          <a:p>
+            <a:r>
+              <a:rPr lang="en-US" smtClean="0"/>
+              <a:t>Microsoft Office</a:t>
+            </a:r>
+            <a:endParaRPr lang="en-US" dirty="0"/>
+          </a:p>
+        </p:txBody>
+      </p:sp>
+      <p:sp>
+        <p:nvSpPr>
+          <p:cNvPr id="7" name="Footer Placeholder 6"/>
+          <p:cNvSpPr>
+            <a:spLocks noGrp="1"/>
+          </p:cNvSpPr>
+          <p:nvPr>
+            <p:ph type="ftr" sz="quarter" idx="13"/>
+          </p:nvPr>
+        </p:nvSpPr>
+        <p:spPr/>
+        <p:txBody>
+          <a:bodyPr/>
+          <a:lstStyle/>
+          <a:p>
+            <a:pPr marL="231775" defTabSz="914099" eaLnBrk="0" hangingPunct="0"/>
+            <a:r>
+              <a:rPr lang="en-US" sz="500" smtClean="0">
+                <a:gradFill>
+                  <a:gsLst>
+                    <a:gs pos="0">
+                      <a:schemeClr val="tx1"/>
+                    </a:gs>
+                    <a:gs pos="100000">
+                      <a:schemeClr val="tx1"/>
+                    </a:gs>
+                  </a:gsLst>
+                  <a:lin ang="5400000" scaled="0"/>
+                </a:gradFill>
+                <a:latin typeface="Segoe UI" pitchFamily="34" charset="0"/>
+                <a:ea typeface="Segoe UI" pitchFamily="34" charset="0"/>
+                <a:cs typeface="Segoe UI" pitchFamily="34" charset="0"/>
+              </a:rPr>
+              <a:t>© 2012 Microsoft Corporation. All rights reserved. Microsoft, Windows, and other product names are or may be registered trademarks and/or trademarks in the U.S. and/or other countries.</a:t>
+            </a:r>
+          </a:p>
+          <a:p>
+            <a:pPr marL="231775" defTabSz="914099" eaLnBrk="0" hangingPunct="0"/>
+            <a:r>
+              <a:rPr lang="en-US" sz="500" smtClean="0">
+                <a:gradFill>
+                  <a:gsLst>
+                    <a:gs pos="0">
+                      <a:schemeClr val="tx1"/>
+                    </a:gs>
+                    <a:gs pos="100000">
+                      <a:schemeClr val="tx1"/>
+                    </a:gs>
+                  </a:gsLst>
+                  <a:lin ang="5400000" scaled="0"/>
+                </a:gradFill>
+                <a:latin typeface="Segoe UI" pitchFamily="34" charset="0"/>
+                <a:ea typeface="Segoe UI" pitchFamily="34" charset="0"/>
+                <a:cs typeface="Segoe UI" pitchFamily="34" charset="0"/>
+              </a:rPr>
+              <a:t>The information herein is for informational purposes only and represents the current view of Microsoft Corporation as of the date of this presentation.  Because Microsoft must respond to changing market conditions, it should not be interpreted to be a commitment on the part of Microsoft, and Microsoft cannot guarantee the accuracy of any information provided after the date of this presentation.  MICROSOFT MAKES NO WARRANTIES, EXPRESS, IMPLIED OR STATUTORY, AS TO THE INFORMATION IN THIS PRESENTATION.</a:t>
+            </a:r>
+            <a:endParaRPr lang="en-US" sz="500" dirty="0">
+              <a:gradFill>
+                <a:gsLst>
+                  <a:gs pos="0">
+                    <a:schemeClr val="tx1"/>
+                  </a:gs>
+                  <a:gs pos="100000">
+                    <a:schemeClr val="tx1"/>
+                  </a:gs>
+                </a:gsLst>
+                <a:lin ang="5400000" scaled="0"/>
+              </a:gradFill>
+              <a:latin typeface="Segoe UI" pitchFamily="34" charset="0"/>
+              <a:ea typeface="Segoe UI" pitchFamily="34" charset="0"/>
+              <a:cs typeface="Segoe UI" pitchFamily="34" charset="0"/>
+            </a:endParaRPr>
+          </a:p>
+        </p:txBody>
+      </p:sp>
+    </p:spTree>
+    <p:extLst>
+      <p:ext uri="{BB962C8B-B14F-4D97-AF65-F5344CB8AC3E}">
+        <p14:creationId xmlns:p14="http://schemas.microsoft.com/office/powerpoint/2010/main" val="3126874683"/>
+      </p:ext>
+    </p:extLst>
+  </p:cSld>
+  <p:clrMapOvr>
+    <a:masterClrMapping/>
+  </p:clrMapOvr>
+</p:notes>
+</file>
+
+<file path=ppt/notesSlides/notesSlide31.xml><?xml version="1.0" encoding="utf-8"?>
+<p:notes xmlns:a="http://schemas.openxmlformats.org/drawingml/2006/main" xmlns:r="http://schemas.openxmlformats.org/officeDocument/2006/relationships" xmlns:p="http://schemas.openxmlformats.org/presentationml/2006/main">
+  <p:cSld>
+    <p:spTree>
+      <p:nvGrpSpPr>
+        <p:cNvPr id="1" name=""/>
+        <p:cNvGrpSpPr/>
+        <p:nvPr/>
+      </p:nvGrpSpPr>
+      <p:grpSpPr>
+        <a:xfrm>
+          <a:off x="0" y="0"/>
+          <a:ext cx="0" cy="0"/>
+          <a:chOff x="0" y="0"/>
+          <a:chExt cx="0" cy="0"/>
+        </a:xfrm>
+      </p:grpSpPr>
+      <p:sp>
+        <p:nvSpPr>
+          <p:cNvPr id="2" name="Slide Image Placeholder 1"/>
+          <p:cNvSpPr>
+            <a:spLocks noGrp="1" noRot="1" noChangeAspect="1"/>
+          </p:cNvSpPr>
+          <p:nvPr>
+            <p:ph type="sldImg"/>
+          </p:nvPr>
+        </p:nvSpPr>
+        <p:spPr/>
+      </p:sp>
+      <p:sp>
+        <p:nvSpPr>
+          <p:cNvPr id="3" name="Notes Placeholder 2"/>
+          <p:cNvSpPr>
+            <a:spLocks noGrp="1"/>
+          </p:cNvSpPr>
+          <p:nvPr>
+            <p:ph type="body" idx="1"/>
+          </p:nvPr>
+        </p:nvSpPr>
+        <p:spPr/>
+        <p:txBody>
+          <a:bodyPr/>
+          <a:lstStyle/>
+          <a:p>
+            <a:endParaRPr lang="en-US" dirty="0"/>
+          </a:p>
+        </p:txBody>
+      </p:sp>
+      <p:sp>
+        <p:nvSpPr>
+          <p:cNvPr id="4" name="Date Placeholder 3"/>
+          <p:cNvSpPr>
+            <a:spLocks noGrp="1"/>
+          </p:cNvSpPr>
+          <p:nvPr>
+            <p:ph type="dt" idx="10"/>
+          </p:nvPr>
+        </p:nvSpPr>
+        <p:spPr/>
+        <p:txBody>
+          <a:bodyPr/>
+          <a:lstStyle/>
+          <a:p>
+            <a:fld id="{676707B7-EE71-47B8-B3DA-B599B395A08A}" type="datetime1">
+              <a:rPr lang="en-US" smtClean="0"/>
+              <a:t>7/24/2014</a:t>
+            </a:fld>
+            <a:endParaRPr lang="en-US"/>
+          </a:p>
+        </p:txBody>
+      </p:sp>
+      <p:sp>
+        <p:nvSpPr>
+          <p:cNvPr id="5" name="Slide Number Placeholder 4"/>
+          <p:cNvSpPr>
+            <a:spLocks noGrp="1"/>
+          </p:cNvSpPr>
+          <p:nvPr>
+            <p:ph type="sldNum" sz="quarter" idx="11"/>
+          </p:nvPr>
+        </p:nvSpPr>
+        <p:spPr/>
+        <p:txBody>
+          <a:bodyPr/>
+          <a:lstStyle/>
+          <a:p>
+            <a:fld id="{B4008EB6-D09E-4580-8CD6-DDB14511944F}" type="slidenum">
+              <a:rPr lang="en-US" smtClean="0"/>
+              <a:t>65</a:t>
+            </a:fld>
+            <a:endParaRPr lang="en-US" dirty="0"/>
+          </a:p>
+        </p:txBody>
+      </p:sp>
+      <p:sp>
+        <p:nvSpPr>
+          <p:cNvPr id="6" name="Header Placeholder 5"/>
+          <p:cNvSpPr>
+            <a:spLocks noGrp="1"/>
+          </p:cNvSpPr>
+          <p:nvPr>
+            <p:ph type="hdr" sz="quarter" idx="12"/>
+          </p:nvPr>
+        </p:nvSpPr>
+        <p:spPr/>
+        <p:txBody>
+          <a:bodyPr/>
+          <a:lstStyle/>
+          <a:p>
+            <a:r>
+              <a:rPr lang="en-US" smtClean="0"/>
+              <a:t>Microsoft Office</a:t>
+            </a:r>
+            <a:endParaRPr lang="en-US" dirty="0"/>
+          </a:p>
+        </p:txBody>
+      </p:sp>
+      <p:sp>
+        <p:nvSpPr>
+          <p:cNvPr id="7" name="Footer Placeholder 6"/>
+          <p:cNvSpPr>
+            <a:spLocks noGrp="1"/>
+          </p:cNvSpPr>
+          <p:nvPr>
+            <p:ph type="ftr" sz="quarter" idx="13"/>
+          </p:nvPr>
+        </p:nvSpPr>
+        <p:spPr/>
+        <p:txBody>
+          <a:bodyPr/>
+          <a:lstStyle/>
+          <a:p>
+            <a:pPr marL="231775" defTabSz="914099" eaLnBrk="0" hangingPunct="0"/>
+            <a:r>
+              <a:rPr lang="en-US" sz="500" smtClean="0">
+                <a:gradFill>
+                  <a:gsLst>
+                    <a:gs pos="0">
+                      <a:schemeClr val="tx1"/>
+                    </a:gs>
+                    <a:gs pos="100000">
+                      <a:schemeClr val="tx1"/>
+                    </a:gs>
+                  </a:gsLst>
+                  <a:lin ang="5400000" scaled="0"/>
+                </a:gradFill>
+                <a:latin typeface="Segoe UI" pitchFamily="34" charset="0"/>
+                <a:ea typeface="Segoe UI" pitchFamily="34" charset="0"/>
+                <a:cs typeface="Segoe UI" pitchFamily="34" charset="0"/>
+              </a:rPr>
+              <a:t>© 2012 Microsoft Corporation. All rights reserved. Microsoft, Windows, and other product names are or may be registered trademarks and/or trademarks in the U.S. and/or other countries.</a:t>
+            </a:r>
+          </a:p>
+          <a:p>
+            <a:pPr marL="231775" defTabSz="914099" eaLnBrk="0" hangingPunct="0"/>
+            <a:r>
+              <a:rPr lang="en-US" sz="500" smtClean="0">
+                <a:gradFill>
+                  <a:gsLst>
+                    <a:gs pos="0">
+                      <a:schemeClr val="tx1"/>
+                    </a:gs>
+                    <a:gs pos="100000">
+                      <a:schemeClr val="tx1"/>
+                    </a:gs>
+                  </a:gsLst>
+                  <a:lin ang="5400000" scaled="0"/>
+                </a:gradFill>
+                <a:latin typeface="Segoe UI" pitchFamily="34" charset="0"/>
+                <a:ea typeface="Segoe UI" pitchFamily="34" charset="0"/>
+                <a:cs typeface="Segoe UI" pitchFamily="34" charset="0"/>
+              </a:rPr>
+              <a:t>The information herein is for informational purposes only and represents the current view of Microsoft Corporation as of the date of this presentation.  Because Microsoft must respond to changing market conditions, it should not be interpreted to be a commitment on the part of Microsoft, and Microsoft cannot guarantee the accuracy of any information provided after the date of this presentation.  MICROSOFT MAKES NO WARRANTIES, EXPRESS, IMPLIED OR STATUTORY, AS TO THE INFORMATION IN THIS PRESENTATION.</a:t>
+            </a:r>
+            <a:endParaRPr lang="en-US" sz="500" dirty="0">
+              <a:gradFill>
+                <a:gsLst>
+                  <a:gs pos="0">
+                    <a:schemeClr val="tx1"/>
+                  </a:gs>
+                  <a:gs pos="100000">
+                    <a:schemeClr val="tx1"/>
+                  </a:gs>
+                </a:gsLst>
+                <a:lin ang="5400000" scaled="0"/>
+              </a:gradFill>
+              <a:latin typeface="Segoe UI" pitchFamily="34" charset="0"/>
+              <a:ea typeface="Segoe UI" pitchFamily="34" charset="0"/>
+              <a:cs typeface="Segoe UI" pitchFamily="34" charset="0"/>
+            </a:endParaRPr>
+          </a:p>
+        </p:txBody>
+      </p:sp>
+    </p:spTree>
+    <p:extLst>
+      <p:ext uri="{BB962C8B-B14F-4D97-AF65-F5344CB8AC3E}">
+        <p14:creationId xmlns:p14="http://schemas.microsoft.com/office/powerpoint/2010/main" val="4112521448"/>
+      </p:ext>
+    </p:extLst>
+  </p:cSld>
+  <p:clrMapOvr>
+    <a:masterClrMapping/>
+  </p:clrMapOvr>
+</p:notes>
+</file>
+
+<file path=ppt/notesSlides/notesSlide32.xml><?xml version="1.0" encoding="utf-8"?>
+<p:notes xmlns:a="http://schemas.openxmlformats.org/drawingml/2006/main" xmlns:r="http://schemas.openxmlformats.org/officeDocument/2006/relationships" xmlns:p="http://schemas.openxmlformats.org/presentationml/2006/main">
+  <p:cSld>
+    <p:spTree>
+      <p:nvGrpSpPr>
+        <p:cNvPr id="1" name=""/>
+        <p:cNvGrpSpPr/>
+        <p:nvPr/>
+      </p:nvGrpSpPr>
+      <p:grpSpPr>
+        <a:xfrm>
+          <a:off x="0" y="0"/>
+          <a:ext cx="0" cy="0"/>
+          <a:chOff x="0" y="0"/>
+          <a:chExt cx="0" cy="0"/>
+        </a:xfrm>
+      </p:grpSpPr>
+      <p:sp>
+        <p:nvSpPr>
+          <p:cNvPr id="2" name="Slide Image Placeholder 1"/>
+          <p:cNvSpPr>
+            <a:spLocks noGrp="1" noRot="1" noChangeAspect="1"/>
+          </p:cNvSpPr>
+          <p:nvPr>
+            <p:ph type="sldImg"/>
+          </p:nvPr>
+        </p:nvSpPr>
+        <p:spPr/>
+      </p:sp>
+      <p:sp>
+        <p:nvSpPr>
+          <p:cNvPr id="3" name="Notes Placeholder 2"/>
+          <p:cNvSpPr>
+            <a:spLocks noGrp="1"/>
+          </p:cNvSpPr>
+          <p:nvPr>
+            <p:ph type="body" idx="1"/>
+          </p:nvPr>
+        </p:nvSpPr>
+        <p:spPr/>
+        <p:txBody>
+          <a:bodyPr/>
+          <a:lstStyle/>
+          <a:p>
+            <a:endParaRPr lang="en-US" dirty="0"/>
+          </a:p>
+        </p:txBody>
+      </p:sp>
+      <p:sp>
+        <p:nvSpPr>
+          <p:cNvPr id="4" name="Date Placeholder 3"/>
+          <p:cNvSpPr>
+            <a:spLocks noGrp="1"/>
+          </p:cNvSpPr>
+          <p:nvPr>
+            <p:ph type="dt" idx="10"/>
+          </p:nvPr>
+        </p:nvSpPr>
+        <p:spPr/>
+        <p:txBody>
+          <a:bodyPr/>
+          <a:lstStyle/>
+          <a:p>
+            <a:fld id="{676707B7-EE71-47B8-B3DA-B599B395A08A}" type="datetime1">
+              <a:rPr lang="en-US" smtClean="0"/>
+              <a:t>7/24/2014</a:t>
+            </a:fld>
+            <a:endParaRPr lang="en-US"/>
+          </a:p>
+        </p:txBody>
+      </p:sp>
+      <p:sp>
+        <p:nvSpPr>
+          <p:cNvPr id="5" name="Slide Number Placeholder 4"/>
+          <p:cNvSpPr>
+            <a:spLocks noGrp="1"/>
+          </p:cNvSpPr>
+          <p:nvPr>
+            <p:ph type="sldNum" sz="quarter" idx="11"/>
+          </p:nvPr>
+        </p:nvSpPr>
+        <p:spPr/>
+        <p:txBody>
+          <a:bodyPr/>
+          <a:lstStyle/>
+          <a:p>
+            <a:fld id="{B4008EB6-D09E-4580-8CD6-DDB14511944F}" type="slidenum">
+              <a:rPr lang="en-US" smtClean="0"/>
+              <a:t>66</a:t>
+            </a:fld>
+            <a:endParaRPr lang="en-US" dirty="0"/>
+          </a:p>
+        </p:txBody>
+      </p:sp>
+      <p:sp>
+        <p:nvSpPr>
+          <p:cNvPr id="6" name="Header Placeholder 5"/>
+          <p:cNvSpPr>
+            <a:spLocks noGrp="1"/>
+          </p:cNvSpPr>
+          <p:nvPr>
+            <p:ph type="hdr" sz="quarter" idx="12"/>
+          </p:nvPr>
+        </p:nvSpPr>
+        <p:spPr/>
+        <p:txBody>
+          <a:bodyPr/>
+          <a:lstStyle/>
+          <a:p>
+            <a:r>
+              <a:rPr lang="en-US" smtClean="0"/>
+              <a:t>Microsoft Office</a:t>
+            </a:r>
+            <a:endParaRPr lang="en-US" dirty="0"/>
+          </a:p>
+        </p:txBody>
+      </p:sp>
+      <p:sp>
+        <p:nvSpPr>
+          <p:cNvPr id="7" name="Footer Placeholder 6"/>
+          <p:cNvSpPr>
+            <a:spLocks noGrp="1"/>
+          </p:cNvSpPr>
+          <p:nvPr>
+            <p:ph type="ftr" sz="quarter" idx="13"/>
+          </p:nvPr>
+        </p:nvSpPr>
+        <p:spPr/>
+        <p:txBody>
+          <a:bodyPr/>
+          <a:lstStyle/>
+          <a:p>
+            <a:pPr marL="231775" defTabSz="914099" eaLnBrk="0" hangingPunct="0"/>
+            <a:r>
+              <a:rPr lang="en-US" sz="500" smtClean="0">
+                <a:gradFill>
+                  <a:gsLst>
+                    <a:gs pos="0">
+                      <a:schemeClr val="tx1"/>
+                    </a:gs>
+                    <a:gs pos="100000">
+                      <a:schemeClr val="tx1"/>
+                    </a:gs>
+                  </a:gsLst>
+                  <a:lin ang="5400000" scaled="0"/>
+                </a:gradFill>
+                <a:latin typeface="Segoe UI" pitchFamily="34" charset="0"/>
+                <a:ea typeface="Segoe UI" pitchFamily="34" charset="0"/>
+                <a:cs typeface="Segoe UI" pitchFamily="34" charset="0"/>
+              </a:rPr>
+              <a:t>© 2012 Microsoft Corporation. All rights reserved. Microsoft, Windows, and other product names are or may be registered trademarks and/or trademarks in the U.S. and/or other countries.</a:t>
+            </a:r>
+          </a:p>
+          <a:p>
+            <a:pPr marL="231775" defTabSz="914099" eaLnBrk="0" hangingPunct="0"/>
+            <a:r>
+              <a:rPr lang="en-US" sz="500" smtClean="0">
+                <a:gradFill>
+                  <a:gsLst>
+                    <a:gs pos="0">
+                      <a:schemeClr val="tx1"/>
+                    </a:gs>
+                    <a:gs pos="100000">
+                      <a:schemeClr val="tx1"/>
+                    </a:gs>
+                  </a:gsLst>
+                  <a:lin ang="5400000" scaled="0"/>
+                </a:gradFill>
+                <a:latin typeface="Segoe UI" pitchFamily="34" charset="0"/>
+                <a:ea typeface="Segoe UI" pitchFamily="34" charset="0"/>
+                <a:cs typeface="Segoe UI" pitchFamily="34" charset="0"/>
+              </a:rPr>
+              <a:t>The information herein is for informational purposes only and represents the current view of Microsoft Corporation as of the date of this presentation.  Because Microsoft must respond to changing market conditions, it should not be interpreted to be a commitment on the part of Microsoft, and Microsoft cannot guarantee the accuracy of any information provided after the date of this presentation.  MICROSOFT MAKES NO WARRANTIES, EXPRESS, IMPLIED OR STATUTORY, AS TO THE INFORMATION IN THIS PRESENTATION.</a:t>
+            </a:r>
+            <a:endParaRPr lang="en-US" sz="500" dirty="0">
+              <a:gradFill>
+                <a:gsLst>
+                  <a:gs pos="0">
+                    <a:schemeClr val="tx1"/>
+                  </a:gs>
+                  <a:gs pos="100000">
+                    <a:schemeClr val="tx1"/>
+                  </a:gs>
+                </a:gsLst>
+                <a:lin ang="5400000" scaled="0"/>
+              </a:gradFill>
+              <a:latin typeface="Segoe UI" pitchFamily="34" charset="0"/>
+              <a:ea typeface="Segoe UI" pitchFamily="34" charset="0"/>
+              <a:cs typeface="Segoe UI" pitchFamily="34" charset="0"/>
+            </a:endParaRPr>
+          </a:p>
+        </p:txBody>
+      </p:sp>
+    </p:spTree>
+    <p:extLst>
+      <p:ext uri="{BB962C8B-B14F-4D97-AF65-F5344CB8AC3E}">
+        <p14:creationId xmlns:p14="http://schemas.microsoft.com/office/powerpoint/2010/main" val="906975882"/>
+      </p:ext>
+    </p:extLst>
+  </p:cSld>
+  <p:clrMapOvr>
+    <a:masterClrMapping/>
+  </p:clrMapOvr>
+</p:notes>
+</file>
+
+<file path=ppt/notesSlides/notesSlide33.xml><?xml version="1.0" encoding="utf-8"?>
+<p:notes xmlns:a="http://schemas.openxmlformats.org/drawingml/2006/main" xmlns:r="http://schemas.openxmlformats.org/officeDocument/2006/relationships" xmlns:p="http://schemas.openxmlformats.org/presentationml/2006/main">
+  <p:cSld>
+    <p:spTree>
+      <p:nvGrpSpPr>
+        <p:cNvPr id="1" name=""/>
+        <p:cNvGrpSpPr/>
+        <p:nvPr/>
+      </p:nvGrpSpPr>
+      <p:grpSpPr>
+        <a:xfrm>
+          <a:off x="0" y="0"/>
+          <a:ext cx="0" cy="0"/>
+          <a:chOff x="0" y="0"/>
+          <a:chExt cx="0" cy="0"/>
+        </a:xfrm>
+      </p:grpSpPr>
+      <p:sp>
+        <p:nvSpPr>
+          <p:cNvPr id="2" name="Slide Image Placeholder 1"/>
+          <p:cNvSpPr>
+            <a:spLocks noGrp="1" noRot="1" noChangeAspect="1"/>
+          </p:cNvSpPr>
+          <p:nvPr>
+            <p:ph type="sldImg"/>
+          </p:nvPr>
+        </p:nvSpPr>
+        <p:spPr/>
+      </p:sp>
+      <p:sp>
+        <p:nvSpPr>
+          <p:cNvPr id="3" name="Notes Placeholder 2"/>
+          <p:cNvSpPr>
+            <a:spLocks noGrp="1"/>
+          </p:cNvSpPr>
+          <p:nvPr>
+            <p:ph type="body" idx="1"/>
+          </p:nvPr>
+        </p:nvSpPr>
+        <p:spPr/>
+        <p:txBody>
+          <a:bodyPr/>
+          <a:lstStyle/>
+          <a:p>
+            <a:endParaRPr lang="en-US" dirty="0"/>
+          </a:p>
+        </p:txBody>
+      </p:sp>
+      <p:sp>
+        <p:nvSpPr>
+          <p:cNvPr id="4" name="Date Placeholder 3"/>
+          <p:cNvSpPr>
+            <a:spLocks noGrp="1"/>
+          </p:cNvSpPr>
+          <p:nvPr>
+            <p:ph type="dt" idx="10"/>
+          </p:nvPr>
+        </p:nvSpPr>
+        <p:spPr/>
+        <p:txBody>
+          <a:bodyPr/>
+          <a:lstStyle/>
+          <a:p>
+            <a:fld id="{676707B7-EE71-47B8-B3DA-B599B395A08A}" type="datetime1">
+              <a:rPr lang="en-US" smtClean="0"/>
+              <a:t>7/24/2014</a:t>
+            </a:fld>
+            <a:endParaRPr lang="en-US"/>
+          </a:p>
+        </p:txBody>
+      </p:sp>
+      <p:sp>
+        <p:nvSpPr>
+          <p:cNvPr id="5" name="Slide Number Placeholder 4"/>
+          <p:cNvSpPr>
+            <a:spLocks noGrp="1"/>
+          </p:cNvSpPr>
+          <p:nvPr>
+            <p:ph type="sldNum" sz="quarter" idx="11"/>
+          </p:nvPr>
+        </p:nvSpPr>
+        <p:spPr/>
+        <p:txBody>
+          <a:bodyPr/>
+          <a:lstStyle/>
+          <a:p>
+            <a:fld id="{B4008EB6-D09E-4580-8CD6-DDB14511944F}" type="slidenum">
+              <a:rPr lang="en-US" smtClean="0"/>
+              <a:t>67</a:t>
+            </a:fld>
+            <a:endParaRPr lang="en-US" dirty="0"/>
+          </a:p>
+        </p:txBody>
+      </p:sp>
+      <p:sp>
+        <p:nvSpPr>
+          <p:cNvPr id="6" name="Header Placeholder 5"/>
+          <p:cNvSpPr>
+            <a:spLocks noGrp="1"/>
+          </p:cNvSpPr>
+          <p:nvPr>
+            <p:ph type="hdr" sz="quarter" idx="12"/>
+          </p:nvPr>
+        </p:nvSpPr>
+        <p:spPr/>
+        <p:txBody>
+          <a:bodyPr/>
+          <a:lstStyle/>
+          <a:p>
+            <a:r>
+              <a:rPr lang="en-US" smtClean="0"/>
+              <a:t>Microsoft Office</a:t>
+            </a:r>
+            <a:endParaRPr lang="en-US" dirty="0"/>
+          </a:p>
+        </p:txBody>
+      </p:sp>
+      <p:sp>
+        <p:nvSpPr>
+          <p:cNvPr id="7" name="Footer Placeholder 6"/>
+          <p:cNvSpPr>
+            <a:spLocks noGrp="1"/>
+          </p:cNvSpPr>
+          <p:nvPr>
+            <p:ph type="ftr" sz="quarter" idx="13"/>
+          </p:nvPr>
+        </p:nvSpPr>
+        <p:spPr/>
+        <p:txBody>
+          <a:bodyPr/>
+          <a:lstStyle/>
+          <a:p>
+            <a:pPr marL="231775" defTabSz="914099" eaLnBrk="0" hangingPunct="0"/>
+            <a:r>
+              <a:rPr lang="en-US" sz="500" smtClean="0">
+                <a:gradFill>
+                  <a:gsLst>
+                    <a:gs pos="0">
+                      <a:schemeClr val="tx1"/>
+                    </a:gs>
+                    <a:gs pos="100000">
+                      <a:schemeClr val="tx1"/>
+                    </a:gs>
+                  </a:gsLst>
+                  <a:lin ang="5400000" scaled="0"/>
+                </a:gradFill>
+                <a:latin typeface="Segoe UI" pitchFamily="34" charset="0"/>
+                <a:ea typeface="Segoe UI" pitchFamily="34" charset="0"/>
+                <a:cs typeface="Segoe UI" pitchFamily="34" charset="0"/>
+              </a:rPr>
+              <a:t>© 2012 Microsoft Corporation. All rights reserved. Microsoft, Windows, and other product names are or may be registered trademarks and/or trademarks in the U.S. and/or other countries.</a:t>
+            </a:r>
+          </a:p>
+          <a:p>
+            <a:pPr marL="231775" defTabSz="914099" eaLnBrk="0" hangingPunct="0"/>
+            <a:r>
+              <a:rPr lang="en-US" sz="500" smtClean="0">
+                <a:gradFill>
+                  <a:gsLst>
+                    <a:gs pos="0">
+                      <a:schemeClr val="tx1"/>
+                    </a:gs>
+                    <a:gs pos="100000">
+                      <a:schemeClr val="tx1"/>
+                    </a:gs>
+                  </a:gsLst>
+                  <a:lin ang="5400000" scaled="0"/>
+                </a:gradFill>
+                <a:latin typeface="Segoe UI" pitchFamily="34" charset="0"/>
+                <a:ea typeface="Segoe UI" pitchFamily="34" charset="0"/>
+                <a:cs typeface="Segoe UI" pitchFamily="34" charset="0"/>
+              </a:rPr>
+              <a:t>The information herein is for informational purposes only and represents the current view of Microsoft Corporation as of the date of this presentation.  Because Microsoft must respond to changing market conditions, it should not be interpreted to be a commitment on the part of Microsoft, and Microsoft cannot guarantee the accuracy of any information provided after the date of this presentation.  MICROSOFT MAKES NO WARRANTIES, EXPRESS, IMPLIED OR STATUTORY, AS TO THE INFORMATION IN THIS PRESENTATION.</a:t>
+            </a:r>
+            <a:endParaRPr lang="en-US" sz="500" dirty="0">
+              <a:gradFill>
+                <a:gsLst>
+                  <a:gs pos="0">
+                    <a:schemeClr val="tx1"/>
+                  </a:gs>
+                  <a:gs pos="100000">
+                    <a:schemeClr val="tx1"/>
+                  </a:gs>
+                </a:gsLst>
+                <a:lin ang="5400000" scaled="0"/>
+              </a:gradFill>
+              <a:latin typeface="Segoe UI" pitchFamily="34" charset="0"/>
+              <a:ea typeface="Segoe UI" pitchFamily="34" charset="0"/>
+              <a:cs typeface="Segoe UI" pitchFamily="34" charset="0"/>
+            </a:endParaRPr>
+          </a:p>
+        </p:txBody>
+      </p:sp>
+    </p:spTree>
+    <p:extLst>
+      <p:ext uri="{BB962C8B-B14F-4D97-AF65-F5344CB8AC3E}">
+        <p14:creationId xmlns:p14="http://schemas.microsoft.com/office/powerpoint/2010/main" val="2177756301"/>
+      </p:ext>
+    </p:extLst>
+  </p:cSld>
+  <p:clrMapOvr>
+    <a:masterClrMapping/>
+  </p:clrMapOvr>
+</p:notes>
+</file>
+
+<file path=ppt/notesSlides/notesSlide34.xml><?xml version="1.0" encoding="utf-8"?>
+<p:notes xmlns:a="http://schemas.openxmlformats.org/drawingml/2006/main" xmlns:r="http://schemas.openxmlformats.org/officeDocument/2006/relationships" xmlns:p="http://schemas.openxmlformats.org/presentationml/2006/main">
+  <p:cSld>
+    <p:spTree>
+      <p:nvGrpSpPr>
+        <p:cNvPr id="1" name=""/>
+        <p:cNvGrpSpPr/>
+        <p:nvPr/>
+      </p:nvGrpSpPr>
+      <p:grpSpPr>
+        <a:xfrm>
+          <a:off x="0" y="0"/>
+          <a:ext cx="0" cy="0"/>
+          <a:chOff x="0" y="0"/>
+          <a:chExt cx="0" cy="0"/>
+        </a:xfrm>
+      </p:grpSpPr>
+      <p:sp>
+        <p:nvSpPr>
+          <p:cNvPr id="2" name="Slide Image Placeholder 1"/>
+          <p:cNvSpPr>
+            <a:spLocks noGrp="1" noRot="1" noChangeAspect="1"/>
+          </p:cNvSpPr>
+          <p:nvPr>
+            <p:ph type="sldImg"/>
+          </p:nvPr>
+        </p:nvSpPr>
+        <p:spPr/>
+      </p:sp>
+      <p:sp>
+        <p:nvSpPr>
+          <p:cNvPr id="3" name="Notes Placeholder 2"/>
+          <p:cNvSpPr>
+            <a:spLocks noGrp="1"/>
+          </p:cNvSpPr>
+          <p:nvPr>
+            <p:ph type="body" idx="1"/>
+          </p:nvPr>
+        </p:nvSpPr>
+        <p:spPr/>
+        <p:txBody>
+          <a:bodyPr/>
+          <a:lstStyle/>
+          <a:p>
+            <a:r>
+              <a:rPr lang="en-US" dirty="0" smtClean="0"/>
+              <a:t>The </a:t>
+            </a:r>
+            <a:r>
+              <a:rPr lang="en-US" dirty="0" err="1" smtClean="0"/>
+              <a:t>Oauth</a:t>
+            </a:r>
+            <a:r>
+              <a:rPr lang="en-US" dirty="0" smtClean="0"/>
+              <a:t> controller needs you to provide a redirect URL and it will give back </a:t>
+            </a:r>
+            <a:r>
+              <a:rPr lang="en-US" smtClean="0"/>
+              <a:t>the authorization </a:t>
+            </a:r>
+            <a:r>
+              <a:rPr lang="en-US" dirty="0" smtClean="0"/>
+              <a:t>URL</a:t>
+            </a:r>
+            <a:endParaRPr lang="en-US" dirty="0"/>
+          </a:p>
+        </p:txBody>
+      </p:sp>
+      <p:sp>
+        <p:nvSpPr>
+          <p:cNvPr id="4" name="Date Placeholder 3"/>
+          <p:cNvSpPr>
+            <a:spLocks noGrp="1"/>
+          </p:cNvSpPr>
+          <p:nvPr>
+            <p:ph type="dt" idx="10"/>
+          </p:nvPr>
+        </p:nvSpPr>
+        <p:spPr/>
+        <p:txBody>
+          <a:bodyPr/>
+          <a:lstStyle/>
+          <a:p>
+            <a:fld id="{1B4EBD05-8EBB-4AB3-A4B2-2126F6DCC32D}" type="datetime1">
+              <a:rPr lang="en-US" smtClean="0"/>
+              <a:t>7/24/2014</a:t>
+            </a:fld>
+            <a:endParaRPr lang="en-US"/>
+          </a:p>
+        </p:txBody>
+      </p:sp>
+      <p:sp>
+        <p:nvSpPr>
+          <p:cNvPr id="5" name="Slide Number Placeholder 4"/>
+          <p:cNvSpPr>
+            <a:spLocks noGrp="1"/>
+          </p:cNvSpPr>
+          <p:nvPr>
+            <p:ph type="sldNum" sz="quarter" idx="11"/>
+          </p:nvPr>
+        </p:nvSpPr>
+        <p:spPr/>
+        <p:txBody>
+          <a:bodyPr/>
+          <a:lstStyle/>
+          <a:p>
+            <a:fld id="{B4008EB6-D09E-4580-8CD6-DDB14511944F}" type="slidenum">
+              <a:rPr lang="en-US" smtClean="0"/>
+              <a:t>68</a:t>
+            </a:fld>
+            <a:endParaRPr lang="en-US" dirty="0"/>
+          </a:p>
+        </p:txBody>
+      </p:sp>
+      <p:sp>
+        <p:nvSpPr>
+          <p:cNvPr id="6" name="Header Placeholder 5"/>
+          <p:cNvSpPr>
+            <a:spLocks noGrp="1"/>
+          </p:cNvSpPr>
+          <p:nvPr>
+            <p:ph type="hdr" sz="quarter" idx="12"/>
+          </p:nvPr>
+        </p:nvSpPr>
+        <p:spPr/>
+        <p:txBody>
+          <a:bodyPr/>
+          <a:lstStyle/>
+          <a:p>
+            <a:r>
+              <a:rPr lang="en-US" smtClean="0"/>
+              <a:t>Microsoft Office</a:t>
+            </a:r>
+            <a:endParaRPr lang="en-US" dirty="0"/>
+          </a:p>
+        </p:txBody>
+      </p:sp>
+      <p:sp>
+        <p:nvSpPr>
+          <p:cNvPr id="7" name="Footer Placeholder 6"/>
+          <p:cNvSpPr>
+            <a:spLocks noGrp="1"/>
+          </p:cNvSpPr>
+          <p:nvPr>
+            <p:ph type="ftr" sz="quarter" idx="13"/>
+          </p:nvPr>
+        </p:nvSpPr>
+        <p:spPr/>
+        <p:txBody>
+          <a:bodyPr/>
+          <a:lstStyle/>
+          <a:p>
+            <a:pPr marL="231775" defTabSz="914099" eaLnBrk="0" hangingPunct="0"/>
+            <a:r>
+              <a:rPr lang="en-US" sz="500" smtClean="0">
+                <a:gradFill>
+                  <a:gsLst>
+                    <a:gs pos="0">
+                      <a:schemeClr val="tx1"/>
+                    </a:gs>
+                    <a:gs pos="100000">
+                      <a:schemeClr val="tx1"/>
+                    </a:gs>
+                  </a:gsLst>
+                  <a:lin ang="5400000" scaled="0"/>
+                </a:gradFill>
+                <a:latin typeface="Segoe UI" pitchFamily="34" charset="0"/>
+                <a:ea typeface="Segoe UI" pitchFamily="34" charset="0"/>
+                <a:cs typeface="Segoe UI" pitchFamily="34" charset="0"/>
+              </a:rPr>
+              <a:t>© 2012 Microsoft Corporation. All rights reserved. Microsoft, Windows, and other product names are or may be registered trademarks and/or trademarks in the U.S. and/or other countries.</a:t>
+            </a:r>
+          </a:p>
+          <a:p>
+            <a:pPr marL="231775" defTabSz="914099" eaLnBrk="0" hangingPunct="0"/>
+            <a:r>
+              <a:rPr lang="en-US" sz="500" smtClean="0">
+                <a:gradFill>
+                  <a:gsLst>
+                    <a:gs pos="0">
+                      <a:schemeClr val="tx1"/>
+                    </a:gs>
+                    <a:gs pos="100000">
+                      <a:schemeClr val="tx1"/>
+                    </a:gs>
+                  </a:gsLst>
+                  <a:lin ang="5400000" scaled="0"/>
+                </a:gradFill>
+                <a:latin typeface="Segoe UI" pitchFamily="34" charset="0"/>
+                <a:ea typeface="Segoe UI" pitchFamily="34" charset="0"/>
+                <a:cs typeface="Segoe UI" pitchFamily="34" charset="0"/>
+              </a:rPr>
+              <a:t>The information herein is for informational purposes only and represents the current view of Microsoft Corporation as of the date of this presentation.  Because Microsoft must respond to changing market conditions, it should not be interpreted to be a commitment on the part of Microsoft, and Microsoft cannot guarantee the accuracy of any information provided after the date of this presentation.  MICROSOFT MAKES NO WARRANTIES, EXPRESS, IMPLIED OR STATUTORY, AS TO THE INFORMATION IN THIS PRESENTATION.</a:t>
+            </a:r>
+            <a:endParaRPr lang="en-US" sz="500" dirty="0">
+              <a:gradFill>
+                <a:gsLst>
+                  <a:gs pos="0">
+                    <a:schemeClr val="tx1"/>
+                  </a:gs>
+                  <a:gs pos="100000">
+                    <a:schemeClr val="tx1"/>
+                  </a:gs>
+                </a:gsLst>
+                <a:lin ang="5400000" scaled="0"/>
+              </a:gradFill>
+              <a:latin typeface="Segoe UI" pitchFamily="34" charset="0"/>
+              <a:ea typeface="Segoe UI" pitchFamily="34" charset="0"/>
+              <a:cs typeface="Segoe UI" pitchFamily="34" charset="0"/>
+            </a:endParaRPr>
+          </a:p>
+        </p:txBody>
+      </p:sp>
+    </p:spTree>
+    <p:extLst>
+      <p:ext uri="{BB962C8B-B14F-4D97-AF65-F5344CB8AC3E}">
+        <p14:creationId xmlns:p14="http://schemas.microsoft.com/office/powerpoint/2010/main" val="1480150203"/>
+      </p:ext>
+    </p:extLst>
+  </p:cSld>
+  <p:clrMapOvr>
+    <a:masterClrMapping/>
+  </p:clrMapOvr>
+</p:notes>
+</file>
+
+<file path=ppt/notesSlides/notesSlide35.xml><?xml version="1.0" encoding="utf-8"?>
+<p:notes xmlns:a="http://schemas.openxmlformats.org/drawingml/2006/main" xmlns:r="http://schemas.openxmlformats.org/officeDocument/2006/relationships" xmlns:p="http://schemas.openxmlformats.org/presentationml/2006/main">
+  <p:cSld>
+    <p:spTree>
+      <p:nvGrpSpPr>
+        <p:cNvPr id="1" name=""/>
+        <p:cNvGrpSpPr/>
+        <p:nvPr/>
+      </p:nvGrpSpPr>
+      <p:grpSpPr>
+        <a:xfrm>
+          <a:off x="0" y="0"/>
+          <a:ext cx="0" cy="0"/>
+          <a:chOff x="0" y="0"/>
+          <a:chExt cx="0" cy="0"/>
+        </a:xfrm>
+      </p:grpSpPr>
+      <p:sp>
+        <p:nvSpPr>
+          <p:cNvPr id="2" name="Slide Image Placeholder 1"/>
+          <p:cNvSpPr>
+            <a:spLocks noGrp="1" noRot="1" noChangeAspect="1"/>
+          </p:cNvSpPr>
+          <p:nvPr>
+            <p:ph type="sldImg"/>
+          </p:nvPr>
+        </p:nvSpPr>
+        <p:spPr/>
+      </p:sp>
+      <p:sp>
+        <p:nvSpPr>
+          <p:cNvPr id="3" name="Notes Placeholder 2"/>
+          <p:cNvSpPr>
+            <a:spLocks noGrp="1"/>
+          </p:cNvSpPr>
+          <p:nvPr>
+            <p:ph type="body" idx="1"/>
+          </p:nvPr>
+        </p:nvSpPr>
+        <p:spPr/>
+        <p:txBody>
+          <a:bodyPr/>
+          <a:lstStyle/>
+          <a:p>
             <a:endParaRPr lang="en-US"/>
           </a:p>
         </p:txBody>
@@ -6980,6 +8068,22 @@
           <a:bodyPr/>
           <a:lstStyle/>
           <a:p>
+            <a:r>
+              <a:rPr lang="en-US" dirty="0" smtClean="0"/>
+              <a:t>Client ID is a unique identifier</a:t>
+            </a:r>
+          </a:p>
+          <a:p>
+            <a:r>
+              <a:rPr lang="en-US" dirty="0" smtClean="0"/>
+              <a:t>Client Secret is shared between the app and the authorization server</a:t>
+            </a:r>
+          </a:p>
+          <a:p>
+            <a:r>
+              <a:rPr lang="en-US" dirty="0" smtClean="0"/>
+              <a:t>Forms the basis for apps as first-class principals</a:t>
+            </a:r>
             <a:endParaRPr lang="en-US" dirty="0"/>
           </a:p>
         </p:txBody>
@@ -6999,7 +8103,7 @@
           <a:bodyPr/>
           <a:lstStyle/>
           <a:p>
-            <a:fld id="{E18369E4-77BE-4358-8410-33F33BA75378}" type="datetime1">
+            <a:fld id="{89A7E491-81C3-4F59-9A1B-8E9BA4671E1E}" type="datetime1">
               <a:rPr lang="en-US" smtClean="0"/>
               <a:t>7/24/2014</a:t>
             </a:fld>
@@ -7132,7 +8236,7 @@
     </p:spTree>
     <p:extLst>
       <p:ext uri="{BB962C8B-B14F-4D97-AF65-F5344CB8AC3E}">
-        <p14:creationId xmlns:p14="http://schemas.microsoft.com/office/powerpoint/2010/main" val="3526173267"/>
+        <p14:creationId xmlns:p14="http://schemas.microsoft.com/office/powerpoint/2010/main" val="742203016"/>
       </p:ext>
     </p:extLst>
   </p:cSld>
@@ -7186,6 +8290,45 @@
           <a:bodyPr/>
           <a:lstStyle/>
           <a:p>
+            <a:r>
+              <a:rPr lang="en-US" dirty="0" smtClean="0"/>
+              <a:t>In the </a:t>
+            </a:r>
+            <a:r>
+              <a:rPr lang="en-US" dirty="0" err="1" smtClean="0"/>
+              <a:t>OAuth</a:t>
+            </a:r>
+            <a:r>
+              <a:rPr lang="en-US" dirty="0" smtClean="0"/>
+              <a:t> 2.0 model, access to protected resources is done using access tokens —an object with a specific scope, lifetime, and other access attributes. </a:t>
+            </a:r>
+            <a:r>
+              <a:rPr lang="en-US" dirty="0" err="1" smtClean="0"/>
+              <a:t>OAuth</a:t>
+            </a:r>
+            <a:r>
+              <a:rPr lang="en-US" dirty="0" smtClean="0"/>
+              <a:t> access tokens are sometimes compared to valet keys. In the same way as a valet key gives restricted access to a car, allowing a valet to drive it but not open the trunk or the glove compartment, the access token allows a client application restricted access to a user’s data at a resource server via tokens issued by an authorization server in response to the user authorizing access.</a:t>
+            </a:r>
+          </a:p>
+          <a:p>
+            <a:endParaRPr lang="en-US" dirty="0" smtClean="0"/>
+          </a:p>
+          <a:p>
+            <a:r>
+              <a:rPr lang="en-US" dirty="0" smtClean="0"/>
+              <a:t>With </a:t>
+            </a:r>
+            <a:r>
+              <a:rPr lang="en-US" dirty="0" err="1" smtClean="0"/>
+              <a:t>OAuth</a:t>
+            </a:r>
+            <a:r>
+              <a:rPr lang="en-US" dirty="0" smtClean="0"/>
+              <a:t> 2.0, a third-party application does not use the resource owner's credentials to access protected resources. Instead, the third-party application obtains an access token. Access tokens are issued to third-party clients by an authorization server with the approval of the resource owner. The client uses the access token to access the protected resources hosted by the resource server.</a:t>
+            </a:r>
+          </a:p>
+          <a:p>
             <a:endParaRPr lang="en-US" dirty="0"/>
           </a:p>
         </p:txBody>
@@ -7205,7 +8348,7 @@
           <a:bodyPr/>
           <a:lstStyle/>
           <a:p>
-            <a:fld id="{4184ABB7-2538-4DA8-837C-1631AA9C3786}" type="datetime1">
+            <a:fld id="{E18369E4-77BE-4358-8410-33F33BA75378}" type="datetime1">
               <a:rPr lang="en-US" smtClean="0"/>
               <a:t>7/24/2014</a:t>
             </a:fld>
@@ -7338,7 +8481,7 @@
     </p:spTree>
     <p:extLst>
       <p:ext uri="{BB962C8B-B14F-4D97-AF65-F5344CB8AC3E}">
-        <p14:creationId xmlns:p14="http://schemas.microsoft.com/office/powerpoint/2010/main" val="3840526151"/>
+        <p14:creationId xmlns:p14="http://schemas.microsoft.com/office/powerpoint/2010/main" val="3526173267"/>
       </p:ext>
     </p:extLst>
   </p:cSld>
@@ -19974,7 +21117,7 @@
                 <a:gridCol w="11225057">
                   <a:extLst>
                     <a:ext uri="{9D8B030D-6E8A-4147-A177-3AD203B41FA5}">
-                      <a16:colId xmlns:a16="http://schemas.microsoft.com/office/drawing/2014/main" xmlns="" val="1253488153"/>
+                      <a16:colId xmlns="" xmlns:a16="http://schemas.microsoft.com/office/drawing/2014/main" val="1253488153"/>
                     </a:ext>
                   </a:extLst>
                 </a:gridCol>
@@ -20004,7 +21147,7 @@
                 </a:tc>
                 <a:extLst>
                   <a:ext uri="{0D108BD9-81ED-4DB2-BD59-A6C34878D82A}">
-                    <a16:rowId xmlns:a16="http://schemas.microsoft.com/office/drawing/2014/main" xmlns="" val="829859176"/>
+                    <a16:rowId xmlns="" xmlns:a16="http://schemas.microsoft.com/office/drawing/2014/main" val="829859176"/>
                   </a:ext>
                 </a:extLst>
               </a:tr>
@@ -20025,7 +21168,7 @@
                 </a:tc>
                 <a:extLst>
                   <a:ext uri="{0D108BD9-81ED-4DB2-BD59-A6C34878D82A}">
-                    <a16:rowId xmlns:a16="http://schemas.microsoft.com/office/drawing/2014/main" xmlns="" val="1946132611"/>
+                    <a16:rowId xmlns="" xmlns:a16="http://schemas.microsoft.com/office/drawing/2014/main" val="1946132611"/>
                   </a:ext>
                 </a:extLst>
               </a:tr>
@@ -20062,7 +21205,7 @@
                 </a:tc>
                 <a:extLst>
                   <a:ext uri="{0D108BD9-81ED-4DB2-BD59-A6C34878D82A}">
-                    <a16:rowId xmlns:a16="http://schemas.microsoft.com/office/drawing/2014/main" xmlns="" val="3204002662"/>
+                    <a16:rowId xmlns="" xmlns:a16="http://schemas.microsoft.com/office/drawing/2014/main" val="3204002662"/>
                   </a:ext>
                 </a:extLst>
               </a:tr>
@@ -20103,7 +21246,7 @@
                 </a:tc>
                 <a:extLst>
                   <a:ext uri="{0D108BD9-81ED-4DB2-BD59-A6C34878D82A}">
-                    <a16:rowId xmlns:a16="http://schemas.microsoft.com/office/drawing/2014/main" xmlns="" val="4266278162"/>
+                    <a16:rowId xmlns="" xmlns:a16="http://schemas.microsoft.com/office/drawing/2014/main" val="4266278162"/>
                   </a:ext>
                 </a:extLst>
               </a:tr>
@@ -20464,8 +21607,8 @@
         </p:nvSpPr>
         <p:spPr>
           <a:xfrm>
-            <a:off x="519112" y="1447799"/>
-            <a:ext cx="11149013" cy="4812324"/>
+            <a:off x="519112" y="1447798"/>
+            <a:ext cx="11149013" cy="4731937"/>
           </a:xfrm>
         </p:spPr>
         <p:txBody>
@@ -20474,80 +21617,40 @@
           <a:p>
             <a:r>
               <a:rPr lang="en-US" dirty="0" smtClean="0"/>
-              <a:t>Context Token</a:t>
-            </a:r>
-          </a:p>
-          <a:p>
-            <a:pPr lvl="1"/>
+              <a:t>Client </a:t>
+            </a:r>
             <a:r>
               <a:rPr lang="en-US" dirty="0" smtClean="0"/>
-              <a:t>Information about the Resources Owner and Client that can be used to get an Access Token later.</a:t>
+              <a:t>ID is used to uniquely identify applications</a:t>
             </a:r>
           </a:p>
           <a:p>
             <a:r>
               <a:rPr lang="en-US" dirty="0" smtClean="0"/>
-              <a:t>Refresh Token</a:t>
-            </a:r>
-          </a:p>
-          <a:p>
-            <a:pPr lvl="1"/>
+              <a:t>Client Secret is used to authenticate token requests</a:t>
+            </a:r>
+            <a:endParaRPr lang="en-US" dirty="0"/>
+          </a:p>
+        </p:txBody>
+      </p:sp>
+      <p:sp>
+        <p:nvSpPr>
+          <p:cNvPr id="3" name="Title 2"/>
+          <p:cNvSpPr>
+            <a:spLocks noGrp="1"/>
+          </p:cNvSpPr>
+          <p:nvPr>
+            <p:ph type="title"/>
+          </p:nvPr>
+        </p:nvSpPr>
+        <p:spPr/>
+        <p:txBody>
+          <a:bodyPr/>
+          <a:lstStyle/>
+          <a:p>
             <a:r>
               <a:rPr lang="en-US" dirty="0" smtClean="0"/>
-              <a:t>A token used to get an Access Token from the Authorization Server.</a:t>
-            </a:r>
-          </a:p>
-          <a:p>
-            <a:r>
-              <a:rPr lang="en-US" dirty="0" smtClean="0"/>
-              <a:t>Access Token</a:t>
-            </a:r>
-          </a:p>
-          <a:p>
-            <a:pPr lvl="1"/>
-            <a:r>
-              <a:rPr lang="en-US" dirty="0" smtClean="0"/>
-              <a:t>A token passed to the Resource Server authorizing the Client to access resources.</a:t>
-            </a:r>
-          </a:p>
-          <a:p>
-            <a:r>
-              <a:rPr lang="en-US" dirty="0" smtClean="0"/>
-              <a:t>Authorization Code</a:t>
-            </a:r>
-          </a:p>
-          <a:p>
-            <a:pPr lvl="1"/>
-            <a:r>
-              <a:rPr lang="en-US" dirty="0" smtClean="0"/>
-              <a:t>A code that can be used to register an app on-the-fly.</a:t>
-            </a:r>
-            <a:endParaRPr lang="en-US" dirty="0"/>
-          </a:p>
-        </p:txBody>
-      </p:sp>
-      <p:sp>
-        <p:nvSpPr>
-          <p:cNvPr id="3" name="Title 2"/>
-          <p:cNvSpPr>
-            <a:spLocks noGrp="1"/>
-          </p:cNvSpPr>
-          <p:nvPr>
-            <p:ph type="title"/>
-          </p:nvPr>
-        </p:nvSpPr>
-        <p:spPr/>
-        <p:txBody>
-          <a:bodyPr/>
-          <a:lstStyle/>
-          <a:p>
-            <a:r>
-              <a:rPr lang="en-US" dirty="0" err="1" smtClean="0"/>
-              <a:t>OAuth</a:t>
-            </a:r>
-            <a:r>
-              <a:rPr lang="en-US" dirty="0" smtClean="0"/>
-              <a:t> 2.0 Tokens</a:t>
+              <a:t>Application Principals</a:t>
             </a:r>
             <a:endParaRPr lang="en-US" dirty="0"/>
           </a:p>
@@ -20580,7 +21683,7 @@
     </p:spTree>
     <p:extLst>
       <p:ext uri="{BB962C8B-B14F-4D97-AF65-F5344CB8AC3E}">
-        <p14:creationId xmlns:p14="http://schemas.microsoft.com/office/powerpoint/2010/main" val="2095055870"/>
+        <p14:creationId xmlns:p14="http://schemas.microsoft.com/office/powerpoint/2010/main" val="18731050"/>
       </p:ext>
     </p:extLst>
   </p:cSld>
@@ -20622,10 +21725,79 @@
         </p:nvSpPr>
         <p:spPr>
           <a:xfrm>
-            <a:off x="519112" y="1336431"/>
-            <a:ext cx="11149013" cy="5063125"/>
-          </a:xfrm>
-        </p:spPr>
+            <a:off x="519112" y="1447799"/>
+            <a:ext cx="11149013" cy="4812324"/>
+          </a:xfrm>
+        </p:spPr>
+        <p:txBody>
+          <a:bodyPr/>
+          <a:lstStyle/>
+          <a:p>
+            <a:r>
+              <a:rPr lang="en-US" dirty="0" smtClean="0"/>
+              <a:t>Context Token</a:t>
+            </a:r>
+          </a:p>
+          <a:p>
+            <a:pPr lvl="1"/>
+            <a:r>
+              <a:rPr lang="en-US" dirty="0" smtClean="0"/>
+              <a:t>Information about the Resources Owner and Client that can be used to get an Access Token later.</a:t>
+            </a:r>
+          </a:p>
+          <a:p>
+            <a:r>
+              <a:rPr lang="en-US" dirty="0" smtClean="0"/>
+              <a:t>Refresh Token</a:t>
+            </a:r>
+          </a:p>
+          <a:p>
+            <a:pPr lvl="1"/>
+            <a:r>
+              <a:rPr lang="en-US" dirty="0" smtClean="0"/>
+              <a:t>A token used to get an Access Token from the Authorization Server.</a:t>
+            </a:r>
+          </a:p>
+          <a:p>
+            <a:r>
+              <a:rPr lang="en-US" dirty="0" smtClean="0"/>
+              <a:t>Access Token</a:t>
+            </a:r>
+          </a:p>
+          <a:p>
+            <a:pPr lvl="1"/>
+            <a:r>
+              <a:rPr lang="en-US" dirty="0" smtClean="0"/>
+              <a:t>A token passed to the Resource Server authorizing the Client to access resources.</a:t>
+            </a:r>
+          </a:p>
+          <a:p>
+            <a:r>
+              <a:rPr lang="en-US" dirty="0" smtClean="0"/>
+              <a:t>Authorization Code</a:t>
+            </a:r>
+          </a:p>
+          <a:p>
+            <a:pPr lvl="1"/>
+            <a:r>
+              <a:rPr lang="en-US" dirty="0" smtClean="0"/>
+              <a:t>A code that can be used to register an app on-the-fly.</a:t>
+            </a:r>
+            <a:endParaRPr lang="en-US" dirty="0"/>
+          </a:p>
+        </p:txBody>
+      </p:sp>
+      <p:sp>
+        <p:nvSpPr>
+          <p:cNvPr id="3" name="Title 2"/>
+          <p:cNvSpPr>
+            <a:spLocks noGrp="1"/>
+          </p:cNvSpPr>
+          <p:nvPr>
+            <p:ph type="title"/>
+          </p:nvPr>
+        </p:nvSpPr>
+        <p:spPr/>
         <p:txBody>
           <a:bodyPr/>
           <a:lstStyle/>
@@ -20636,138 +21808,7 @@
             </a:r>
             <a:r>
               <a:rPr lang="en-US" dirty="0" smtClean="0"/>
-              <a:t> 2.0 Access Tokens are unbound tokens </a:t>
-            </a:r>
-            <a:br>
-              <a:rPr lang="en-US" dirty="0" smtClean="0"/>
-            </a:br>
-            <a:r>
-              <a:rPr lang="en-US" dirty="0" smtClean="0"/>
-              <a:t>(</a:t>
-            </a:r>
-            <a:r>
-              <a:rPr lang="en-US" dirty="0" err="1" smtClean="0"/>
-              <a:t>a.k.a</a:t>
-            </a:r>
-            <a:r>
-              <a:rPr lang="en-US" dirty="0" smtClean="0"/>
-              <a:t>, “Bearer Tokens”)</a:t>
-            </a:r>
-            <a:br>
-              <a:rPr lang="en-US" dirty="0" smtClean="0"/>
-            </a:br>
-            <a:endParaRPr lang="en-US" dirty="0" smtClean="0"/>
-          </a:p>
-          <a:p>
-            <a:pPr marL="342900" lvl="1" indent="-342900">
-              <a:buFont typeface="Arial" panose="020B0604020202020204" pitchFamily="34" charset="0"/>
-              <a:buChar char="•"/>
-            </a:pPr>
-            <a:r>
-              <a:rPr lang="en-US" dirty="0" smtClean="0"/>
-              <a:t>An Access Token can be used by any application that possesses it</a:t>
-            </a:r>
-            <a:br>
-              <a:rPr lang="en-US" dirty="0" smtClean="0"/>
-            </a:br>
-            <a:endParaRPr lang="en-US" dirty="0" smtClean="0"/>
-          </a:p>
-          <a:p>
-            <a:pPr marL="342900" lvl="1" indent="-342900">
-              <a:buFont typeface="Arial" panose="020B0604020202020204" pitchFamily="34" charset="0"/>
-              <a:buChar char="•"/>
-            </a:pPr>
-            <a:r>
-              <a:rPr lang="en-US" dirty="0" smtClean="0"/>
-              <a:t>Always </a:t>
-            </a:r>
-            <a:r>
-              <a:rPr lang="en-US" dirty="0"/>
-              <a:t>use </a:t>
-            </a:r>
-            <a:r>
-              <a:rPr lang="en-US" dirty="0" smtClean="0"/>
-              <a:t>SSL – </a:t>
-            </a:r>
-            <a:r>
-              <a:rPr lang="en-US" dirty="0" err="1" smtClean="0"/>
-              <a:t>OAuth</a:t>
-            </a:r>
-            <a:r>
-              <a:rPr lang="en-US" dirty="0" smtClean="0"/>
-              <a:t> design depends on it!</a:t>
-            </a:r>
-            <a:br>
-              <a:rPr lang="en-US" dirty="0" smtClean="0"/>
-            </a:br>
-            <a:endParaRPr lang="en-US" dirty="0"/>
-          </a:p>
-          <a:p>
-            <a:pPr marL="342900" lvl="1" indent="-342900">
-              <a:buFont typeface="Arial" panose="020B0604020202020204" pitchFamily="34" charset="0"/>
-              <a:buChar char="•"/>
-            </a:pPr>
-            <a:r>
-              <a:rPr lang="en-US" dirty="0"/>
-              <a:t>Never expose tokens in JavaScript or allow them to be accessed by client-side debugging </a:t>
-            </a:r>
-            <a:r>
-              <a:rPr lang="en-US" dirty="0" smtClean="0"/>
-              <a:t>tools</a:t>
-            </a:r>
-            <a:br>
-              <a:rPr lang="en-US" dirty="0" smtClean="0"/>
-            </a:br>
-            <a:endParaRPr lang="en-US" dirty="0" smtClean="0"/>
-          </a:p>
-          <a:p>
-            <a:pPr marL="342900" lvl="1" indent="-342900">
-              <a:buFont typeface="Arial" panose="020B0604020202020204" pitchFamily="34" charset="0"/>
-              <a:buChar char="•"/>
-            </a:pPr>
-            <a:r>
-              <a:rPr lang="en-US" dirty="0" smtClean="0"/>
-              <a:t>If an Access Token is compromised, damage is limited by expiration</a:t>
-            </a:r>
-          </a:p>
-          <a:p>
-            <a:pPr marL="342900" lvl="1" indent="-342900">
-              <a:buFont typeface="Arial" panose="020B0604020202020204" pitchFamily="34" charset="0"/>
-              <a:buChar char="•"/>
-            </a:pPr>
-            <a:endParaRPr lang="en-US" dirty="0"/>
-          </a:p>
-          <a:p>
-            <a:pPr marL="342900" lvl="1" indent="-342900">
-              <a:buFont typeface="Arial" panose="020B0604020202020204" pitchFamily="34" charset="0"/>
-              <a:buChar char="•"/>
-            </a:pPr>
-            <a:r>
-              <a:rPr lang="en-US" dirty="0" smtClean="0"/>
-              <a:t>If a Refresh Token is compromised, damage is limited because the Client ID and Client Secret are required to get an Access Token from a Refresh Token.</a:t>
-            </a:r>
-            <a:endParaRPr lang="en-US" dirty="0"/>
-          </a:p>
-        </p:txBody>
-      </p:sp>
-      <p:sp>
-        <p:nvSpPr>
-          <p:cNvPr id="3" name="Title 2"/>
-          <p:cNvSpPr>
-            <a:spLocks noGrp="1"/>
-          </p:cNvSpPr>
-          <p:nvPr>
-            <p:ph type="title"/>
-          </p:nvPr>
-        </p:nvSpPr>
-        <p:spPr/>
-        <p:txBody>
-          <a:bodyPr/>
-          <a:lstStyle/>
-          <a:p>
-            <a:r>
-              <a:rPr lang="en-US" dirty="0" smtClean="0"/>
-              <a:t>Bearer Tokens</a:t>
+              <a:t> 2.0 Tokens</a:t>
             </a:r>
             <a:endParaRPr lang="en-US" dirty="0"/>
           </a:p>
@@ -20800,7 +21841,7 @@
     </p:spTree>
     <p:extLst>
       <p:ext uri="{BB962C8B-B14F-4D97-AF65-F5344CB8AC3E}">
-        <p14:creationId xmlns:p14="http://schemas.microsoft.com/office/powerpoint/2010/main" val="3216522648"/>
+        <p14:creationId xmlns:p14="http://schemas.microsoft.com/office/powerpoint/2010/main" val="2095055870"/>
       </p:ext>
     </p:extLst>
   </p:cSld>
@@ -20842,8 +21883,8 @@
         </p:nvSpPr>
         <p:spPr>
           <a:xfrm>
-            <a:off x="519112" y="1447798"/>
-            <a:ext cx="11149013" cy="4731937"/>
+            <a:off x="519112" y="1336431"/>
+            <a:ext cx="11149013" cy="5063125"/>
           </a:xfrm>
         </p:spPr>
         <p:txBody>
@@ -20856,22 +21897,118 @@
             </a:r>
             <a:r>
               <a:rPr lang="en-US" dirty="0" smtClean="0"/>
-              <a:t> 2.0 makes applications first-class principals</a:t>
-            </a:r>
-          </a:p>
-          <a:p>
-            <a:r>
+              <a:t> 2.0 Access Tokens are unbound tokens </a:t>
+            </a:r>
+            <a:br>
               <a:rPr lang="en-US" dirty="0" smtClean="0"/>
-              <a:t>Client ID is used to uniquely identify applications</a:t>
-            </a:r>
-          </a:p>
-          <a:p>
+            </a:br>
             <a:r>
               <a:rPr lang="en-US" dirty="0" smtClean="0"/>
-              <a:t>Client Secret is used to authenticate token requests</a:t>
-            </a:r>
+              <a:t>(</a:t>
+            </a:r>
+            <a:r>
+              <a:rPr lang="en-US" dirty="0" err="1" smtClean="0"/>
+              <a:t>a.k.a</a:t>
+            </a:r>
+            <a:r>
+              <a:rPr lang="en-US" dirty="0" smtClean="0"/>
+              <a:t>, “Bearer Tokens”)</a:t>
+            </a:r>
+            <a:br>
+              <a:rPr lang="en-US" dirty="0" smtClean="0"/>
+            </a:br>
+            <a:endParaRPr lang="en-US" dirty="0" smtClean="0"/>
+          </a:p>
+          <a:p>
+            <a:pPr marL="342900" lvl="1" indent="-342900">
+              <a:buFont typeface="Arial" panose="020B0604020202020204" pitchFamily="34" charset="0"/>
+              <a:buChar char="•"/>
+            </a:pPr>
+            <a:r>
+              <a:rPr lang="en-US" dirty="0" smtClean="0"/>
+              <a:t>An Access Token can be used by any application that possesses it</a:t>
+            </a:r>
+            <a:br>
+              <a:rPr lang="en-US" dirty="0" smtClean="0"/>
+            </a:br>
+            <a:endParaRPr lang="en-US" dirty="0" smtClean="0"/>
+          </a:p>
+          <a:p>
+            <a:pPr marL="342900" lvl="1" indent="-342900">
+              <a:buFont typeface="Arial" panose="020B0604020202020204" pitchFamily="34" charset="0"/>
+              <a:buChar char="•"/>
+            </a:pPr>
+            <a:r>
+              <a:rPr lang="en-US" dirty="0" smtClean="0"/>
+              <a:t>Always </a:t>
+            </a:r>
+            <a:r>
+              <a:rPr lang="en-US" dirty="0"/>
+              <a:t>use </a:t>
+            </a:r>
+            <a:r>
+              <a:rPr lang="en-US" dirty="0" smtClean="0"/>
+              <a:t>SSL – </a:t>
+            </a:r>
+            <a:r>
+              <a:rPr lang="en-US" dirty="0" err="1" smtClean="0"/>
+              <a:t>OAuth</a:t>
+            </a:r>
+            <a:r>
+              <a:rPr lang="en-US" dirty="0" smtClean="0"/>
+              <a:t> design depends on it!</a:t>
+            </a:r>
+            <a:br>
+              <a:rPr lang="en-US" dirty="0" smtClean="0"/>
+            </a:br>
             <a:endParaRPr lang="en-US" dirty="0"/>
           </a:p>
+          <a:p>
+            <a:pPr marL="342900" lvl="1" indent="-342900">
+              <a:buFont typeface="Arial" panose="020B0604020202020204" pitchFamily="34" charset="0"/>
+              <a:buChar char="•"/>
+            </a:pPr>
+            <a:r>
+              <a:rPr lang="en-US" dirty="0"/>
+              <a:t>Never expose tokens in JavaScript or allow them to be accessed by client-side debugging </a:t>
+            </a:r>
+            <a:r>
+              <a:rPr lang="en-US" dirty="0" smtClean="0"/>
+              <a:t>tools</a:t>
+            </a:r>
+            <a:br>
+              <a:rPr lang="en-US" dirty="0" smtClean="0"/>
+            </a:br>
+            <a:endParaRPr lang="en-US" dirty="0" smtClean="0"/>
+          </a:p>
+          <a:p>
+            <a:pPr marL="342900" lvl="1" indent="-342900">
+              <a:buFont typeface="Arial" panose="020B0604020202020204" pitchFamily="34" charset="0"/>
+              <a:buChar char="•"/>
+            </a:pPr>
+            <a:r>
+              <a:rPr lang="en-US" dirty="0" smtClean="0"/>
+              <a:t>If an Access Token is compromised, damage is limited by expiration</a:t>
+            </a:r>
+          </a:p>
+          <a:p>
+            <a:pPr marL="342900" lvl="1" indent="-342900">
+              <a:buFont typeface="Arial" panose="020B0604020202020204" pitchFamily="34" charset="0"/>
+              <a:buChar char="•"/>
+            </a:pPr>
+            <a:endParaRPr lang="en-US" dirty="0"/>
+          </a:p>
+          <a:p>
+            <a:pPr marL="342900" lvl="1" indent="-342900">
+              <a:buFont typeface="Arial" panose="020B0604020202020204" pitchFamily="34" charset="0"/>
+              <a:buChar char="•"/>
+            </a:pPr>
+            <a:r>
+              <a:rPr lang="en-US" dirty="0" smtClean="0"/>
+              <a:t>If a Refresh Token is compromised, damage is limited because the Client ID and Client Secret are required to get an Access Token from a Refresh Token.</a:t>
+            </a:r>
+            <a:endParaRPr lang="en-US" dirty="0"/>
+          </a:p>
         </p:txBody>
       </p:sp>
       <p:sp>
@@ -20891,7 +22028,7 @@
           <a:p>
             <a:r>
               <a:rPr lang="en-US" dirty="0" smtClean="0"/>
-              <a:t>Application Principals</a:t>
+              <a:t>Bearer Tokens</a:t>
             </a:r>
             <a:endParaRPr lang="en-US" dirty="0"/>
           </a:p>
@@ -20924,7 +22061,7 @@
     </p:spTree>
     <p:extLst>
       <p:ext uri="{BB962C8B-B14F-4D97-AF65-F5344CB8AC3E}">
-        <p14:creationId xmlns:p14="http://schemas.microsoft.com/office/powerpoint/2010/main" val="18731050"/>
+        <p14:creationId xmlns:p14="http://schemas.microsoft.com/office/powerpoint/2010/main" val="3216522648"/>
       </p:ext>
     </p:extLst>
   </p:cSld>
@@ -21343,7 +22480,7 @@
           <p:nvPr/>
         </p:nvPicPr>
         <p:blipFill>
-          <a:blip r:embed="rId2">
+          <a:blip r:embed="rId3">
             <a:extLst>
               <a:ext uri="{28A0092B-C50C-407E-A947-70E740481C1C}">
                 <a14:useLocalDpi xmlns:a14="http://schemas.microsoft.com/office/drawing/2010/main" val="0"/>
@@ -28270,11 +29407,7 @@
           <a:p>
             <a:r>
               <a:rPr lang="en-US" dirty="0" smtClean="0"/>
-              <a:t>Application deployed as an Azure Web </a:t>
-            </a:r>
-            <a:r>
-              <a:rPr lang="en-US" dirty="0" smtClean="0"/>
-              <a:t>Site</a:t>
+              <a:t>Application deployed as an Azure Web Site</a:t>
             </a:r>
           </a:p>
           <a:p>
@@ -28282,7 +29415,6 @@
               <a:rPr lang="en-US" dirty="0" smtClean="0"/>
               <a:t>Application does not require explicit permission grant</a:t>
             </a:r>
-            <a:endParaRPr lang="en-US" dirty="0" smtClean="0"/>
           </a:p>
         </p:txBody>
       </p:sp>
@@ -34676,42 +35808,42 @@
           <a:p>
             <a:r>
               <a:rPr lang="en-US" sz="2000" dirty="0">
-                <a:hlinkClick r:id="rId2"/>
+                <a:hlinkClick r:id="rId3"/>
               </a:rPr>
               <a:t>https://github.com/AzureADSamples/WebApp-WebAPI-OAuth2-UserIdentity-DotNet</a:t>
             </a:r>
             <a:r>
               <a:rPr lang="en-US" sz="2000" dirty="0" smtClean="0">
-                <a:hlinkClick r:id="rId2"/>
+                <a:hlinkClick r:id="rId3"/>
               </a:rPr>
               <a:t>/</a:t>
             </a:r>
             <a:br>
               <a:rPr lang="en-US" sz="2000" dirty="0" smtClean="0">
-                <a:hlinkClick r:id="rId2"/>
+                <a:hlinkClick r:id="rId3"/>
               </a:rPr>
             </a:br>
             <a:r>
               <a:rPr lang="en-US" sz="2000" dirty="0" smtClean="0">
-                <a:hlinkClick r:id="rId2"/>
+                <a:hlinkClick r:id="rId3"/>
               </a:rPr>
               <a:t>blob/master/</a:t>
             </a:r>
             <a:r>
               <a:rPr lang="en-US" sz="2000" dirty="0" err="1" smtClean="0">
-                <a:hlinkClick r:id="rId2"/>
+                <a:hlinkClick r:id="rId3"/>
               </a:rPr>
               <a:t>WebApp</a:t>
             </a:r>
             <a:r>
               <a:rPr lang="en-US" sz="2000" dirty="0" smtClean="0">
-                <a:hlinkClick r:id="rId2"/>
+                <a:hlinkClick r:id="rId3"/>
               </a:rPr>
               <a:t>/Controllers/</a:t>
             </a:r>
             <a:r>
               <a:rPr lang="en-US" sz="2000" dirty="0" err="1" smtClean="0">
-                <a:hlinkClick r:id="rId2"/>
+                <a:hlinkClick r:id="rId3"/>
               </a:rPr>
               <a:t>OAuthController.cs</a:t>
             </a:r>
@@ -39902,7 +41034,7 @@
           <p:nvPr/>
         </p:nvPicPr>
         <p:blipFill>
-          <a:blip r:embed="rId2">
+          <a:blip r:embed="rId3">
             <a:extLst>
               <a:ext uri="{28A0092B-C50C-407E-A947-70E740481C1C}">
                 <a14:useLocalDpi xmlns:a14="http://schemas.microsoft.com/office/drawing/2010/main" val="0"/>
@@ -42173,6 +43305,12 @@
 </file>
 
 <file path=customXml/item1.xml><?xml version="1.0" encoding="utf-8"?>
+<p:properties xmlns:p="http://schemas.microsoft.com/office/2006/metadata/properties" xmlns:xsi="http://www.w3.org/2001/XMLSchema-instance" xmlns:pc="http://schemas.microsoft.com/office/infopath/2007/PartnerControls">
+  <documentManagement/>
+</p:properties>
+</file>
+
+<file path=customXml/item2.xml><?xml version="1.0" encoding="utf-8"?>
 <?mso-contentType ?>
 <FormTemplates xmlns="http://schemas.microsoft.com/sharepoint/v3/contenttype/forms">
   <Display>DocumentLibraryForm</Display>
@@ -42181,7 +43319,7 @@
 </FormTemplates>
 </file>
 
-<file path=customXml/item2.xml><?xml version="1.0" encoding="utf-8"?>
+<file path=customXml/item3.xml><?xml version="1.0" encoding="utf-8"?>
 <ct:contentTypeSchema xmlns:ct="http://schemas.microsoft.com/office/2006/metadata/contentType" xmlns:ma="http://schemas.microsoft.com/office/2006/metadata/properties/metaAttributes" ct:_="" ma:_="" ma:contentTypeName="Document" ma:contentTypeID="0x010100A2E4C90AA7333249A7DBC8CC6F49919B" ma:contentTypeVersion="1" ma:contentTypeDescription="Create a new document." ma:contentTypeScope="" ma:versionID="e7b09f0f38d7ed30c7da14951e97abcc">
   <xsd:schema xmlns:xsd="http://www.w3.org/2001/XMLSchema" xmlns:xs="http://www.w3.org/2001/XMLSchema" xmlns:p="http://schemas.microsoft.com/office/2006/metadata/properties" xmlns:ns2="5fad15d0-477e-40da-a20d-40d4ca777cbd" targetNamespace="http://schemas.microsoft.com/office/2006/metadata/properties" ma:root="true" ma:fieldsID="0cee24db179c30c5ebec40b677cadf70" ns2:_="">
     <xsd:import namespace="5fad15d0-477e-40da-a20d-40d4ca777cbd"/>
@@ -42321,13 +43459,23 @@
 </ct:contentTypeSchema>
 </file>
 
-<file path=customXml/item3.xml><?xml version="1.0" encoding="utf-8"?>
-<p:properties xmlns:p="http://schemas.microsoft.com/office/2006/metadata/properties" xmlns:xsi="http://www.w3.org/2001/XMLSchema-instance" xmlns:pc="http://schemas.microsoft.com/office/infopath/2007/PartnerControls">
-  <documentManagement/>
-</p:properties>
+<file path=customXml/itemProps1.xml><?xml version="1.0" encoding="utf-8"?>
+<ds:datastoreItem xmlns:ds="http://schemas.openxmlformats.org/officeDocument/2006/customXml" ds:itemID="{DA593625-DB14-4FB0-B5A9-3269FA9C120B}">
+  <ds:schemaRefs>
+    <ds:schemaRef ds:uri="http://www.w3.org/XML/1998/namespace"/>
+    <ds:schemaRef ds:uri="http://purl.org/dc/elements/1.1/"/>
+    <ds:schemaRef ds:uri="http://schemas.microsoft.com/office/2006/metadata/properties"/>
+    <ds:schemaRef ds:uri="http://purl.org/dc/dcmitype/"/>
+    <ds:schemaRef ds:uri="http://schemas.microsoft.com/office/infopath/2007/PartnerControls"/>
+    <ds:schemaRef ds:uri="5fad15d0-477e-40da-a20d-40d4ca777cbd"/>
+    <ds:schemaRef ds:uri="http://schemas.openxmlformats.org/package/2006/metadata/core-properties"/>
+    <ds:schemaRef ds:uri="http://purl.org/dc/terms/"/>
+    <ds:schemaRef ds:uri="http://schemas.microsoft.com/office/2006/documentManagement/types"/>
+  </ds:schemaRefs>
+</ds:datastoreItem>
 </file>
 
-<file path=customXml/itemProps1.xml><?xml version="1.0" encoding="utf-8"?>
+<file path=customXml/itemProps2.xml><?xml version="1.0" encoding="utf-8"?>
 <ds:datastoreItem xmlns:ds="http://schemas.openxmlformats.org/officeDocument/2006/customXml" ds:itemID="{E1E0CE18-CA03-4891-9CD8-3448778E3D53}">
   <ds:schemaRefs>
     <ds:schemaRef ds:uri="http://schemas.microsoft.com/sharepoint/v3/contenttype/forms"/>
@@ -42335,7 +43483,7 @@
 </ds:datastoreItem>
 </file>
 
-<file path=customXml/itemProps2.xml><?xml version="1.0" encoding="utf-8"?>
+<file path=customXml/itemProps3.xml><?xml version="1.0" encoding="utf-8"?>
 <ds:datastoreItem xmlns:ds="http://schemas.openxmlformats.org/officeDocument/2006/customXml" ds:itemID="{F17DCE38-6787-497B-B958-75817420EB1E}">
   <ds:schemaRefs>
     <ds:schemaRef ds:uri="http://schemas.microsoft.com/office/2006/metadata/contentType"/>
@@ -42351,20 +43499,4 @@
     <ds:schemaRef ds:uri="http://schemas.microsoft.com/internal/obd"/>
   </ds:schemaRefs>
 </ds:datastoreItem>
-</file>
-
-<file path=customXml/itemProps3.xml><?xml version="1.0" encoding="utf-8"?>
-<ds:datastoreItem xmlns:ds="http://schemas.openxmlformats.org/officeDocument/2006/customXml" ds:itemID="{DA593625-DB14-4FB0-B5A9-3269FA9C120B}">
-  <ds:schemaRefs>
-    <ds:schemaRef ds:uri="http://www.w3.org/XML/1998/namespace"/>
-    <ds:schemaRef ds:uri="http://purl.org/dc/elements/1.1/"/>
-    <ds:schemaRef ds:uri="http://schemas.microsoft.com/office/2006/metadata/properties"/>
-    <ds:schemaRef ds:uri="http://purl.org/dc/dcmitype/"/>
-    <ds:schemaRef ds:uri="http://schemas.microsoft.com/office/infopath/2007/PartnerControls"/>
-    <ds:schemaRef ds:uri="5fad15d0-477e-40da-a20d-40d4ca777cbd"/>
-    <ds:schemaRef ds:uri="http://schemas.openxmlformats.org/package/2006/metadata/core-properties"/>
-    <ds:schemaRef ds:uri="http://purl.org/dc/terms/"/>
-    <ds:schemaRef ds:uri="http://schemas.microsoft.com/office/2006/documentManagement/types"/>
-  </ds:schemaRefs>
-</ds:datastoreItem>
 </file>
--- a/O3652-7 Deep Dive into Security and OAuth/O3652-7 Deep Dive into Security and OAuth.pptx
+++ b/O3652-7 Deep Dive into Security and OAuth/O3652-7 Deep Dive into Security and OAuth.pptx
@@ -6,10 +6,10 @@
     <p:sldMasterId id="2147484046" r:id="rId5"/>
   </p:sldMasterIdLst>
   <p:notesMasterIdLst>
-    <p:notesMasterId r:id="rId77"/>
+    <p:notesMasterId r:id="rId78"/>
   </p:notesMasterIdLst>
   <p:handoutMasterIdLst>
-    <p:handoutMasterId r:id="rId78"/>
+    <p:handoutMasterId r:id="rId79"/>
   </p:handoutMasterIdLst>
   <p:sldIdLst>
     <p:sldId id="778" r:id="rId6"/>
@@ -66,23 +66,24 @@
     <p:sldId id="811" r:id="rId57"/>
     <p:sldId id="812" r:id="rId58"/>
     <p:sldId id="813" r:id="rId59"/>
-    <p:sldId id="848" r:id="rId60"/>
-    <p:sldId id="851" r:id="rId61"/>
-    <p:sldId id="787" r:id="rId62"/>
-    <p:sldId id="849" r:id="rId63"/>
-    <p:sldId id="824" r:id="rId64"/>
-    <p:sldId id="814" r:id="rId65"/>
-    <p:sldId id="815" r:id="rId66"/>
-    <p:sldId id="816" r:id="rId67"/>
-    <p:sldId id="819" r:id="rId68"/>
-    <p:sldId id="820" r:id="rId69"/>
-    <p:sldId id="821" r:id="rId70"/>
-    <p:sldId id="822" r:id="rId71"/>
-    <p:sldId id="823" r:id="rId72"/>
-    <p:sldId id="850" r:id="rId73"/>
-    <p:sldId id="782" r:id="rId74"/>
-    <p:sldId id="853" r:id="rId75"/>
-    <p:sldId id="654" r:id="rId76"/>
+    <p:sldId id="854" r:id="rId60"/>
+    <p:sldId id="855" r:id="rId61"/>
+    <p:sldId id="856" r:id="rId62"/>
+    <p:sldId id="787" r:id="rId63"/>
+    <p:sldId id="849" r:id="rId64"/>
+    <p:sldId id="824" r:id="rId65"/>
+    <p:sldId id="814" r:id="rId66"/>
+    <p:sldId id="815" r:id="rId67"/>
+    <p:sldId id="816" r:id="rId68"/>
+    <p:sldId id="819" r:id="rId69"/>
+    <p:sldId id="820" r:id="rId70"/>
+    <p:sldId id="821" r:id="rId71"/>
+    <p:sldId id="822" r:id="rId72"/>
+    <p:sldId id="823" r:id="rId73"/>
+    <p:sldId id="850" r:id="rId74"/>
+    <p:sldId id="782" r:id="rId75"/>
+    <p:sldId id="853" r:id="rId76"/>
+    <p:sldId id="654" r:id="rId77"/>
   </p:sldIdLst>
   <p:sldSz cx="12188825" cy="6858000"/>
   <p:notesSz cx="6858000" cy="9144000"/>
@@ -385,7 +386,7 @@
           <a:p>
             <a:fld id="{DE219B1A-AE41-483B-A766-69B9363DDA6A}" type="datetimeFigureOut">
               <a:rPr lang="en-US" smtClean="0"/>
-              <a:t>7/24/2014</a:t>
+              <a:t>8/27/2014</a:t>
             </a:fld>
             <a:endParaRPr lang="en-US"/>
           </a:p>
@@ -667,7 +668,7 @@
           <a:p>
             <a:fld id="{D51B1278-D92B-4AF3-A9C1-71DD298190CE}" type="datetimeFigureOut">
               <a:rPr lang="en-US" smtClean="0"/>
-              <a:t>7/24/2014</a:t>
+              <a:t>8/27/2014</a:t>
             </a:fld>
             <a:endParaRPr lang="en-US"/>
           </a:p>
@@ -1248,7 +1249,7 @@
           <a:p>
             <a:fld id="{4184ABB7-2538-4DA8-837C-1631AA9C3786}" type="datetime1">
               <a:rPr lang="en-US" smtClean="0"/>
-              <a:t>7/24/2014</a:t>
+              <a:t>8/27/2014</a:t>
             </a:fld>
             <a:endParaRPr lang="en-US"/>
           </a:p>
@@ -1468,7 +1469,7 @@
           <a:p>
             <a:fld id="{E1069F9F-5C72-40FE-A962-D85A4E6A7779}" type="datetime1">
               <a:rPr lang="en-US" smtClean="0"/>
-              <a:t>7/24/2014</a:t>
+              <a:t>8/27/2014</a:t>
             </a:fld>
             <a:endParaRPr lang="en-US"/>
           </a:p>
@@ -1678,7 +1679,7 @@
           <a:p>
             <a:fld id="{130F6A78-FCFE-4D45-B005-38A37DBDA5FF}" type="datetime1">
               <a:rPr lang="en-US" smtClean="0"/>
-              <a:t>7/24/2014</a:t>
+              <a:t>8/27/2014</a:t>
             </a:fld>
             <a:endParaRPr lang="en-US"/>
           </a:p>
@@ -1884,7 +1885,7 @@
           <a:p>
             <a:fld id="{8A515E4B-48A0-498D-B44A-AAB8296969D7}" type="datetime1">
               <a:rPr lang="en-US" smtClean="0"/>
-              <a:t>7/24/2014</a:t>
+              <a:t>8/27/2014</a:t>
             </a:fld>
             <a:endParaRPr lang="en-US"/>
           </a:p>
@@ -2090,7 +2091,7 @@
           <a:p>
             <a:fld id="{676707B7-EE71-47B8-B3DA-B599B395A08A}" type="datetime1">
               <a:rPr lang="en-US" smtClean="0"/>
-              <a:t>7/24/2014</a:t>
+              <a:t>8/27/2014</a:t>
             </a:fld>
             <a:endParaRPr lang="en-US"/>
           </a:p>
@@ -2296,7 +2297,7 @@
           <a:p>
             <a:fld id="{676707B7-EE71-47B8-B3DA-B599B395A08A}" type="datetime1">
               <a:rPr lang="en-US" smtClean="0"/>
-              <a:t>7/24/2014</a:t>
+              <a:t>8/27/2014</a:t>
             </a:fld>
             <a:endParaRPr lang="en-US"/>
           </a:p>
@@ -2506,7 +2507,7 @@
           <a:p>
             <a:fld id="{65036D97-0781-4CB4-8310-DBE67BB75DC2}" type="datetime1">
               <a:rPr lang="en-US" smtClean="0"/>
-              <a:t>7/24/2014</a:t>
+              <a:t>8/27/2014</a:t>
             </a:fld>
             <a:endParaRPr lang="en-US"/>
           </a:p>
@@ -2712,7 +2713,7 @@
           <a:p>
             <a:fld id="{8A515E4B-48A0-498D-B44A-AAB8296969D7}" type="datetime1">
               <a:rPr lang="en-US" smtClean="0"/>
-              <a:t>7/24/2014</a:t>
+              <a:t>8/27/2014</a:t>
             </a:fld>
             <a:endParaRPr lang="en-US"/>
           </a:p>
@@ -2918,7 +2919,7 @@
           <a:p>
             <a:fld id="{676707B7-EE71-47B8-B3DA-B599B395A08A}" type="datetime1">
               <a:rPr lang="en-US" smtClean="0"/>
-              <a:t>7/24/2014</a:t>
+              <a:t>8/27/2014</a:t>
             </a:fld>
             <a:endParaRPr lang="en-US"/>
           </a:p>
@@ -3124,7 +3125,7 @@
           <a:p>
             <a:fld id="{676707B7-EE71-47B8-B3DA-B599B395A08A}" type="datetime1">
               <a:rPr lang="en-US" smtClean="0"/>
-              <a:t>7/24/2014</a:t>
+              <a:t>8/27/2014</a:t>
             </a:fld>
             <a:endParaRPr lang="en-US"/>
           </a:p>
@@ -3481,7 +3482,7 @@
           <a:p>
             <a:fld id="{B079C3B8-7366-4A44-A34B-3977080C19E7}" type="datetime1">
               <a:rPr lang="en-US" smtClean="0"/>
-              <a:t>7/24/2014</a:t>
+              <a:t>8/27/2014</a:t>
             </a:fld>
             <a:endParaRPr lang="en-US" dirty="0"/>
           </a:p>
@@ -3612,7 +3613,7 @@
           <a:p>
             <a:fld id="{676707B7-EE71-47B8-B3DA-B599B395A08A}" type="datetime1">
               <a:rPr lang="en-US" smtClean="0"/>
-              <a:t>7/24/2014</a:t>
+              <a:t>8/27/2014</a:t>
             </a:fld>
             <a:endParaRPr lang="en-US"/>
           </a:p>
@@ -3818,7 +3819,7 @@
           <a:p>
             <a:fld id="{676707B7-EE71-47B8-B3DA-B599B395A08A}" type="datetime1">
               <a:rPr lang="en-US" smtClean="0"/>
-              <a:t>7/24/2014</a:t>
+              <a:t>8/27/2014</a:t>
             </a:fld>
             <a:endParaRPr lang="en-US"/>
           </a:p>
@@ -4024,7 +4025,7 @@
           <a:p>
             <a:fld id="{676707B7-EE71-47B8-B3DA-B599B395A08A}" type="datetime1">
               <a:rPr lang="en-US" smtClean="0"/>
-              <a:t>7/24/2014</a:t>
+              <a:t>8/27/2014</a:t>
             </a:fld>
             <a:endParaRPr lang="en-US"/>
           </a:p>
@@ -4230,7 +4231,7 @@
           <a:p>
             <a:fld id="{676707B7-EE71-47B8-B3DA-B599B395A08A}" type="datetime1">
               <a:rPr lang="en-US" smtClean="0"/>
-              <a:t>7/24/2014</a:t>
+              <a:t>8/27/2014</a:t>
             </a:fld>
             <a:endParaRPr lang="en-US"/>
           </a:p>
@@ -4436,7 +4437,7 @@
           <a:p>
             <a:fld id="{676707B7-EE71-47B8-B3DA-B599B395A08A}" type="datetime1">
               <a:rPr lang="en-US" smtClean="0"/>
-              <a:t>7/24/2014</a:t>
+              <a:t>8/27/2014</a:t>
             </a:fld>
             <a:endParaRPr lang="en-US"/>
           </a:p>
@@ -4642,7 +4643,7 @@
           <a:p>
             <a:fld id="{676707B7-EE71-47B8-B3DA-B599B395A08A}" type="datetime1">
               <a:rPr lang="en-US" smtClean="0"/>
-              <a:t>7/24/2014</a:t>
+              <a:t>8/27/2014</a:t>
             </a:fld>
             <a:endParaRPr lang="en-US"/>
           </a:p>
@@ -4829,19 +4830,13 @@
           <a:p>
             <a:r>
               <a:rPr lang="en-US" dirty="0" smtClean="0"/>
-              <a:t>The </a:t>
-            </a:r>
-            <a:r>
-              <a:rPr lang="en-US" dirty="0" err="1" smtClean="0"/>
-              <a:t>Oauth</a:t>
-            </a:r>
+              <a:t>The heart of the O365 APIs is the discovery service</a:t>
+            </a:r>
+          </a:p>
+          <a:p>
             <a:r>
               <a:rPr lang="en-US" dirty="0" smtClean="0"/>
-              <a:t> controller should be used in scenarios where you need to customize how tokens are handled. For example, you might want</a:t>
-            </a:r>
-            <a:r>
-              <a:rPr lang="en-US" baseline="0" dirty="0" smtClean="0"/>
-              <a:t> to save them to a database and make them available across sessions.</a:t>
+              <a:t>Discovery services allow you to locate the e resource you want to utilize</a:t>
             </a:r>
             <a:endParaRPr lang="en-US" dirty="0"/>
           </a:p>
@@ -4849,12 +4844,12 @@
       </p:sp>
       <p:sp>
         <p:nvSpPr>
-          <p:cNvPr id="4" name="Date Placeholder 3"/>
+          <p:cNvPr id="4" name="Footer Placeholder 3"/>
           <p:cNvSpPr>
             <a:spLocks noGrp="1"/>
           </p:cNvSpPr>
           <p:nvPr>
-            <p:ph type="dt" idx="10"/>
+            <p:ph type="ftr" sz="quarter" idx="10"/>
           </p:nvPr>
         </p:nvSpPr>
         <p:spPr/>
@@ -4862,85 +4857,16 @@
           <a:bodyPr/>
           <a:lstStyle/>
           <a:p>
-            <a:fld id="{2FB72B3C-19A5-40A1-B772-DE16D35E262B}" type="datetime1">
-              <a:rPr lang="en-US" smtClean="0"/>
-              <a:t>7/24/2014</a:t>
-            </a:fld>
-            <a:endParaRPr lang="en-US"/>
-          </a:p>
-        </p:txBody>
-      </p:sp>
-      <p:sp>
-        <p:nvSpPr>
-          <p:cNvPr id="5" name="Slide Number Placeholder 4"/>
-          <p:cNvSpPr>
-            <a:spLocks noGrp="1"/>
-          </p:cNvSpPr>
-          <p:nvPr>
-            <p:ph type="sldNum" sz="quarter" idx="11"/>
-          </p:nvPr>
-        </p:nvSpPr>
-        <p:spPr/>
-        <p:txBody>
-          <a:bodyPr/>
-          <a:lstStyle/>
-          <a:p>
-            <a:fld id="{B4008EB6-D09E-4580-8CD6-DDB14511944F}" type="slidenum">
-              <a:rPr lang="en-US" smtClean="0"/>
-              <a:t>58</a:t>
-            </a:fld>
-            <a:endParaRPr lang="en-US" dirty="0"/>
-          </a:p>
-        </p:txBody>
-      </p:sp>
-      <p:sp>
-        <p:nvSpPr>
-          <p:cNvPr id="6" name="Header Placeholder 5"/>
-          <p:cNvSpPr>
-            <a:spLocks noGrp="1"/>
-          </p:cNvSpPr>
-          <p:nvPr>
-            <p:ph type="hdr" sz="quarter" idx="12"/>
-          </p:nvPr>
-        </p:nvSpPr>
-        <p:spPr/>
-        <p:txBody>
-          <a:bodyPr/>
-          <a:lstStyle/>
-          <a:p>
-            <a:r>
-              <a:rPr lang="en-US" smtClean="0"/>
-              <a:t>Microsoft Office</a:t>
-            </a:r>
-            <a:endParaRPr lang="en-US" dirty="0"/>
-          </a:p>
-        </p:txBody>
-      </p:sp>
-      <p:sp>
-        <p:nvSpPr>
-          <p:cNvPr id="7" name="Footer Placeholder 6"/>
-          <p:cNvSpPr>
-            <a:spLocks noGrp="1"/>
-          </p:cNvSpPr>
-          <p:nvPr>
-            <p:ph type="ftr" sz="quarter" idx="13"/>
-          </p:nvPr>
-        </p:nvSpPr>
-        <p:spPr/>
-        <p:txBody>
-          <a:bodyPr/>
-          <a:lstStyle/>
-          <a:p>
-            <a:pPr marL="231775" defTabSz="914099" eaLnBrk="0" hangingPunct="0"/>
-            <a:r>
-              <a:rPr lang="en-US" sz="500" smtClean="0">
+            <a:pPr defTabSz="914099" eaLnBrk="0" hangingPunct="0"/>
+            <a:r>
+              <a:rPr lang="en-US" sz="400" smtClean="0">
                 <a:gradFill>
                   <a:gsLst>
                     <a:gs pos="0">
-                      <a:schemeClr val="tx1"/>
+                      <a:prstClr val="black"/>
                     </a:gs>
                     <a:gs pos="100000">
-                      <a:schemeClr val="tx1"/>
+                      <a:prstClr val="black"/>
                     </a:gs>
                   </a:gsLst>
                   <a:lin ang="5400000" scaled="0"/>
@@ -4949,38 +4875,16 @@
                 <a:ea typeface="Segoe UI" pitchFamily="34" charset="0"/>
                 <a:cs typeface="Segoe UI" pitchFamily="34" charset="0"/>
               </a:rPr>
-              <a:t>© 2012 Microsoft Corporation. All rights reserved. Microsoft, Windows, and other product names are or may be registered trademarks and/or trademarks in the U.S. and/or other countries.</a:t>
-            </a:r>
-          </a:p>
-          <a:p>
-            <a:pPr marL="231775" defTabSz="914099" eaLnBrk="0" hangingPunct="0"/>
-            <a:r>
-              <a:rPr lang="en-US" sz="500" smtClean="0">
-                <a:gradFill>
-                  <a:gsLst>
-                    <a:gs pos="0">
-                      <a:schemeClr val="tx1"/>
-                    </a:gs>
-                    <a:gs pos="100000">
-                      <a:schemeClr val="tx1"/>
-                    </a:gs>
-                  </a:gsLst>
-                  <a:lin ang="5400000" scaled="0"/>
-                </a:gradFill>
-                <a:latin typeface="Segoe UI" pitchFamily="34" charset="0"/>
-                <a:ea typeface="Segoe UI" pitchFamily="34" charset="0"/>
-                <a:cs typeface="Segoe UI" pitchFamily="34" charset="0"/>
-              </a:rPr>
-              <a:t>The information herein is for informational purposes only and represents the current view of Microsoft Corporation as of the date of this presentation.  Because Microsoft must respond to changing market conditions, it should not be interpreted to be a commitment on the part of Microsoft, and Microsoft cannot guarantee the accuracy of any information provided after the date of this presentation.  MICROSOFT MAKES NO WARRANTIES, EXPRESS, IMPLIED OR STATUTORY, AS TO THE INFORMATION IN THIS PRESENTATION.</a:t>
-            </a:r>
-            <a:endParaRPr lang="en-US" sz="500" dirty="0">
+              <a:t>© 2014 Microsoft Corporation. All rights reserved. Microsoft, Windows, and other product names are or may be registered trademarks and/or trademarks in the U.S. and/or other countries. The information herein is for informational purposes only and represents the current view of Microsoft Corporation as of the date of this presentation.  Because Microsoft must respond to changing market conditions, it should not be interpreted to be a commitment on the part of Microsoft, and Microsoft cannot guarantee the accuracy of any information provided after the date of this presentation.  MICROSOFT MAKES NO WARRANTIES, EXPRESS, IMPLIED OR STATUTORY, AS TO THE INFORMATION IN THIS PRESENTATION.</a:t>
+            </a:r>
+            <a:endParaRPr lang="en-US" sz="400" dirty="0" smtClean="0">
               <a:gradFill>
                 <a:gsLst>
                   <a:gs pos="0">
-                    <a:schemeClr val="tx1"/>
+                    <a:prstClr val="black"/>
                   </a:gs>
                   <a:gs pos="100000">
-                    <a:schemeClr val="tx1"/>
+                    <a:prstClr val="black"/>
                   </a:gs>
                 </a:gsLst>
                 <a:lin ang="5400000" scaled="0"/>
@@ -4992,10 +4896,57 @@
           </a:p>
         </p:txBody>
       </p:sp>
+      <p:sp>
+        <p:nvSpPr>
+          <p:cNvPr id="5" name="Date Placeholder 4"/>
+          <p:cNvSpPr>
+            <a:spLocks noGrp="1"/>
+          </p:cNvSpPr>
+          <p:nvPr>
+            <p:ph type="dt" idx="11"/>
+          </p:nvPr>
+        </p:nvSpPr>
+        <p:spPr/>
+        <p:txBody>
+          <a:bodyPr/>
+          <a:lstStyle/>
+          <a:p>
+            <a:fld id="{E74353ED-ACB2-44BF-A903-985B0AF962B7}" type="datetime1">
+              <a:rPr lang="en-US" smtClean="0"/>
+              <a:t>8/27/2014</a:t>
+            </a:fld>
+            <a:endParaRPr lang="en-US" dirty="0"/>
+          </a:p>
+        </p:txBody>
+      </p:sp>
+      <p:sp>
+        <p:nvSpPr>
+          <p:cNvPr id="6" name="Slide Number Placeholder 5"/>
+          <p:cNvSpPr>
+            <a:spLocks noGrp="1"/>
+          </p:cNvSpPr>
+          <p:nvPr>
+            <p:ph type="sldNum" sz="quarter" idx="12"/>
+          </p:nvPr>
+        </p:nvSpPr>
+        <p:spPr/>
+        <p:txBody>
+          <a:bodyPr/>
+          <a:lstStyle/>
+          <a:p>
+            <a:fld id="{B4008EB6-D09E-4580-8CD6-DDB14511944F}" type="slidenum">
+              <a:rPr lang="en-US" smtClean="0"/>
+              <a:pPr/>
+              <a:t>55</a:t>
+            </a:fld>
+            <a:endParaRPr lang="en-US" dirty="0"/>
+          </a:p>
+        </p:txBody>
+      </p:sp>
     </p:spTree>
     <p:extLst>
       <p:ext uri="{BB962C8B-B14F-4D97-AF65-F5344CB8AC3E}">
-        <p14:creationId xmlns:p14="http://schemas.microsoft.com/office/powerpoint/2010/main" val="47417999"/>
+        <p14:creationId xmlns:p14="http://schemas.microsoft.com/office/powerpoint/2010/main" val="898922458"/>
       </p:ext>
     </p:extLst>
   </p:cSld>
@@ -5049,6 +5000,22 @@
           <a:bodyPr/>
           <a:lstStyle/>
           <a:p>
+            <a:r>
+              <a:rPr lang="en-US" dirty="0" smtClean="0"/>
+              <a:t>The </a:t>
+            </a:r>
+            <a:r>
+              <a:rPr lang="en-US" dirty="0" err="1" smtClean="0"/>
+              <a:t>Oauth</a:t>
+            </a:r>
+            <a:r>
+              <a:rPr lang="en-US" dirty="0" smtClean="0"/>
+              <a:t> controller should be used in scenarios where you need to customize how tokens are handled. For example, you might want</a:t>
+            </a:r>
+            <a:r>
+              <a:rPr lang="en-US" baseline="0" dirty="0" smtClean="0"/>
+              <a:t> to save them to a database and make them available across sessions.</a:t>
+            </a:r>
             <a:endParaRPr lang="en-US" dirty="0"/>
           </a:p>
         </p:txBody>
@@ -5068,9 +5035,9 @@
           <a:bodyPr/>
           <a:lstStyle/>
           <a:p>
-            <a:fld id="{8A515E4B-48A0-498D-B44A-AAB8296969D7}" type="datetime1">
+            <a:fld id="{2FB72B3C-19A5-40A1-B772-DE16D35E262B}" type="datetime1">
               <a:rPr lang="en-US" smtClean="0"/>
-              <a:t>7/24/2014</a:t>
+              <a:t>8/27/2014</a:t>
             </a:fld>
             <a:endParaRPr lang="en-US"/>
           </a:p>
@@ -5201,7 +5168,7 @@
     </p:spTree>
     <p:extLst>
       <p:ext uri="{BB962C8B-B14F-4D97-AF65-F5344CB8AC3E}">
-        <p14:creationId xmlns:p14="http://schemas.microsoft.com/office/powerpoint/2010/main" val="841008933"/>
+        <p14:creationId xmlns:p14="http://schemas.microsoft.com/office/powerpoint/2010/main" val="47417999"/>
       </p:ext>
     </p:extLst>
   </p:cSld>
@@ -5274,9 +5241,9 @@
           <a:bodyPr/>
           <a:lstStyle/>
           <a:p>
-            <a:fld id="{676707B7-EE71-47B8-B3DA-B599B395A08A}" type="datetime1">
+            <a:fld id="{8A515E4B-48A0-498D-B44A-AAB8296969D7}" type="datetime1">
               <a:rPr lang="en-US" smtClean="0"/>
-              <a:t>7/24/2014</a:t>
+              <a:t>8/27/2014</a:t>
             </a:fld>
             <a:endParaRPr lang="en-US"/>
           </a:p>
@@ -5299,7 +5266,7 @@
           <a:p>
             <a:fld id="{B4008EB6-D09E-4580-8CD6-DDB14511944F}" type="slidenum">
               <a:rPr lang="en-US" smtClean="0"/>
-              <a:t>62</a:t>
+              <a:t>60</a:t>
             </a:fld>
             <a:endParaRPr lang="en-US" dirty="0"/>
           </a:p>
@@ -5407,7 +5374,7 @@
     </p:spTree>
     <p:extLst>
       <p:ext uri="{BB962C8B-B14F-4D97-AF65-F5344CB8AC3E}">
-        <p14:creationId xmlns:p14="http://schemas.microsoft.com/office/powerpoint/2010/main" val="1770342298"/>
+        <p14:creationId xmlns:p14="http://schemas.microsoft.com/office/powerpoint/2010/main" val="841008933"/>
       </p:ext>
     </p:extLst>
   </p:cSld>
@@ -5482,7 +5449,7 @@
           <a:p>
             <a:fld id="{676707B7-EE71-47B8-B3DA-B599B395A08A}" type="datetime1">
               <a:rPr lang="en-US" smtClean="0"/>
-              <a:t>7/24/2014</a:t>
+              <a:t>8/27/2014</a:t>
             </a:fld>
             <a:endParaRPr lang="en-US"/>
           </a:p>
@@ -5613,7 +5580,7 @@
     </p:spTree>
     <p:extLst>
       <p:ext uri="{BB962C8B-B14F-4D97-AF65-F5344CB8AC3E}">
-        <p14:creationId xmlns:p14="http://schemas.microsoft.com/office/powerpoint/2010/main" val="1295717207"/>
+        <p14:creationId xmlns:p14="http://schemas.microsoft.com/office/powerpoint/2010/main" val="1770342298"/>
       </p:ext>
     </p:extLst>
   </p:cSld>
@@ -5692,7 +5659,7 @@
           <a:p>
             <a:fld id="{CA454356-7988-4E39-B534-EC35F7CCC11C}" type="datetime1">
               <a:rPr lang="en-US" smtClean="0"/>
-              <a:t>7/24/2014</a:t>
+              <a:t>8/27/2014</a:t>
             </a:fld>
             <a:endParaRPr lang="en-US"/>
           </a:p>
@@ -5898,7 +5865,7 @@
           <a:p>
             <a:fld id="{676707B7-EE71-47B8-B3DA-B599B395A08A}" type="datetime1">
               <a:rPr lang="en-US" smtClean="0"/>
-              <a:t>7/24/2014</a:t>
+              <a:t>8/27/2014</a:t>
             </a:fld>
             <a:endParaRPr lang="en-US"/>
           </a:p>
@@ -6029,7 +5996,7 @@
     </p:spTree>
     <p:extLst>
       <p:ext uri="{BB962C8B-B14F-4D97-AF65-F5344CB8AC3E}">
-        <p14:creationId xmlns:p14="http://schemas.microsoft.com/office/powerpoint/2010/main" val="3126874683"/>
+        <p14:creationId xmlns:p14="http://schemas.microsoft.com/office/powerpoint/2010/main" val="1295717207"/>
       </p:ext>
     </p:extLst>
   </p:cSld>
@@ -6104,7 +6071,7 @@
           <a:p>
             <a:fld id="{676707B7-EE71-47B8-B3DA-B599B395A08A}" type="datetime1">
               <a:rPr lang="en-US" smtClean="0"/>
-              <a:t>7/24/2014</a:t>
+              <a:t>8/27/2014</a:t>
             </a:fld>
             <a:endParaRPr lang="en-US"/>
           </a:p>
@@ -6235,7 +6202,7 @@
     </p:spTree>
     <p:extLst>
       <p:ext uri="{BB962C8B-B14F-4D97-AF65-F5344CB8AC3E}">
-        <p14:creationId xmlns:p14="http://schemas.microsoft.com/office/powerpoint/2010/main" val="4112521448"/>
+        <p14:creationId xmlns:p14="http://schemas.microsoft.com/office/powerpoint/2010/main" val="3126874683"/>
       </p:ext>
     </p:extLst>
   </p:cSld>
@@ -6310,7 +6277,7 @@
           <a:p>
             <a:fld id="{676707B7-EE71-47B8-B3DA-B599B395A08A}" type="datetime1">
               <a:rPr lang="en-US" smtClean="0"/>
-              <a:t>7/24/2014</a:t>
+              <a:t>8/27/2014</a:t>
             </a:fld>
             <a:endParaRPr lang="en-US"/>
           </a:p>
@@ -6441,7 +6408,7 @@
     </p:spTree>
     <p:extLst>
       <p:ext uri="{BB962C8B-B14F-4D97-AF65-F5344CB8AC3E}">
-        <p14:creationId xmlns:p14="http://schemas.microsoft.com/office/powerpoint/2010/main" val="906975882"/>
+        <p14:creationId xmlns:p14="http://schemas.microsoft.com/office/powerpoint/2010/main" val="4112521448"/>
       </p:ext>
     </p:extLst>
   </p:cSld>
@@ -6516,7 +6483,7 @@
           <a:p>
             <a:fld id="{676707B7-EE71-47B8-B3DA-B599B395A08A}" type="datetime1">
               <a:rPr lang="en-US" smtClean="0"/>
-              <a:t>7/24/2014</a:t>
+              <a:t>8/27/2014</a:t>
             </a:fld>
             <a:endParaRPr lang="en-US"/>
           </a:p>
@@ -6647,7 +6614,7 @@
     </p:spTree>
     <p:extLst>
       <p:ext uri="{BB962C8B-B14F-4D97-AF65-F5344CB8AC3E}">
-        <p14:creationId xmlns:p14="http://schemas.microsoft.com/office/powerpoint/2010/main" val="2177756301"/>
+        <p14:creationId xmlns:p14="http://schemas.microsoft.com/office/powerpoint/2010/main" val="906975882"/>
       </p:ext>
     </p:extLst>
   </p:cSld>
@@ -6701,48 +6668,28 @@
           <a:bodyPr/>
           <a:lstStyle/>
           <a:p>
-            <a:r>
-              <a:rPr lang="en-US" dirty="0" smtClean="0"/>
-              <a:t>The </a:t>
-            </a:r>
-            <a:r>
-              <a:rPr lang="en-US" dirty="0" err="1" smtClean="0"/>
-              <a:t>Oauth</a:t>
-            </a:r>
-            <a:r>
-              <a:rPr lang="en-US" dirty="0" smtClean="0"/>
-              <a:t> controller needs you to provide a redirect URL and it will give back </a:t>
-            </a:r>
-            <a:r>
+            <a:endParaRPr lang="en-US" dirty="0"/>
+          </a:p>
+        </p:txBody>
+      </p:sp>
+      <p:sp>
+        <p:nvSpPr>
+          <p:cNvPr id="4" name="Date Placeholder 3"/>
+          <p:cNvSpPr>
+            <a:spLocks noGrp="1"/>
+          </p:cNvSpPr>
+          <p:nvPr>
+            <p:ph type="dt" idx="10"/>
+          </p:nvPr>
+        </p:nvSpPr>
+        <p:spPr/>
+        <p:txBody>
+          <a:bodyPr/>
+          <a:lstStyle/>
+          <a:p>
+            <a:fld id="{676707B7-EE71-47B8-B3DA-B599B395A08A}" type="datetime1">
               <a:rPr lang="en-US" smtClean="0"/>
-              <a:t>the authorization </a:t>
-            </a:r>
-            <a:r>
-              <a:rPr lang="en-US" dirty="0" smtClean="0"/>
-              <a:t>URL</a:t>
-            </a:r>
-            <a:endParaRPr lang="en-US" dirty="0"/>
-          </a:p>
-        </p:txBody>
-      </p:sp>
-      <p:sp>
-        <p:nvSpPr>
-          <p:cNvPr id="4" name="Date Placeholder 3"/>
-          <p:cNvSpPr>
-            <a:spLocks noGrp="1"/>
-          </p:cNvSpPr>
-          <p:nvPr>
-            <p:ph type="dt" idx="10"/>
-          </p:nvPr>
-        </p:nvSpPr>
-        <p:spPr/>
-        <p:txBody>
-          <a:bodyPr/>
-          <a:lstStyle/>
-          <a:p>
-            <a:fld id="{1B4EBD05-8EBB-4AB3-A4B2-2126F6DCC32D}" type="datetime1">
-              <a:rPr lang="en-US" smtClean="0"/>
-              <a:t>7/24/2014</a:t>
+              <a:t>8/27/2014</a:t>
             </a:fld>
             <a:endParaRPr lang="en-US"/>
           </a:p>
@@ -6873,7 +6820,7 @@
     </p:spTree>
     <p:extLst>
       <p:ext uri="{BB962C8B-B14F-4D97-AF65-F5344CB8AC3E}">
-        <p14:creationId xmlns:p14="http://schemas.microsoft.com/office/powerpoint/2010/main" val="1480150203"/>
+        <p14:creationId xmlns:p14="http://schemas.microsoft.com/office/powerpoint/2010/main" val="2177756301"/>
       </p:ext>
     </p:extLst>
   </p:cSld>
@@ -6927,6 +6874,232 @@
           <a:bodyPr/>
           <a:lstStyle/>
           <a:p>
+            <a:r>
+              <a:rPr lang="en-US" dirty="0" smtClean="0"/>
+              <a:t>The </a:t>
+            </a:r>
+            <a:r>
+              <a:rPr lang="en-US" dirty="0" err="1" smtClean="0"/>
+              <a:t>Oauth</a:t>
+            </a:r>
+            <a:r>
+              <a:rPr lang="en-US" dirty="0" smtClean="0"/>
+              <a:t> controller needs you to provide a redirect URL and it will give back </a:t>
+            </a:r>
+            <a:r>
+              <a:rPr lang="en-US" smtClean="0"/>
+              <a:t>the authorization </a:t>
+            </a:r>
+            <a:r>
+              <a:rPr lang="en-US" dirty="0" smtClean="0"/>
+              <a:t>URL</a:t>
+            </a:r>
+            <a:endParaRPr lang="en-US" dirty="0"/>
+          </a:p>
+        </p:txBody>
+      </p:sp>
+      <p:sp>
+        <p:nvSpPr>
+          <p:cNvPr id="4" name="Date Placeholder 3"/>
+          <p:cNvSpPr>
+            <a:spLocks noGrp="1"/>
+          </p:cNvSpPr>
+          <p:nvPr>
+            <p:ph type="dt" idx="10"/>
+          </p:nvPr>
+        </p:nvSpPr>
+        <p:spPr/>
+        <p:txBody>
+          <a:bodyPr/>
+          <a:lstStyle/>
+          <a:p>
+            <a:fld id="{1B4EBD05-8EBB-4AB3-A4B2-2126F6DCC32D}" type="datetime1">
+              <a:rPr lang="en-US" smtClean="0"/>
+              <a:t>8/27/2014</a:t>
+            </a:fld>
+            <a:endParaRPr lang="en-US"/>
+          </a:p>
+        </p:txBody>
+      </p:sp>
+      <p:sp>
+        <p:nvSpPr>
+          <p:cNvPr id="5" name="Slide Number Placeholder 4"/>
+          <p:cNvSpPr>
+            <a:spLocks noGrp="1"/>
+          </p:cNvSpPr>
+          <p:nvPr>
+            <p:ph type="sldNum" sz="quarter" idx="11"/>
+          </p:nvPr>
+        </p:nvSpPr>
+        <p:spPr/>
+        <p:txBody>
+          <a:bodyPr/>
+          <a:lstStyle/>
+          <a:p>
+            <a:fld id="{B4008EB6-D09E-4580-8CD6-DDB14511944F}" type="slidenum">
+              <a:rPr lang="en-US" smtClean="0"/>
+              <a:t>69</a:t>
+            </a:fld>
+            <a:endParaRPr lang="en-US" dirty="0"/>
+          </a:p>
+        </p:txBody>
+      </p:sp>
+      <p:sp>
+        <p:nvSpPr>
+          <p:cNvPr id="6" name="Header Placeholder 5"/>
+          <p:cNvSpPr>
+            <a:spLocks noGrp="1"/>
+          </p:cNvSpPr>
+          <p:nvPr>
+            <p:ph type="hdr" sz="quarter" idx="12"/>
+          </p:nvPr>
+        </p:nvSpPr>
+        <p:spPr/>
+        <p:txBody>
+          <a:bodyPr/>
+          <a:lstStyle/>
+          <a:p>
+            <a:r>
+              <a:rPr lang="en-US" smtClean="0"/>
+              <a:t>Microsoft Office</a:t>
+            </a:r>
+            <a:endParaRPr lang="en-US" dirty="0"/>
+          </a:p>
+        </p:txBody>
+      </p:sp>
+      <p:sp>
+        <p:nvSpPr>
+          <p:cNvPr id="7" name="Footer Placeholder 6"/>
+          <p:cNvSpPr>
+            <a:spLocks noGrp="1"/>
+          </p:cNvSpPr>
+          <p:nvPr>
+            <p:ph type="ftr" sz="quarter" idx="13"/>
+          </p:nvPr>
+        </p:nvSpPr>
+        <p:spPr/>
+        <p:txBody>
+          <a:bodyPr/>
+          <a:lstStyle/>
+          <a:p>
+            <a:pPr marL="231775" defTabSz="914099" eaLnBrk="0" hangingPunct="0"/>
+            <a:r>
+              <a:rPr lang="en-US" sz="500" smtClean="0">
+                <a:gradFill>
+                  <a:gsLst>
+                    <a:gs pos="0">
+                      <a:schemeClr val="tx1"/>
+                    </a:gs>
+                    <a:gs pos="100000">
+                      <a:schemeClr val="tx1"/>
+                    </a:gs>
+                  </a:gsLst>
+                  <a:lin ang="5400000" scaled="0"/>
+                </a:gradFill>
+                <a:latin typeface="Segoe UI" pitchFamily="34" charset="0"/>
+                <a:ea typeface="Segoe UI" pitchFamily="34" charset="0"/>
+                <a:cs typeface="Segoe UI" pitchFamily="34" charset="0"/>
+              </a:rPr>
+              <a:t>© 2012 Microsoft Corporation. All rights reserved. Microsoft, Windows, and other product names are or may be registered trademarks and/or trademarks in the U.S. and/or other countries.</a:t>
+            </a:r>
+          </a:p>
+          <a:p>
+            <a:pPr marL="231775" defTabSz="914099" eaLnBrk="0" hangingPunct="0"/>
+            <a:r>
+              <a:rPr lang="en-US" sz="500" smtClean="0">
+                <a:gradFill>
+                  <a:gsLst>
+                    <a:gs pos="0">
+                      <a:schemeClr val="tx1"/>
+                    </a:gs>
+                    <a:gs pos="100000">
+                      <a:schemeClr val="tx1"/>
+                    </a:gs>
+                  </a:gsLst>
+                  <a:lin ang="5400000" scaled="0"/>
+                </a:gradFill>
+                <a:latin typeface="Segoe UI" pitchFamily="34" charset="0"/>
+                <a:ea typeface="Segoe UI" pitchFamily="34" charset="0"/>
+                <a:cs typeface="Segoe UI" pitchFamily="34" charset="0"/>
+              </a:rPr>
+              <a:t>The information herein is for informational purposes only and represents the current view of Microsoft Corporation as of the date of this presentation.  Because Microsoft must respond to changing market conditions, it should not be interpreted to be a commitment on the part of Microsoft, and Microsoft cannot guarantee the accuracy of any information provided after the date of this presentation.  MICROSOFT MAKES NO WARRANTIES, EXPRESS, IMPLIED OR STATUTORY, AS TO THE INFORMATION IN THIS PRESENTATION.</a:t>
+            </a:r>
+            <a:endParaRPr lang="en-US" sz="500" dirty="0">
+              <a:gradFill>
+                <a:gsLst>
+                  <a:gs pos="0">
+                    <a:schemeClr val="tx1"/>
+                  </a:gs>
+                  <a:gs pos="100000">
+                    <a:schemeClr val="tx1"/>
+                  </a:gs>
+                </a:gsLst>
+                <a:lin ang="5400000" scaled="0"/>
+              </a:gradFill>
+              <a:latin typeface="Segoe UI" pitchFamily="34" charset="0"/>
+              <a:ea typeface="Segoe UI" pitchFamily="34" charset="0"/>
+              <a:cs typeface="Segoe UI" pitchFamily="34" charset="0"/>
+            </a:endParaRPr>
+          </a:p>
+        </p:txBody>
+      </p:sp>
+    </p:spTree>
+    <p:extLst>
+      <p:ext uri="{BB962C8B-B14F-4D97-AF65-F5344CB8AC3E}">
+        <p14:creationId xmlns:p14="http://schemas.microsoft.com/office/powerpoint/2010/main" val="1480150203"/>
+      </p:ext>
+    </p:extLst>
+  </p:cSld>
+  <p:clrMapOvr>
+    <a:masterClrMapping/>
+  </p:clrMapOvr>
+</p:notes>
+</file>
+
+<file path=ppt/notesSlides/notesSlide36.xml><?xml version="1.0" encoding="utf-8"?>
+<p:notes xmlns:a="http://schemas.openxmlformats.org/drawingml/2006/main" xmlns:r="http://schemas.openxmlformats.org/officeDocument/2006/relationships" xmlns:p="http://schemas.openxmlformats.org/presentationml/2006/main">
+  <p:cSld>
+    <p:spTree>
+      <p:nvGrpSpPr>
+        <p:cNvPr id="1" name=""/>
+        <p:cNvGrpSpPr/>
+        <p:nvPr/>
+      </p:nvGrpSpPr>
+      <p:grpSpPr>
+        <a:xfrm>
+          <a:off x="0" y="0"/>
+          <a:ext cx="0" cy="0"/>
+          <a:chOff x="0" y="0"/>
+          <a:chExt cx="0" cy="0"/>
+        </a:xfrm>
+      </p:grpSpPr>
+      <p:sp>
+        <p:nvSpPr>
+          <p:cNvPr id="2" name="Slide Image Placeholder 1"/>
+          <p:cNvSpPr>
+            <a:spLocks noGrp="1" noRot="1" noChangeAspect="1"/>
+          </p:cNvSpPr>
+          <p:nvPr>
+            <p:ph type="sldImg"/>
+          </p:nvPr>
+        </p:nvSpPr>
+        <p:spPr/>
+      </p:sp>
+      <p:sp>
+        <p:nvSpPr>
+          <p:cNvPr id="3" name="Notes Placeholder 2"/>
+          <p:cNvSpPr>
+            <a:spLocks noGrp="1"/>
+          </p:cNvSpPr>
+          <p:nvPr>
+            <p:ph type="body" idx="1"/>
+          </p:nvPr>
+        </p:nvSpPr>
+        <p:spPr/>
+        <p:txBody>
+          <a:bodyPr/>
+          <a:lstStyle/>
+          <a:p>
             <a:endParaRPr lang="en-US"/>
           </a:p>
         </p:txBody>
@@ -7059,7 +7232,7 @@
           <a:p>
             <a:fld id="{0BB6559B-C68D-49B4-97AE-9BB74C417927}" type="datetime1">
               <a:rPr lang="en-US" smtClean="0"/>
-              <a:t>7/24/2014</a:t>
+              <a:t>8/27/2014</a:t>
             </a:fld>
             <a:endParaRPr lang="en-US"/>
           </a:p>
@@ -7082,7 +7255,7 @@
           <a:p>
             <a:fld id="{B4008EB6-D09E-4580-8CD6-DDB14511944F}" type="slidenum">
               <a:rPr lang="en-US" smtClean="0"/>
-              <a:t>71</a:t>
+              <a:t>72</a:t>
             </a:fld>
             <a:endParaRPr lang="en-US" dirty="0"/>
           </a:p>
@@ -7170,7 +7343,7 @@
           <a:p>
             <a:fld id="{61C5B620-E71B-4653-A37F-A929320C435E}" type="datetime1">
               <a:rPr lang="en-US" smtClean="0"/>
-              <a:t>7/24/2014</a:t>
+              <a:t>8/27/2014</a:t>
             </a:fld>
             <a:endParaRPr lang="en-US"/>
           </a:p>
@@ -7394,7 +7567,7 @@
           <a:p>
             <a:fld id="{BBA7F52A-B8F7-43B0-8B42-741D53CB577A}" type="datetime1">
               <a:rPr lang="en-US" smtClean="0"/>
-              <a:t>7/24/2014</a:t>
+              <a:t>8/27/2014</a:t>
             </a:fld>
             <a:endParaRPr lang="en-US"/>
           </a:p>
@@ -7614,7 +7787,7 @@
           <a:p>
             <a:fld id="{7A5C1551-8DBF-450A-B3B4-597F4F42AC44}" type="datetime1">
               <a:rPr lang="en-US" smtClean="0"/>
-              <a:t>7/24/2014</a:t>
+              <a:t>8/27/2014</a:t>
             </a:fld>
             <a:endParaRPr lang="en-US"/>
           </a:p>
@@ -7883,7 +8056,7 @@
           <a:p>
             <a:fld id="{3BC8CC0E-121B-4488-9618-3397B77BEEEB}" type="datetime1">
               <a:rPr lang="en-US" smtClean="0"/>
-              <a:t>7/24/2014</a:t>
+              <a:t>8/27/2014</a:t>
             </a:fld>
             <a:endParaRPr lang="en-US"/>
           </a:p>
@@ -8105,7 +8278,7 @@
           <a:p>
             <a:fld id="{89A7E491-81C3-4F59-9A1B-8E9BA4671E1E}" type="datetime1">
               <a:rPr lang="en-US" smtClean="0"/>
-              <a:t>7/24/2014</a:t>
+              <a:t>8/27/2014</a:t>
             </a:fld>
             <a:endParaRPr lang="en-US"/>
           </a:p>
@@ -8350,7 +8523,7 @@
           <a:p>
             <a:fld id="{E18369E4-77BE-4358-8410-33F33BA75378}" type="datetime1">
               <a:rPr lang="en-US" smtClean="0"/>
-              <a:t>7/24/2014</a:t>
+              <a:t>8/27/2014</a:t>
             </a:fld>
             <a:endParaRPr lang="en-US"/>
           </a:p>
@@ -21117,7 +21290,7 @@
                 <a:gridCol w="11225057">
                   <a:extLst>
                     <a:ext uri="{9D8B030D-6E8A-4147-A177-3AD203B41FA5}">
-                      <a16:colId xmlns="" xmlns:a16="http://schemas.microsoft.com/office/drawing/2014/main" val="1253488153"/>
+                      <a16:colId xmlns:a16="http://schemas.microsoft.com/office/drawing/2014/main" xmlns="" val="1253488153"/>
                     </a:ext>
                   </a:extLst>
                 </a:gridCol>
@@ -21147,7 +21320,7 @@
                 </a:tc>
                 <a:extLst>
                   <a:ext uri="{0D108BD9-81ED-4DB2-BD59-A6C34878D82A}">
-                    <a16:rowId xmlns="" xmlns:a16="http://schemas.microsoft.com/office/drawing/2014/main" val="829859176"/>
+                    <a16:rowId xmlns:a16="http://schemas.microsoft.com/office/drawing/2014/main" xmlns="" val="829859176"/>
                   </a:ext>
                 </a:extLst>
               </a:tr>
@@ -21168,7 +21341,7 @@
                 </a:tc>
                 <a:extLst>
                   <a:ext uri="{0D108BD9-81ED-4DB2-BD59-A6C34878D82A}">
-                    <a16:rowId xmlns="" xmlns:a16="http://schemas.microsoft.com/office/drawing/2014/main" val="1946132611"/>
+                    <a16:rowId xmlns:a16="http://schemas.microsoft.com/office/drawing/2014/main" xmlns="" val="1946132611"/>
                   </a:ext>
                 </a:extLst>
               </a:tr>
@@ -21205,7 +21378,7 @@
                 </a:tc>
                 <a:extLst>
                   <a:ext uri="{0D108BD9-81ED-4DB2-BD59-A6C34878D82A}">
-                    <a16:rowId xmlns="" xmlns:a16="http://schemas.microsoft.com/office/drawing/2014/main" val="3204002662"/>
+                    <a16:rowId xmlns:a16="http://schemas.microsoft.com/office/drawing/2014/main" xmlns="" val="3204002662"/>
                   </a:ext>
                 </a:extLst>
               </a:tr>
@@ -21246,7 +21419,7 @@
                 </a:tc>
                 <a:extLst>
                   <a:ext uri="{0D108BD9-81ED-4DB2-BD59-A6C34878D82A}">
-                    <a16:rowId xmlns="" xmlns:a16="http://schemas.microsoft.com/office/drawing/2014/main" val="4266278162"/>
+                    <a16:rowId xmlns:a16="http://schemas.microsoft.com/office/drawing/2014/main" xmlns="" val="4266278162"/>
                   </a:ext>
                 </a:extLst>
               </a:tr>
@@ -21617,11 +21790,7 @@
           <a:p>
             <a:r>
               <a:rPr lang="en-US" dirty="0" smtClean="0"/>
-              <a:t>Client </a:t>
-            </a:r>
-            <a:r>
-              <a:rPr lang="en-US" dirty="0" smtClean="0"/>
-              <a:t>ID is used to uniquely identify applications</a:t>
+              <a:t>Client ID is used to uniquely identify applications</a:t>
             </a:r>
           </a:p>
           <a:p>
@@ -23065,7 +23234,7 @@
           <a:p>
             <a:pPr algn="ctr"/>
             <a:r>
-              <a:rPr lang="en-US" sz="1600" b="1" spc="-70" dirty="0" smtClean="0">
+              <a:rPr lang="en-US" sz="1600" b="1" spc="-70" smtClean="0">
                 <a:gradFill>
                   <a:gsLst>
                     <a:gs pos="2917">
@@ -23078,8 +23247,37 @@
                   <a:lin ang="5400000" scaled="0"/>
                 </a:gradFill>
               </a:rPr>
-              <a:t>Azure ACS</a:t>
-            </a:r>
+              <a:t>Azure </a:t>
+            </a:r>
+            <a:r>
+              <a:rPr lang="en-US" sz="1600" b="1" spc="-70" smtClean="0">
+                <a:gradFill>
+                  <a:gsLst>
+                    <a:gs pos="2917">
+                      <a:schemeClr val="bg2"/>
+                    </a:gs>
+                    <a:gs pos="95000">
+                      <a:schemeClr val="bg2"/>
+                    </a:gs>
+                  </a:gsLst>
+                  <a:lin ang="5400000" scaled="0"/>
+                </a:gradFill>
+              </a:rPr>
+              <a:t>ACS</a:t>
+            </a:r>
+            <a:endParaRPr lang="en-US" sz="1600" b="1" spc="-70" dirty="0" smtClean="0">
+              <a:gradFill>
+                <a:gsLst>
+                  <a:gs pos="2917">
+                    <a:schemeClr val="bg2"/>
+                  </a:gs>
+                  <a:gs pos="95000">
+                    <a:schemeClr val="bg2"/>
+                  </a:gs>
+                </a:gsLst>
+                <a:lin ang="5400000" scaled="0"/>
+              </a:gradFill>
+            </a:endParaRPr>
           </a:p>
           <a:p>
             <a:pPr algn="ctr"/>
@@ -23668,8 +23866,37 @@
                   <a:lin ang="5400000" scaled="0"/>
                 </a:gradFill>
               </a:rPr>
-              <a:t>Azure ACS</a:t>
-            </a:r>
+              <a:t>Azure </a:t>
+            </a:r>
+            <a:r>
+              <a:rPr lang="en-US" sz="1600" b="1" spc="-70" dirty="0" smtClean="0">
+                <a:gradFill>
+                  <a:gsLst>
+                    <a:gs pos="2917">
+                      <a:schemeClr val="bg2"/>
+                    </a:gs>
+                    <a:gs pos="95000">
+                      <a:schemeClr val="bg2"/>
+                    </a:gs>
+                  </a:gsLst>
+                  <a:lin ang="5400000" scaled="0"/>
+                </a:gradFill>
+              </a:rPr>
+              <a:t>ACS</a:t>
+            </a:r>
+            <a:endParaRPr lang="en-US" sz="1600" b="1" spc="-70" dirty="0" smtClean="0">
+              <a:gradFill>
+                <a:gsLst>
+                  <a:gs pos="2917">
+                    <a:schemeClr val="bg2"/>
+                  </a:gs>
+                  <a:gs pos="95000">
+                    <a:schemeClr val="bg2"/>
+                  </a:gs>
+                </a:gsLst>
+                <a:lin ang="5400000" scaled="0"/>
+              </a:gradFill>
+            </a:endParaRPr>
           </a:p>
           <a:p>
             <a:pPr algn="ctr"/>
@@ -24233,8 +24460,37 @@
                   <a:lin ang="5400000" scaled="0"/>
                 </a:gradFill>
               </a:rPr>
-              <a:t>Azure ACS</a:t>
-            </a:r>
+              <a:t>Azure </a:t>
+            </a:r>
+            <a:r>
+              <a:rPr lang="en-US" sz="1600" b="1" spc="-70" dirty="0" smtClean="0">
+                <a:gradFill>
+                  <a:gsLst>
+                    <a:gs pos="2917">
+                      <a:schemeClr val="bg2"/>
+                    </a:gs>
+                    <a:gs pos="95000">
+                      <a:schemeClr val="bg2"/>
+                    </a:gs>
+                  </a:gsLst>
+                  <a:lin ang="5400000" scaled="0"/>
+                </a:gradFill>
+              </a:rPr>
+              <a:t>ACS</a:t>
+            </a:r>
+            <a:endParaRPr lang="en-US" sz="1600" b="1" spc="-70" dirty="0" smtClean="0">
+              <a:gradFill>
+                <a:gsLst>
+                  <a:gs pos="2917">
+                    <a:schemeClr val="bg2"/>
+                  </a:gs>
+                  <a:gs pos="95000">
+                    <a:schemeClr val="bg2"/>
+                  </a:gs>
+                </a:gsLst>
+                <a:lin ang="5400000" scaled="0"/>
+              </a:gradFill>
+            </a:endParaRPr>
           </a:p>
           <a:p>
             <a:pPr algn="ctr"/>
@@ -24817,8 +25073,37 @@
                   <a:lin ang="5400000" scaled="0"/>
                 </a:gradFill>
               </a:rPr>
-              <a:t>Azure ACS</a:t>
-            </a:r>
+              <a:t>Azure </a:t>
+            </a:r>
+            <a:r>
+              <a:rPr lang="en-US" sz="1600" b="1" spc="-70" dirty="0" smtClean="0">
+                <a:gradFill>
+                  <a:gsLst>
+                    <a:gs pos="2917">
+                      <a:schemeClr val="bg2"/>
+                    </a:gs>
+                    <a:gs pos="95000">
+                      <a:schemeClr val="bg2"/>
+                    </a:gs>
+                  </a:gsLst>
+                  <a:lin ang="5400000" scaled="0"/>
+                </a:gradFill>
+              </a:rPr>
+              <a:t>ACS</a:t>
+            </a:r>
+            <a:endParaRPr lang="en-US" sz="1600" b="1" spc="-70" dirty="0" smtClean="0">
+              <a:gradFill>
+                <a:gsLst>
+                  <a:gs pos="2917">
+                    <a:schemeClr val="bg2"/>
+                  </a:gs>
+                  <a:gs pos="95000">
+                    <a:schemeClr val="bg2"/>
+                  </a:gs>
+                </a:gsLst>
+                <a:lin ang="5400000" scaled="0"/>
+              </a:gradFill>
+            </a:endParaRPr>
           </a:p>
           <a:p>
             <a:pPr algn="ctr"/>
@@ -25382,8 +25667,37 @@
                   <a:lin ang="5400000" scaled="0"/>
                 </a:gradFill>
               </a:rPr>
-              <a:t>Azure ACS</a:t>
-            </a:r>
+              <a:t>Azure </a:t>
+            </a:r>
+            <a:r>
+              <a:rPr lang="en-US" sz="1600" b="1" spc="-70" dirty="0" smtClean="0">
+                <a:gradFill>
+                  <a:gsLst>
+                    <a:gs pos="2917">
+                      <a:schemeClr val="bg2"/>
+                    </a:gs>
+                    <a:gs pos="95000">
+                      <a:schemeClr val="bg2"/>
+                    </a:gs>
+                  </a:gsLst>
+                  <a:lin ang="5400000" scaled="0"/>
+                </a:gradFill>
+              </a:rPr>
+              <a:t>ACS</a:t>
+            </a:r>
+            <a:endParaRPr lang="en-US" sz="1600" b="1" spc="-70" dirty="0" smtClean="0">
+              <a:gradFill>
+                <a:gsLst>
+                  <a:gs pos="2917">
+                    <a:schemeClr val="bg2"/>
+                  </a:gs>
+                  <a:gs pos="95000">
+                    <a:schemeClr val="bg2"/>
+                  </a:gs>
+                </a:gsLst>
+                <a:lin ang="5400000" scaled="0"/>
+              </a:gradFill>
+            </a:endParaRPr>
           </a:p>
           <a:p>
             <a:pPr algn="ctr"/>
@@ -26019,8 +26333,37 @@
                   <a:lin ang="5400000" scaled="0"/>
                 </a:gradFill>
               </a:rPr>
-              <a:t>Azure ACS</a:t>
-            </a:r>
+              <a:t>Azure </a:t>
+            </a:r>
+            <a:r>
+              <a:rPr lang="en-US" sz="1600" b="1" spc="-70" dirty="0" smtClean="0">
+                <a:gradFill>
+                  <a:gsLst>
+                    <a:gs pos="2917">
+                      <a:schemeClr val="bg2"/>
+                    </a:gs>
+                    <a:gs pos="95000">
+                      <a:schemeClr val="bg2"/>
+                    </a:gs>
+                  </a:gsLst>
+                  <a:lin ang="5400000" scaled="0"/>
+                </a:gradFill>
+              </a:rPr>
+              <a:t>ACS</a:t>
+            </a:r>
+            <a:endParaRPr lang="en-US" sz="1600" b="1" spc="-70" dirty="0" smtClean="0">
+              <a:gradFill>
+                <a:gsLst>
+                  <a:gs pos="2917">
+                    <a:schemeClr val="bg2"/>
+                  </a:gs>
+                  <a:gs pos="95000">
+                    <a:schemeClr val="bg2"/>
+                  </a:gs>
+                </a:gsLst>
+                <a:lin ang="5400000" scaled="0"/>
+              </a:gradFill>
+            </a:endParaRPr>
           </a:p>
           <a:p>
             <a:pPr algn="ctr"/>
@@ -26566,8 +26909,37 @@
                   <a:lin ang="5400000" scaled="0"/>
                 </a:gradFill>
               </a:rPr>
-              <a:t>Azure ACS</a:t>
-            </a:r>
+              <a:t>Azure </a:t>
+            </a:r>
+            <a:r>
+              <a:rPr lang="en-US" sz="1600" b="1" spc="-70" dirty="0" smtClean="0">
+                <a:gradFill>
+                  <a:gsLst>
+                    <a:gs pos="2917">
+                      <a:schemeClr val="bg2"/>
+                    </a:gs>
+                    <a:gs pos="95000">
+                      <a:schemeClr val="bg2"/>
+                    </a:gs>
+                  </a:gsLst>
+                  <a:lin ang="5400000" scaled="0"/>
+                </a:gradFill>
+              </a:rPr>
+              <a:t>ACS</a:t>
+            </a:r>
+            <a:endParaRPr lang="en-US" sz="1600" b="1" spc="-70" dirty="0" smtClean="0">
+              <a:gradFill>
+                <a:gsLst>
+                  <a:gs pos="2917">
+                    <a:schemeClr val="bg2"/>
+                  </a:gs>
+                  <a:gs pos="95000">
+                    <a:schemeClr val="bg2"/>
+                  </a:gs>
+                </a:gsLst>
+                <a:lin ang="5400000" scaled="0"/>
+              </a:gradFill>
+            </a:endParaRPr>
           </a:p>
           <a:p>
             <a:pPr algn="ctr"/>
@@ -27166,8 +27538,37 @@
                   <a:lin ang="5400000" scaled="0"/>
                 </a:gradFill>
               </a:rPr>
-              <a:t>Azure ACS</a:t>
-            </a:r>
+              <a:t>Azure </a:t>
+            </a:r>
+            <a:r>
+              <a:rPr lang="en-US" sz="1600" b="1" spc="-70" dirty="0" smtClean="0">
+                <a:gradFill>
+                  <a:gsLst>
+                    <a:gs pos="2917">
+                      <a:schemeClr val="bg2"/>
+                    </a:gs>
+                    <a:gs pos="95000">
+                      <a:schemeClr val="bg2"/>
+                    </a:gs>
+                  </a:gsLst>
+                  <a:lin ang="5400000" scaled="0"/>
+                </a:gradFill>
+              </a:rPr>
+              <a:t>ACS</a:t>
+            </a:r>
+            <a:endParaRPr lang="en-US" sz="1600" b="1" spc="-70" dirty="0" smtClean="0">
+              <a:gradFill>
+                <a:gsLst>
+                  <a:gs pos="2917">
+                    <a:schemeClr val="bg2"/>
+                  </a:gs>
+                  <a:gs pos="95000">
+                    <a:schemeClr val="bg2"/>
+                  </a:gs>
+                </a:gsLst>
+                <a:lin ang="5400000" scaled="0"/>
+              </a:gradFill>
+            </a:endParaRPr>
           </a:p>
           <a:p>
             <a:pPr algn="ctr"/>
@@ -27730,8 +28131,37 @@
                   <a:lin ang="5400000" scaled="0"/>
                 </a:gradFill>
               </a:rPr>
-              <a:t>Azure ACS</a:t>
-            </a:r>
+              <a:t>Azure </a:t>
+            </a:r>
+            <a:r>
+              <a:rPr lang="en-US" sz="1600" b="1" spc="-70" dirty="0" smtClean="0">
+                <a:gradFill>
+                  <a:gsLst>
+                    <a:gs pos="2917">
+                      <a:schemeClr val="bg2"/>
+                    </a:gs>
+                    <a:gs pos="95000">
+                      <a:schemeClr val="bg2"/>
+                    </a:gs>
+                  </a:gsLst>
+                  <a:lin ang="5400000" scaled="0"/>
+                </a:gradFill>
+              </a:rPr>
+              <a:t>ACS</a:t>
+            </a:r>
+            <a:endParaRPr lang="en-US" sz="1600" b="1" spc="-70" dirty="0" smtClean="0">
+              <a:gradFill>
+                <a:gsLst>
+                  <a:gs pos="2917">
+                    <a:schemeClr val="bg2"/>
+                  </a:gs>
+                  <a:gs pos="95000">
+                    <a:schemeClr val="bg2"/>
+                  </a:gs>
+                </a:gsLst>
+                <a:lin ang="5400000" scaled="0"/>
+              </a:gradFill>
+            </a:endParaRPr>
           </a:p>
           <a:p>
             <a:pPr algn="ctr"/>
@@ -28315,8 +28745,37 @@
                   <a:lin ang="5400000" scaled="0"/>
                 </a:gradFill>
               </a:rPr>
-              <a:t>Azure ACS</a:t>
-            </a:r>
+              <a:t>Azure </a:t>
+            </a:r>
+            <a:r>
+              <a:rPr lang="en-US" sz="1600" b="1" spc="-70" dirty="0" smtClean="0">
+                <a:gradFill>
+                  <a:gsLst>
+                    <a:gs pos="2917">
+                      <a:schemeClr val="bg2"/>
+                    </a:gs>
+                    <a:gs pos="95000">
+                      <a:schemeClr val="bg2"/>
+                    </a:gs>
+                  </a:gsLst>
+                  <a:lin ang="5400000" scaled="0"/>
+                </a:gradFill>
+              </a:rPr>
+              <a:t>ACS</a:t>
+            </a:r>
+            <a:endParaRPr lang="en-US" sz="1600" b="1" spc="-70" dirty="0" smtClean="0">
+              <a:gradFill>
+                <a:gsLst>
+                  <a:gs pos="2917">
+                    <a:schemeClr val="bg2"/>
+                  </a:gs>
+                  <a:gs pos="95000">
+                    <a:schemeClr val="bg2"/>
+                  </a:gs>
+                </a:gsLst>
+                <a:lin ang="5400000" scaled="0"/>
+              </a:gradFill>
+            </a:endParaRPr>
           </a:p>
           <a:p>
             <a:pPr algn="ctr"/>
@@ -29705,8 +30164,8 @@
         </p:nvSpPr>
         <p:spPr>
           <a:xfrm>
-            <a:off x="9802223" y="4838257"/>
-            <a:ext cx="1782796" cy="492443"/>
+            <a:off x="9688603" y="4838257"/>
+            <a:ext cx="2010037" cy="497380"/>
           </a:xfrm>
           <a:prstGeom prst="rect">
             <a:avLst/>
@@ -29734,8 +30193,37 @@
                   <a:lin ang="5400000" scaled="0"/>
                 </a:gradFill>
               </a:rPr>
-              <a:t>Azure ACS</a:t>
-            </a:r>
+              <a:t>Azure </a:t>
+            </a:r>
+            <a:r>
+              <a:rPr lang="en-US" sz="1600" b="1" spc="-71" dirty="0">
+                <a:gradFill>
+                  <a:gsLst>
+                    <a:gs pos="2917">
+                      <a:schemeClr val="bg2"/>
+                    </a:gs>
+                    <a:gs pos="95000">
+                      <a:schemeClr val="bg2"/>
+                    </a:gs>
+                  </a:gsLst>
+                  <a:lin ang="5400000" scaled="0"/>
+                </a:gradFill>
+              </a:rPr>
+              <a:t>Active Directory</a:t>
+            </a:r>
+            <a:endParaRPr lang="en-US" sz="1600" b="1" spc="-70" dirty="0" smtClean="0">
+              <a:gradFill>
+                <a:gsLst>
+                  <a:gs pos="2917">
+                    <a:schemeClr val="bg2"/>
+                  </a:gs>
+                  <a:gs pos="95000">
+                    <a:schemeClr val="bg2"/>
+                  </a:gs>
+                </a:gsLst>
+                <a:lin ang="5400000" scaled="0"/>
+              </a:gradFill>
+            </a:endParaRPr>
           </a:p>
           <a:p>
             <a:pPr algn="ctr"/>
@@ -30190,8 +30678,8 @@
         </p:nvSpPr>
         <p:spPr>
           <a:xfrm>
-            <a:off x="9802223" y="4838257"/>
-            <a:ext cx="1782796" cy="492443"/>
+            <a:off x="9688603" y="4838257"/>
+            <a:ext cx="2010037" cy="497380"/>
           </a:xfrm>
           <a:prstGeom prst="rect">
             <a:avLst/>
@@ -30219,8 +30707,37 @@
                   <a:lin ang="5400000" scaled="0"/>
                 </a:gradFill>
               </a:rPr>
-              <a:t>Azure ACS</a:t>
-            </a:r>
+              <a:t>Azure </a:t>
+            </a:r>
+            <a:r>
+              <a:rPr lang="en-US" sz="1600" b="1" spc="-71" dirty="0">
+                <a:gradFill>
+                  <a:gsLst>
+                    <a:gs pos="2917">
+                      <a:schemeClr val="bg2"/>
+                    </a:gs>
+                    <a:gs pos="95000">
+                      <a:schemeClr val="bg2"/>
+                    </a:gs>
+                  </a:gsLst>
+                  <a:lin ang="5400000" scaled="0"/>
+                </a:gradFill>
+              </a:rPr>
+              <a:t>Active Directory</a:t>
+            </a:r>
+            <a:endParaRPr lang="en-US" sz="1600" b="1" spc="-70" dirty="0" smtClean="0">
+              <a:gradFill>
+                <a:gsLst>
+                  <a:gs pos="2917">
+                    <a:schemeClr val="bg2"/>
+                  </a:gs>
+                  <a:gs pos="95000">
+                    <a:schemeClr val="bg2"/>
+                  </a:gs>
+                </a:gsLst>
+                <a:lin ang="5400000" scaled="0"/>
+              </a:gradFill>
+            </a:endParaRPr>
           </a:p>
           <a:p>
             <a:pPr algn="ctr"/>
@@ -30775,8 +31292,8 @@
         </p:nvSpPr>
         <p:spPr>
           <a:xfrm>
-            <a:off x="9802223" y="4838257"/>
-            <a:ext cx="1782796" cy="492443"/>
+            <a:off x="9688603" y="4838257"/>
+            <a:ext cx="2010037" cy="497380"/>
           </a:xfrm>
           <a:prstGeom prst="rect">
             <a:avLst/>
@@ -30804,8 +31321,37 @@
                   <a:lin ang="5400000" scaled="0"/>
                 </a:gradFill>
               </a:rPr>
-              <a:t>Azure ACS</a:t>
-            </a:r>
+              <a:t>Azure </a:t>
+            </a:r>
+            <a:r>
+              <a:rPr lang="en-US" sz="1600" b="1" spc="-71" dirty="0">
+                <a:gradFill>
+                  <a:gsLst>
+                    <a:gs pos="2917">
+                      <a:schemeClr val="bg2"/>
+                    </a:gs>
+                    <a:gs pos="95000">
+                      <a:schemeClr val="bg2"/>
+                    </a:gs>
+                  </a:gsLst>
+                  <a:lin ang="5400000" scaled="0"/>
+                </a:gradFill>
+              </a:rPr>
+              <a:t>Active Directory</a:t>
+            </a:r>
+            <a:endParaRPr lang="en-US" sz="1600" b="1" spc="-70" dirty="0" smtClean="0">
+              <a:gradFill>
+                <a:gsLst>
+                  <a:gs pos="2917">
+                    <a:schemeClr val="bg2"/>
+                  </a:gs>
+                  <a:gs pos="95000">
+                    <a:schemeClr val="bg2"/>
+                  </a:gs>
+                </a:gsLst>
+                <a:lin ang="5400000" scaled="0"/>
+              </a:gradFill>
+            </a:endParaRPr>
           </a:p>
           <a:p>
             <a:pPr algn="ctr"/>
@@ -31341,8 +31887,8 @@
         </p:nvSpPr>
         <p:spPr>
           <a:xfrm>
-            <a:off x="9802223" y="4838257"/>
-            <a:ext cx="1782796" cy="492443"/>
+            <a:off x="9688603" y="4838257"/>
+            <a:ext cx="2010037" cy="497380"/>
           </a:xfrm>
           <a:prstGeom prst="rect">
             <a:avLst/>
@@ -31370,8 +31916,37 @@
                   <a:lin ang="5400000" scaled="0"/>
                 </a:gradFill>
               </a:rPr>
-              <a:t>Azure ACS</a:t>
-            </a:r>
+              <a:t>Azure </a:t>
+            </a:r>
+            <a:r>
+              <a:rPr lang="en-US" sz="1600" b="1" spc="-71" dirty="0">
+                <a:gradFill>
+                  <a:gsLst>
+                    <a:gs pos="2917">
+                      <a:schemeClr val="bg2"/>
+                    </a:gs>
+                    <a:gs pos="95000">
+                      <a:schemeClr val="bg2"/>
+                    </a:gs>
+                  </a:gsLst>
+                  <a:lin ang="5400000" scaled="0"/>
+                </a:gradFill>
+              </a:rPr>
+              <a:t>Active Directory</a:t>
+            </a:r>
+            <a:endParaRPr lang="en-US" sz="1600" b="1" spc="-70" dirty="0" smtClean="0">
+              <a:gradFill>
+                <a:gsLst>
+                  <a:gs pos="2917">
+                    <a:schemeClr val="bg2"/>
+                  </a:gs>
+                  <a:gs pos="95000">
+                    <a:schemeClr val="bg2"/>
+                  </a:gs>
+                </a:gsLst>
+                <a:lin ang="5400000" scaled="0"/>
+              </a:gradFill>
+            </a:endParaRPr>
           </a:p>
           <a:p>
             <a:pPr algn="ctr"/>
@@ -31926,8 +32501,8 @@
         </p:nvSpPr>
         <p:spPr>
           <a:xfrm>
-            <a:off x="9802223" y="4838257"/>
-            <a:ext cx="1782796" cy="492443"/>
+            <a:off x="9688603" y="4838257"/>
+            <a:ext cx="2010037" cy="497380"/>
           </a:xfrm>
           <a:prstGeom prst="rect">
             <a:avLst/>
@@ -31955,8 +32530,37 @@
                   <a:lin ang="5400000" scaled="0"/>
                 </a:gradFill>
               </a:rPr>
-              <a:t>Azure ACS</a:t>
-            </a:r>
+              <a:t>Azure </a:t>
+            </a:r>
+            <a:r>
+              <a:rPr lang="en-US" sz="1600" b="1" spc="-71" dirty="0">
+                <a:gradFill>
+                  <a:gsLst>
+                    <a:gs pos="2917">
+                      <a:schemeClr val="bg2"/>
+                    </a:gs>
+                    <a:gs pos="95000">
+                      <a:schemeClr val="bg2"/>
+                    </a:gs>
+                  </a:gsLst>
+                  <a:lin ang="5400000" scaled="0"/>
+                </a:gradFill>
+              </a:rPr>
+              <a:t>Active Directory</a:t>
+            </a:r>
+            <a:endParaRPr lang="en-US" sz="1600" b="1" spc="-70" dirty="0" smtClean="0">
+              <a:gradFill>
+                <a:gsLst>
+                  <a:gs pos="2917">
+                    <a:schemeClr val="bg2"/>
+                  </a:gs>
+                  <a:gs pos="95000">
+                    <a:schemeClr val="bg2"/>
+                  </a:gs>
+                </a:gsLst>
+                <a:lin ang="5400000" scaled="0"/>
+              </a:gradFill>
+            </a:endParaRPr>
           </a:p>
           <a:p>
             <a:pPr algn="ctr"/>
@@ -32594,8 +33198,8 @@
         </p:nvSpPr>
         <p:spPr>
           <a:xfrm>
-            <a:off x="9802223" y="4838257"/>
-            <a:ext cx="1782796" cy="492443"/>
+            <a:off x="9688603" y="4838257"/>
+            <a:ext cx="2010037" cy="497380"/>
           </a:xfrm>
           <a:prstGeom prst="rect">
             <a:avLst/>
@@ -32623,8 +33227,37 @@
                   <a:lin ang="5400000" scaled="0"/>
                 </a:gradFill>
               </a:rPr>
-              <a:t>Azure ACS</a:t>
-            </a:r>
+              <a:t>Azure </a:t>
+            </a:r>
+            <a:r>
+              <a:rPr lang="en-US" sz="1600" b="1" spc="-71" dirty="0">
+                <a:gradFill>
+                  <a:gsLst>
+                    <a:gs pos="2917">
+                      <a:schemeClr val="bg2"/>
+                    </a:gs>
+                    <a:gs pos="95000">
+                      <a:schemeClr val="bg2"/>
+                    </a:gs>
+                  </a:gsLst>
+                  <a:lin ang="5400000" scaled="0"/>
+                </a:gradFill>
+              </a:rPr>
+              <a:t>Active Directory</a:t>
+            </a:r>
+            <a:endParaRPr lang="en-US" sz="1600" b="1" spc="-70" dirty="0" smtClean="0">
+              <a:gradFill>
+                <a:gsLst>
+                  <a:gs pos="2917">
+                    <a:schemeClr val="bg2"/>
+                  </a:gs>
+                  <a:gs pos="95000">
+                    <a:schemeClr val="bg2"/>
+                  </a:gs>
+                </a:gsLst>
+                <a:lin ang="5400000" scaled="0"/>
+              </a:gradFill>
+            </a:endParaRPr>
           </a:p>
           <a:p>
             <a:pPr algn="ctr"/>
@@ -33281,8 +33914,8 @@
         </p:nvSpPr>
         <p:spPr>
           <a:xfrm>
-            <a:off x="9802223" y="4838257"/>
-            <a:ext cx="1782796" cy="492443"/>
+            <a:off x="9688603" y="4838257"/>
+            <a:ext cx="2010037" cy="497380"/>
           </a:xfrm>
           <a:prstGeom prst="rect">
             <a:avLst/>
@@ -33310,8 +33943,37 @@
                   <a:lin ang="5400000" scaled="0"/>
                 </a:gradFill>
               </a:rPr>
-              <a:t>Azure ACS</a:t>
-            </a:r>
+              <a:t>Azure </a:t>
+            </a:r>
+            <a:r>
+              <a:rPr lang="en-US" sz="1600" b="1" spc="-71" dirty="0">
+                <a:gradFill>
+                  <a:gsLst>
+                    <a:gs pos="2917">
+                      <a:schemeClr val="bg2"/>
+                    </a:gs>
+                    <a:gs pos="95000">
+                      <a:schemeClr val="bg2"/>
+                    </a:gs>
+                  </a:gsLst>
+                  <a:lin ang="5400000" scaled="0"/>
+                </a:gradFill>
+              </a:rPr>
+              <a:t>Active Directory</a:t>
+            </a:r>
+            <a:endParaRPr lang="en-US" sz="1600" b="1" spc="-70" dirty="0" smtClean="0">
+              <a:gradFill>
+                <a:gsLst>
+                  <a:gs pos="2917">
+                    <a:schemeClr val="bg2"/>
+                  </a:gs>
+                  <a:gs pos="95000">
+                    <a:schemeClr val="bg2"/>
+                  </a:gs>
+                </a:gsLst>
+                <a:lin ang="5400000" scaled="0"/>
+              </a:gradFill>
+            </a:endParaRPr>
           </a:p>
           <a:p>
             <a:pPr algn="ctr"/>
@@ -33899,8 +34561,8 @@
         </p:nvSpPr>
         <p:spPr>
           <a:xfrm>
-            <a:off x="9802223" y="4838257"/>
-            <a:ext cx="1782796" cy="492443"/>
+            <a:off x="9688603" y="4838257"/>
+            <a:ext cx="2010037" cy="497380"/>
           </a:xfrm>
           <a:prstGeom prst="rect">
             <a:avLst/>
@@ -33928,8 +34590,37 @@
                   <a:lin ang="5400000" scaled="0"/>
                 </a:gradFill>
               </a:rPr>
-              <a:t>Azure ACS</a:t>
-            </a:r>
+              <a:t>Azure </a:t>
+            </a:r>
+            <a:r>
+              <a:rPr lang="en-US" sz="1600" b="1" spc="-71" dirty="0">
+                <a:gradFill>
+                  <a:gsLst>
+                    <a:gs pos="2917">
+                      <a:schemeClr val="bg2"/>
+                    </a:gs>
+                    <a:gs pos="95000">
+                      <a:schemeClr val="bg2"/>
+                    </a:gs>
+                  </a:gsLst>
+                  <a:lin ang="5400000" scaled="0"/>
+                </a:gradFill>
+              </a:rPr>
+              <a:t>Active Directory</a:t>
+            </a:r>
+            <a:endParaRPr lang="en-US" sz="1600" b="1" spc="-70" dirty="0" smtClean="0">
+              <a:gradFill>
+                <a:gsLst>
+                  <a:gs pos="2917">
+                    <a:schemeClr val="bg2"/>
+                  </a:gs>
+                  <a:gs pos="95000">
+                    <a:schemeClr val="bg2"/>
+                  </a:gs>
+                </a:gsLst>
+                <a:lin ang="5400000" scaled="0"/>
+              </a:gradFill>
+            </a:endParaRPr>
           </a:p>
           <a:p>
             <a:pPr algn="ctr"/>
@@ -34482,8 +35173,8 @@
         </p:nvSpPr>
         <p:spPr>
           <a:xfrm>
-            <a:off x="9802223" y="4838257"/>
-            <a:ext cx="1782796" cy="492443"/>
+            <a:off x="9688603" y="4838257"/>
+            <a:ext cx="2010037" cy="497380"/>
           </a:xfrm>
           <a:prstGeom prst="rect">
             <a:avLst/>
@@ -34511,8 +35202,37 @@
                   <a:lin ang="5400000" scaled="0"/>
                 </a:gradFill>
               </a:rPr>
-              <a:t>Azure ACS</a:t>
-            </a:r>
+              <a:t>Azure </a:t>
+            </a:r>
+            <a:r>
+              <a:rPr lang="en-US" sz="1600" b="1" spc="-71" dirty="0">
+                <a:gradFill>
+                  <a:gsLst>
+                    <a:gs pos="2917">
+                      <a:schemeClr val="bg2"/>
+                    </a:gs>
+                    <a:gs pos="95000">
+                      <a:schemeClr val="bg2"/>
+                    </a:gs>
+                  </a:gsLst>
+                  <a:lin ang="5400000" scaled="0"/>
+                </a:gradFill>
+              </a:rPr>
+              <a:t>Active Directory</a:t>
+            </a:r>
+            <a:endParaRPr lang="en-US" sz="1600" b="1" spc="-70" dirty="0" smtClean="0">
+              <a:gradFill>
+                <a:gsLst>
+                  <a:gs pos="2917">
+                    <a:schemeClr val="bg2"/>
+                  </a:gs>
+                  <a:gs pos="95000">
+                    <a:schemeClr val="bg2"/>
+                  </a:gs>
+                </a:gsLst>
+                <a:lin ang="5400000" scaled="0"/>
+              </a:gradFill>
+            </a:endParaRPr>
           </a:p>
           <a:p>
             <a:pPr algn="ctr"/>
@@ -35067,8 +35787,8 @@
         </p:nvSpPr>
         <p:spPr>
           <a:xfrm>
-            <a:off x="9802223" y="4838257"/>
-            <a:ext cx="1782796" cy="492443"/>
+            <a:off x="9688603" y="4838257"/>
+            <a:ext cx="2010037" cy="497380"/>
           </a:xfrm>
           <a:prstGeom prst="rect">
             <a:avLst/>
@@ -35096,8 +35816,37 @@
                   <a:lin ang="5400000" scaled="0"/>
                 </a:gradFill>
               </a:rPr>
-              <a:t>Azure ACS</a:t>
-            </a:r>
+              <a:t>Azure </a:t>
+            </a:r>
+            <a:r>
+              <a:rPr lang="en-US" sz="1600" b="1" spc="-71" dirty="0">
+                <a:gradFill>
+                  <a:gsLst>
+                    <a:gs pos="2917">
+                      <a:schemeClr val="bg2"/>
+                    </a:gs>
+                    <a:gs pos="95000">
+                      <a:schemeClr val="bg2"/>
+                    </a:gs>
+                  </a:gsLst>
+                  <a:lin ang="5400000" scaled="0"/>
+                </a:gradFill>
+              </a:rPr>
+              <a:t>Active Directory</a:t>
+            </a:r>
+            <a:endParaRPr lang="en-US" sz="1600" b="1" spc="-70" dirty="0" smtClean="0">
+              <a:gradFill>
+                <a:gsLst>
+                  <a:gs pos="2917">
+                    <a:schemeClr val="bg2"/>
+                  </a:gs>
+                  <a:gs pos="95000">
+                    <a:schemeClr val="bg2"/>
+                  </a:gs>
+                </a:gsLst>
+                <a:lin ang="5400000" scaled="0"/>
+              </a:gradFill>
+            </a:endParaRPr>
           </a:p>
           <a:p>
             <a:pPr algn="ctr"/>
@@ -35430,7 +36179,7 @@
       </p:grpSpPr>
       <p:sp>
         <p:nvSpPr>
-          <p:cNvPr id="2" name="Text Placeholder 1"/>
+          <p:cNvPr id="3" name="Text Placeholder 2"/>
           <p:cNvSpPr>
             <a:spLocks noGrp="1"/>
           </p:cNvSpPr>
@@ -35438,36 +36187,54 @@
             <p:ph type="body" sz="quarter" idx="10"/>
           </p:nvPr>
         </p:nvSpPr>
-        <p:spPr/>
-        <p:txBody>
-          <a:bodyPr/>
-          <a:lstStyle/>
-          <a:p>
-            <a:r>
-              <a:rPr lang="en-US" dirty="0" smtClean="0"/>
-              <a:t>Abstracts the </a:t>
-            </a:r>
-            <a:r>
-              <a:rPr lang="en-US" dirty="0" err="1" smtClean="0"/>
-              <a:t>OAuth</a:t>
-            </a:r>
-            <a:r>
-              <a:rPr lang="en-US" dirty="0" smtClean="0"/>
-              <a:t> process</a:t>
-            </a:r>
-          </a:p>
-          <a:p>
-            <a:r>
-              <a:rPr lang="en-US" dirty="0" smtClean="0"/>
-              <a:t>Supports creation of various “clients” for resource access</a:t>
-            </a:r>
-            <a:endParaRPr lang="en-US" dirty="0"/>
-          </a:p>
-        </p:txBody>
-      </p:sp>
-      <p:sp>
-        <p:nvSpPr>
-          <p:cNvPr id="3" name="Title 2"/>
+        <p:spPr>
+          <a:xfrm>
+            <a:off x="281118" y="1189580"/>
+            <a:ext cx="11149013" cy="1975132"/>
+          </a:xfrm>
+        </p:spPr>
+        <p:txBody>
+          <a:bodyPr vert="horz" lIns="143391" tIns="89619" rIns="143391" bIns="89619" rtlCol="0">
+            <a:noAutofit/>
+          </a:bodyPr>
+          <a:lstStyle/>
+          <a:p>
+            <a:r>
+              <a:rPr lang="en-US" sz="3920" dirty="0"/>
+              <a:t>Automatically determine URL of O365 services</a:t>
+            </a:r>
+          </a:p>
+          <a:p>
+            <a:r>
+              <a:rPr lang="en-US" sz="3920" dirty="0"/>
+              <a:t>Supports device app and </a:t>
+            </a:r>
+            <a:r>
+              <a:rPr lang="en-US" sz="3920" dirty="0"/>
+              <a:t>website </a:t>
+            </a:r>
+            <a:r>
+              <a:rPr lang="en-US" sz="3920" dirty="0"/>
+              <a:t>flows</a:t>
+            </a:r>
+          </a:p>
+          <a:p>
+            <a:r>
+              <a:rPr lang="en-US" sz="3920" dirty="0"/>
+              <a:t>Secured using Azure AD authentication</a:t>
+            </a:r>
+          </a:p>
+          <a:p>
+            <a:r>
+              <a:rPr lang="en-US" sz="3920" dirty="0"/>
+              <a:t>Serves information stored about services in AAD</a:t>
+            </a:r>
+          </a:p>
+        </p:txBody>
+      </p:sp>
+      <p:sp>
+        <p:nvSpPr>
+          <p:cNvPr id="2" name="Title 1"/>
           <p:cNvSpPr>
             <a:spLocks noGrp="1"/>
           </p:cNvSpPr>
@@ -35475,77 +36242,29 @@
             <p:ph type="title"/>
           </p:nvPr>
         </p:nvSpPr>
-        <p:spPr/>
-        <p:txBody>
-          <a:bodyPr/>
-          <a:lstStyle/>
-          <a:p>
-            <a:r>
-              <a:rPr lang="en-US" dirty="0" smtClean="0"/>
-              <a:t>Authenticator class</a:t>
-            </a:r>
-            <a:endParaRPr lang="en-US" dirty="0"/>
-          </a:p>
-        </p:txBody>
-      </p:sp>
-      <p:sp>
-        <p:nvSpPr>
-          <p:cNvPr id="4" name="Slide Number Placeholder 3"/>
-          <p:cNvSpPr>
-            <a:spLocks noGrp="1"/>
-          </p:cNvSpPr>
-          <p:nvPr>
-            <p:ph type="sldNum" sz="quarter" idx="12"/>
-          </p:nvPr>
-        </p:nvSpPr>
-        <p:spPr/>
-        <p:txBody>
-          <a:bodyPr/>
-          <a:lstStyle/>
-          <a:p>
-            <a:fld id="{727B4C2D-45E2-4621-8491-2995EB46A674}" type="slidenum">
-              <a:rPr lang="en-US" smtClean="0"/>
-              <a:pPr/>
-              <a:t>55</a:t>
-            </a:fld>
-            <a:endParaRPr lang="en-US" dirty="0"/>
-          </a:p>
-        </p:txBody>
-      </p:sp>
-      <p:pic>
-        <p:nvPicPr>
-          <p:cNvPr id="5" name="Picture 4"/>
-          <p:cNvPicPr>
-            <a:picLocks noChangeAspect="1"/>
-          </p:cNvPicPr>
-          <p:nvPr/>
-        </p:nvPicPr>
-        <p:blipFill>
-          <a:blip r:embed="rId2">
-            <a:extLst>
-              <a:ext uri="{28A0092B-C50C-407E-A947-70E740481C1C}">
-                <a14:useLocalDpi xmlns:a14="http://schemas.microsoft.com/office/drawing/2010/main" val="0"/>
-              </a:ext>
-            </a:extLst>
-          </a:blip>
-          <a:stretch>
-            <a:fillRect/>
-          </a:stretch>
-        </p:blipFill>
         <p:spPr>
           <a:xfrm>
-            <a:off x="1081386" y="3794543"/>
-            <a:ext cx="9748740" cy="1189439"/>
-          </a:xfrm>
-          <a:prstGeom prst="rect">
-            <a:avLst/>
-          </a:prstGeom>
-        </p:spPr>
-      </p:pic>
+            <a:off x="278504" y="281440"/>
+            <a:ext cx="11149013" cy="747596"/>
+          </a:xfrm>
+        </p:spPr>
+        <p:txBody>
+          <a:bodyPr vert="horz" wrap="square" lIns="143391" tIns="89619" rIns="143391" bIns="89619" rtlCol="0" anchor="t">
+            <a:noAutofit/>
+          </a:bodyPr>
+          <a:lstStyle/>
+          <a:p>
+            <a:r>
+              <a:rPr lang="en-US" sz="5293" dirty="0"/>
+              <a:t>Office 365 discovery services</a:t>
+            </a:r>
+          </a:p>
+        </p:txBody>
+      </p:sp>
     </p:spTree>
     <p:extLst>
       <p:ext uri="{BB962C8B-B14F-4D97-AF65-F5344CB8AC3E}">
-        <p14:creationId xmlns:p14="http://schemas.microsoft.com/office/powerpoint/2010/main" val="2640877326"/>
+        <p14:creationId xmlns:p14="http://schemas.microsoft.com/office/powerpoint/2010/main" val="515199910"/>
       </p:ext>
     </p:extLst>
   </p:cSld>
@@ -35555,6 +36274,283 @@
   <p:transition>
     <p:fade/>
   </p:transition>
+  <p:timing>
+    <p:tnLst>
+      <p:par>
+        <p:cTn id="1" dur="indefinite" restart="never" nodeType="tmRoot">
+          <p:childTnLst>
+            <p:seq concurrent="1" nextAc="seek">
+              <p:cTn id="2" dur="indefinite" nodeType="mainSeq">
+                <p:childTnLst>
+                  <p:par>
+                    <p:cTn id="3" fill="hold">
+                      <p:stCondLst>
+                        <p:cond delay="indefinite"/>
+                      </p:stCondLst>
+                      <p:childTnLst>
+                        <p:par>
+                          <p:cTn id="4" fill="hold">
+                            <p:stCondLst>
+                              <p:cond delay="0"/>
+                            </p:stCondLst>
+                            <p:childTnLst>
+                              <p:par>
+                                <p:cTn id="5" presetID="10" presetClass="entr" presetSubtype="0" fill="hold" grpId="0" nodeType="clickEffect">
+                                  <p:stCondLst>
+                                    <p:cond delay="0"/>
+                                  </p:stCondLst>
+                                  <p:childTnLst>
+                                    <p:set>
+                                      <p:cBhvr>
+                                        <p:cTn id="6" dur="1" fill="hold">
+                                          <p:stCondLst>
+                                            <p:cond delay="0"/>
+                                          </p:stCondLst>
+                                        </p:cTn>
+                                        <p:tgtEl>
+                                          <p:spTgt spid="3">
+                                            <p:txEl>
+                                              <p:pRg st="0" end="0"/>
+                                            </p:txEl>
+                                          </p:spTgt>
+                                        </p:tgtEl>
+                                        <p:attrNameLst>
+                                          <p:attrName>style.visibility</p:attrName>
+                                        </p:attrNameLst>
+                                      </p:cBhvr>
+                                      <p:to>
+                                        <p:strVal val="visible"/>
+                                      </p:to>
+                                    </p:set>
+                                    <p:animEffect transition="in" filter="fade">
+                                      <p:cBhvr>
+                                        <p:cTn id="7" dur="500"/>
+                                        <p:tgtEl>
+                                          <p:spTgt spid="3">
+                                            <p:txEl>
+                                              <p:pRg st="0" end="0"/>
+                                            </p:txEl>
+                                          </p:spTgt>
+                                        </p:tgtEl>
+                                      </p:cBhvr>
+                                    </p:animEffect>
+                                  </p:childTnLst>
+                                </p:cTn>
+                              </p:par>
+                            </p:childTnLst>
+                          </p:cTn>
+                        </p:par>
+                      </p:childTnLst>
+                    </p:cTn>
+                  </p:par>
+                  <p:par>
+                    <p:cTn id="8" fill="hold">
+                      <p:stCondLst>
+                        <p:cond delay="indefinite"/>
+                      </p:stCondLst>
+                      <p:childTnLst>
+                        <p:par>
+                          <p:cTn id="9" fill="hold">
+                            <p:stCondLst>
+                              <p:cond delay="0"/>
+                            </p:stCondLst>
+                            <p:childTnLst>
+                              <p:par>
+                                <p:cTn id="10" presetID="10" presetClass="entr" presetSubtype="0" fill="hold" grpId="0" nodeType="clickEffect">
+                                  <p:stCondLst>
+                                    <p:cond delay="0"/>
+                                  </p:stCondLst>
+                                  <p:childTnLst>
+                                    <p:set>
+                                      <p:cBhvr>
+                                        <p:cTn id="11" dur="1" fill="hold">
+                                          <p:stCondLst>
+                                            <p:cond delay="0"/>
+                                          </p:stCondLst>
+                                        </p:cTn>
+                                        <p:tgtEl>
+                                          <p:spTgt spid="3">
+                                            <p:txEl>
+                                              <p:pRg st="1" end="1"/>
+                                            </p:txEl>
+                                          </p:spTgt>
+                                        </p:tgtEl>
+                                        <p:attrNameLst>
+                                          <p:attrName>style.visibility</p:attrName>
+                                        </p:attrNameLst>
+                                      </p:cBhvr>
+                                      <p:to>
+                                        <p:strVal val="visible"/>
+                                      </p:to>
+                                    </p:set>
+                                    <p:animEffect transition="in" filter="fade">
+                                      <p:cBhvr>
+                                        <p:cTn id="12" dur="500"/>
+                                        <p:tgtEl>
+                                          <p:spTgt spid="3">
+                                            <p:txEl>
+                                              <p:pRg st="1" end="1"/>
+                                            </p:txEl>
+                                          </p:spTgt>
+                                        </p:tgtEl>
+                                      </p:cBhvr>
+                                    </p:animEffect>
+                                  </p:childTnLst>
+                                </p:cTn>
+                              </p:par>
+                            </p:childTnLst>
+                          </p:cTn>
+                        </p:par>
+                      </p:childTnLst>
+                    </p:cTn>
+                  </p:par>
+                  <p:par>
+                    <p:cTn id="13" fill="hold">
+                      <p:stCondLst>
+                        <p:cond delay="indefinite"/>
+                      </p:stCondLst>
+                      <p:childTnLst>
+                        <p:par>
+                          <p:cTn id="14" fill="hold">
+                            <p:stCondLst>
+                              <p:cond delay="0"/>
+                            </p:stCondLst>
+                            <p:childTnLst>
+                              <p:par>
+                                <p:cTn id="15" presetID="10" presetClass="entr" presetSubtype="0" fill="hold" grpId="0" nodeType="clickEffect">
+                                  <p:stCondLst>
+                                    <p:cond delay="0"/>
+                                  </p:stCondLst>
+                                  <p:childTnLst>
+                                    <p:set>
+                                      <p:cBhvr>
+                                        <p:cTn id="16" dur="1" fill="hold">
+                                          <p:stCondLst>
+                                            <p:cond delay="0"/>
+                                          </p:stCondLst>
+                                        </p:cTn>
+                                        <p:tgtEl>
+                                          <p:spTgt spid="3">
+                                            <p:txEl>
+                                              <p:pRg st="2" end="2"/>
+                                            </p:txEl>
+                                          </p:spTgt>
+                                        </p:tgtEl>
+                                        <p:attrNameLst>
+                                          <p:attrName>style.visibility</p:attrName>
+                                        </p:attrNameLst>
+                                      </p:cBhvr>
+                                      <p:to>
+                                        <p:strVal val="visible"/>
+                                      </p:to>
+                                    </p:set>
+                                    <p:animEffect transition="in" filter="fade">
+                                      <p:cBhvr>
+                                        <p:cTn id="17" dur="500"/>
+                                        <p:tgtEl>
+                                          <p:spTgt spid="3">
+                                            <p:txEl>
+                                              <p:pRg st="2" end="2"/>
+                                            </p:txEl>
+                                          </p:spTgt>
+                                        </p:tgtEl>
+                                      </p:cBhvr>
+                                    </p:animEffect>
+                                  </p:childTnLst>
+                                </p:cTn>
+                              </p:par>
+                            </p:childTnLst>
+                          </p:cTn>
+                        </p:par>
+                      </p:childTnLst>
+                    </p:cTn>
+                  </p:par>
+                  <p:par>
+                    <p:cTn id="18" fill="hold">
+                      <p:stCondLst>
+                        <p:cond delay="indefinite"/>
+                      </p:stCondLst>
+                      <p:childTnLst>
+                        <p:par>
+                          <p:cTn id="19" fill="hold">
+                            <p:stCondLst>
+                              <p:cond delay="0"/>
+                            </p:stCondLst>
+                            <p:childTnLst>
+                              <p:par>
+                                <p:cTn id="20" presetID="10" presetClass="entr" presetSubtype="0" fill="hold" grpId="0" nodeType="clickEffect">
+                                  <p:stCondLst>
+                                    <p:cond delay="0"/>
+                                  </p:stCondLst>
+                                  <p:childTnLst>
+                                    <p:set>
+                                      <p:cBhvr>
+                                        <p:cTn id="21" dur="1" fill="hold">
+                                          <p:stCondLst>
+                                            <p:cond delay="0"/>
+                                          </p:stCondLst>
+                                        </p:cTn>
+                                        <p:tgtEl>
+                                          <p:spTgt spid="3">
+                                            <p:txEl>
+                                              <p:pRg st="3" end="3"/>
+                                            </p:txEl>
+                                          </p:spTgt>
+                                        </p:tgtEl>
+                                        <p:attrNameLst>
+                                          <p:attrName>style.visibility</p:attrName>
+                                        </p:attrNameLst>
+                                      </p:cBhvr>
+                                      <p:to>
+                                        <p:strVal val="visible"/>
+                                      </p:to>
+                                    </p:set>
+                                    <p:animEffect transition="in" filter="fade">
+                                      <p:cBhvr>
+                                        <p:cTn id="22" dur="500"/>
+                                        <p:tgtEl>
+                                          <p:spTgt spid="3">
+                                            <p:txEl>
+                                              <p:pRg st="3" end="3"/>
+                                            </p:txEl>
+                                          </p:spTgt>
+                                        </p:tgtEl>
+                                      </p:cBhvr>
+                                    </p:animEffect>
+                                  </p:childTnLst>
+                                </p:cTn>
+                              </p:par>
+                            </p:childTnLst>
+                          </p:cTn>
+                        </p:par>
+                      </p:childTnLst>
+                    </p:cTn>
+                  </p:par>
+                </p:childTnLst>
+              </p:cTn>
+              <p:prevCondLst>
+                <p:cond evt="onPrev" delay="0">
+                  <p:tgtEl>
+                    <p:sldTgt/>
+                  </p:tgtEl>
+                </p:cond>
+              </p:prevCondLst>
+              <p:nextCondLst>
+                <p:cond evt="onNext" delay="0">
+                  <p:tgtEl>
+                    <p:sldTgt/>
+                  </p:tgtEl>
+                </p:cond>
+              </p:nextCondLst>
+            </p:seq>
+          </p:childTnLst>
+        </p:cTn>
+      </p:par>
+    </p:tnLst>
+    <p:bldLst>
+      <p:bldP spid="3" grpId="0" build="p"/>
+    </p:bldLst>
+  </p:timing>
 </p:sld>
 </file>
 
@@ -35577,12 +36573,64 @@
       </p:grpSpPr>
       <p:sp>
         <p:nvSpPr>
-          <p:cNvPr id="4" name="Subtitle 3"/>
+          <p:cNvPr id="2" name="Text Placeholder 1"/>
           <p:cNvSpPr>
             <a:spLocks noGrp="1"/>
           </p:cNvSpPr>
           <p:nvPr>
-            <p:ph type="subTitle" idx="1"/>
+            <p:ph type="body" sz="quarter" idx="10"/>
+          </p:nvPr>
+        </p:nvSpPr>
+        <p:spPr>
+          <a:xfrm>
+            <a:off x="519113" y="1448597"/>
+            <a:ext cx="11149013" cy="4220857"/>
+          </a:xfrm>
+        </p:spPr>
+        <p:txBody>
+          <a:bodyPr/>
+          <a:lstStyle/>
+          <a:p>
+            <a:r>
+              <a:rPr lang="en-US" dirty="0" err="1" smtClean="0"/>
+              <a:t>AadGraphClient</a:t>
+            </a:r>
+            <a:r>
+              <a:rPr lang="en-US" dirty="0" smtClean="0"/>
+              <a:t> – Azure Active Directory</a:t>
+            </a:r>
+          </a:p>
+          <a:p>
+            <a:r>
+              <a:rPr lang="en-US" dirty="0" err="1" smtClean="0"/>
+              <a:t>ExchangeClient</a:t>
+            </a:r>
+            <a:r>
+              <a:rPr lang="en-US" dirty="0" smtClean="0"/>
+              <a:t> – Calendar, Contacts, Mail</a:t>
+            </a:r>
+          </a:p>
+          <a:p>
+            <a:r>
+              <a:rPr lang="en-US" dirty="0" err="1" smtClean="0"/>
+              <a:t>SharePointClient</a:t>
+            </a:r>
+            <a:r>
+              <a:rPr lang="en-US" dirty="0" smtClean="0"/>
+              <a:t> - Files</a:t>
+            </a:r>
+            <a:endParaRPr lang="en-US" dirty="0"/>
+          </a:p>
+        </p:txBody>
+      </p:sp>
+      <p:sp>
+        <p:nvSpPr>
+          <p:cNvPr id="3" name="Title 2"/>
+          <p:cNvSpPr>
+            <a:spLocks noGrp="1"/>
+          </p:cNvSpPr>
+          <p:nvPr>
+            <p:ph type="title"/>
           </p:nvPr>
         </p:nvSpPr>
         <p:spPr/>
@@ -35592,7 +36640,7 @@
           <a:p>
             <a:r>
               <a:rPr lang="en-US" dirty="0" smtClean="0"/>
-              <a:t>O365 APIs</a:t>
+              <a:t>Office 365 Clients</a:t>
             </a:r>
             <a:endParaRPr lang="en-US" dirty="0"/>
           </a:p>
@@ -35600,12 +36648,12 @@
       </p:sp>
       <p:sp>
         <p:nvSpPr>
-          <p:cNvPr id="2" name="Text Placeholder 1"/>
+          <p:cNvPr id="4" name="Slide Number Placeholder 3"/>
           <p:cNvSpPr>
             <a:spLocks noGrp="1"/>
           </p:cNvSpPr>
           <p:nvPr>
-            <p:ph type="body" sz="quarter" idx="10"/>
+            <p:ph type="sldNum" sz="quarter" idx="12"/>
           </p:nvPr>
         </p:nvSpPr>
         <p:spPr/>
@@ -35613,21 +36661,44 @@
           <a:bodyPr/>
           <a:lstStyle/>
           <a:p>
-            <a:pPr marL="0" indent="0">
-              <a:buNone/>
-            </a:pPr>
-            <a:r>
-              <a:rPr lang="en-US" dirty="0" smtClean="0"/>
-              <a:t>demo</a:t>
-            </a:r>
-            <a:endParaRPr lang="en-US" dirty="0"/>
+            <a:pPr defTabSz="914001"/>
+            <a:fld id="{727B4C2D-45E2-4621-8491-2995EB46A674}" type="slidenum">
+              <a:rPr lang="en-US" smtClean="0">
+                <a:gradFill>
+                  <a:gsLst>
+                    <a:gs pos="100000">
+                      <a:srgbClr val="797A7D"/>
+                    </a:gs>
+                    <a:gs pos="0">
+                      <a:srgbClr val="797A7D"/>
+                    </a:gs>
+                  </a:gsLst>
+                  <a:lin ang="5400000" scaled="0"/>
+                </a:gradFill>
+              </a:rPr>
+              <a:pPr defTabSz="914001"/>
+              <a:t>56</a:t>
+            </a:fld>
+            <a:endParaRPr lang="en-US" dirty="0">
+              <a:gradFill>
+                <a:gsLst>
+                  <a:gs pos="100000">
+                    <a:srgbClr val="797A7D"/>
+                  </a:gs>
+                  <a:gs pos="0">
+                    <a:srgbClr val="797A7D"/>
+                  </a:gs>
+                </a:gsLst>
+                <a:lin ang="5400000" scaled="0"/>
+              </a:gradFill>
+            </a:endParaRPr>
           </a:p>
         </p:txBody>
       </p:sp>
     </p:spTree>
     <p:extLst>
       <p:ext uri="{BB962C8B-B14F-4D97-AF65-F5344CB8AC3E}">
-        <p14:creationId xmlns:p14="http://schemas.microsoft.com/office/powerpoint/2010/main" val="3167697245"/>
+        <p14:creationId xmlns:p14="http://schemas.microsoft.com/office/powerpoint/2010/main" val="2652405895"/>
       </p:ext>
     </p:extLst>
   </p:cSld>
@@ -35637,17 +36708,73 @@
   <p:transition>
     <p:fade/>
   </p:transition>
-  <p:timing>
-    <p:tnLst>
-      <p:par>
-        <p:cTn id="1" dur="indefinite" restart="never" nodeType="tmRoot"/>
-      </p:par>
-    </p:tnLst>
-  </p:timing>
 </p:sld>
 </file>
 
 <file path=ppt/slides/slide57.xml><?xml version="1.0" encoding="utf-8"?>
+<p:sld xmlns:a="http://schemas.openxmlformats.org/drawingml/2006/main" xmlns:r="http://schemas.openxmlformats.org/officeDocument/2006/relationships" xmlns:p="http://schemas.openxmlformats.org/presentationml/2006/main">
+  <p:cSld>
+    <p:spTree>
+      <p:nvGrpSpPr>
+        <p:cNvPr id="1" name=""/>
+        <p:cNvGrpSpPr/>
+        <p:nvPr/>
+      </p:nvGrpSpPr>
+      <p:grpSpPr>
+        <a:xfrm>
+          <a:off x="0" y="0"/>
+          <a:ext cx="0" cy="0"/>
+          <a:chOff x="0" y="0"/>
+          <a:chExt cx="0" cy="0"/>
+        </a:xfrm>
+      </p:grpSpPr>
+      <p:pic>
+        <p:nvPicPr>
+          <p:cNvPr id="2" name="Picture 1"/>
+          <p:cNvPicPr>
+            <a:picLocks noChangeAspect="1"/>
+          </p:cNvPicPr>
+          <p:nvPr/>
+        </p:nvPicPr>
+        <p:blipFill>
+          <a:blip r:embed="rId2">
+            <a:extLst>
+              <a:ext uri="{28A0092B-C50C-407E-A947-70E740481C1C}">
+                <a14:useLocalDpi xmlns:a14="http://schemas.microsoft.com/office/drawing/2010/main" val="0"/>
+              </a:ext>
+            </a:extLst>
+          </a:blip>
+          <a:stretch>
+            <a:fillRect/>
+          </a:stretch>
+        </p:blipFill>
+        <p:spPr>
+          <a:xfrm>
+            <a:off x="986178" y="650838"/>
+            <a:ext cx="9947615" cy="5467078"/>
+          </a:xfrm>
+          <a:prstGeom prst="rect">
+            <a:avLst/>
+          </a:prstGeom>
+        </p:spPr>
+      </p:pic>
+    </p:spTree>
+    <p:extLst>
+      <p:ext uri="{BB962C8B-B14F-4D97-AF65-F5344CB8AC3E}">
+        <p14:creationId xmlns:p14="http://schemas.microsoft.com/office/powerpoint/2010/main" val="2089671681"/>
+      </p:ext>
+    </p:extLst>
+  </p:cSld>
+  <p:clrMapOvr>
+    <a:masterClrMapping/>
+  </p:clrMapOvr>
+  <p:transition>
+    <p:fade/>
+  </p:transition>
+</p:sld>
+</file>
+
+<file path=ppt/slides/slide58.xml><?xml version="1.0" encoding="utf-8"?>
 <p:sld xmlns:a="http://schemas.openxmlformats.org/drawingml/2006/main" xmlns:r="http://schemas.openxmlformats.org/officeDocument/2006/relationships" xmlns:p="http://schemas.openxmlformats.org/presentationml/2006/main">
   <p:cSld>
     <p:spTree>
@@ -35738,186 +36865,6 @@
 </p:sld>
 </file>
 
-<file path=ppt/slides/slide58.xml><?xml version="1.0" encoding="utf-8"?>
-<p:sld xmlns:a="http://schemas.openxmlformats.org/drawingml/2006/main" xmlns:r="http://schemas.openxmlformats.org/officeDocument/2006/relationships" xmlns:p="http://schemas.openxmlformats.org/presentationml/2006/main">
-  <p:cSld>
-    <p:spTree>
-      <p:nvGrpSpPr>
-        <p:cNvPr id="1" name=""/>
-        <p:cNvGrpSpPr/>
-        <p:nvPr/>
-      </p:nvGrpSpPr>
-      <p:grpSpPr>
-        <a:xfrm>
-          <a:off x="0" y="0"/>
-          <a:ext cx="0" cy="0"/>
-          <a:chOff x="0" y="0"/>
-          <a:chExt cx="0" cy="0"/>
-        </a:xfrm>
-      </p:grpSpPr>
-      <p:sp>
-        <p:nvSpPr>
-          <p:cNvPr id="2" name="Text Placeholder 1"/>
-          <p:cNvSpPr>
-            <a:spLocks noGrp="1"/>
-          </p:cNvSpPr>
-          <p:nvPr>
-            <p:ph type="body" sz="quarter" idx="10"/>
-          </p:nvPr>
-        </p:nvSpPr>
-        <p:spPr>
-          <a:xfrm>
-            <a:off x="519112" y="1447798"/>
-            <a:ext cx="11149013" cy="4571165"/>
-          </a:xfrm>
-        </p:spPr>
-        <p:txBody>
-          <a:bodyPr/>
-          <a:lstStyle/>
-          <a:p>
-            <a:r>
-              <a:rPr lang="en-US" dirty="0" smtClean="0"/>
-              <a:t>Embodies all </a:t>
-            </a:r>
-            <a:r>
-              <a:rPr lang="en-US" dirty="0" err="1" smtClean="0"/>
-              <a:t>OAuth</a:t>
-            </a:r>
-            <a:r>
-              <a:rPr lang="en-US" dirty="0" smtClean="0"/>
-              <a:t> operations</a:t>
-            </a:r>
-          </a:p>
-          <a:p>
-            <a:r>
-              <a:rPr lang="en-US" dirty="0" smtClean="0"/>
-              <a:t>Allows code customizations for special situations</a:t>
-            </a:r>
-          </a:p>
-          <a:p>
-            <a:r>
-              <a:rPr lang="en-US" dirty="0" smtClean="0"/>
-              <a:t>Available on </a:t>
-            </a:r>
-            <a:r>
-              <a:rPr lang="en-US" dirty="0" err="1" smtClean="0"/>
-              <a:t>GitHub</a:t>
-            </a:r>
-            <a:endParaRPr lang="en-US" dirty="0" smtClean="0"/>
-          </a:p>
-          <a:p>
-            <a:r>
-              <a:rPr lang="en-US" sz="2000" dirty="0">
-                <a:hlinkClick r:id="rId3"/>
-              </a:rPr>
-              <a:t>https://github.com/AzureADSamples/WebApp-WebAPI-OAuth2-UserIdentity-DotNet</a:t>
-            </a:r>
-            <a:r>
-              <a:rPr lang="en-US" sz="2000" dirty="0" smtClean="0">
-                <a:hlinkClick r:id="rId3"/>
-              </a:rPr>
-              <a:t>/</a:t>
-            </a:r>
-            <a:br>
-              <a:rPr lang="en-US" sz="2000" dirty="0" smtClean="0">
-                <a:hlinkClick r:id="rId3"/>
-              </a:rPr>
-            </a:br>
-            <a:r>
-              <a:rPr lang="en-US" sz="2000" dirty="0" smtClean="0">
-                <a:hlinkClick r:id="rId3"/>
-              </a:rPr>
-              <a:t>blob/master/</a:t>
-            </a:r>
-            <a:r>
-              <a:rPr lang="en-US" sz="2000" dirty="0" err="1" smtClean="0">
-                <a:hlinkClick r:id="rId3"/>
-              </a:rPr>
-              <a:t>WebApp</a:t>
-            </a:r>
-            <a:r>
-              <a:rPr lang="en-US" sz="2000" dirty="0" smtClean="0">
-                <a:hlinkClick r:id="rId3"/>
-              </a:rPr>
-              <a:t>/Controllers/</a:t>
-            </a:r>
-            <a:r>
-              <a:rPr lang="en-US" sz="2000" dirty="0" err="1" smtClean="0">
-                <a:hlinkClick r:id="rId3"/>
-              </a:rPr>
-              <a:t>OAuthController.cs</a:t>
-            </a:r>
-            <a:endParaRPr lang="en-US" sz="2000" dirty="0"/>
-          </a:p>
-        </p:txBody>
-      </p:sp>
-      <p:sp>
-        <p:nvSpPr>
-          <p:cNvPr id="3" name="Title 2"/>
-          <p:cNvSpPr>
-            <a:spLocks noGrp="1"/>
-          </p:cNvSpPr>
-          <p:nvPr>
-            <p:ph type="title"/>
-          </p:nvPr>
-        </p:nvSpPr>
-        <p:spPr/>
-        <p:txBody>
-          <a:bodyPr/>
-          <a:lstStyle/>
-          <a:p>
-            <a:r>
-              <a:rPr lang="en-US" dirty="0" err="1" smtClean="0"/>
-              <a:t>OAuth</a:t>
-            </a:r>
-            <a:r>
-              <a:rPr lang="en-US" dirty="0" smtClean="0"/>
-              <a:t> Controller class</a:t>
-            </a:r>
-            <a:endParaRPr lang="en-US" dirty="0"/>
-          </a:p>
-        </p:txBody>
-      </p:sp>
-      <p:sp>
-        <p:nvSpPr>
-          <p:cNvPr id="4" name="Slide Number Placeholder 3"/>
-          <p:cNvSpPr>
-            <a:spLocks noGrp="1"/>
-          </p:cNvSpPr>
-          <p:nvPr>
-            <p:ph type="sldNum" sz="quarter" idx="12"/>
-          </p:nvPr>
-        </p:nvSpPr>
-        <p:spPr/>
-        <p:txBody>
-          <a:bodyPr/>
-          <a:lstStyle/>
-          <a:p>
-            <a:fld id="{727B4C2D-45E2-4621-8491-2995EB46A674}" type="slidenum">
-              <a:rPr lang="en-US" smtClean="0"/>
-              <a:pPr/>
-              <a:t>58</a:t>
-            </a:fld>
-            <a:endParaRPr lang="en-US" dirty="0"/>
-          </a:p>
-        </p:txBody>
-      </p:sp>
-    </p:spTree>
-    <p:extLst>
-      <p:ext uri="{BB962C8B-B14F-4D97-AF65-F5344CB8AC3E}">
-        <p14:creationId xmlns:p14="http://schemas.microsoft.com/office/powerpoint/2010/main" val="2770436368"/>
-      </p:ext>
-    </p:extLst>
-  </p:cSld>
-  <p:clrMapOvr>
-    <a:masterClrMapping/>
-  </p:clrMapOvr>
-  <p:transition>
-    <p:fade/>
-  </p:transition>
-</p:sld>
-</file>
-
 <file path=ppt/slides/slide59.xml><?xml version="1.0" encoding="utf-8"?>
 <p:sld xmlns:a="http://schemas.openxmlformats.org/drawingml/2006/main" xmlns:r="http://schemas.openxmlformats.org/officeDocument/2006/relationships" xmlns:p="http://schemas.openxmlformats.org/presentationml/2006/main">
   <p:cSld>
@@ -35948,7 +36895,7 @@
         <p:spPr>
           <a:xfrm>
             <a:off x="519112" y="1447798"/>
-            <a:ext cx="11149013" cy="4711841"/>
+            <a:ext cx="11149013" cy="4571165"/>
           </a:xfrm>
         </p:spPr>
         <p:txBody>
@@ -35957,58 +36904,102 @@
           <a:p>
             <a:r>
               <a:rPr lang="en-US" dirty="0" smtClean="0"/>
-              <a:t>User has Organizational Account</a:t>
-            </a:r>
-          </a:p>
-          <a:p>
-            <a:r>
-              <a:rPr lang="en-US" dirty="0" smtClean="0"/>
-              <a:t>App deployed as an Azure Web Site</a:t>
-            </a:r>
-          </a:p>
-          <a:p>
-            <a:r>
-              <a:rPr lang="en-US" dirty="0" smtClean="0"/>
-              <a:t>App registered with Azure Active Directory</a:t>
-            </a:r>
-          </a:p>
-          <a:p>
-            <a:r>
-              <a:rPr lang="en-US" dirty="0" smtClean="0"/>
-              <a:t>Client ID and Client Secret defined in AAD</a:t>
-            </a:r>
-          </a:p>
-          <a:p>
-            <a:r>
-              <a:rPr lang="en-US" dirty="0" smtClean="0"/>
-              <a:t>Permissions granted specifically in AAD</a:t>
-            </a:r>
-            <a:endParaRPr lang="en-US" dirty="0"/>
-          </a:p>
-        </p:txBody>
-      </p:sp>
-      <p:sp>
-        <p:nvSpPr>
-          <p:cNvPr id="3" name="Title 2"/>
-          <p:cNvSpPr>
-            <a:spLocks noGrp="1"/>
-          </p:cNvSpPr>
-          <p:nvPr>
-            <p:ph type="title"/>
-          </p:nvPr>
-        </p:nvSpPr>
-        <p:spPr/>
-        <p:txBody>
-          <a:bodyPr/>
-          <a:lstStyle/>
-          <a:p>
+              <a:t>Embodies all </a:t>
+            </a:r>
             <a:r>
               <a:rPr lang="en-US" dirty="0" err="1" smtClean="0"/>
               <a:t>OAuth</a:t>
             </a:r>
             <a:r>
               <a:rPr lang="en-US" dirty="0" smtClean="0"/>
-              <a:t> Controller Flow Scenario</a:t>
+              <a:t> operations</a:t>
+            </a:r>
+          </a:p>
+          <a:p>
+            <a:r>
+              <a:rPr lang="en-US" dirty="0" smtClean="0"/>
+              <a:t>Allows code customizations for special situations</a:t>
+            </a:r>
+          </a:p>
+          <a:p>
+            <a:r>
+              <a:rPr lang="en-US" dirty="0" smtClean="0"/>
+              <a:t>Available on </a:t>
+            </a:r>
+            <a:r>
+              <a:rPr lang="en-US" dirty="0" err="1" smtClean="0"/>
+              <a:t>GitHub</a:t>
+            </a:r>
+            <a:endParaRPr lang="en-US" dirty="0" smtClean="0"/>
+          </a:p>
+          <a:p>
+            <a:r>
+              <a:rPr lang="en-US" sz="2000" dirty="0">
+                <a:hlinkClick r:id="rId3"/>
+              </a:rPr>
+              <a:t>https://github.com/AzureADSamples/WebApp-WebAPI-OAuth2-UserIdentity-DotNet</a:t>
+            </a:r>
+            <a:r>
+              <a:rPr lang="en-US" sz="2000" dirty="0" smtClean="0">
+                <a:hlinkClick r:id="rId3"/>
+              </a:rPr>
+              <a:t>/</a:t>
+            </a:r>
+            <a:br>
+              <a:rPr lang="en-US" sz="2000" dirty="0" smtClean="0">
+                <a:hlinkClick r:id="rId3"/>
+              </a:rPr>
+            </a:br>
+            <a:r>
+              <a:rPr lang="en-US" sz="2000" dirty="0" smtClean="0">
+                <a:hlinkClick r:id="rId3"/>
+              </a:rPr>
+              <a:t>blob/master/</a:t>
+            </a:r>
+            <a:r>
+              <a:rPr lang="en-US" sz="2000" dirty="0" err="1" smtClean="0">
+                <a:hlinkClick r:id="rId3"/>
+              </a:rPr>
+              <a:t>WebApp</a:t>
+            </a:r>
+            <a:r>
+              <a:rPr lang="en-US" sz="2000" dirty="0" smtClean="0">
+                <a:hlinkClick r:id="rId3"/>
+              </a:rPr>
+              <a:t>/Controllers/</a:t>
+            </a:r>
+            <a:r>
+              <a:rPr lang="en-US" sz="2000" dirty="0" err="1" smtClean="0">
+                <a:hlinkClick r:id="rId3"/>
+              </a:rPr>
+              <a:t>OAuthController.cs</a:t>
+            </a:r>
+            <a:endParaRPr lang="en-US" sz="2000" dirty="0"/>
+          </a:p>
+        </p:txBody>
+      </p:sp>
+      <p:sp>
+        <p:nvSpPr>
+          <p:cNvPr id="3" name="Title 2"/>
+          <p:cNvSpPr>
+            <a:spLocks noGrp="1"/>
+          </p:cNvSpPr>
+          <p:nvPr>
+            <p:ph type="title"/>
+          </p:nvPr>
+        </p:nvSpPr>
+        <p:spPr/>
+        <p:txBody>
+          <a:bodyPr/>
+          <a:lstStyle/>
+          <a:p>
+            <a:r>
+              <a:rPr lang="en-US" dirty="0" err="1" smtClean="0"/>
+              <a:t>OAuth</a:t>
+            </a:r>
+            <a:r>
+              <a:rPr lang="en-US" dirty="0" smtClean="0"/>
+              <a:t> Controller class</a:t>
             </a:r>
             <a:endParaRPr lang="en-US" dirty="0"/>
           </a:p>
@@ -36041,7 +37032,7 @@
     </p:spTree>
     <p:extLst>
       <p:ext uri="{BB962C8B-B14F-4D97-AF65-F5344CB8AC3E}">
-        <p14:creationId xmlns:p14="http://schemas.microsoft.com/office/powerpoint/2010/main" val="3056435284"/>
+        <p14:creationId xmlns:p14="http://schemas.microsoft.com/office/powerpoint/2010/main" val="2770436368"/>
       </p:ext>
     </p:extLst>
   </p:cSld>
@@ -36201,7 +37192,59 @@
       </p:grpSpPr>
       <p:sp>
         <p:nvSpPr>
-          <p:cNvPr id="2" name="Title 1"/>
+          <p:cNvPr id="2" name="Text Placeholder 1"/>
+          <p:cNvSpPr>
+            <a:spLocks noGrp="1"/>
+          </p:cNvSpPr>
+          <p:nvPr>
+            <p:ph type="body" sz="quarter" idx="10"/>
+          </p:nvPr>
+        </p:nvSpPr>
+        <p:spPr>
+          <a:xfrm>
+            <a:off x="519112" y="1447798"/>
+            <a:ext cx="11149013" cy="4711841"/>
+          </a:xfrm>
+        </p:spPr>
+        <p:txBody>
+          <a:bodyPr/>
+          <a:lstStyle/>
+          <a:p>
+            <a:r>
+              <a:rPr lang="en-US" dirty="0" smtClean="0"/>
+              <a:t>User has Organizational Account</a:t>
+            </a:r>
+          </a:p>
+          <a:p>
+            <a:r>
+              <a:rPr lang="en-US" dirty="0" smtClean="0"/>
+              <a:t>App deployed as an Azure Web Site</a:t>
+            </a:r>
+          </a:p>
+          <a:p>
+            <a:r>
+              <a:rPr lang="en-US" dirty="0" smtClean="0"/>
+              <a:t>App registered with Azure Active Directory</a:t>
+            </a:r>
+          </a:p>
+          <a:p>
+            <a:r>
+              <a:rPr lang="en-US" dirty="0" smtClean="0"/>
+              <a:t>Client ID and Client Secret defined in AAD</a:t>
+            </a:r>
+          </a:p>
+          <a:p>
+            <a:r>
+              <a:rPr lang="en-US" dirty="0" smtClean="0"/>
+              <a:t>Permissions granted specifically in AAD</a:t>
+            </a:r>
+            <a:endParaRPr lang="en-US" dirty="0"/>
+          </a:p>
+        </p:txBody>
+      </p:sp>
+      <p:sp>
+        <p:nvSpPr>
+          <p:cNvPr id="3" name="Title 2"/>
           <p:cNvSpPr>
             <a:spLocks noGrp="1"/>
           </p:cNvSpPr>
@@ -36220,15 +37263,7 @@
             </a:r>
             <a:r>
               <a:rPr lang="en-US" dirty="0" smtClean="0"/>
-              <a:t> 2.0 Flow </a:t>
-            </a:r>
-            <a:r>
-              <a:rPr lang="en-US" dirty="0" err="1" smtClean="0"/>
-              <a:t>OAuth</a:t>
-            </a:r>
-            <a:r>
-              <a:rPr lang="en-US" dirty="0" smtClean="0"/>
-              <a:t> Controller</a:t>
+              <a:t> Controller Flow Scenario</a:t>
             </a:r>
             <a:endParaRPr lang="en-US" dirty="0"/>
           </a:p>
@@ -36236,7 +37271,7 @@
       </p:sp>
       <p:sp>
         <p:nvSpPr>
-          <p:cNvPr id="3" name="Slide Number Placeholder 2"/>
+          <p:cNvPr id="4" name="Slide Number Placeholder 3"/>
           <p:cNvSpPr>
             <a:spLocks noGrp="1"/>
           </p:cNvSpPr>
@@ -36258,412 +37293,10 @@
           </a:p>
         </p:txBody>
       </p:sp>
-      <p:pic>
-        <p:nvPicPr>
-          <p:cNvPr id="4" name="Picture 3"/>
-          <p:cNvPicPr>
-            <a:picLocks noChangeAspect="1"/>
-          </p:cNvPicPr>
-          <p:nvPr/>
-        </p:nvPicPr>
-        <p:blipFill>
-          <a:blip r:embed="rId2">
-            <a:extLst>
-              <a:ext uri="{28A0092B-C50C-407E-A947-70E740481C1C}">
-                <a14:useLocalDpi xmlns:a14="http://schemas.microsoft.com/office/drawing/2010/main" val="0"/>
-              </a:ext>
-            </a:extLst>
-          </a:blip>
-          <a:stretch>
-            <a:fillRect/>
-          </a:stretch>
-        </p:blipFill>
-        <p:spPr>
-          <a:xfrm flipH="1">
-            <a:off x="1292026" y="2317909"/>
-            <a:ext cx="994787" cy="984823"/>
-          </a:xfrm>
-          <a:prstGeom prst="rect">
-            <a:avLst/>
-          </a:prstGeom>
-        </p:spPr>
-      </p:pic>
-      <p:sp>
-        <p:nvSpPr>
-          <p:cNvPr id="5" name="TextBox 4"/>
-          <p:cNvSpPr txBox="1"/>
-          <p:nvPr/>
-        </p:nvSpPr>
-        <p:spPr>
-          <a:xfrm>
-            <a:off x="1061527" y="3377866"/>
-            <a:ext cx="1455783" cy="492443"/>
-          </a:xfrm>
-          <a:prstGeom prst="rect">
-            <a:avLst/>
-          </a:prstGeom>
-          <a:noFill/>
-        </p:spPr>
-        <p:txBody>
-          <a:bodyPr wrap="none" lIns="0" tIns="0" rIns="0" bIns="0" rtlCol="0">
-            <a:spAutoFit/>
-          </a:bodyPr>
-          <a:lstStyle/>
-          <a:p>
-            <a:pPr algn="ctr"/>
-            <a:r>
-              <a:rPr lang="en-US" sz="1600" b="1" spc="-70" dirty="0" smtClean="0">
-                <a:gradFill>
-                  <a:gsLst>
-                    <a:gs pos="2917">
-                      <a:schemeClr val="bg2"/>
-                    </a:gs>
-                    <a:gs pos="95000">
-                      <a:schemeClr val="bg2"/>
-                    </a:gs>
-                  </a:gsLst>
-                  <a:lin ang="5400000" scaled="0"/>
-                </a:gradFill>
-              </a:rPr>
-              <a:t>End User</a:t>
-            </a:r>
-          </a:p>
-          <a:p>
-            <a:pPr algn="ctr"/>
-            <a:r>
-              <a:rPr lang="en-US" sz="1600" spc="-70" dirty="0" smtClean="0">
-                <a:gradFill>
-                  <a:gsLst>
-                    <a:gs pos="2917">
-                      <a:schemeClr val="bg2"/>
-                    </a:gs>
-                    <a:gs pos="95000">
-                      <a:schemeClr val="bg2"/>
-                    </a:gs>
-                  </a:gsLst>
-                  <a:lin ang="5400000" scaled="0"/>
-                </a:gradFill>
-              </a:rPr>
-              <a:t>(Resource Owner)</a:t>
-            </a:r>
-          </a:p>
-        </p:txBody>
-      </p:sp>
-      <p:pic>
-        <p:nvPicPr>
-          <p:cNvPr id="9" name="Picture 8"/>
-          <p:cNvPicPr>
-            <a:picLocks noChangeAspect="1"/>
-          </p:cNvPicPr>
-          <p:nvPr/>
-        </p:nvPicPr>
-        <p:blipFill>
-          <a:blip r:embed="rId3">
-            <a:extLst>
-              <a:ext uri="{28A0092B-C50C-407E-A947-70E740481C1C}">
-                <a14:useLocalDpi xmlns:a14="http://schemas.microsoft.com/office/drawing/2010/main" val="0"/>
-              </a:ext>
-            </a:extLst>
-          </a:blip>
-          <a:stretch>
-            <a:fillRect/>
-          </a:stretch>
-        </p:blipFill>
-        <p:spPr>
-          <a:xfrm>
-            <a:off x="4198572" y="1378691"/>
-            <a:ext cx="2149138" cy="1686344"/>
-          </a:xfrm>
-          <a:prstGeom prst="ellipse">
-            <a:avLst/>
-          </a:prstGeom>
-          <a:ln w="63500" cap="rnd">
-            <a:solidFill>
-              <a:srgbClr val="333333"/>
-            </a:solidFill>
-          </a:ln>
-          <a:effectLst>
-            <a:outerShdw blurRad="381000" dist="292100" dir="5400000" sx="-80000" sy="-18000" rotWithShape="0">
-              <a:srgbClr val="000000">
-                <a:alpha val="22000"/>
-              </a:srgbClr>
-            </a:outerShdw>
-          </a:effectLst>
-          <a:scene3d>
-            <a:camera prst="orthographicFront"/>
-            <a:lightRig rig="contrasting" dir="t">
-              <a:rot lat="0" lon="0" rev="3000000"/>
-            </a:lightRig>
-          </a:scene3d>
-          <a:sp3d contourW="7620">
-            <a:bevelT w="95250" h="31750"/>
-            <a:contourClr>
-              <a:srgbClr val="333333"/>
-            </a:contourClr>
-          </a:sp3d>
-        </p:spPr>
-      </p:pic>
-      <p:sp>
-        <p:nvSpPr>
-          <p:cNvPr id="10" name="TextBox 9"/>
-          <p:cNvSpPr txBox="1"/>
-          <p:nvPr/>
-        </p:nvSpPr>
-        <p:spPr>
-          <a:xfrm>
-            <a:off x="9802223" y="4838257"/>
-            <a:ext cx="1782796" cy="492443"/>
-          </a:xfrm>
-          <a:prstGeom prst="rect">
-            <a:avLst/>
-          </a:prstGeom>
-          <a:noFill/>
-        </p:spPr>
-        <p:txBody>
-          <a:bodyPr wrap="none" lIns="0" tIns="0" rIns="0" bIns="0" rtlCol="0">
-            <a:spAutoFit/>
-          </a:bodyPr>
-          <a:lstStyle/>
-          <a:p>
-            <a:pPr algn="ctr"/>
-            <a:r>
-              <a:rPr lang="en-US" sz="1600" b="1" spc="-70" dirty="0" smtClean="0">
-                <a:gradFill>
-                  <a:gsLst>
-                    <a:gs pos="2917">
-                      <a:schemeClr val="bg2"/>
-                    </a:gs>
-                    <a:gs pos="95000">
-                      <a:schemeClr val="bg2"/>
-                    </a:gs>
-                  </a:gsLst>
-                  <a:lin ang="5400000" scaled="0"/>
-                </a:gradFill>
-              </a:rPr>
-              <a:t>Azure ACS</a:t>
-            </a:r>
-          </a:p>
-          <a:p>
-            <a:pPr algn="ctr"/>
-            <a:r>
-              <a:rPr lang="en-US" sz="1600" spc="-70" dirty="0" smtClean="0">
-                <a:gradFill>
-                  <a:gsLst>
-                    <a:gs pos="2917">
-                      <a:schemeClr val="bg2"/>
-                    </a:gs>
-                    <a:gs pos="95000">
-                      <a:schemeClr val="bg2"/>
-                    </a:gs>
-                  </a:gsLst>
-                  <a:lin ang="5400000" scaled="0"/>
-                </a:gradFill>
-              </a:rPr>
-              <a:t>(Authorization Server)</a:t>
-            </a:r>
-          </a:p>
-        </p:txBody>
-      </p:sp>
-      <p:sp>
-        <p:nvSpPr>
-          <p:cNvPr id="11" name="TextBox 10"/>
-          <p:cNvSpPr txBox="1"/>
-          <p:nvPr/>
-        </p:nvSpPr>
-        <p:spPr>
-          <a:xfrm>
-            <a:off x="6347710" y="1378691"/>
-            <a:ext cx="1345112" cy="492443"/>
-          </a:xfrm>
-          <a:prstGeom prst="rect">
-            <a:avLst/>
-          </a:prstGeom>
-          <a:noFill/>
-        </p:spPr>
-        <p:txBody>
-          <a:bodyPr wrap="none" lIns="0" tIns="0" rIns="0" bIns="0" rtlCol="0">
-            <a:spAutoFit/>
-          </a:bodyPr>
-          <a:lstStyle/>
-          <a:p>
-            <a:pPr algn="ctr"/>
-            <a:r>
-              <a:rPr lang="en-US" sz="1600" b="1" spc="-70" dirty="0" smtClean="0">
-                <a:gradFill>
-                  <a:gsLst>
-                    <a:gs pos="2917">
-                      <a:schemeClr val="bg2"/>
-                    </a:gs>
-                    <a:gs pos="95000">
-                      <a:schemeClr val="bg2"/>
-                    </a:gs>
-                  </a:gsLst>
-                  <a:lin ang="5400000" scaled="0"/>
-                </a:gradFill>
-              </a:rPr>
-              <a:t>Azure Web Site</a:t>
-            </a:r>
-          </a:p>
-          <a:p>
-            <a:pPr algn="ctr"/>
-            <a:r>
-              <a:rPr lang="en-US" sz="1600" spc="-70" dirty="0" smtClean="0">
-                <a:gradFill>
-                  <a:gsLst>
-                    <a:gs pos="2917">
-                      <a:schemeClr val="bg2"/>
-                    </a:gs>
-                    <a:gs pos="95000">
-                      <a:schemeClr val="bg2"/>
-                    </a:gs>
-                  </a:gsLst>
-                  <a:lin ang="5400000" scaled="0"/>
-                </a:gradFill>
-              </a:rPr>
-              <a:t>(Client)</a:t>
-            </a:r>
-          </a:p>
-        </p:txBody>
-      </p:sp>
-      <p:pic>
-        <p:nvPicPr>
-          <p:cNvPr id="12" name="Picture 11"/>
-          <p:cNvPicPr>
-            <a:picLocks noChangeAspect="1"/>
-          </p:cNvPicPr>
-          <p:nvPr/>
-        </p:nvPicPr>
-        <p:blipFill>
-          <a:blip r:embed="rId4">
-            <a:extLst>
-              <a:ext uri="{28A0092B-C50C-407E-A947-70E740481C1C}">
-                <a14:useLocalDpi xmlns:a14="http://schemas.microsoft.com/office/drawing/2010/main" val="0"/>
-              </a:ext>
-            </a:extLst>
-          </a:blip>
-          <a:stretch>
-            <a:fillRect/>
-          </a:stretch>
-        </p:blipFill>
-        <p:spPr>
-          <a:xfrm>
-            <a:off x="7963778" y="3075304"/>
-            <a:ext cx="2255396" cy="2255396"/>
-          </a:xfrm>
-          <a:prstGeom prst="rect">
-            <a:avLst/>
-          </a:prstGeom>
-          <a:effectLst>
-            <a:outerShdw blurRad="152400" dist="317500" dir="5400000" sx="90000" sy="-19000" rotWithShape="0">
-              <a:prstClr val="black">
-                <a:alpha val="15000"/>
-              </a:prstClr>
-            </a:outerShdw>
-          </a:effectLst>
-        </p:spPr>
-      </p:pic>
-      <p:pic>
-        <p:nvPicPr>
-          <p:cNvPr id="14" name="Picture 13"/>
-          <p:cNvPicPr>
-            <a:picLocks noChangeAspect="1"/>
-          </p:cNvPicPr>
-          <p:nvPr/>
-        </p:nvPicPr>
-        <p:blipFill>
-          <a:blip r:embed="rId5">
-            <a:extLst>
-              <a:ext uri="{28A0092B-C50C-407E-A947-70E740481C1C}">
-                <a14:useLocalDpi xmlns:a14="http://schemas.microsoft.com/office/drawing/2010/main" val="0"/>
-              </a:ext>
-            </a:extLst>
-          </a:blip>
-          <a:stretch>
-            <a:fillRect/>
-          </a:stretch>
-        </p:blipFill>
-        <p:spPr>
-          <a:xfrm>
-            <a:off x="4277752" y="4090440"/>
-            <a:ext cx="1543265" cy="1495634"/>
-          </a:xfrm>
-          <a:prstGeom prst="rect">
-            <a:avLst/>
-          </a:prstGeom>
-          <a:effectLst>
-            <a:outerShdw blurRad="152400" dist="317500" dir="5400000" sx="90000" sy="-19000" rotWithShape="0">
-              <a:prstClr val="black">
-                <a:alpha val="15000"/>
-              </a:prstClr>
-            </a:outerShdw>
-          </a:effectLst>
-        </p:spPr>
-      </p:pic>
-      <p:sp>
-        <p:nvSpPr>
-          <p:cNvPr id="15" name="TextBox 14"/>
-          <p:cNvSpPr txBox="1"/>
-          <p:nvPr/>
-        </p:nvSpPr>
-        <p:spPr>
-          <a:xfrm>
-            <a:off x="2517310" y="5211721"/>
-            <a:ext cx="1579728" cy="492443"/>
-          </a:xfrm>
-          <a:prstGeom prst="rect">
-            <a:avLst/>
-          </a:prstGeom>
-          <a:noFill/>
-        </p:spPr>
-        <p:txBody>
-          <a:bodyPr wrap="none" lIns="0" tIns="0" rIns="0" bIns="0" rtlCol="0">
-            <a:spAutoFit/>
-          </a:bodyPr>
-          <a:lstStyle/>
-          <a:p>
-            <a:pPr algn="ctr"/>
-            <a:r>
-              <a:rPr lang="en-US" sz="1600" b="1" spc="-70" dirty="0" smtClean="0">
-                <a:gradFill>
-                  <a:gsLst>
-                    <a:gs pos="2917">
-                      <a:schemeClr val="bg2"/>
-                    </a:gs>
-                    <a:gs pos="95000">
-                      <a:schemeClr val="bg2"/>
-                    </a:gs>
-                  </a:gsLst>
-                  <a:lin ang="5400000" scaled="0"/>
-                </a:gradFill>
-              </a:rPr>
-              <a:t>SharePoint Online</a:t>
-            </a:r>
-          </a:p>
-          <a:p>
-            <a:pPr algn="ctr"/>
-            <a:r>
-              <a:rPr lang="en-US" sz="1600" spc="-70" dirty="0" smtClean="0">
-                <a:gradFill>
-                  <a:gsLst>
-                    <a:gs pos="2917">
-                      <a:schemeClr val="bg2"/>
-                    </a:gs>
-                    <a:gs pos="95000">
-                      <a:schemeClr val="bg2"/>
-                    </a:gs>
-                  </a:gsLst>
-                  <a:lin ang="5400000" scaled="0"/>
-                </a:gradFill>
-              </a:rPr>
-              <a:t>(Resource Server)</a:t>
-            </a:r>
-          </a:p>
-        </p:txBody>
-      </p:sp>
     </p:spTree>
     <p:extLst>
       <p:ext uri="{BB962C8B-B14F-4D97-AF65-F5344CB8AC3E}">
-        <p14:creationId xmlns:p14="http://schemas.microsoft.com/office/powerpoint/2010/main" val="3546972997"/>
+        <p14:creationId xmlns:p14="http://schemas.microsoft.com/office/powerpoint/2010/main" val="3056435284"/>
       </p:ext>
     </p:extLst>
   </p:cSld>
@@ -36709,21 +37342,22 @@
           <a:lstStyle/>
           <a:p>
             <a:r>
-              <a:rPr lang="en-US" dirty="0" err="1"/>
+              <a:rPr lang="en-US" dirty="0" err="1" smtClean="0"/>
               <a:t>OAuth</a:t>
             </a:r>
             <a:r>
-              <a:rPr lang="en-US" dirty="0"/>
+              <a:rPr lang="en-US" dirty="0" smtClean="0"/>
               <a:t> 2.0 Flow </a:t>
             </a:r>
             <a:r>
-              <a:rPr lang="en-US" dirty="0" err="1"/>
+              <a:rPr lang="en-US" dirty="0" err="1" smtClean="0"/>
               <a:t>OAuth</a:t>
             </a:r>
             <a:r>
-              <a:rPr lang="en-US" dirty="0"/>
+              <a:rPr lang="en-US" dirty="0" smtClean="0"/>
               <a:t> Controller</a:t>
             </a:r>
+            <a:endParaRPr lang="en-US" dirty="0"/>
           </a:p>
         </p:txBody>
       </p:sp>
@@ -36904,8 +37538,8 @@
         </p:nvSpPr>
         <p:spPr>
           <a:xfrm>
-            <a:off x="9802223" y="4838257"/>
-            <a:ext cx="1782796" cy="492443"/>
+            <a:off x="9706877" y="4838257"/>
+            <a:ext cx="1973489" cy="492443"/>
           </a:xfrm>
           <a:prstGeom prst="rect">
             <a:avLst/>
@@ -36933,8 +37567,37 @@
                   <a:lin ang="5400000" scaled="0"/>
                 </a:gradFill>
               </a:rPr>
-              <a:t>Azure ACS</a:t>
-            </a:r>
+              <a:t>Azure </a:t>
+            </a:r>
+            <a:r>
+              <a:rPr lang="en-US" sz="1600" b="1" spc="-70" dirty="0" smtClean="0">
+                <a:gradFill>
+                  <a:gsLst>
+                    <a:gs pos="2917">
+                      <a:schemeClr val="bg2"/>
+                    </a:gs>
+                    <a:gs pos="95000">
+                      <a:schemeClr val="bg2"/>
+                    </a:gs>
+                  </a:gsLst>
+                  <a:lin ang="5400000" scaled="0"/>
+                </a:gradFill>
+              </a:rPr>
+              <a:t>Active Directory</a:t>
+            </a:r>
+            <a:endParaRPr lang="en-US" sz="1600" b="1" spc="-70" dirty="0" smtClean="0">
+              <a:gradFill>
+                <a:gsLst>
+                  <a:gs pos="2917">
+                    <a:schemeClr val="bg2"/>
+                  </a:gs>
+                  <a:gs pos="95000">
+                    <a:schemeClr val="bg2"/>
+                  </a:gs>
+                </a:gsLst>
+                <a:lin ang="5400000" scaled="0"/>
+              </a:gradFill>
+            </a:endParaRPr>
           </a:p>
           <a:p>
             <a:pPr algn="ctr"/>
@@ -37153,110 +37816,10 @@
           </a:p>
         </p:txBody>
       </p:sp>
-      <p:cxnSp>
-        <p:nvCxnSpPr>
-          <p:cNvPr id="7" name="Straight Arrow Connector 6"/>
-          <p:cNvCxnSpPr>
-            <a:stCxn id="4" idx="1"/>
-          </p:cNvCxnSpPr>
-          <p:nvPr/>
-        </p:nvCxnSpPr>
-        <p:spPr>
-          <a:xfrm flipV="1">
-            <a:off x="2286813" y="2230734"/>
-            <a:ext cx="1810225" cy="579587"/>
-          </a:xfrm>
-          <a:prstGeom prst="straightConnector1">
-            <a:avLst/>
-          </a:prstGeom>
-          <a:ln>
-            <a:solidFill>
-              <a:schemeClr val="tx1"/>
-            </a:solidFill>
-            <a:headEnd type="none"/>
-            <a:tailEnd type="triangle"/>
-          </a:ln>
-        </p:spPr>
-        <p:style>
-          <a:lnRef idx="1">
-            <a:schemeClr val="accent1"/>
-          </a:lnRef>
-          <a:fillRef idx="0">
-            <a:schemeClr val="accent1"/>
-          </a:fillRef>
-          <a:effectRef idx="0">
-            <a:schemeClr val="accent1"/>
-          </a:effectRef>
-          <a:fontRef idx="minor">
-            <a:schemeClr val="tx1"/>
-          </a:fontRef>
-        </p:style>
-      </p:cxnSp>
-      <p:sp>
-        <p:nvSpPr>
-          <p:cNvPr id="8" name="TextBox 7"/>
-          <p:cNvSpPr txBox="1"/>
-          <p:nvPr/>
-        </p:nvSpPr>
-        <p:spPr>
-          <a:xfrm>
-            <a:off x="2441749" y="1577591"/>
-            <a:ext cx="1520544" cy="553998"/>
-          </a:xfrm>
-          <a:prstGeom prst="rect">
-            <a:avLst/>
-          </a:prstGeom>
-          <a:noFill/>
-        </p:spPr>
-        <p:txBody>
-          <a:bodyPr wrap="none" lIns="0" tIns="0" rIns="0" bIns="0" rtlCol="0">
-            <a:spAutoFit/>
-          </a:bodyPr>
-          <a:lstStyle/>
-          <a:p>
-            <a:pPr algn="ctr"/>
-            <a:r>
-              <a:rPr lang="en-US" spc="-70" dirty="0" smtClean="0">
-                <a:gradFill>
-                  <a:gsLst>
-                    <a:gs pos="2917">
-                      <a:schemeClr val="bg2"/>
-                    </a:gs>
-                    <a:gs pos="95000">
-                      <a:schemeClr val="bg2"/>
-                    </a:gs>
-                  </a:gsLst>
-                  <a:lin ang="5400000" scaled="0"/>
-                </a:gradFill>
-              </a:rPr>
-              <a:t>User accesses</a:t>
-            </a:r>
-          </a:p>
-          <a:p>
-            <a:pPr algn="ctr"/>
-            <a:r>
-              <a:rPr lang="en-US" spc="-70" dirty="0" smtClean="0">
-                <a:gradFill>
-                  <a:gsLst>
-                    <a:gs pos="2917">
-                      <a:schemeClr val="bg2"/>
-                    </a:gs>
-                    <a:gs pos="95000">
-                      <a:schemeClr val="bg2"/>
-                    </a:gs>
-                  </a:gsLst>
-                  <a:lin ang="5400000" scaled="0"/>
-                </a:gradFill>
-              </a:rPr>
-              <a:t>Web application</a:t>
-            </a:r>
-          </a:p>
-        </p:txBody>
-      </p:sp>
     </p:spTree>
     <p:extLst>
       <p:ext uri="{BB962C8B-B14F-4D97-AF65-F5344CB8AC3E}">
-        <p14:creationId xmlns:p14="http://schemas.microsoft.com/office/powerpoint/2010/main" val="3951939010"/>
+        <p14:creationId xmlns:p14="http://schemas.microsoft.com/office/powerpoint/2010/main" val="3546972997"/>
       </p:ext>
     </p:extLst>
   </p:cSld>
@@ -37353,7 +37916,7 @@
           <p:nvPr/>
         </p:nvPicPr>
         <p:blipFill>
-          <a:blip r:embed="rId3">
+          <a:blip r:embed="rId2">
             <a:extLst>
               <a:ext uri="{28A0092B-C50C-407E-A947-70E740481C1C}">
                 <a14:useLocalDpi xmlns:a14="http://schemas.microsoft.com/office/drawing/2010/main" val="0"/>
@@ -37444,7 +38007,7 @@
           <p:nvPr/>
         </p:nvPicPr>
         <p:blipFill>
-          <a:blip r:embed="rId4">
+          <a:blip r:embed="rId3">
             <a:extLst>
               <a:ext uri="{28A0092B-C50C-407E-A947-70E740481C1C}">
                 <a14:useLocalDpi xmlns:a14="http://schemas.microsoft.com/office/drawing/2010/main" val="0"/>
@@ -37497,8 +38060,8 @@
         </p:nvSpPr>
         <p:spPr>
           <a:xfrm>
-            <a:off x="9802223" y="4838257"/>
-            <a:ext cx="1782796" cy="492443"/>
+            <a:off x="9706876" y="4838257"/>
+            <a:ext cx="1973490" cy="492443"/>
           </a:xfrm>
           <a:prstGeom prst="rect">
             <a:avLst/>
@@ -37526,8 +38089,37 @@
                   <a:lin ang="5400000" scaled="0"/>
                 </a:gradFill>
               </a:rPr>
-              <a:t>Azure ACS</a:t>
-            </a:r>
+              <a:t>Azure </a:t>
+            </a:r>
+            <a:r>
+              <a:rPr lang="en-US" sz="1600" b="1" spc="-70" dirty="0">
+                <a:gradFill>
+                  <a:gsLst>
+                    <a:gs pos="2917">
+                      <a:schemeClr val="bg2"/>
+                    </a:gs>
+                    <a:gs pos="95000">
+                      <a:schemeClr val="bg2"/>
+                    </a:gs>
+                  </a:gsLst>
+                  <a:lin ang="5400000" scaled="0"/>
+                </a:gradFill>
+              </a:rPr>
+              <a:t>Active Directory</a:t>
+            </a:r>
+            <a:endParaRPr lang="en-US" sz="1600" b="1" spc="-70" dirty="0" smtClean="0">
+              <a:gradFill>
+                <a:gsLst>
+                  <a:gs pos="2917">
+                    <a:schemeClr val="bg2"/>
+                  </a:gs>
+                  <a:gs pos="95000">
+                    <a:schemeClr val="bg2"/>
+                  </a:gs>
+                </a:gsLst>
+                <a:lin ang="5400000" scaled="0"/>
+              </a:gradFill>
+            </a:endParaRPr>
           </a:p>
           <a:p>
             <a:pPr algn="ctr"/>
@@ -37614,6 +38206,43 @@
       <p:pic>
         <p:nvPicPr>
           <p:cNvPr id="12" name="Picture 11"/>
+          <p:cNvPicPr>
+            <a:picLocks noChangeAspect="1"/>
+          </p:cNvPicPr>
+          <p:nvPr/>
+        </p:nvPicPr>
+        <p:blipFill>
+          <a:blip r:embed="rId4">
+            <a:extLst>
+              <a:ext uri="{28A0092B-C50C-407E-A947-70E740481C1C}">
+                <a14:useLocalDpi xmlns:a14="http://schemas.microsoft.com/office/drawing/2010/main" val="0"/>
+              </a:ext>
+            </a:extLst>
+          </a:blip>
+          <a:stretch>
+            <a:fillRect/>
+          </a:stretch>
+        </p:blipFill>
+        <p:spPr>
+          <a:xfrm>
+            <a:off x="7963778" y="3075304"/>
+            <a:ext cx="2255396" cy="2255396"/>
+          </a:xfrm>
+          <a:prstGeom prst="rect">
+            <a:avLst/>
+          </a:prstGeom>
+          <a:effectLst>
+            <a:outerShdw blurRad="152400" dist="317500" dir="5400000" sx="90000" sy="-19000" rotWithShape="0">
+              <a:prstClr val="black">
+                <a:alpha val="15000"/>
+              </a:prstClr>
+            </a:outerShdw>
+          </a:effectLst>
+        </p:spPr>
+      </p:pic>
+      <p:pic>
+        <p:nvPicPr>
+          <p:cNvPr id="14" name="Picture 13"/>
           <p:cNvPicPr>
             <a:picLocks noChangeAspect="1"/>
           </p:cNvPicPr>
@@ -37633,8 +38262,8 @@
         </p:blipFill>
         <p:spPr>
           <a:xfrm>
-            <a:off x="7963778" y="3075304"/>
-            <a:ext cx="2255396" cy="2255396"/>
+            <a:off x="4277752" y="4090440"/>
+            <a:ext cx="1543265" cy="1495634"/>
           </a:xfrm>
           <a:prstGeom prst="rect">
             <a:avLst/>
@@ -37648,43 +38277,6 @@
           </a:effectLst>
         </p:spPr>
       </p:pic>
-      <p:pic>
-        <p:nvPicPr>
-          <p:cNvPr id="14" name="Picture 13"/>
-          <p:cNvPicPr>
-            <a:picLocks noChangeAspect="1"/>
-          </p:cNvPicPr>
-          <p:nvPr/>
-        </p:nvPicPr>
-        <p:blipFill>
-          <a:blip r:embed="rId6">
-            <a:extLst>
-              <a:ext uri="{28A0092B-C50C-407E-A947-70E740481C1C}">
-                <a14:useLocalDpi xmlns:a14="http://schemas.microsoft.com/office/drawing/2010/main" val="0"/>
-              </a:ext>
-            </a:extLst>
-          </a:blip>
-          <a:stretch>
-            <a:fillRect/>
-          </a:stretch>
-        </p:blipFill>
-        <p:spPr>
-          <a:xfrm>
-            <a:off x="4277752" y="4090440"/>
-            <a:ext cx="1543265" cy="1495634"/>
-          </a:xfrm>
-          <a:prstGeom prst="rect">
-            <a:avLst/>
-          </a:prstGeom>
-          <a:effectLst>
-            <a:outerShdw blurRad="152400" dist="317500" dir="5400000" sx="90000" sy="-19000" rotWithShape="0">
-              <a:prstClr val="black">
-                <a:alpha val="15000"/>
-              </a:prstClr>
-            </a:outerShdw>
-          </a:effectLst>
-        </p:spPr>
-      </p:pic>
       <p:sp>
         <p:nvSpPr>
           <p:cNvPr id="15" name="TextBox 14"/>
@@ -37755,9 +38347,9 @@
           <p:nvPr/>
         </p:nvCxnSpPr>
         <p:spPr>
-          <a:xfrm>
-            <a:off x="2286813" y="2810321"/>
-            <a:ext cx="5560950" cy="1530567"/>
+          <a:xfrm flipV="1">
+            <a:off x="2286813" y="2230734"/>
+            <a:ext cx="1810225" cy="579587"/>
           </a:xfrm>
           <a:prstGeom prst="straightConnector1">
             <a:avLst/>
@@ -37793,8 +38385,8 @@
         </p:nvSpPr>
         <p:spPr>
           <a:xfrm>
-            <a:off x="6347710" y="3425962"/>
-            <a:ext cx="1725922" cy="276999"/>
+            <a:off x="2441749" y="1577591"/>
+            <a:ext cx="1520544" cy="553998"/>
           </a:xfrm>
           <a:prstGeom prst="rect">
             <a:avLst/>
@@ -37822,7 +38414,26 @@
                   <a:lin ang="5400000" scaled="0"/>
                 </a:gradFill>
               </a:rPr>
-              <a:t>Redirected to AAD</a:t>
+              <a:t>User accesses</a:t>
+            </a:r>
+          </a:p>
+          <a:p>
+            <a:pPr algn="ctr"/>
+            <a:r>
+              <a:rPr lang="en-US" spc="-70" dirty="0" smtClean="0">
+                <a:gradFill>
+                  <a:gsLst>
+                    <a:gs pos="2917">
+                      <a:schemeClr val="bg2"/>
+                    </a:gs>
+                    <a:gs pos="95000">
+                      <a:schemeClr val="bg2"/>
+                    </a:gs>
+                  </a:gsLst>
+                  <a:lin ang="5400000" scaled="0"/>
+                </a:gradFill>
+              </a:rPr>
+              <a:t>Web application</a:t>
             </a:r>
           </a:p>
         </p:txBody>
@@ -37830,7 +38441,7 @@
     </p:spTree>
     <p:extLst>
       <p:ext uri="{BB962C8B-B14F-4D97-AF65-F5344CB8AC3E}">
-        <p14:creationId xmlns:p14="http://schemas.microsoft.com/office/powerpoint/2010/main" val="3382284779"/>
+        <p14:creationId xmlns:p14="http://schemas.microsoft.com/office/powerpoint/2010/main" val="3951939010"/>
       </p:ext>
     </p:extLst>
   </p:cSld>
@@ -38071,8 +38682,8 @@
         </p:nvSpPr>
         <p:spPr>
           <a:xfrm>
-            <a:off x="9802223" y="4838257"/>
-            <a:ext cx="1782796" cy="492443"/>
+            <a:off x="9706876" y="4838257"/>
+            <a:ext cx="1973490" cy="492443"/>
           </a:xfrm>
           <a:prstGeom prst="rect">
             <a:avLst/>
@@ -38100,8 +38711,37 @@
                   <a:lin ang="5400000" scaled="0"/>
                 </a:gradFill>
               </a:rPr>
-              <a:t>Azure ACS</a:t>
-            </a:r>
+              <a:t>Azure </a:t>
+            </a:r>
+            <a:r>
+              <a:rPr lang="en-US" sz="1600" b="1" spc="-70" dirty="0">
+                <a:gradFill>
+                  <a:gsLst>
+                    <a:gs pos="2917">
+                      <a:schemeClr val="bg2"/>
+                    </a:gs>
+                    <a:gs pos="95000">
+                      <a:schemeClr val="bg2"/>
+                    </a:gs>
+                  </a:gsLst>
+                  <a:lin ang="5400000" scaled="0"/>
+                </a:gradFill>
+              </a:rPr>
+              <a:t>Active Directory</a:t>
+            </a:r>
+            <a:endParaRPr lang="en-US" sz="1600" b="1" spc="-70" dirty="0" smtClean="0">
+              <a:gradFill>
+                <a:gsLst>
+                  <a:gs pos="2917">
+                    <a:schemeClr val="bg2"/>
+                  </a:gs>
+                  <a:gs pos="95000">
+                    <a:schemeClr val="bg2"/>
+                  </a:gs>
+                </a:gsLst>
+                <a:lin ang="5400000" scaled="0"/>
+              </a:gradFill>
+            </a:endParaRPr>
           </a:p>
           <a:p>
             <a:pPr algn="ctr"/>
@@ -38323,13 +38963,15 @@
       <p:cxnSp>
         <p:nvCxnSpPr>
           <p:cNvPr id="7" name="Straight Arrow Connector 6"/>
-          <p:cNvCxnSpPr/>
+          <p:cNvCxnSpPr>
+            <a:stCxn id="4" idx="1"/>
+          </p:cNvCxnSpPr>
           <p:nvPr/>
         </p:nvCxnSpPr>
         <p:spPr>
           <a:xfrm>
-            <a:off x="2517310" y="2974312"/>
-            <a:ext cx="5350549" cy="1116128"/>
+            <a:off x="2286813" y="2810321"/>
+            <a:ext cx="5560950" cy="1530567"/>
           </a:xfrm>
           <a:prstGeom prst="straightConnector1">
             <a:avLst/>
@@ -38338,8 +38980,8 @@
             <a:solidFill>
               <a:schemeClr val="tx1"/>
             </a:solidFill>
-            <a:headEnd type="triangle"/>
-            <a:tailEnd type="none"/>
+            <a:headEnd type="none"/>
+            <a:tailEnd type="triangle"/>
           </a:ln>
         </p:spPr>
         <p:style>
@@ -38365,8 +39007,8 @@
         </p:nvSpPr>
         <p:spPr>
           <a:xfrm>
-            <a:off x="6651640" y="2810828"/>
-            <a:ext cx="1437125" cy="830997"/>
+            <a:off x="6347710" y="3425962"/>
+            <a:ext cx="1725922" cy="276999"/>
           </a:xfrm>
           <a:prstGeom prst="rect">
             <a:avLst/>
@@ -38381,7 +39023,7 @@
           <a:p>
             <a:pPr algn="ctr"/>
             <a:r>
-              <a:rPr lang="en-US" spc="-70" dirty="0" err="1" smtClean="0">
+              <a:rPr lang="en-US" spc="-70" dirty="0" smtClean="0">
                 <a:gradFill>
                   <a:gsLst>
                     <a:gs pos="2917">
@@ -38394,163 +39036,7 @@
                   <a:lin ang="5400000" scaled="0"/>
                 </a:gradFill>
               </a:rPr>
-              <a:t>Auth</a:t>
-            </a:r>
-            <a:r>
-              <a:rPr lang="en-US" spc="-70" dirty="0" smtClean="0">
-                <a:gradFill>
-                  <a:gsLst>
-                    <a:gs pos="2917">
-                      <a:schemeClr val="bg2"/>
-                    </a:gs>
-                    <a:gs pos="95000">
-                      <a:schemeClr val="bg2"/>
-                    </a:gs>
-                  </a:gsLst>
-                  <a:lin ang="5400000" scaled="0"/>
-                </a:gradFill>
-              </a:rPr>
-              <a:t> Code</a:t>
-            </a:r>
-          </a:p>
-          <a:p>
-            <a:pPr algn="ctr"/>
-            <a:r>
-              <a:rPr lang="en-US" spc="-70" dirty="0">
-                <a:gradFill>
-                  <a:gsLst>
-                    <a:gs pos="2917">
-                      <a:schemeClr val="bg2"/>
-                    </a:gs>
-                    <a:gs pos="95000">
-                      <a:schemeClr val="bg2"/>
-                    </a:gs>
-                  </a:gsLst>
-                  <a:lin ang="5400000" scaled="0"/>
-                </a:gradFill>
-              </a:rPr>
-              <a:t>r</a:t>
-            </a:r>
-            <a:r>
-              <a:rPr lang="en-US" spc="-70" dirty="0" smtClean="0">
-                <a:gradFill>
-                  <a:gsLst>
-                    <a:gs pos="2917">
-                      <a:schemeClr val="bg2"/>
-                    </a:gs>
-                    <a:gs pos="95000">
-                      <a:schemeClr val="bg2"/>
-                    </a:gs>
-                  </a:gsLst>
-                  <a:lin ang="5400000" scaled="0"/>
-                </a:gradFill>
-              </a:rPr>
-              <a:t>eturned and </a:t>
-            </a:r>
-          </a:p>
-          <a:p>
-            <a:pPr algn="ctr"/>
-            <a:r>
-              <a:rPr lang="en-US" spc="-70" dirty="0">
-                <a:gradFill>
-                  <a:gsLst>
-                    <a:gs pos="2917">
-                      <a:schemeClr val="bg2"/>
-                    </a:gs>
-                    <a:gs pos="95000">
-                      <a:schemeClr val="bg2"/>
-                    </a:gs>
-                  </a:gsLst>
-                  <a:lin ang="5400000" scaled="0"/>
-                </a:gradFill>
-              </a:rPr>
-              <a:t>u</a:t>
-            </a:r>
-            <a:r>
-              <a:rPr lang="en-US" spc="-70" dirty="0" smtClean="0">
-                <a:gradFill>
-                  <a:gsLst>
-                    <a:gs pos="2917">
-                      <a:schemeClr val="bg2"/>
-                    </a:gs>
-                    <a:gs pos="95000">
-                      <a:schemeClr val="bg2"/>
-                    </a:gs>
-                  </a:gsLst>
-                  <a:lin ang="5400000" scaled="0"/>
-                </a:gradFill>
-              </a:rPr>
-              <a:t>ser redirected </a:t>
-            </a:r>
-          </a:p>
-        </p:txBody>
-      </p:sp>
-      <p:cxnSp>
-        <p:nvCxnSpPr>
-          <p:cNvPr id="18" name="Straight Arrow Connector 17"/>
-          <p:cNvCxnSpPr/>
-          <p:nvPr/>
-        </p:nvCxnSpPr>
-        <p:spPr>
-          <a:xfrm flipV="1">
-            <a:off x="2286813" y="2230734"/>
-            <a:ext cx="1810225" cy="579587"/>
-          </a:xfrm>
-          <a:prstGeom prst="straightConnector1">
-            <a:avLst/>
-          </a:prstGeom>
-          <a:ln>
-            <a:solidFill>
-              <a:schemeClr val="tx1"/>
-            </a:solidFill>
-            <a:headEnd type="none"/>
-            <a:tailEnd type="triangle"/>
-          </a:ln>
-        </p:spPr>
-        <p:style>
-          <a:lnRef idx="1">
-            <a:schemeClr val="accent1"/>
-          </a:lnRef>
-          <a:fillRef idx="0">
-            <a:schemeClr val="accent1"/>
-          </a:fillRef>
-          <a:effectRef idx="0">
-            <a:schemeClr val="accent1"/>
-          </a:effectRef>
-          <a:fontRef idx="minor">
-            <a:schemeClr val="tx1"/>
-          </a:fontRef>
-        </p:style>
-      </p:cxnSp>
-      <p:sp>
-        <p:nvSpPr>
-          <p:cNvPr id="6" name="TextBox 5"/>
-          <p:cNvSpPr txBox="1"/>
-          <p:nvPr/>
-        </p:nvSpPr>
-        <p:spPr>
-          <a:xfrm>
-            <a:off x="9628309" y="1243114"/>
-            <a:ext cx="2039816" cy="2215991"/>
-          </a:xfrm>
-          <a:prstGeom prst="rect">
-            <a:avLst/>
-          </a:prstGeom>
-          <a:noFill/>
-        </p:spPr>
-        <p:txBody>
-          <a:bodyPr wrap="square" lIns="0" tIns="0" rIns="0" bIns="0" rtlCol="0">
-            <a:spAutoFit/>
-          </a:bodyPr>
-          <a:lstStyle/>
-          <a:p>
-            <a:r>
-              <a:rPr lang="en-US" sz="2400" i="1" spc="-70" dirty="0" smtClean="0">
-                <a:solidFill>
-                  <a:srgbClr val="FF0000"/>
-                </a:solidFill>
-              </a:rPr>
-              <a:t>The consent form is not utilized when permissions are explicitly granted in AAD.</a:t>
+              <a:t>Redirected to AAD</a:t>
             </a:r>
           </a:p>
         </p:txBody>
@@ -38558,7 +39044,7 @@
     </p:spTree>
     <p:extLst>
       <p:ext uri="{BB962C8B-B14F-4D97-AF65-F5344CB8AC3E}">
-        <p14:creationId xmlns:p14="http://schemas.microsoft.com/office/powerpoint/2010/main" val="2374894470"/>
+        <p14:creationId xmlns:p14="http://schemas.microsoft.com/office/powerpoint/2010/main" val="3382284779"/>
       </p:ext>
     </p:extLst>
   </p:cSld>
@@ -38799,8 +39285,8 @@
         </p:nvSpPr>
         <p:spPr>
           <a:xfrm>
-            <a:off x="9802223" y="4838257"/>
-            <a:ext cx="1782796" cy="492443"/>
+            <a:off x="9706876" y="4838257"/>
+            <a:ext cx="1973490" cy="492443"/>
           </a:xfrm>
           <a:prstGeom prst="rect">
             <a:avLst/>
@@ -38828,8 +39314,37 @@
                   <a:lin ang="5400000" scaled="0"/>
                 </a:gradFill>
               </a:rPr>
-              <a:t>Azure ACS</a:t>
-            </a:r>
+              <a:t>Azure </a:t>
+            </a:r>
+            <a:r>
+              <a:rPr lang="en-US" sz="1600" b="1" spc="-70" dirty="0">
+                <a:gradFill>
+                  <a:gsLst>
+                    <a:gs pos="2917">
+                      <a:schemeClr val="bg2"/>
+                    </a:gs>
+                    <a:gs pos="95000">
+                      <a:schemeClr val="bg2"/>
+                    </a:gs>
+                  </a:gsLst>
+                  <a:lin ang="5400000" scaled="0"/>
+                </a:gradFill>
+              </a:rPr>
+              <a:t>Active Directory</a:t>
+            </a:r>
+            <a:endParaRPr lang="en-US" sz="1600" b="1" spc="-70" dirty="0" smtClean="0">
+              <a:gradFill>
+                <a:gsLst>
+                  <a:gs pos="2917">
+                    <a:schemeClr val="bg2"/>
+                  </a:gs>
+                  <a:gs pos="95000">
+                    <a:schemeClr val="bg2"/>
+                  </a:gs>
+                </a:gsLst>
+                <a:lin ang="5400000" scaled="0"/>
+              </a:gradFill>
+            </a:endParaRPr>
           </a:p>
           <a:p>
             <a:pPr algn="ctr"/>
@@ -39055,9 +39570,9 @@
           <p:nvPr/>
         </p:nvCxnSpPr>
         <p:spPr>
-          <a:xfrm flipH="1" flipV="1">
-            <a:off x="6347710" y="2823587"/>
-            <a:ext cx="1616068" cy="1155560"/>
+          <a:xfrm>
+            <a:off x="2517310" y="2974312"/>
+            <a:ext cx="5350549" cy="1116128"/>
           </a:xfrm>
           <a:prstGeom prst="straightConnector1">
             <a:avLst/>
@@ -39093,8 +39608,8 @@
         </p:nvSpPr>
         <p:spPr>
           <a:xfrm>
-            <a:off x="6993497" y="2533321"/>
-            <a:ext cx="1796517" cy="830997"/>
+            <a:off x="6651640" y="2810828"/>
+            <a:ext cx="1437125" cy="830997"/>
           </a:xfrm>
           <a:prstGeom prst="rect">
             <a:avLst/>
@@ -39138,12 +39653,28 @@
                   <a:lin ang="5400000" scaled="0"/>
                 </a:gradFill>
               </a:rPr>
-              <a:t> Code, </a:t>
+              <a:t> Code</a:t>
             </a:r>
           </a:p>
           <a:p>
             <a:pPr algn="ctr"/>
             <a:r>
+              <a:rPr lang="en-US" spc="-70" dirty="0">
+                <a:gradFill>
+                  <a:gsLst>
+                    <a:gs pos="2917">
+                      <a:schemeClr val="bg2"/>
+                    </a:gs>
+                    <a:gs pos="95000">
+                      <a:schemeClr val="bg2"/>
+                    </a:gs>
+                  </a:gsLst>
+                  <a:lin ang="5400000" scaled="0"/>
+                </a:gradFill>
+              </a:rPr>
+              <a:t>r</a:t>
+            </a:r>
+            <a:r>
               <a:rPr lang="en-US" spc="-70" dirty="0" smtClean="0">
                 <a:gradFill>
                   <a:gsLst>
@@ -39157,12 +39688,28 @@
                   <a:lin ang="5400000" scaled="0"/>
                 </a:gradFill>
               </a:rPr>
-              <a:t>App Id, App Secret </a:t>
+              <a:t>eturned and </a:t>
             </a:r>
           </a:p>
           <a:p>
             <a:pPr algn="ctr"/>
             <a:r>
+              <a:rPr lang="en-US" spc="-70" dirty="0">
+                <a:gradFill>
+                  <a:gsLst>
+                    <a:gs pos="2917">
+                      <a:schemeClr val="bg2"/>
+                    </a:gs>
+                    <a:gs pos="95000">
+                      <a:schemeClr val="bg2"/>
+                    </a:gs>
+                  </a:gsLst>
+                  <a:lin ang="5400000" scaled="0"/>
+                </a:gradFill>
+              </a:rPr>
+              <a:t>u</a:t>
+            </a:r>
+            <a:r>
               <a:rPr lang="en-US" spc="-70" dirty="0" smtClean="0">
                 <a:gradFill>
                   <a:gsLst>
@@ -39176,7 +39723,77 @@
                   <a:lin ang="5400000" scaled="0"/>
                 </a:gradFill>
               </a:rPr>
-              <a:t>sent</a:t>
+              <a:t>ser redirected </a:t>
+            </a:r>
+          </a:p>
+        </p:txBody>
+      </p:sp>
+      <p:cxnSp>
+        <p:nvCxnSpPr>
+          <p:cNvPr id="18" name="Straight Arrow Connector 17"/>
+          <p:cNvCxnSpPr/>
+          <p:nvPr/>
+        </p:nvCxnSpPr>
+        <p:spPr>
+          <a:xfrm flipV="1">
+            <a:off x="2286813" y="2230734"/>
+            <a:ext cx="1810225" cy="579587"/>
+          </a:xfrm>
+          <a:prstGeom prst="straightConnector1">
+            <a:avLst/>
+          </a:prstGeom>
+          <a:ln>
+            <a:solidFill>
+              <a:schemeClr val="tx1"/>
+            </a:solidFill>
+            <a:headEnd type="none"/>
+            <a:tailEnd type="triangle"/>
+          </a:ln>
+        </p:spPr>
+        <p:style>
+          <a:lnRef idx="1">
+            <a:schemeClr val="accent1"/>
+          </a:lnRef>
+          <a:fillRef idx="0">
+            <a:schemeClr val="accent1"/>
+          </a:fillRef>
+          <a:effectRef idx="0">
+            <a:schemeClr val="accent1"/>
+          </a:effectRef>
+          <a:fontRef idx="minor">
+            <a:schemeClr val="tx1"/>
+          </a:fontRef>
+        </p:style>
+      </p:cxnSp>
+      <p:sp>
+        <p:nvSpPr>
+          <p:cNvPr id="6" name="TextBox 5"/>
+          <p:cNvSpPr txBox="1"/>
+          <p:nvPr/>
+        </p:nvSpPr>
+        <p:spPr>
+          <a:xfrm>
+            <a:off x="9628309" y="1243114"/>
+            <a:ext cx="2039816" cy="2215991"/>
+          </a:xfrm>
+          <a:prstGeom prst="rect">
+            <a:avLst/>
+          </a:prstGeom>
+          <a:noFill/>
+        </p:spPr>
+        <p:txBody>
+          <a:bodyPr wrap="square" lIns="0" tIns="0" rIns="0" bIns="0" rtlCol="0">
+            <a:spAutoFit/>
+          </a:bodyPr>
+          <a:lstStyle/>
+          <a:p>
+            <a:r>
+              <a:rPr lang="en-US" sz="2400" i="1" spc="-70" dirty="0" smtClean="0">
+                <a:solidFill>
+                  <a:srgbClr val="FF0000"/>
+                </a:solidFill>
+              </a:rPr>
+              <a:t>The consent form is not utilized when permissions are explicitly granted in AAD.</a:t>
             </a:r>
           </a:p>
         </p:txBody>
@@ -39184,7 +39801,7 @@
     </p:spTree>
     <p:extLst>
       <p:ext uri="{BB962C8B-B14F-4D97-AF65-F5344CB8AC3E}">
-        <p14:creationId xmlns:p14="http://schemas.microsoft.com/office/powerpoint/2010/main" val="769820473"/>
+        <p14:creationId xmlns:p14="http://schemas.microsoft.com/office/powerpoint/2010/main" val="2374894470"/>
       </p:ext>
     </p:extLst>
   </p:cSld>
@@ -39425,8 +40042,8 @@
         </p:nvSpPr>
         <p:spPr>
           <a:xfrm>
-            <a:off x="9802223" y="4838257"/>
-            <a:ext cx="1782796" cy="492443"/>
+            <a:off x="9706876" y="4838257"/>
+            <a:ext cx="1973490" cy="492443"/>
           </a:xfrm>
           <a:prstGeom prst="rect">
             <a:avLst/>
@@ -39454,8 +40071,37 @@
                   <a:lin ang="5400000" scaled="0"/>
                 </a:gradFill>
               </a:rPr>
-              <a:t>Azure ACS</a:t>
-            </a:r>
+              <a:t>Azure </a:t>
+            </a:r>
+            <a:r>
+              <a:rPr lang="en-US" sz="1600" b="1" spc="-70" dirty="0">
+                <a:gradFill>
+                  <a:gsLst>
+                    <a:gs pos="2917">
+                      <a:schemeClr val="bg2"/>
+                    </a:gs>
+                    <a:gs pos="95000">
+                      <a:schemeClr val="bg2"/>
+                    </a:gs>
+                  </a:gsLst>
+                  <a:lin ang="5400000" scaled="0"/>
+                </a:gradFill>
+              </a:rPr>
+              <a:t>Active Directory</a:t>
+            </a:r>
+            <a:endParaRPr lang="en-US" sz="1600" b="1" spc="-70" dirty="0" smtClean="0">
+              <a:gradFill>
+                <a:gsLst>
+                  <a:gs pos="2917">
+                    <a:schemeClr val="bg2"/>
+                  </a:gs>
+                  <a:gs pos="95000">
+                    <a:schemeClr val="bg2"/>
+                  </a:gs>
+                </a:gsLst>
+                <a:lin ang="5400000" scaled="0"/>
+              </a:gradFill>
+            </a:endParaRPr>
           </a:p>
           <a:p>
             <a:pPr algn="ctr"/>
@@ -39681,9 +40327,9 @@
           <p:nvPr/>
         </p:nvCxnSpPr>
         <p:spPr>
-          <a:xfrm>
-            <a:off x="6129495" y="2903974"/>
-            <a:ext cx="1603786" cy="1186466"/>
+          <a:xfrm flipH="1" flipV="1">
+            <a:off x="6347710" y="2823587"/>
+            <a:ext cx="1616068" cy="1155560"/>
           </a:xfrm>
           <a:prstGeom prst="straightConnector1">
             <a:avLst/>
@@ -39719,8 +40365,8 @@
         </p:nvSpPr>
         <p:spPr>
           <a:xfrm>
-            <a:off x="6931388" y="2778619"/>
-            <a:ext cx="1775038" cy="553998"/>
+            <a:off x="6993497" y="2533321"/>
+            <a:ext cx="1796517" cy="830997"/>
           </a:xfrm>
           <a:prstGeom prst="rect">
             <a:avLst/>
@@ -39735,6 +40381,22 @@
           <a:p>
             <a:pPr algn="ctr"/>
             <a:r>
+              <a:rPr lang="en-US" spc="-70" dirty="0" err="1" smtClean="0">
+                <a:gradFill>
+                  <a:gsLst>
+                    <a:gs pos="2917">
+                      <a:schemeClr val="bg2"/>
+                    </a:gs>
+                    <a:gs pos="95000">
+                      <a:schemeClr val="bg2"/>
+                    </a:gs>
+                  </a:gsLst>
+                  <a:lin ang="5400000" scaled="0"/>
+                </a:gradFill>
+              </a:rPr>
+              <a:t>Auth</a:t>
+            </a:r>
+            <a:r>
               <a:rPr lang="en-US" spc="-70" dirty="0" smtClean="0">
                 <a:gradFill>
                   <a:gsLst>
@@ -39748,7 +40410,7 @@
                   <a:lin ang="5400000" scaled="0"/>
                 </a:gradFill>
               </a:rPr>
-              <a:t>Access and Refresh</a:t>
+              <a:t> Code, </a:t>
             </a:r>
           </a:p>
           <a:p>
@@ -39767,7 +40429,26 @@
                   <a:lin ang="5400000" scaled="0"/>
                 </a:gradFill>
               </a:rPr>
-              <a:t>Tokens returned</a:t>
+              <a:t>App Id, App Secret </a:t>
+            </a:r>
+          </a:p>
+          <a:p>
+            <a:pPr algn="ctr"/>
+            <a:r>
+              <a:rPr lang="en-US" spc="-70" dirty="0" smtClean="0">
+                <a:gradFill>
+                  <a:gsLst>
+                    <a:gs pos="2917">
+                      <a:schemeClr val="bg2"/>
+                    </a:gs>
+                    <a:gs pos="95000">
+                      <a:schemeClr val="bg2"/>
+                    </a:gs>
+                  </a:gsLst>
+                  <a:lin ang="5400000" scaled="0"/>
+                </a:gradFill>
+              </a:rPr>
+              <a:t>sent</a:t>
             </a:r>
           </a:p>
         </p:txBody>
@@ -39775,7 +40456,7 @@
     </p:spTree>
     <p:extLst>
       <p:ext uri="{BB962C8B-B14F-4D97-AF65-F5344CB8AC3E}">
-        <p14:creationId xmlns:p14="http://schemas.microsoft.com/office/powerpoint/2010/main" val="2508270282"/>
+        <p14:creationId xmlns:p14="http://schemas.microsoft.com/office/powerpoint/2010/main" val="769820473"/>
       </p:ext>
     </p:extLst>
   </p:cSld>
@@ -40016,8 +40697,8 @@
         </p:nvSpPr>
         <p:spPr>
           <a:xfrm>
-            <a:off x="9802223" y="4838257"/>
-            <a:ext cx="1782796" cy="492443"/>
+            <a:off x="9706876" y="4838257"/>
+            <a:ext cx="1973490" cy="492443"/>
           </a:xfrm>
           <a:prstGeom prst="rect">
             <a:avLst/>
@@ -40045,8 +40726,37 @@
                   <a:lin ang="5400000" scaled="0"/>
                 </a:gradFill>
               </a:rPr>
-              <a:t>Azure ACS</a:t>
-            </a:r>
+              <a:t>Azure </a:t>
+            </a:r>
+            <a:r>
+              <a:rPr lang="en-US" sz="1600" b="1" spc="-70" dirty="0">
+                <a:gradFill>
+                  <a:gsLst>
+                    <a:gs pos="2917">
+                      <a:schemeClr val="bg2"/>
+                    </a:gs>
+                    <a:gs pos="95000">
+                      <a:schemeClr val="bg2"/>
+                    </a:gs>
+                  </a:gsLst>
+                  <a:lin ang="5400000" scaled="0"/>
+                </a:gradFill>
+              </a:rPr>
+              <a:t>Active Directory</a:t>
+            </a:r>
+            <a:endParaRPr lang="en-US" sz="1600" b="1" spc="-70" dirty="0" smtClean="0">
+              <a:gradFill>
+                <a:gsLst>
+                  <a:gs pos="2917">
+                    <a:schemeClr val="bg2"/>
+                  </a:gs>
+                  <a:gs pos="95000">
+                    <a:schemeClr val="bg2"/>
+                  </a:gs>
+                </a:gsLst>
+                <a:lin ang="5400000" scaled="0"/>
+              </a:gradFill>
+            </a:endParaRPr>
           </a:p>
           <a:p>
             <a:pPr algn="ctr"/>
@@ -40268,15 +40978,13 @@
       <p:cxnSp>
         <p:nvCxnSpPr>
           <p:cNvPr id="7" name="Straight Arrow Connector 6"/>
-          <p:cNvCxnSpPr>
-            <a:stCxn id="14" idx="0"/>
-          </p:cNvCxnSpPr>
+          <p:cNvCxnSpPr/>
           <p:nvPr/>
         </p:nvCxnSpPr>
         <p:spPr>
-          <a:xfrm flipV="1">
-            <a:off x="5049385" y="3155182"/>
-            <a:ext cx="135564" cy="935258"/>
+          <a:xfrm>
+            <a:off x="6129495" y="2903974"/>
+            <a:ext cx="1603786" cy="1186466"/>
           </a:xfrm>
           <a:prstGeom prst="straightConnector1">
             <a:avLst/>
@@ -40312,8 +41020,8 @@
         </p:nvSpPr>
         <p:spPr>
           <a:xfrm>
-            <a:off x="5332878" y="3622811"/>
-            <a:ext cx="2213875" cy="553998"/>
+            <a:off x="6931388" y="2778619"/>
+            <a:ext cx="1775038" cy="553998"/>
           </a:xfrm>
           <a:prstGeom prst="rect">
             <a:avLst/>
@@ -40341,7 +41049,7 @@
                   <a:lin ang="5400000" scaled="0"/>
                 </a:gradFill>
               </a:rPr>
-              <a:t>Access Token presented</a:t>
+              <a:t>Access and Refresh</a:t>
             </a:r>
           </a:p>
           <a:p>
@@ -40360,7 +41068,7 @@
                   <a:lin ang="5400000" scaled="0"/>
                 </a:gradFill>
               </a:rPr>
-              <a:t>Along with request</a:t>
+              <a:t>Tokens returned</a:t>
             </a:r>
           </a:p>
         </p:txBody>
@@ -40368,7 +41076,7 @@
     </p:spTree>
     <p:extLst>
       <p:ext uri="{BB962C8B-B14F-4D97-AF65-F5344CB8AC3E}">
-        <p14:creationId xmlns:p14="http://schemas.microsoft.com/office/powerpoint/2010/main" val="621140244"/>
+        <p14:creationId xmlns:p14="http://schemas.microsoft.com/office/powerpoint/2010/main" val="2508270282"/>
       </p:ext>
     </p:extLst>
   </p:cSld>
@@ -40609,8 +41317,8 @@
         </p:nvSpPr>
         <p:spPr>
           <a:xfrm>
-            <a:off x="9802223" y="4838257"/>
-            <a:ext cx="1782796" cy="492443"/>
+            <a:off x="9706876" y="4838257"/>
+            <a:ext cx="1973490" cy="492443"/>
           </a:xfrm>
           <a:prstGeom prst="rect">
             <a:avLst/>
@@ -40638,8 +41346,37 @@
                   <a:lin ang="5400000" scaled="0"/>
                 </a:gradFill>
               </a:rPr>
-              <a:t>Azure ACS</a:t>
-            </a:r>
+              <a:t>Azure </a:t>
+            </a:r>
+            <a:r>
+              <a:rPr lang="en-US" sz="1600" b="1" spc="-70" dirty="0">
+                <a:gradFill>
+                  <a:gsLst>
+                    <a:gs pos="2917">
+                      <a:schemeClr val="bg2"/>
+                    </a:gs>
+                    <a:gs pos="95000">
+                      <a:schemeClr val="bg2"/>
+                    </a:gs>
+                  </a:gsLst>
+                  <a:lin ang="5400000" scaled="0"/>
+                </a:gradFill>
+              </a:rPr>
+              <a:t>Active Directory</a:t>
+            </a:r>
+            <a:endParaRPr lang="en-US" sz="1600" b="1" spc="-70" dirty="0" smtClean="0">
+              <a:gradFill>
+                <a:gsLst>
+                  <a:gs pos="2917">
+                    <a:schemeClr val="bg2"/>
+                  </a:gs>
+                  <a:gs pos="95000">
+                    <a:schemeClr val="bg2"/>
+                  </a:gs>
+                </a:gsLst>
+                <a:lin ang="5400000" scaled="0"/>
+              </a:gradFill>
+            </a:endParaRPr>
           </a:p>
           <a:p>
             <a:pPr algn="ctr"/>
@@ -40861,13 +41598,15 @@
       <p:cxnSp>
         <p:nvCxnSpPr>
           <p:cNvPr id="7" name="Straight Arrow Connector 6"/>
-          <p:cNvCxnSpPr/>
+          <p:cNvCxnSpPr>
+            <a:stCxn id="14" idx="0"/>
+          </p:cNvCxnSpPr>
           <p:nvPr/>
         </p:nvCxnSpPr>
         <p:spPr>
-          <a:xfrm flipH="1">
-            <a:off x="4933741" y="3195376"/>
-            <a:ext cx="170822" cy="895064"/>
+          <a:xfrm flipV="1">
+            <a:off x="5049385" y="3155182"/>
+            <a:ext cx="135564" cy="935258"/>
           </a:xfrm>
           <a:prstGeom prst="straightConnector1">
             <a:avLst/>
@@ -40903,8 +41642,8 @@
         </p:nvSpPr>
         <p:spPr>
           <a:xfrm>
-            <a:off x="5564868" y="3622811"/>
-            <a:ext cx="1749903" cy="276999"/>
+            <a:off x="5332878" y="3622811"/>
+            <a:ext cx="2213875" cy="553998"/>
           </a:xfrm>
           <a:prstGeom prst="rect">
             <a:avLst/>
@@ -40932,7 +41671,26 @@
                   <a:lin ang="5400000" scaled="0"/>
                 </a:gradFill>
               </a:rPr>
-              <a:t>Response returned</a:t>
+              <a:t>Access Token presented</a:t>
+            </a:r>
+          </a:p>
+          <a:p>
+            <a:pPr algn="ctr"/>
+            <a:r>
+              <a:rPr lang="en-US" spc="-70" dirty="0" smtClean="0">
+                <a:gradFill>
+                  <a:gsLst>
+                    <a:gs pos="2917">
+                      <a:schemeClr val="bg2"/>
+                    </a:gs>
+                    <a:gs pos="95000">
+                      <a:schemeClr val="bg2"/>
+                    </a:gs>
+                  </a:gsLst>
+                  <a:lin ang="5400000" scaled="0"/>
+                </a:gradFill>
+              </a:rPr>
+              <a:t>Along with request</a:t>
             </a:r>
           </a:p>
         </p:txBody>
@@ -40940,7 +41698,7 @@
     </p:spTree>
     <p:extLst>
       <p:ext uri="{BB962C8B-B14F-4D97-AF65-F5344CB8AC3E}">
-        <p14:creationId xmlns:p14="http://schemas.microsoft.com/office/powerpoint/2010/main" val="2810632962"/>
+        <p14:creationId xmlns:p14="http://schemas.microsoft.com/office/powerpoint/2010/main" val="621140244"/>
       </p:ext>
     </p:extLst>
   </p:cSld>
@@ -40986,18 +41744,21 @@
           <a:lstStyle/>
           <a:p>
             <a:r>
-              <a:rPr lang="en-US" dirty="0" smtClean="0"/>
-              <a:t>Programming the </a:t>
-            </a:r>
-            <a:r>
-              <a:rPr lang="en-US" dirty="0" err="1" smtClean="0"/>
+              <a:rPr lang="en-US" dirty="0" err="1"/>
               <a:t>OAuth</a:t>
             </a:r>
             <a:r>
-              <a:rPr lang="en-US" dirty="0" smtClean="0"/>
+              <a:rPr lang="en-US" dirty="0"/>
+              <a:t> 2.0 Flow </a:t>
+            </a:r>
+            <a:r>
+              <a:rPr lang="en-US" dirty="0" err="1"/>
+              <a:t>OAuth</a:t>
+            </a:r>
+            <a:r>
+              <a:rPr lang="en-US" dirty="0"/>
               <a:t> Controller</a:t>
             </a:r>
-            <a:endParaRPr lang="en-US" dirty="0"/>
           </a:p>
         </p:txBody>
       </p:sp>
@@ -41046,19 +41807,499 @@
           </a:stretch>
         </p:blipFill>
         <p:spPr>
-          <a:xfrm>
-            <a:off x="519111" y="1570876"/>
-            <a:ext cx="11485019" cy="3161897"/>
+          <a:xfrm flipH="1">
+            <a:off x="1292026" y="2317909"/>
+            <a:ext cx="994787" cy="984823"/>
           </a:xfrm>
           <a:prstGeom prst="rect">
             <a:avLst/>
           </a:prstGeom>
         </p:spPr>
       </p:pic>
+      <p:sp>
+        <p:nvSpPr>
+          <p:cNvPr id="5" name="TextBox 4"/>
+          <p:cNvSpPr txBox="1"/>
+          <p:nvPr/>
+        </p:nvSpPr>
+        <p:spPr>
+          <a:xfrm>
+            <a:off x="1061527" y="3377866"/>
+            <a:ext cx="1455783" cy="492443"/>
+          </a:xfrm>
+          <a:prstGeom prst="rect">
+            <a:avLst/>
+          </a:prstGeom>
+          <a:noFill/>
+        </p:spPr>
+        <p:txBody>
+          <a:bodyPr wrap="none" lIns="0" tIns="0" rIns="0" bIns="0" rtlCol="0">
+            <a:spAutoFit/>
+          </a:bodyPr>
+          <a:lstStyle/>
+          <a:p>
+            <a:pPr algn="ctr"/>
+            <a:r>
+              <a:rPr lang="en-US" sz="1600" b="1" spc="-70" dirty="0" smtClean="0">
+                <a:gradFill>
+                  <a:gsLst>
+                    <a:gs pos="2917">
+                      <a:schemeClr val="bg2"/>
+                    </a:gs>
+                    <a:gs pos="95000">
+                      <a:schemeClr val="bg2"/>
+                    </a:gs>
+                  </a:gsLst>
+                  <a:lin ang="5400000" scaled="0"/>
+                </a:gradFill>
+              </a:rPr>
+              <a:t>End User</a:t>
+            </a:r>
+          </a:p>
+          <a:p>
+            <a:pPr algn="ctr"/>
+            <a:r>
+              <a:rPr lang="en-US" sz="1600" spc="-70" dirty="0" smtClean="0">
+                <a:gradFill>
+                  <a:gsLst>
+                    <a:gs pos="2917">
+                      <a:schemeClr val="bg2"/>
+                    </a:gs>
+                    <a:gs pos="95000">
+                      <a:schemeClr val="bg2"/>
+                    </a:gs>
+                  </a:gsLst>
+                  <a:lin ang="5400000" scaled="0"/>
+                </a:gradFill>
+              </a:rPr>
+              <a:t>(Resource Owner)</a:t>
+            </a:r>
+          </a:p>
+        </p:txBody>
+      </p:sp>
+      <p:pic>
+        <p:nvPicPr>
+          <p:cNvPr id="9" name="Picture 8"/>
+          <p:cNvPicPr>
+            <a:picLocks noChangeAspect="1"/>
+          </p:cNvPicPr>
+          <p:nvPr/>
+        </p:nvPicPr>
+        <p:blipFill>
+          <a:blip r:embed="rId4">
+            <a:extLst>
+              <a:ext uri="{28A0092B-C50C-407E-A947-70E740481C1C}">
+                <a14:useLocalDpi xmlns:a14="http://schemas.microsoft.com/office/drawing/2010/main" val="0"/>
+              </a:ext>
+            </a:extLst>
+          </a:blip>
+          <a:stretch>
+            <a:fillRect/>
+          </a:stretch>
+        </p:blipFill>
+        <p:spPr>
+          <a:xfrm>
+            <a:off x="4198572" y="1378691"/>
+            <a:ext cx="2149138" cy="1686344"/>
+          </a:xfrm>
+          <a:prstGeom prst="ellipse">
+            <a:avLst/>
+          </a:prstGeom>
+          <a:ln w="63500" cap="rnd">
+            <a:solidFill>
+              <a:srgbClr val="333333"/>
+            </a:solidFill>
+          </a:ln>
+          <a:effectLst>
+            <a:outerShdw blurRad="381000" dist="292100" dir="5400000" sx="-80000" sy="-18000" rotWithShape="0">
+              <a:srgbClr val="000000">
+                <a:alpha val="22000"/>
+              </a:srgbClr>
+            </a:outerShdw>
+          </a:effectLst>
+          <a:scene3d>
+            <a:camera prst="orthographicFront"/>
+            <a:lightRig rig="contrasting" dir="t">
+              <a:rot lat="0" lon="0" rev="3000000"/>
+            </a:lightRig>
+          </a:scene3d>
+          <a:sp3d contourW="7620">
+            <a:bevelT w="95250" h="31750"/>
+            <a:contourClr>
+              <a:srgbClr val="333333"/>
+            </a:contourClr>
+          </a:sp3d>
+        </p:spPr>
+      </p:pic>
+      <p:sp>
+        <p:nvSpPr>
+          <p:cNvPr id="10" name="TextBox 9"/>
+          <p:cNvSpPr txBox="1"/>
+          <p:nvPr/>
+        </p:nvSpPr>
+        <p:spPr>
+          <a:xfrm>
+            <a:off x="9706876" y="4838257"/>
+            <a:ext cx="1973490" cy="492443"/>
+          </a:xfrm>
+          <a:prstGeom prst="rect">
+            <a:avLst/>
+          </a:prstGeom>
+          <a:noFill/>
+        </p:spPr>
+        <p:txBody>
+          <a:bodyPr wrap="none" lIns="0" tIns="0" rIns="0" bIns="0" rtlCol="0">
+            <a:spAutoFit/>
+          </a:bodyPr>
+          <a:lstStyle/>
+          <a:p>
+            <a:pPr algn="ctr"/>
+            <a:r>
+              <a:rPr lang="en-US" sz="1600" b="1" spc="-70" dirty="0" smtClean="0">
+                <a:gradFill>
+                  <a:gsLst>
+                    <a:gs pos="2917">
+                      <a:schemeClr val="bg2"/>
+                    </a:gs>
+                    <a:gs pos="95000">
+                      <a:schemeClr val="bg2"/>
+                    </a:gs>
+                  </a:gsLst>
+                  <a:lin ang="5400000" scaled="0"/>
+                </a:gradFill>
+              </a:rPr>
+              <a:t>Azure </a:t>
+            </a:r>
+            <a:r>
+              <a:rPr lang="en-US" sz="1600" b="1" spc="-70" dirty="0">
+                <a:gradFill>
+                  <a:gsLst>
+                    <a:gs pos="2917">
+                      <a:schemeClr val="bg2"/>
+                    </a:gs>
+                    <a:gs pos="95000">
+                      <a:schemeClr val="bg2"/>
+                    </a:gs>
+                  </a:gsLst>
+                  <a:lin ang="5400000" scaled="0"/>
+                </a:gradFill>
+              </a:rPr>
+              <a:t>Active Directory</a:t>
+            </a:r>
+            <a:endParaRPr lang="en-US" sz="1600" b="1" spc="-70" dirty="0" smtClean="0">
+              <a:gradFill>
+                <a:gsLst>
+                  <a:gs pos="2917">
+                    <a:schemeClr val="bg2"/>
+                  </a:gs>
+                  <a:gs pos="95000">
+                    <a:schemeClr val="bg2"/>
+                  </a:gs>
+                </a:gsLst>
+                <a:lin ang="5400000" scaled="0"/>
+              </a:gradFill>
+            </a:endParaRPr>
+          </a:p>
+          <a:p>
+            <a:pPr algn="ctr"/>
+            <a:r>
+              <a:rPr lang="en-US" sz="1600" spc="-70" dirty="0" smtClean="0">
+                <a:gradFill>
+                  <a:gsLst>
+                    <a:gs pos="2917">
+                      <a:schemeClr val="bg2"/>
+                    </a:gs>
+                    <a:gs pos="95000">
+                      <a:schemeClr val="bg2"/>
+                    </a:gs>
+                  </a:gsLst>
+                  <a:lin ang="5400000" scaled="0"/>
+                </a:gradFill>
+              </a:rPr>
+              <a:t>(Authorization Server)</a:t>
+            </a:r>
+          </a:p>
+        </p:txBody>
+      </p:sp>
+      <p:sp>
+        <p:nvSpPr>
+          <p:cNvPr id="11" name="TextBox 10"/>
+          <p:cNvSpPr txBox="1"/>
+          <p:nvPr/>
+        </p:nvSpPr>
+        <p:spPr>
+          <a:xfrm>
+            <a:off x="6347710" y="1378691"/>
+            <a:ext cx="1345112" cy="492443"/>
+          </a:xfrm>
+          <a:prstGeom prst="rect">
+            <a:avLst/>
+          </a:prstGeom>
+          <a:noFill/>
+        </p:spPr>
+        <p:txBody>
+          <a:bodyPr wrap="none" lIns="0" tIns="0" rIns="0" bIns="0" rtlCol="0">
+            <a:spAutoFit/>
+          </a:bodyPr>
+          <a:lstStyle/>
+          <a:p>
+            <a:pPr algn="ctr"/>
+            <a:r>
+              <a:rPr lang="en-US" sz="1600" b="1" spc="-70" dirty="0" smtClean="0">
+                <a:gradFill>
+                  <a:gsLst>
+                    <a:gs pos="2917">
+                      <a:schemeClr val="bg2"/>
+                    </a:gs>
+                    <a:gs pos="95000">
+                      <a:schemeClr val="bg2"/>
+                    </a:gs>
+                  </a:gsLst>
+                  <a:lin ang="5400000" scaled="0"/>
+                </a:gradFill>
+              </a:rPr>
+              <a:t>Azure Web Site</a:t>
+            </a:r>
+          </a:p>
+          <a:p>
+            <a:pPr algn="ctr"/>
+            <a:r>
+              <a:rPr lang="en-US" sz="1600" spc="-70" dirty="0" smtClean="0">
+                <a:gradFill>
+                  <a:gsLst>
+                    <a:gs pos="2917">
+                      <a:schemeClr val="bg2"/>
+                    </a:gs>
+                    <a:gs pos="95000">
+                      <a:schemeClr val="bg2"/>
+                    </a:gs>
+                  </a:gsLst>
+                  <a:lin ang="5400000" scaled="0"/>
+                </a:gradFill>
+              </a:rPr>
+              <a:t>(Client)</a:t>
+            </a:r>
+          </a:p>
+        </p:txBody>
+      </p:sp>
+      <p:pic>
+        <p:nvPicPr>
+          <p:cNvPr id="12" name="Picture 11"/>
+          <p:cNvPicPr>
+            <a:picLocks noChangeAspect="1"/>
+          </p:cNvPicPr>
+          <p:nvPr/>
+        </p:nvPicPr>
+        <p:blipFill>
+          <a:blip r:embed="rId5">
+            <a:extLst>
+              <a:ext uri="{28A0092B-C50C-407E-A947-70E740481C1C}">
+                <a14:useLocalDpi xmlns:a14="http://schemas.microsoft.com/office/drawing/2010/main" val="0"/>
+              </a:ext>
+            </a:extLst>
+          </a:blip>
+          <a:stretch>
+            <a:fillRect/>
+          </a:stretch>
+        </p:blipFill>
+        <p:spPr>
+          <a:xfrm>
+            <a:off x="7963778" y="3075304"/>
+            <a:ext cx="2255396" cy="2255396"/>
+          </a:xfrm>
+          <a:prstGeom prst="rect">
+            <a:avLst/>
+          </a:prstGeom>
+          <a:effectLst>
+            <a:outerShdw blurRad="152400" dist="317500" dir="5400000" sx="90000" sy="-19000" rotWithShape="0">
+              <a:prstClr val="black">
+                <a:alpha val="15000"/>
+              </a:prstClr>
+            </a:outerShdw>
+          </a:effectLst>
+        </p:spPr>
+      </p:pic>
+      <p:pic>
+        <p:nvPicPr>
+          <p:cNvPr id="14" name="Picture 13"/>
+          <p:cNvPicPr>
+            <a:picLocks noChangeAspect="1"/>
+          </p:cNvPicPr>
+          <p:nvPr/>
+        </p:nvPicPr>
+        <p:blipFill>
+          <a:blip r:embed="rId6">
+            <a:extLst>
+              <a:ext uri="{28A0092B-C50C-407E-A947-70E740481C1C}">
+                <a14:useLocalDpi xmlns:a14="http://schemas.microsoft.com/office/drawing/2010/main" val="0"/>
+              </a:ext>
+            </a:extLst>
+          </a:blip>
+          <a:stretch>
+            <a:fillRect/>
+          </a:stretch>
+        </p:blipFill>
+        <p:spPr>
+          <a:xfrm>
+            <a:off x="4277752" y="4090440"/>
+            <a:ext cx="1543265" cy="1495634"/>
+          </a:xfrm>
+          <a:prstGeom prst="rect">
+            <a:avLst/>
+          </a:prstGeom>
+          <a:effectLst>
+            <a:outerShdw blurRad="152400" dist="317500" dir="5400000" sx="90000" sy="-19000" rotWithShape="0">
+              <a:prstClr val="black">
+                <a:alpha val="15000"/>
+              </a:prstClr>
+            </a:outerShdw>
+          </a:effectLst>
+        </p:spPr>
+      </p:pic>
+      <p:sp>
+        <p:nvSpPr>
+          <p:cNvPr id="15" name="TextBox 14"/>
+          <p:cNvSpPr txBox="1"/>
+          <p:nvPr/>
+        </p:nvSpPr>
+        <p:spPr>
+          <a:xfrm>
+            <a:off x="2517310" y="5211721"/>
+            <a:ext cx="1579728" cy="492443"/>
+          </a:xfrm>
+          <a:prstGeom prst="rect">
+            <a:avLst/>
+          </a:prstGeom>
+          <a:noFill/>
+        </p:spPr>
+        <p:txBody>
+          <a:bodyPr wrap="none" lIns="0" tIns="0" rIns="0" bIns="0" rtlCol="0">
+            <a:spAutoFit/>
+          </a:bodyPr>
+          <a:lstStyle/>
+          <a:p>
+            <a:pPr algn="ctr"/>
+            <a:r>
+              <a:rPr lang="en-US" sz="1600" b="1" spc="-70" dirty="0" smtClean="0">
+                <a:gradFill>
+                  <a:gsLst>
+                    <a:gs pos="2917">
+                      <a:schemeClr val="bg2"/>
+                    </a:gs>
+                    <a:gs pos="95000">
+                      <a:schemeClr val="bg2"/>
+                    </a:gs>
+                  </a:gsLst>
+                  <a:lin ang="5400000" scaled="0"/>
+                </a:gradFill>
+              </a:rPr>
+              <a:t>SharePoint Online</a:t>
+            </a:r>
+          </a:p>
+          <a:p>
+            <a:pPr algn="ctr"/>
+            <a:r>
+              <a:rPr lang="en-US" sz="1600" spc="-70" dirty="0" smtClean="0">
+                <a:gradFill>
+                  <a:gsLst>
+                    <a:gs pos="2917">
+                      <a:schemeClr val="bg2"/>
+                    </a:gs>
+                    <a:gs pos="95000">
+                      <a:schemeClr val="bg2"/>
+                    </a:gs>
+                  </a:gsLst>
+                  <a:lin ang="5400000" scaled="0"/>
+                </a:gradFill>
+              </a:rPr>
+              <a:t>(Resource Server)</a:t>
+            </a:r>
+          </a:p>
+        </p:txBody>
+      </p:sp>
+      <p:cxnSp>
+        <p:nvCxnSpPr>
+          <p:cNvPr id="7" name="Straight Arrow Connector 6"/>
+          <p:cNvCxnSpPr/>
+          <p:nvPr/>
+        </p:nvCxnSpPr>
+        <p:spPr>
+          <a:xfrm flipH="1">
+            <a:off x="4933741" y="3195376"/>
+            <a:ext cx="170822" cy="895064"/>
+          </a:xfrm>
+          <a:prstGeom prst="straightConnector1">
+            <a:avLst/>
+          </a:prstGeom>
+          <a:ln>
+            <a:solidFill>
+              <a:schemeClr val="tx1"/>
+            </a:solidFill>
+            <a:headEnd type="triangle"/>
+            <a:tailEnd type="none"/>
+          </a:ln>
+        </p:spPr>
+        <p:style>
+          <a:lnRef idx="1">
+            <a:schemeClr val="accent1"/>
+          </a:lnRef>
+          <a:fillRef idx="0">
+            <a:schemeClr val="accent1"/>
+          </a:fillRef>
+          <a:effectRef idx="0">
+            <a:schemeClr val="accent1"/>
+          </a:effectRef>
+          <a:fontRef idx="minor">
+            <a:schemeClr val="tx1"/>
+          </a:fontRef>
+        </p:style>
+      </p:cxnSp>
+      <p:sp>
+        <p:nvSpPr>
+          <p:cNvPr id="8" name="TextBox 7"/>
+          <p:cNvSpPr txBox="1"/>
+          <p:nvPr/>
+        </p:nvSpPr>
+        <p:spPr>
+          <a:xfrm>
+            <a:off x="5564868" y="3622811"/>
+            <a:ext cx="1749903" cy="276999"/>
+          </a:xfrm>
+          <a:prstGeom prst="rect">
+            <a:avLst/>
+          </a:prstGeom>
+          <a:noFill/>
+        </p:spPr>
+        <p:txBody>
+          <a:bodyPr wrap="none" lIns="0" tIns="0" rIns="0" bIns="0" rtlCol="0">
+            <a:spAutoFit/>
+          </a:bodyPr>
+          <a:lstStyle/>
+          <a:p>
+            <a:pPr algn="ctr"/>
+            <a:r>
+              <a:rPr lang="en-US" spc="-70" dirty="0" smtClean="0">
+                <a:gradFill>
+                  <a:gsLst>
+                    <a:gs pos="2917">
+                      <a:schemeClr val="bg2"/>
+                    </a:gs>
+                    <a:gs pos="95000">
+                      <a:schemeClr val="bg2"/>
+                    </a:gs>
+                  </a:gsLst>
+                  <a:lin ang="5400000" scaled="0"/>
+                </a:gradFill>
+              </a:rPr>
+              <a:t>Response returned</a:t>
+            </a:r>
+          </a:p>
+        </p:txBody>
+      </p:sp>
     </p:spTree>
     <p:extLst>
       <p:ext uri="{BB962C8B-B14F-4D97-AF65-F5344CB8AC3E}">
-        <p14:creationId xmlns:p14="http://schemas.microsoft.com/office/powerpoint/2010/main" val="1078316392"/>
+        <p14:creationId xmlns:p14="http://schemas.microsoft.com/office/powerpoint/2010/main" val="2810632962"/>
       </p:ext>
     </p:extLst>
   </p:cSld>
@@ -41090,12 +42331,12 @@
       </p:grpSpPr>
       <p:sp>
         <p:nvSpPr>
-          <p:cNvPr id="4" name="Subtitle 3"/>
+          <p:cNvPr id="2" name="Title 1"/>
           <p:cNvSpPr>
             <a:spLocks noGrp="1"/>
           </p:cNvSpPr>
           <p:nvPr>
-            <p:ph type="subTitle" idx="1"/>
+            <p:ph type="title"/>
           </p:nvPr>
         </p:nvSpPr>
         <p:spPr/>
@@ -41104,8 +42345,12 @@
           <a:lstStyle/>
           <a:p>
             <a:r>
+              <a:rPr lang="en-US" dirty="0" smtClean="0"/>
+              <a:t>Programming the </a:t>
+            </a:r>
+            <a:r>
               <a:rPr lang="en-US" dirty="0" err="1" smtClean="0"/>
-              <a:t>Oauth</a:t>
+              <a:t>OAuth</a:t>
             </a:r>
             <a:r>
               <a:rPr lang="en-US" dirty="0" smtClean="0"/>
@@ -41117,12 +42362,12 @@
       </p:sp>
       <p:sp>
         <p:nvSpPr>
-          <p:cNvPr id="2" name="Text Placeholder 1"/>
+          <p:cNvPr id="3" name="Slide Number Placeholder 2"/>
           <p:cNvSpPr>
             <a:spLocks noGrp="1"/>
           </p:cNvSpPr>
           <p:nvPr>
-            <p:ph type="body" sz="quarter" idx="10"/>
+            <p:ph type="sldNum" sz="quarter" idx="12"/>
           </p:nvPr>
         </p:nvSpPr>
         <p:spPr/>
@@ -41130,21 +42375,49 @@
           <a:bodyPr/>
           <a:lstStyle/>
           <a:p>
-            <a:pPr marL="0" indent="0">
-              <a:buNone/>
-            </a:pPr>
-            <a:r>
-              <a:rPr lang="en-US" dirty="0" smtClean="0"/>
-              <a:t>demo</a:t>
-            </a:r>
+            <a:fld id="{727B4C2D-45E2-4621-8491-2995EB46A674}" type="slidenum">
+              <a:rPr lang="en-US" smtClean="0"/>
+              <a:pPr/>
+              <a:t>69</a:t>
+            </a:fld>
             <a:endParaRPr lang="en-US" dirty="0"/>
           </a:p>
         </p:txBody>
       </p:sp>
+      <p:pic>
+        <p:nvPicPr>
+          <p:cNvPr id="4" name="Picture 3"/>
+          <p:cNvPicPr>
+            <a:picLocks noChangeAspect="1"/>
+          </p:cNvPicPr>
+          <p:nvPr/>
+        </p:nvPicPr>
+        <p:blipFill>
+          <a:blip r:embed="rId3">
+            <a:extLst>
+              <a:ext uri="{28A0092B-C50C-407E-A947-70E740481C1C}">
+                <a14:useLocalDpi xmlns:a14="http://schemas.microsoft.com/office/drawing/2010/main" val="0"/>
+              </a:ext>
+            </a:extLst>
+          </a:blip>
+          <a:stretch>
+            <a:fillRect/>
+          </a:stretch>
+        </p:blipFill>
+        <p:spPr>
+          <a:xfrm>
+            <a:off x="519111" y="1570876"/>
+            <a:ext cx="11485019" cy="3161897"/>
+          </a:xfrm>
+          <a:prstGeom prst="rect">
+            <a:avLst/>
+          </a:prstGeom>
+        </p:spPr>
+      </p:pic>
     </p:spTree>
     <p:extLst>
       <p:ext uri="{BB962C8B-B14F-4D97-AF65-F5344CB8AC3E}">
-        <p14:creationId xmlns:p14="http://schemas.microsoft.com/office/powerpoint/2010/main" val="3384165006"/>
+        <p14:creationId xmlns:p14="http://schemas.microsoft.com/office/powerpoint/2010/main" val="1078316392"/>
       </p:ext>
     </p:extLst>
   </p:cSld>
@@ -41154,13 +42427,6 @@
   <p:transition>
     <p:fade/>
   </p:transition>
-  <p:timing>
-    <p:tnLst>
-      <p:par>
-        <p:cTn id="1" dur="indefinite" restart="never" nodeType="tmRoot"/>
-      </p:par>
-    </p:tnLst>
-  </p:timing>
 </p:sld>
 </file>
 
@@ -41335,6 +42601,99 @@
       </p:grpSpPr>
       <p:sp>
         <p:nvSpPr>
+          <p:cNvPr id="4" name="Subtitle 3"/>
+          <p:cNvSpPr>
+            <a:spLocks noGrp="1"/>
+          </p:cNvSpPr>
+          <p:nvPr>
+            <p:ph type="subTitle" idx="1"/>
+          </p:nvPr>
+        </p:nvSpPr>
+        <p:spPr/>
+        <p:txBody>
+          <a:bodyPr/>
+          <a:lstStyle/>
+          <a:p>
+            <a:r>
+              <a:rPr lang="en-US" dirty="0" err="1" smtClean="0"/>
+              <a:t>Oauth</a:t>
+            </a:r>
+            <a:r>
+              <a:rPr lang="en-US" dirty="0" smtClean="0"/>
+              <a:t> Controller</a:t>
+            </a:r>
+            <a:endParaRPr lang="en-US" dirty="0"/>
+          </a:p>
+        </p:txBody>
+      </p:sp>
+      <p:sp>
+        <p:nvSpPr>
+          <p:cNvPr id="2" name="Text Placeholder 1"/>
+          <p:cNvSpPr>
+            <a:spLocks noGrp="1"/>
+          </p:cNvSpPr>
+          <p:nvPr>
+            <p:ph type="body" sz="quarter" idx="10"/>
+          </p:nvPr>
+        </p:nvSpPr>
+        <p:spPr/>
+        <p:txBody>
+          <a:bodyPr/>
+          <a:lstStyle/>
+          <a:p>
+            <a:pPr marL="0" indent="0">
+              <a:buNone/>
+            </a:pPr>
+            <a:r>
+              <a:rPr lang="en-US" dirty="0" smtClean="0"/>
+              <a:t>demo</a:t>
+            </a:r>
+            <a:endParaRPr lang="en-US" dirty="0"/>
+          </a:p>
+        </p:txBody>
+      </p:sp>
+    </p:spTree>
+    <p:extLst>
+      <p:ext uri="{BB962C8B-B14F-4D97-AF65-F5344CB8AC3E}">
+        <p14:creationId xmlns:p14="http://schemas.microsoft.com/office/powerpoint/2010/main" val="3384165006"/>
+      </p:ext>
+    </p:extLst>
+  </p:cSld>
+  <p:clrMapOvr>
+    <a:masterClrMapping/>
+  </p:clrMapOvr>
+  <p:transition>
+    <p:fade/>
+  </p:transition>
+  <p:timing>
+    <p:tnLst>
+      <p:par>
+        <p:cTn id="1" dur="indefinite" restart="never" nodeType="tmRoot"/>
+      </p:par>
+    </p:tnLst>
+  </p:timing>
+</p:sld>
+</file>
+
+<file path=ppt/slides/slide71.xml><?xml version="1.0" encoding="utf-8"?>
+<p:sld xmlns:a="http://schemas.openxmlformats.org/drawingml/2006/main" xmlns:r="http://schemas.openxmlformats.org/officeDocument/2006/relationships" xmlns:p="http://schemas.openxmlformats.org/presentationml/2006/main">
+  <p:cSld>
+    <p:spTree>
+      <p:nvGrpSpPr>
+        <p:cNvPr id="1" name=""/>
+        <p:cNvGrpSpPr/>
+        <p:nvPr/>
+      </p:nvGrpSpPr>
+      <p:grpSpPr>
+        <a:xfrm>
+          <a:off x="0" y="0"/>
+          <a:ext cx="0" cy="0"/>
+          <a:chOff x="0" y="0"/>
+          <a:chExt cx="0" cy="0"/>
+        </a:xfrm>
+      </p:grpSpPr>
+      <p:sp>
+        <p:nvSpPr>
           <p:cNvPr id="2" name="Text Placeholder 1"/>
           <p:cNvSpPr>
             <a:spLocks noGrp="1"/>
@@ -41420,7 +42779,7 @@
             <a:fld id="{727B4C2D-45E2-4621-8491-2995EB46A674}" type="slidenum">
               <a:rPr lang="en-US" smtClean="0"/>
               <a:pPr/>
-              <a:t>70</a:t>
+              <a:t>71</a:t>
             </a:fld>
             <a:endParaRPr lang="en-US" dirty="0"/>
           </a:p>
@@ -41442,7 +42801,7 @@
 </p:sld>
 </file>
 
-<file path=ppt/slides/slide71.xml><?xml version="1.0" encoding="utf-8"?>
+<file path=ppt/slides/slide72.xml><?xml version="1.0" encoding="utf-8"?>
 <p:sld xmlns:a="http://schemas.openxmlformats.org/drawingml/2006/main" xmlns:r="http://schemas.openxmlformats.org/officeDocument/2006/relationships" xmlns:p="http://schemas.openxmlformats.org/presentationml/2006/main">
   <p:cSld>
     <p:spTree>
@@ -43305,21 +44664,6 @@
 </file>
 
 <file path=customXml/item1.xml><?xml version="1.0" encoding="utf-8"?>
-<p:properties xmlns:p="http://schemas.microsoft.com/office/2006/metadata/properties" xmlns:xsi="http://www.w3.org/2001/XMLSchema-instance" xmlns:pc="http://schemas.microsoft.com/office/infopath/2007/PartnerControls">
-  <documentManagement/>
-</p:properties>
-</file>
-
-<file path=customXml/item2.xml><?xml version="1.0" encoding="utf-8"?>
-<?mso-contentType ?>
-<FormTemplates xmlns="http://schemas.microsoft.com/sharepoint/v3/contenttype/forms">
-  <Display>DocumentLibraryForm</Display>
-  <Edit>DocumentLibraryForm</Edit>
-  <New>DocumentLibraryForm</New>
-</FormTemplates>
-</file>
-
-<file path=customXml/item3.xml><?xml version="1.0" encoding="utf-8"?>
 <ct:contentTypeSchema xmlns:ct="http://schemas.microsoft.com/office/2006/metadata/contentType" xmlns:ma="http://schemas.microsoft.com/office/2006/metadata/properties/metaAttributes" ct:_="" ma:_="" ma:contentTypeName="Document" ma:contentTypeID="0x010100A2E4C90AA7333249A7DBC8CC6F49919B" ma:contentTypeVersion="1" ma:contentTypeDescription="Create a new document." ma:contentTypeScope="" ma:versionID="e7b09f0f38d7ed30c7da14951e97abcc">
   <xsd:schema xmlns:xsd="http://www.w3.org/2001/XMLSchema" xmlns:xs="http://www.w3.org/2001/XMLSchema" xmlns:p="http://schemas.microsoft.com/office/2006/metadata/properties" xmlns:ns2="5fad15d0-477e-40da-a20d-40d4ca777cbd" targetNamespace="http://schemas.microsoft.com/office/2006/metadata/properties" ma:root="true" ma:fieldsID="0cee24db179c30c5ebec40b677cadf70" ns2:_="">
     <xsd:import namespace="5fad15d0-477e-40da-a20d-40d4ca777cbd"/>
@@ -43459,7 +44803,40 @@
 </ct:contentTypeSchema>
 </file>
 
+<file path=customXml/item2.xml><?xml version="1.0" encoding="utf-8"?>
+<p:properties xmlns:p="http://schemas.microsoft.com/office/2006/metadata/properties" xmlns:xsi="http://www.w3.org/2001/XMLSchema-instance" xmlns:pc="http://schemas.microsoft.com/office/infopath/2007/PartnerControls">
+  <documentManagement/>
+</p:properties>
+</file>
+
+<file path=customXml/item3.xml><?xml version="1.0" encoding="utf-8"?>
+<?mso-contentType ?>
+<FormTemplates xmlns="http://schemas.microsoft.com/sharepoint/v3/contenttype/forms">
+  <Display>DocumentLibraryForm</Display>
+  <Edit>DocumentLibraryForm</Edit>
+  <New>DocumentLibraryForm</New>
+</FormTemplates>
+</file>
+
 <file path=customXml/itemProps1.xml><?xml version="1.0" encoding="utf-8"?>
+<ds:datastoreItem xmlns:ds="http://schemas.openxmlformats.org/officeDocument/2006/customXml" ds:itemID="{F17DCE38-6787-497B-B958-75817420EB1E}">
+  <ds:schemaRefs>
+    <ds:schemaRef ds:uri="http://schemas.microsoft.com/office/2006/metadata/contentType"/>
+    <ds:schemaRef ds:uri="http://schemas.microsoft.com/office/2006/metadata/properties/metaAttributes"/>
+    <ds:schemaRef ds:uri="http://www.w3.org/2001/XMLSchema"/>
+    <ds:schemaRef ds:uri="http://schemas.microsoft.com/office/2006/metadata/properties"/>
+    <ds:schemaRef ds:uri="5fad15d0-477e-40da-a20d-40d4ca777cbd"/>
+    <ds:schemaRef ds:uri="http://schemas.microsoft.com/office/2006/documentManagement/types"/>
+    <ds:schemaRef ds:uri="http://schemas.microsoft.com/office/infopath/2007/PartnerControls"/>
+    <ds:schemaRef ds:uri="http://schemas.openxmlformats.org/package/2006/metadata/core-properties"/>
+    <ds:schemaRef ds:uri="http://purl.org/dc/elements/1.1/"/>
+    <ds:schemaRef ds:uri="http://purl.org/dc/terms/"/>
+    <ds:schemaRef ds:uri="http://schemas.microsoft.com/internal/obd"/>
+  </ds:schemaRefs>
+</ds:datastoreItem>
+</file>
+
+<file path=customXml/itemProps2.xml><?xml version="1.0" encoding="utf-8"?>
 <ds:datastoreItem xmlns:ds="http://schemas.openxmlformats.org/officeDocument/2006/customXml" ds:itemID="{DA593625-DB14-4FB0-B5A9-3269FA9C120B}">
   <ds:schemaRefs>
     <ds:schemaRef ds:uri="http://www.w3.org/XML/1998/namespace"/>
@@ -43475,28 +44852,10 @@
 </ds:datastoreItem>
 </file>
 
-<file path=customXml/itemProps2.xml><?xml version="1.0" encoding="utf-8"?>
+<file path=customXml/itemProps3.xml><?xml version="1.0" encoding="utf-8"?>
 <ds:datastoreItem xmlns:ds="http://schemas.openxmlformats.org/officeDocument/2006/customXml" ds:itemID="{E1E0CE18-CA03-4891-9CD8-3448778E3D53}">
   <ds:schemaRefs>
     <ds:schemaRef ds:uri="http://schemas.microsoft.com/sharepoint/v3/contenttype/forms"/>
   </ds:schemaRefs>
 </ds:datastoreItem>
-</file>
-
-<file path=customXml/itemProps3.xml><?xml version="1.0" encoding="utf-8"?>
-<ds:datastoreItem xmlns:ds="http://schemas.openxmlformats.org/officeDocument/2006/customXml" ds:itemID="{F17DCE38-6787-497B-B958-75817420EB1E}">
-  <ds:schemaRefs>
-    <ds:schemaRef ds:uri="http://schemas.microsoft.com/office/2006/metadata/contentType"/>
-    <ds:schemaRef ds:uri="http://schemas.microsoft.com/office/2006/metadata/properties/metaAttributes"/>
-    <ds:schemaRef ds:uri="http://www.w3.org/2001/XMLSchema"/>
-    <ds:schemaRef ds:uri="http://schemas.microsoft.com/office/2006/metadata/properties"/>
-    <ds:schemaRef ds:uri="5fad15d0-477e-40da-a20d-40d4ca777cbd"/>
-    <ds:schemaRef ds:uri="http://schemas.microsoft.com/office/2006/documentManagement/types"/>
-    <ds:schemaRef ds:uri="http://schemas.microsoft.com/office/infopath/2007/PartnerControls"/>
-    <ds:schemaRef ds:uri="http://schemas.openxmlformats.org/package/2006/metadata/core-properties"/>
-    <ds:schemaRef ds:uri="http://purl.org/dc/elements/1.1/"/>
-    <ds:schemaRef ds:uri="http://purl.org/dc/terms/"/>
-    <ds:schemaRef ds:uri="http://schemas.microsoft.com/internal/obd"/>
-  </ds:schemaRefs>
-</ds:datastoreItem>
 </file>
--- a/O3652-7 Deep Dive into Security and OAuth/O3652-7 Deep Dive into Security and OAuth.pptx
+++ b/O3652-7 Deep Dive into Security and OAuth/O3652-7 Deep Dive into Security and OAuth.pptx
@@ -386,7 +386,7 @@
           <a:p>
             <a:fld id="{DE219B1A-AE41-483B-A766-69B9363DDA6A}" type="datetimeFigureOut">
               <a:rPr lang="en-US" smtClean="0"/>
-              <a:t>8/27/2014</a:t>
+              <a:t>9/8/2014</a:t>
             </a:fld>
             <a:endParaRPr lang="en-US"/>
           </a:p>
@@ -668,7 +668,7 @@
           <a:p>
             <a:fld id="{D51B1278-D92B-4AF3-A9C1-71DD298190CE}" type="datetimeFigureOut">
               <a:rPr lang="en-US" smtClean="0"/>
-              <a:t>8/27/2014</a:t>
+              <a:t>9/8/2014</a:t>
             </a:fld>
             <a:endParaRPr lang="en-US"/>
           </a:p>
@@ -1249,7 +1249,7 @@
           <a:p>
             <a:fld id="{4184ABB7-2538-4DA8-837C-1631AA9C3786}" type="datetime1">
               <a:rPr lang="en-US" smtClean="0"/>
-              <a:t>8/27/2014</a:t>
+              <a:t>9/8/2014</a:t>
             </a:fld>
             <a:endParaRPr lang="en-US"/>
           </a:p>
@@ -1469,7 +1469,7 @@
           <a:p>
             <a:fld id="{E1069F9F-5C72-40FE-A962-D85A4E6A7779}" type="datetime1">
               <a:rPr lang="en-US" smtClean="0"/>
-              <a:t>8/27/2014</a:t>
+              <a:t>9/8/2014</a:t>
             </a:fld>
             <a:endParaRPr lang="en-US"/>
           </a:p>
@@ -1679,7 +1679,7 @@
           <a:p>
             <a:fld id="{130F6A78-FCFE-4D45-B005-38A37DBDA5FF}" type="datetime1">
               <a:rPr lang="en-US" smtClean="0"/>
-              <a:t>8/27/2014</a:t>
+              <a:t>9/8/2014</a:t>
             </a:fld>
             <a:endParaRPr lang="en-US"/>
           </a:p>
@@ -1885,7 +1885,7 @@
           <a:p>
             <a:fld id="{8A515E4B-48A0-498D-B44A-AAB8296969D7}" type="datetime1">
               <a:rPr lang="en-US" smtClean="0"/>
-              <a:t>8/27/2014</a:t>
+              <a:t>9/8/2014</a:t>
             </a:fld>
             <a:endParaRPr lang="en-US"/>
           </a:p>
@@ -2091,7 +2091,7 @@
           <a:p>
             <a:fld id="{676707B7-EE71-47B8-B3DA-B599B395A08A}" type="datetime1">
               <a:rPr lang="en-US" smtClean="0"/>
-              <a:t>8/27/2014</a:t>
+              <a:t>9/8/2014</a:t>
             </a:fld>
             <a:endParaRPr lang="en-US"/>
           </a:p>
@@ -2297,7 +2297,7 @@
           <a:p>
             <a:fld id="{676707B7-EE71-47B8-B3DA-B599B395A08A}" type="datetime1">
               <a:rPr lang="en-US" smtClean="0"/>
-              <a:t>8/27/2014</a:t>
+              <a:t>9/8/2014</a:t>
             </a:fld>
             <a:endParaRPr lang="en-US"/>
           </a:p>
@@ -2507,7 +2507,7 @@
           <a:p>
             <a:fld id="{65036D97-0781-4CB4-8310-DBE67BB75DC2}" type="datetime1">
               <a:rPr lang="en-US" smtClean="0"/>
-              <a:t>8/27/2014</a:t>
+              <a:t>9/8/2014</a:t>
             </a:fld>
             <a:endParaRPr lang="en-US"/>
           </a:p>
@@ -2713,7 +2713,7 @@
           <a:p>
             <a:fld id="{8A515E4B-48A0-498D-B44A-AAB8296969D7}" type="datetime1">
               <a:rPr lang="en-US" smtClean="0"/>
-              <a:t>8/27/2014</a:t>
+              <a:t>9/8/2014</a:t>
             </a:fld>
             <a:endParaRPr lang="en-US"/>
           </a:p>
@@ -2919,7 +2919,7 @@
           <a:p>
             <a:fld id="{676707B7-EE71-47B8-B3DA-B599B395A08A}" type="datetime1">
               <a:rPr lang="en-US" smtClean="0"/>
-              <a:t>8/27/2014</a:t>
+              <a:t>9/8/2014</a:t>
             </a:fld>
             <a:endParaRPr lang="en-US"/>
           </a:p>
@@ -3125,7 +3125,7 @@
           <a:p>
             <a:fld id="{676707B7-EE71-47B8-B3DA-B599B395A08A}" type="datetime1">
               <a:rPr lang="en-US" smtClean="0"/>
-              <a:t>8/27/2014</a:t>
+              <a:t>9/8/2014</a:t>
             </a:fld>
             <a:endParaRPr lang="en-US"/>
           </a:p>
@@ -3482,7 +3482,7 @@
           <a:p>
             <a:fld id="{B079C3B8-7366-4A44-A34B-3977080C19E7}" type="datetime1">
               <a:rPr lang="en-US" smtClean="0"/>
-              <a:t>8/27/2014</a:t>
+              <a:t>9/8/2014</a:t>
             </a:fld>
             <a:endParaRPr lang="en-US" dirty="0"/>
           </a:p>
@@ -3613,7 +3613,7 @@
           <a:p>
             <a:fld id="{676707B7-EE71-47B8-B3DA-B599B395A08A}" type="datetime1">
               <a:rPr lang="en-US" smtClean="0"/>
-              <a:t>8/27/2014</a:t>
+              <a:t>9/8/2014</a:t>
             </a:fld>
             <a:endParaRPr lang="en-US"/>
           </a:p>
@@ -3819,7 +3819,7 @@
           <a:p>
             <a:fld id="{676707B7-EE71-47B8-B3DA-B599B395A08A}" type="datetime1">
               <a:rPr lang="en-US" smtClean="0"/>
-              <a:t>8/27/2014</a:t>
+              <a:t>9/8/2014</a:t>
             </a:fld>
             <a:endParaRPr lang="en-US"/>
           </a:p>
@@ -4025,7 +4025,7 @@
           <a:p>
             <a:fld id="{676707B7-EE71-47B8-B3DA-B599B395A08A}" type="datetime1">
               <a:rPr lang="en-US" smtClean="0"/>
-              <a:t>8/27/2014</a:t>
+              <a:t>9/8/2014</a:t>
             </a:fld>
             <a:endParaRPr lang="en-US"/>
           </a:p>
@@ -4231,7 +4231,7 @@
           <a:p>
             <a:fld id="{676707B7-EE71-47B8-B3DA-B599B395A08A}" type="datetime1">
               <a:rPr lang="en-US" smtClean="0"/>
-              <a:t>8/27/2014</a:t>
+              <a:t>9/8/2014</a:t>
             </a:fld>
             <a:endParaRPr lang="en-US"/>
           </a:p>
@@ -4437,7 +4437,7 @@
           <a:p>
             <a:fld id="{676707B7-EE71-47B8-B3DA-B599B395A08A}" type="datetime1">
               <a:rPr lang="en-US" smtClean="0"/>
-              <a:t>8/27/2014</a:t>
+              <a:t>9/8/2014</a:t>
             </a:fld>
             <a:endParaRPr lang="en-US"/>
           </a:p>
@@ -4643,7 +4643,7 @@
           <a:p>
             <a:fld id="{676707B7-EE71-47B8-B3DA-B599B395A08A}" type="datetime1">
               <a:rPr lang="en-US" smtClean="0"/>
-              <a:t>8/27/2014</a:t>
+              <a:t>9/8/2014</a:t>
             </a:fld>
             <a:endParaRPr lang="en-US"/>
           </a:p>
@@ -4913,7 +4913,7 @@
           <a:p>
             <a:fld id="{E74353ED-ACB2-44BF-A903-985B0AF962B7}" type="datetime1">
               <a:rPr lang="en-US" smtClean="0"/>
-              <a:t>8/27/2014</a:t>
+              <a:t>9/8/2014</a:t>
             </a:fld>
             <a:endParaRPr lang="en-US" dirty="0"/>
           </a:p>
@@ -5037,7 +5037,7 @@
           <a:p>
             <a:fld id="{2FB72B3C-19A5-40A1-B772-DE16D35E262B}" type="datetime1">
               <a:rPr lang="en-US" smtClean="0"/>
-              <a:t>8/27/2014</a:t>
+              <a:t>9/8/2014</a:t>
             </a:fld>
             <a:endParaRPr lang="en-US"/>
           </a:p>
@@ -5243,7 +5243,7 @@
           <a:p>
             <a:fld id="{8A515E4B-48A0-498D-B44A-AAB8296969D7}" type="datetime1">
               <a:rPr lang="en-US" smtClean="0"/>
-              <a:t>8/27/2014</a:t>
+              <a:t>9/8/2014</a:t>
             </a:fld>
             <a:endParaRPr lang="en-US"/>
           </a:p>
@@ -5449,7 +5449,7 @@
           <a:p>
             <a:fld id="{676707B7-EE71-47B8-B3DA-B599B395A08A}" type="datetime1">
               <a:rPr lang="en-US" smtClean="0"/>
-              <a:t>8/27/2014</a:t>
+              <a:t>9/8/2014</a:t>
             </a:fld>
             <a:endParaRPr lang="en-US"/>
           </a:p>
@@ -5659,7 +5659,7 @@
           <a:p>
             <a:fld id="{CA454356-7988-4E39-B534-EC35F7CCC11C}" type="datetime1">
               <a:rPr lang="en-US" smtClean="0"/>
-              <a:t>8/27/2014</a:t>
+              <a:t>9/8/2014</a:t>
             </a:fld>
             <a:endParaRPr lang="en-US"/>
           </a:p>
@@ -5865,7 +5865,7 @@
           <a:p>
             <a:fld id="{676707B7-EE71-47B8-B3DA-B599B395A08A}" type="datetime1">
               <a:rPr lang="en-US" smtClean="0"/>
-              <a:t>8/27/2014</a:t>
+              <a:t>9/8/2014</a:t>
             </a:fld>
             <a:endParaRPr lang="en-US"/>
           </a:p>
@@ -6071,7 +6071,7 @@
           <a:p>
             <a:fld id="{676707B7-EE71-47B8-B3DA-B599B395A08A}" type="datetime1">
               <a:rPr lang="en-US" smtClean="0"/>
-              <a:t>8/27/2014</a:t>
+              <a:t>9/8/2014</a:t>
             </a:fld>
             <a:endParaRPr lang="en-US"/>
           </a:p>
@@ -6277,7 +6277,7 @@
           <a:p>
             <a:fld id="{676707B7-EE71-47B8-B3DA-B599B395A08A}" type="datetime1">
               <a:rPr lang="en-US" smtClean="0"/>
-              <a:t>8/27/2014</a:t>
+              <a:t>9/8/2014</a:t>
             </a:fld>
             <a:endParaRPr lang="en-US"/>
           </a:p>
@@ -6483,7 +6483,7 @@
           <a:p>
             <a:fld id="{676707B7-EE71-47B8-B3DA-B599B395A08A}" type="datetime1">
               <a:rPr lang="en-US" smtClean="0"/>
-              <a:t>8/27/2014</a:t>
+              <a:t>9/8/2014</a:t>
             </a:fld>
             <a:endParaRPr lang="en-US"/>
           </a:p>
@@ -6689,7 +6689,7 @@
           <a:p>
             <a:fld id="{676707B7-EE71-47B8-B3DA-B599B395A08A}" type="datetime1">
               <a:rPr lang="en-US" smtClean="0"/>
-              <a:t>8/27/2014</a:t>
+              <a:t>9/8/2014</a:t>
             </a:fld>
             <a:endParaRPr lang="en-US"/>
           </a:p>
@@ -6915,7 +6915,7 @@
           <a:p>
             <a:fld id="{1B4EBD05-8EBB-4AB3-A4B2-2126F6DCC32D}" type="datetime1">
               <a:rPr lang="en-US" smtClean="0"/>
-              <a:t>8/27/2014</a:t>
+              <a:t>9/8/2014</a:t>
             </a:fld>
             <a:endParaRPr lang="en-US"/>
           </a:p>
@@ -7232,7 +7232,7 @@
           <a:p>
             <a:fld id="{0BB6559B-C68D-49B4-97AE-9BB74C417927}" type="datetime1">
               <a:rPr lang="en-US" smtClean="0"/>
-              <a:t>8/27/2014</a:t>
+              <a:t>9/8/2014</a:t>
             </a:fld>
             <a:endParaRPr lang="en-US"/>
           </a:p>
@@ -7343,7 +7343,7 @@
           <a:p>
             <a:fld id="{61C5B620-E71B-4653-A37F-A929320C435E}" type="datetime1">
               <a:rPr lang="en-US" smtClean="0"/>
-              <a:t>8/27/2014</a:t>
+              <a:t>9/8/2014</a:t>
             </a:fld>
             <a:endParaRPr lang="en-US"/>
           </a:p>
@@ -7567,7 +7567,7 @@
           <a:p>
             <a:fld id="{BBA7F52A-B8F7-43B0-8B42-741D53CB577A}" type="datetime1">
               <a:rPr lang="en-US" smtClean="0"/>
-              <a:t>8/27/2014</a:t>
+              <a:t>9/8/2014</a:t>
             </a:fld>
             <a:endParaRPr lang="en-US"/>
           </a:p>
@@ -7787,7 +7787,7 @@
           <a:p>
             <a:fld id="{7A5C1551-8DBF-450A-B3B4-597F4F42AC44}" type="datetime1">
               <a:rPr lang="en-US" smtClean="0"/>
-              <a:t>8/27/2014</a:t>
+              <a:t>9/8/2014</a:t>
             </a:fld>
             <a:endParaRPr lang="en-US"/>
           </a:p>
@@ -8056,7 +8056,7 @@
           <a:p>
             <a:fld id="{3BC8CC0E-121B-4488-9618-3397B77BEEEB}" type="datetime1">
               <a:rPr lang="en-US" smtClean="0"/>
-              <a:t>8/27/2014</a:t>
+              <a:t>9/8/2014</a:t>
             </a:fld>
             <a:endParaRPr lang="en-US"/>
           </a:p>
@@ -8278,7 +8278,7 @@
           <a:p>
             <a:fld id="{89A7E491-81C3-4F59-9A1B-8E9BA4671E1E}" type="datetime1">
               <a:rPr lang="en-US" smtClean="0"/>
-              <a:t>8/27/2014</a:t>
+              <a:t>9/8/2014</a:t>
             </a:fld>
             <a:endParaRPr lang="en-US"/>
           </a:p>
@@ -8523,7 +8523,7 @@
           <a:p>
             <a:fld id="{E18369E4-77BE-4358-8410-33F33BA75378}" type="datetime1">
               <a:rPr lang="en-US" smtClean="0"/>
-              <a:t>8/27/2014</a:t>
+              <a:t>9/8/2014</a:t>
             </a:fld>
             <a:endParaRPr lang="en-US"/>
           </a:p>
@@ -19114,8 +19114,8 @@
         </p:blipFill>
         <p:spPr>
           <a:xfrm flipH="1">
-            <a:off x="1376623" y="3713009"/>
-            <a:ext cx="994787" cy="984823"/>
+            <a:off x="1376623" y="3731511"/>
+            <a:ext cx="994787" cy="947818"/>
           </a:xfrm>
           <a:prstGeom prst="rect">
             <a:avLst/>
@@ -19382,8 +19382,8 @@
         </p:blipFill>
         <p:spPr>
           <a:xfrm flipH="1">
-            <a:off x="1376623" y="3713009"/>
-            <a:ext cx="994787" cy="984823"/>
+            <a:off x="1376623" y="3731511"/>
+            <a:ext cx="994787" cy="947818"/>
           </a:xfrm>
           <a:prstGeom prst="rect">
             <a:avLst/>
@@ -19648,8 +19648,8 @@
         </p:blipFill>
         <p:spPr>
           <a:xfrm flipH="1">
-            <a:off x="1376623" y="3713009"/>
-            <a:ext cx="994787" cy="984823"/>
+            <a:off x="1376623" y="3731511"/>
+            <a:ext cx="994787" cy="947818"/>
           </a:xfrm>
           <a:prstGeom prst="rect">
             <a:avLst/>
@@ -19914,8 +19914,8 @@
         </p:blipFill>
         <p:spPr>
           <a:xfrm flipH="1">
-            <a:off x="1376623" y="3713009"/>
-            <a:ext cx="994787" cy="984823"/>
+            <a:off x="1376623" y="3731511"/>
+            <a:ext cx="994787" cy="947818"/>
           </a:xfrm>
           <a:prstGeom prst="rect">
             <a:avLst/>
@@ -20162,8 +20162,8 @@
         </p:blipFill>
         <p:spPr>
           <a:xfrm flipH="1">
-            <a:off x="1376623" y="3713009"/>
-            <a:ext cx="994787" cy="984823"/>
+            <a:off x="1376623" y="3731511"/>
+            <a:ext cx="994787" cy="947818"/>
           </a:xfrm>
           <a:prstGeom prst="rect">
             <a:avLst/>
@@ -20412,8 +20412,8 @@
         </p:blipFill>
         <p:spPr>
           <a:xfrm flipH="1">
-            <a:off x="1376623" y="3713009"/>
-            <a:ext cx="994787" cy="984823"/>
+            <a:off x="1376623" y="3731511"/>
+            <a:ext cx="994787" cy="947818"/>
           </a:xfrm>
           <a:prstGeom prst="rect">
             <a:avLst/>
@@ -20692,8 +20692,8 @@
         </p:blipFill>
         <p:spPr>
           <a:xfrm flipH="1">
-            <a:off x="1376623" y="3713009"/>
-            <a:ext cx="994787" cy="984823"/>
+            <a:off x="1376623" y="3731511"/>
+            <a:ext cx="994787" cy="947818"/>
           </a:xfrm>
           <a:prstGeom prst="rect">
             <a:avLst/>
@@ -21290,7 +21290,7 @@
                 <a:gridCol w="11225057">
                   <a:extLst>
                     <a:ext uri="{9D8B030D-6E8A-4147-A177-3AD203B41FA5}">
-                      <a16:colId xmlns:a16="http://schemas.microsoft.com/office/drawing/2014/main" xmlns="" val="1253488153"/>
+                      <a16:colId xmlns="" xmlns:a16="http://schemas.microsoft.com/office/drawing/2014/main" val="1253488153"/>
                     </a:ext>
                   </a:extLst>
                 </a:gridCol>
@@ -21320,7 +21320,7 @@
                 </a:tc>
                 <a:extLst>
                   <a:ext uri="{0D108BD9-81ED-4DB2-BD59-A6C34878D82A}">
-                    <a16:rowId xmlns:a16="http://schemas.microsoft.com/office/drawing/2014/main" xmlns="" val="829859176"/>
+                    <a16:rowId xmlns="" xmlns:a16="http://schemas.microsoft.com/office/drawing/2014/main" val="829859176"/>
                   </a:ext>
                 </a:extLst>
               </a:tr>
@@ -21341,7 +21341,7 @@
                 </a:tc>
                 <a:extLst>
                   <a:ext uri="{0D108BD9-81ED-4DB2-BD59-A6C34878D82A}">
-                    <a16:rowId xmlns:a16="http://schemas.microsoft.com/office/drawing/2014/main" xmlns="" val="1946132611"/>
+                    <a16:rowId xmlns="" xmlns:a16="http://schemas.microsoft.com/office/drawing/2014/main" val="1946132611"/>
                   </a:ext>
                 </a:extLst>
               </a:tr>
@@ -21378,7 +21378,7 @@
                 </a:tc>
                 <a:extLst>
                   <a:ext uri="{0D108BD9-81ED-4DB2-BD59-A6C34878D82A}">
-                    <a16:rowId xmlns:a16="http://schemas.microsoft.com/office/drawing/2014/main" xmlns="" val="3204002662"/>
+                    <a16:rowId xmlns="" xmlns:a16="http://schemas.microsoft.com/office/drawing/2014/main" val="3204002662"/>
                   </a:ext>
                 </a:extLst>
               </a:tr>
@@ -21419,7 +21419,7 @@
                 </a:tc>
                 <a:extLst>
                   <a:ext uri="{0D108BD9-81ED-4DB2-BD59-A6C34878D82A}">
-                    <a16:rowId xmlns:a16="http://schemas.microsoft.com/office/drawing/2014/main" xmlns="" val="4266278162"/>
+                    <a16:rowId xmlns="" xmlns:a16="http://schemas.microsoft.com/office/drawing/2014/main" val="4266278162"/>
                   </a:ext>
                 </a:extLst>
               </a:tr>
@@ -23087,8 +23087,8 @@
         </p:blipFill>
         <p:spPr>
           <a:xfrm flipH="1">
-            <a:off x="1292026" y="2317909"/>
-            <a:ext cx="994787" cy="984823"/>
+            <a:off x="1292026" y="2336411"/>
+            <a:ext cx="994787" cy="947818"/>
           </a:xfrm>
           <a:prstGeom prst="rect">
             <a:avLst/>
@@ -23247,23 +23247,7 @@
                   <a:lin ang="5400000" scaled="0"/>
                 </a:gradFill>
               </a:rPr>
-              <a:t>Azure </a:t>
-            </a:r>
-            <a:r>
-              <a:rPr lang="en-US" sz="1600" b="1" spc="-70" smtClean="0">
-                <a:gradFill>
-                  <a:gsLst>
-                    <a:gs pos="2917">
-                      <a:schemeClr val="bg2"/>
-                    </a:gs>
-                    <a:gs pos="95000">
-                      <a:schemeClr val="bg2"/>
-                    </a:gs>
-                  </a:gsLst>
-                  <a:lin ang="5400000" scaled="0"/>
-                </a:gradFill>
-              </a:rPr>
-              <a:t>ACS</a:t>
+              <a:t>Azure ACS</a:t>
             </a:r>
             <a:endParaRPr lang="en-US" sz="1600" b="1" spc="-70" dirty="0" smtClean="0">
               <a:gradFill>
@@ -23706,8 +23690,8 @@
         </p:blipFill>
         <p:spPr>
           <a:xfrm flipH="1">
-            <a:off x="1292026" y="2317909"/>
-            <a:ext cx="994787" cy="984823"/>
+            <a:off x="1292026" y="2336411"/>
+            <a:ext cx="994787" cy="947818"/>
           </a:xfrm>
           <a:prstGeom prst="rect">
             <a:avLst/>
@@ -23866,37 +23850,8 @@
                   <a:lin ang="5400000" scaled="0"/>
                 </a:gradFill>
               </a:rPr>
-              <a:t>Azure </a:t>
-            </a:r>
-            <a:r>
-              <a:rPr lang="en-US" sz="1600" b="1" spc="-70" dirty="0" smtClean="0">
-                <a:gradFill>
-                  <a:gsLst>
-                    <a:gs pos="2917">
-                      <a:schemeClr val="bg2"/>
-                    </a:gs>
-                    <a:gs pos="95000">
-                      <a:schemeClr val="bg2"/>
-                    </a:gs>
-                  </a:gsLst>
-                  <a:lin ang="5400000" scaled="0"/>
-                </a:gradFill>
-              </a:rPr>
-              <a:t>ACS</a:t>
-            </a:r>
-            <a:endParaRPr lang="en-US" sz="1600" b="1" spc="-70" dirty="0" smtClean="0">
-              <a:gradFill>
-                <a:gsLst>
-                  <a:gs pos="2917">
-                    <a:schemeClr val="bg2"/>
-                  </a:gs>
-                  <a:gs pos="95000">
-                    <a:schemeClr val="bg2"/>
-                  </a:gs>
-                </a:gsLst>
-                <a:lin ang="5400000" scaled="0"/>
-              </a:gradFill>
-            </a:endParaRPr>
+              <a:t>Azure ACS</a:t>
+            </a:r>
           </a:p>
           <a:p>
             <a:pPr algn="ctr"/>
@@ -24300,8 +24255,8 @@
         </p:blipFill>
         <p:spPr>
           <a:xfrm flipH="1">
-            <a:off x="1292026" y="2317909"/>
-            <a:ext cx="994787" cy="984823"/>
+            <a:off x="1292026" y="2336411"/>
+            <a:ext cx="994787" cy="947818"/>
           </a:xfrm>
           <a:prstGeom prst="rect">
             <a:avLst/>
@@ -24460,37 +24415,8 @@
                   <a:lin ang="5400000" scaled="0"/>
                 </a:gradFill>
               </a:rPr>
-              <a:t>Azure </a:t>
-            </a:r>
-            <a:r>
-              <a:rPr lang="en-US" sz="1600" b="1" spc="-70" dirty="0" smtClean="0">
-                <a:gradFill>
-                  <a:gsLst>
-                    <a:gs pos="2917">
-                      <a:schemeClr val="bg2"/>
-                    </a:gs>
-                    <a:gs pos="95000">
-                      <a:schemeClr val="bg2"/>
-                    </a:gs>
-                  </a:gsLst>
-                  <a:lin ang="5400000" scaled="0"/>
-                </a:gradFill>
-              </a:rPr>
-              <a:t>ACS</a:t>
-            </a:r>
-            <a:endParaRPr lang="en-US" sz="1600" b="1" spc="-70" dirty="0" smtClean="0">
-              <a:gradFill>
-                <a:gsLst>
-                  <a:gs pos="2917">
-                    <a:schemeClr val="bg2"/>
-                  </a:gs>
-                  <a:gs pos="95000">
-                    <a:schemeClr val="bg2"/>
-                  </a:gs>
-                </a:gsLst>
-                <a:lin ang="5400000" scaled="0"/>
-              </a:gradFill>
-            </a:endParaRPr>
+              <a:t>Azure ACS</a:t>
+            </a:r>
           </a:p>
           <a:p>
             <a:pPr algn="ctr"/>
@@ -24913,8 +24839,8 @@
         </p:blipFill>
         <p:spPr>
           <a:xfrm flipH="1">
-            <a:off x="1292026" y="2317909"/>
-            <a:ext cx="994787" cy="984823"/>
+            <a:off x="1292026" y="2336411"/>
+            <a:ext cx="994787" cy="947818"/>
           </a:xfrm>
           <a:prstGeom prst="rect">
             <a:avLst/>
@@ -25073,37 +24999,8 @@
                   <a:lin ang="5400000" scaled="0"/>
                 </a:gradFill>
               </a:rPr>
-              <a:t>Azure </a:t>
-            </a:r>
-            <a:r>
-              <a:rPr lang="en-US" sz="1600" b="1" spc="-70" dirty="0" smtClean="0">
-                <a:gradFill>
-                  <a:gsLst>
-                    <a:gs pos="2917">
-                      <a:schemeClr val="bg2"/>
-                    </a:gs>
-                    <a:gs pos="95000">
-                      <a:schemeClr val="bg2"/>
-                    </a:gs>
-                  </a:gsLst>
-                  <a:lin ang="5400000" scaled="0"/>
-                </a:gradFill>
-              </a:rPr>
-              <a:t>ACS</a:t>
-            </a:r>
-            <a:endParaRPr lang="en-US" sz="1600" b="1" spc="-70" dirty="0" smtClean="0">
-              <a:gradFill>
-                <a:gsLst>
-                  <a:gs pos="2917">
-                    <a:schemeClr val="bg2"/>
-                  </a:gs>
-                  <a:gs pos="95000">
-                    <a:schemeClr val="bg2"/>
-                  </a:gs>
-                </a:gsLst>
-                <a:lin ang="5400000" scaled="0"/>
-              </a:gradFill>
-            </a:endParaRPr>
+              <a:t>Azure ACS</a:t>
+            </a:r>
           </a:p>
           <a:p>
             <a:pPr algn="ctr"/>
@@ -25507,8 +25404,8 @@
         </p:blipFill>
         <p:spPr>
           <a:xfrm flipH="1">
-            <a:off x="1292026" y="2317909"/>
-            <a:ext cx="994787" cy="984823"/>
+            <a:off x="1292026" y="2336411"/>
+            <a:ext cx="994787" cy="947818"/>
           </a:xfrm>
           <a:prstGeom prst="rect">
             <a:avLst/>
@@ -25667,37 +25564,8 @@
                   <a:lin ang="5400000" scaled="0"/>
                 </a:gradFill>
               </a:rPr>
-              <a:t>Azure </a:t>
-            </a:r>
-            <a:r>
-              <a:rPr lang="en-US" sz="1600" b="1" spc="-70" dirty="0" smtClean="0">
-                <a:gradFill>
-                  <a:gsLst>
-                    <a:gs pos="2917">
-                      <a:schemeClr val="bg2"/>
-                    </a:gs>
-                    <a:gs pos="95000">
-                      <a:schemeClr val="bg2"/>
-                    </a:gs>
-                  </a:gsLst>
-                  <a:lin ang="5400000" scaled="0"/>
-                </a:gradFill>
-              </a:rPr>
-              <a:t>ACS</a:t>
-            </a:r>
-            <a:endParaRPr lang="en-US" sz="1600" b="1" spc="-70" dirty="0" smtClean="0">
-              <a:gradFill>
-                <a:gsLst>
-                  <a:gs pos="2917">
-                    <a:schemeClr val="bg2"/>
-                  </a:gs>
-                  <a:gs pos="95000">
-                    <a:schemeClr val="bg2"/>
-                  </a:gs>
-                </a:gsLst>
-                <a:lin ang="5400000" scaled="0"/>
-              </a:gradFill>
-            </a:endParaRPr>
+              <a:t>Azure ACS</a:t>
+            </a:r>
           </a:p>
           <a:p>
             <a:pPr algn="ctr"/>
@@ -26173,8 +26041,8 @@
         </p:blipFill>
         <p:spPr>
           <a:xfrm flipH="1">
-            <a:off x="1292026" y="2317909"/>
-            <a:ext cx="994787" cy="984823"/>
+            <a:off x="1292026" y="2336411"/>
+            <a:ext cx="994787" cy="947818"/>
           </a:xfrm>
           <a:prstGeom prst="rect">
             <a:avLst/>
@@ -26333,37 +26201,8 @@
                   <a:lin ang="5400000" scaled="0"/>
                 </a:gradFill>
               </a:rPr>
-              <a:t>Azure </a:t>
-            </a:r>
-            <a:r>
-              <a:rPr lang="en-US" sz="1600" b="1" spc="-70" dirty="0" smtClean="0">
-                <a:gradFill>
-                  <a:gsLst>
-                    <a:gs pos="2917">
-                      <a:schemeClr val="bg2"/>
-                    </a:gs>
-                    <a:gs pos="95000">
-                      <a:schemeClr val="bg2"/>
-                    </a:gs>
-                  </a:gsLst>
-                  <a:lin ang="5400000" scaled="0"/>
-                </a:gradFill>
-              </a:rPr>
-              <a:t>ACS</a:t>
-            </a:r>
-            <a:endParaRPr lang="en-US" sz="1600" b="1" spc="-70" dirty="0" smtClean="0">
-              <a:gradFill>
-                <a:gsLst>
-                  <a:gs pos="2917">
-                    <a:schemeClr val="bg2"/>
-                  </a:gs>
-                  <a:gs pos="95000">
-                    <a:schemeClr val="bg2"/>
-                  </a:gs>
-                </a:gsLst>
-                <a:lin ang="5400000" scaled="0"/>
-              </a:gradFill>
-            </a:endParaRPr>
+              <a:t>Azure ACS</a:t>
+            </a:r>
           </a:p>
           <a:p>
             <a:pPr algn="ctr"/>
@@ -26749,8 +26588,8 @@
         </p:blipFill>
         <p:spPr>
           <a:xfrm flipH="1">
-            <a:off x="1292026" y="2317909"/>
-            <a:ext cx="994787" cy="984823"/>
+            <a:off x="1292026" y="2336411"/>
+            <a:ext cx="994787" cy="947818"/>
           </a:xfrm>
           <a:prstGeom prst="rect">
             <a:avLst/>
@@ -26909,37 +26748,8 @@
                   <a:lin ang="5400000" scaled="0"/>
                 </a:gradFill>
               </a:rPr>
-              <a:t>Azure </a:t>
-            </a:r>
-            <a:r>
-              <a:rPr lang="en-US" sz="1600" b="1" spc="-70" dirty="0" smtClean="0">
-                <a:gradFill>
-                  <a:gsLst>
-                    <a:gs pos="2917">
-                      <a:schemeClr val="bg2"/>
-                    </a:gs>
-                    <a:gs pos="95000">
-                      <a:schemeClr val="bg2"/>
-                    </a:gs>
-                  </a:gsLst>
-                  <a:lin ang="5400000" scaled="0"/>
-                </a:gradFill>
-              </a:rPr>
-              <a:t>ACS</a:t>
-            </a:r>
-            <a:endParaRPr lang="en-US" sz="1600" b="1" spc="-70" dirty="0" smtClean="0">
-              <a:gradFill>
-                <a:gsLst>
-                  <a:gs pos="2917">
-                    <a:schemeClr val="bg2"/>
-                  </a:gs>
-                  <a:gs pos="95000">
-                    <a:schemeClr val="bg2"/>
-                  </a:gs>
-                </a:gsLst>
-                <a:lin ang="5400000" scaled="0"/>
-              </a:gradFill>
-            </a:endParaRPr>
+              <a:t>Azure ACS</a:t>
+            </a:r>
           </a:p>
           <a:p>
             <a:pPr algn="ctr"/>
@@ -27378,8 +27188,8 @@
         </p:blipFill>
         <p:spPr>
           <a:xfrm flipH="1">
-            <a:off x="1292026" y="2317909"/>
-            <a:ext cx="994787" cy="984823"/>
+            <a:off x="1292026" y="2336411"/>
+            <a:ext cx="994787" cy="947818"/>
           </a:xfrm>
           <a:prstGeom prst="rect">
             <a:avLst/>
@@ -27538,37 +27348,8 @@
                   <a:lin ang="5400000" scaled="0"/>
                 </a:gradFill>
               </a:rPr>
-              <a:t>Azure </a:t>
-            </a:r>
-            <a:r>
-              <a:rPr lang="en-US" sz="1600" b="1" spc="-70" dirty="0" smtClean="0">
-                <a:gradFill>
-                  <a:gsLst>
-                    <a:gs pos="2917">
-                      <a:schemeClr val="bg2"/>
-                    </a:gs>
-                    <a:gs pos="95000">
-                      <a:schemeClr val="bg2"/>
-                    </a:gs>
-                  </a:gsLst>
-                  <a:lin ang="5400000" scaled="0"/>
-                </a:gradFill>
-              </a:rPr>
-              <a:t>ACS</a:t>
-            </a:r>
-            <a:endParaRPr lang="en-US" sz="1600" b="1" spc="-70" dirty="0" smtClean="0">
-              <a:gradFill>
-                <a:gsLst>
-                  <a:gs pos="2917">
-                    <a:schemeClr val="bg2"/>
-                  </a:gs>
-                  <a:gs pos="95000">
-                    <a:schemeClr val="bg2"/>
-                  </a:gs>
-                </a:gsLst>
-                <a:lin ang="5400000" scaled="0"/>
-              </a:gradFill>
-            </a:endParaRPr>
+              <a:t>Azure ACS</a:t>
+            </a:r>
           </a:p>
           <a:p>
             <a:pPr algn="ctr"/>
@@ -27971,8 +27752,8 @@
         </p:blipFill>
         <p:spPr>
           <a:xfrm flipH="1">
-            <a:off x="1292026" y="2317909"/>
-            <a:ext cx="994787" cy="984823"/>
+            <a:off x="1292026" y="2336411"/>
+            <a:ext cx="994787" cy="947818"/>
           </a:xfrm>
           <a:prstGeom prst="rect">
             <a:avLst/>
@@ -28131,37 +27912,8 @@
                   <a:lin ang="5400000" scaled="0"/>
                 </a:gradFill>
               </a:rPr>
-              <a:t>Azure </a:t>
-            </a:r>
-            <a:r>
-              <a:rPr lang="en-US" sz="1600" b="1" spc="-70" dirty="0" smtClean="0">
-                <a:gradFill>
-                  <a:gsLst>
-                    <a:gs pos="2917">
-                      <a:schemeClr val="bg2"/>
-                    </a:gs>
-                    <a:gs pos="95000">
-                      <a:schemeClr val="bg2"/>
-                    </a:gs>
-                  </a:gsLst>
-                  <a:lin ang="5400000" scaled="0"/>
-                </a:gradFill>
-              </a:rPr>
-              <a:t>ACS</a:t>
-            </a:r>
-            <a:endParaRPr lang="en-US" sz="1600" b="1" spc="-70" dirty="0" smtClean="0">
-              <a:gradFill>
-                <a:gsLst>
-                  <a:gs pos="2917">
-                    <a:schemeClr val="bg2"/>
-                  </a:gs>
-                  <a:gs pos="95000">
-                    <a:schemeClr val="bg2"/>
-                  </a:gs>
-                </a:gsLst>
-                <a:lin ang="5400000" scaled="0"/>
-              </a:gradFill>
-            </a:endParaRPr>
+              <a:t>Azure ACS</a:t>
+            </a:r>
           </a:p>
           <a:p>
             <a:pPr algn="ctr"/>
@@ -28585,8 +28337,8 @@
         </p:blipFill>
         <p:spPr>
           <a:xfrm flipH="1">
-            <a:off x="1292026" y="2317909"/>
-            <a:ext cx="994787" cy="984823"/>
+            <a:off x="1292026" y="2336411"/>
+            <a:ext cx="994787" cy="947818"/>
           </a:xfrm>
           <a:prstGeom prst="rect">
             <a:avLst/>
@@ -28745,37 +28497,8 @@
                   <a:lin ang="5400000" scaled="0"/>
                 </a:gradFill>
               </a:rPr>
-              <a:t>Azure </a:t>
-            </a:r>
-            <a:r>
-              <a:rPr lang="en-US" sz="1600" b="1" spc="-70" dirty="0" smtClean="0">
-                <a:gradFill>
-                  <a:gsLst>
-                    <a:gs pos="2917">
-                      <a:schemeClr val="bg2"/>
-                    </a:gs>
-                    <a:gs pos="95000">
-                      <a:schemeClr val="bg2"/>
-                    </a:gs>
-                  </a:gsLst>
-                  <a:lin ang="5400000" scaled="0"/>
-                </a:gradFill>
-              </a:rPr>
-              <a:t>ACS</a:t>
-            </a:r>
-            <a:endParaRPr lang="en-US" sz="1600" b="1" spc="-70" dirty="0" smtClean="0">
-              <a:gradFill>
-                <a:gsLst>
-                  <a:gs pos="2917">
-                    <a:schemeClr val="bg2"/>
-                  </a:gs>
-                  <a:gs pos="95000">
-                    <a:schemeClr val="bg2"/>
-                  </a:gs>
-                </a:gsLst>
-                <a:lin ang="5400000" scaled="0"/>
-              </a:gradFill>
-            </a:endParaRPr>
+              <a:t>Azure ACS</a:t>
+            </a:r>
           </a:p>
           <a:p>
             <a:pPr algn="ctr"/>
@@ -30033,8 +29756,8 @@
         </p:blipFill>
         <p:spPr>
           <a:xfrm flipH="1">
-            <a:off x="1292026" y="2317909"/>
-            <a:ext cx="994787" cy="984823"/>
+            <a:off x="1292026" y="2336411"/>
+            <a:ext cx="994787" cy="947818"/>
           </a:xfrm>
           <a:prstGeom prst="rect">
             <a:avLst/>
@@ -30547,8 +30270,8 @@
         </p:blipFill>
         <p:spPr>
           <a:xfrm flipH="1">
-            <a:off x="1292026" y="2317909"/>
-            <a:ext cx="994787" cy="984823"/>
+            <a:off x="1292026" y="2336411"/>
+            <a:ext cx="994787" cy="947818"/>
           </a:xfrm>
           <a:prstGeom prst="rect">
             <a:avLst/>
@@ -31161,8 +30884,8 @@
         </p:blipFill>
         <p:spPr>
           <a:xfrm flipH="1">
-            <a:off x="1292026" y="2317909"/>
-            <a:ext cx="994787" cy="984823"/>
+            <a:off x="1292026" y="2336411"/>
+            <a:ext cx="994787" cy="947818"/>
           </a:xfrm>
           <a:prstGeom prst="rect">
             <a:avLst/>
@@ -31756,8 +31479,8 @@
         </p:blipFill>
         <p:spPr>
           <a:xfrm flipH="1">
-            <a:off x="1292026" y="2317909"/>
-            <a:ext cx="994787" cy="984823"/>
+            <a:off x="1292026" y="2336411"/>
+            <a:ext cx="994787" cy="947818"/>
           </a:xfrm>
           <a:prstGeom prst="rect">
             <a:avLst/>
@@ -32370,8 +32093,8 @@
         </p:blipFill>
         <p:spPr>
           <a:xfrm flipH="1">
-            <a:off x="1292026" y="2317909"/>
-            <a:ext cx="994787" cy="984823"/>
+            <a:off x="1292026" y="2336411"/>
+            <a:ext cx="994787" cy="947818"/>
           </a:xfrm>
           <a:prstGeom prst="rect">
             <a:avLst/>
@@ -33067,8 +32790,8 @@
         </p:blipFill>
         <p:spPr>
           <a:xfrm flipH="1">
-            <a:off x="1292026" y="2317909"/>
-            <a:ext cx="994787" cy="984823"/>
+            <a:off x="1292026" y="2336411"/>
+            <a:ext cx="994787" cy="947818"/>
           </a:xfrm>
           <a:prstGeom prst="rect">
             <a:avLst/>
@@ -33783,8 +33506,8 @@
         </p:blipFill>
         <p:spPr>
           <a:xfrm flipH="1">
-            <a:off x="1292026" y="2317909"/>
-            <a:ext cx="994787" cy="984823"/>
+            <a:off x="1292026" y="2336411"/>
+            <a:ext cx="994787" cy="947818"/>
           </a:xfrm>
           <a:prstGeom prst="rect">
             <a:avLst/>
@@ -34430,8 +34153,8 @@
         </p:blipFill>
         <p:spPr>
           <a:xfrm flipH="1">
-            <a:off x="1292026" y="2317909"/>
-            <a:ext cx="994787" cy="984823"/>
+            <a:off x="1292026" y="2336411"/>
+            <a:ext cx="994787" cy="947818"/>
           </a:xfrm>
           <a:prstGeom prst="rect">
             <a:avLst/>
@@ -35042,8 +34765,8 @@
         </p:blipFill>
         <p:spPr>
           <a:xfrm flipH="1">
-            <a:off x="1292026" y="2317909"/>
-            <a:ext cx="994787" cy="984823"/>
+            <a:off x="1292026" y="2336411"/>
+            <a:ext cx="994787" cy="947818"/>
           </a:xfrm>
           <a:prstGeom prst="rect">
             <a:avLst/>
@@ -35656,8 +35379,8 @@
         </p:blipFill>
         <p:spPr>
           <a:xfrm flipH="1">
-            <a:off x="1292026" y="2317909"/>
-            <a:ext cx="994787" cy="984823"/>
+            <a:off x="1292026" y="2336411"/>
+            <a:ext cx="994787" cy="947818"/>
           </a:xfrm>
           <a:prstGeom prst="rect">
             <a:avLst/>
@@ -36207,15 +35930,7 @@
           <a:p>
             <a:r>
               <a:rPr lang="en-US" sz="3920" dirty="0"/>
-              <a:t>Supports device app and </a:t>
-            </a:r>
-            <a:r>
-              <a:rPr lang="en-US" sz="3920" dirty="0"/>
-              <a:t>website </a:t>
-            </a:r>
-            <a:r>
-              <a:rPr lang="en-US" sz="3920" dirty="0"/>
-              <a:t>flows</a:t>
+              <a:t>Supports device app and website flows</a:t>
             </a:r>
           </a:p>
           <a:p>
@@ -37407,8 +37122,8 @@
         </p:blipFill>
         <p:spPr>
           <a:xfrm flipH="1">
-            <a:off x="1292026" y="2317909"/>
-            <a:ext cx="994787" cy="984823"/>
+            <a:off x="1292026" y="2336411"/>
+            <a:ext cx="994787" cy="947818"/>
           </a:xfrm>
           <a:prstGeom prst="rect">
             <a:avLst/>
@@ -37567,37 +37282,8 @@
                   <a:lin ang="5400000" scaled="0"/>
                 </a:gradFill>
               </a:rPr>
-              <a:t>Azure </a:t>
-            </a:r>
-            <a:r>
-              <a:rPr lang="en-US" sz="1600" b="1" spc="-70" dirty="0" smtClean="0">
-                <a:gradFill>
-                  <a:gsLst>
-                    <a:gs pos="2917">
-                      <a:schemeClr val="bg2"/>
-                    </a:gs>
-                    <a:gs pos="95000">
-                      <a:schemeClr val="bg2"/>
-                    </a:gs>
-                  </a:gsLst>
-                  <a:lin ang="5400000" scaled="0"/>
-                </a:gradFill>
-              </a:rPr>
-              <a:t>Active Directory</a:t>
-            </a:r>
-            <a:endParaRPr lang="en-US" sz="1600" b="1" spc="-70" dirty="0" smtClean="0">
-              <a:gradFill>
-                <a:gsLst>
-                  <a:gs pos="2917">
-                    <a:schemeClr val="bg2"/>
-                  </a:gs>
-                  <a:gs pos="95000">
-                    <a:schemeClr val="bg2"/>
-                  </a:gs>
-                </a:gsLst>
-                <a:lin ang="5400000" scaled="0"/>
-              </a:gradFill>
-            </a:endParaRPr>
+              <a:t>Azure Active Directory</a:t>
+            </a:r>
           </a:p>
           <a:p>
             <a:pPr algn="ctr"/>
@@ -37929,8 +37615,8 @@
         </p:blipFill>
         <p:spPr>
           <a:xfrm flipH="1">
-            <a:off x="1292026" y="2317909"/>
-            <a:ext cx="994787" cy="984823"/>
+            <a:off x="1292026" y="2336411"/>
+            <a:ext cx="994787" cy="947818"/>
           </a:xfrm>
           <a:prstGeom prst="rect">
             <a:avLst/>
@@ -38551,8 +38237,8 @@
         </p:blipFill>
         <p:spPr>
           <a:xfrm flipH="1">
-            <a:off x="1292026" y="2317909"/>
-            <a:ext cx="994787" cy="984823"/>
+            <a:off x="1292026" y="2336411"/>
+            <a:ext cx="994787" cy="947818"/>
           </a:xfrm>
           <a:prstGeom prst="rect">
             <a:avLst/>
@@ -39154,8 +38840,8 @@
         </p:blipFill>
         <p:spPr>
           <a:xfrm flipH="1">
-            <a:off x="1292026" y="2317909"/>
-            <a:ext cx="994787" cy="984823"/>
+            <a:off x="1292026" y="2336411"/>
+            <a:ext cx="994787" cy="947818"/>
           </a:xfrm>
           <a:prstGeom prst="rect">
             <a:avLst/>
@@ -39911,8 +39597,8 @@
         </p:blipFill>
         <p:spPr>
           <a:xfrm flipH="1">
-            <a:off x="1292026" y="2317909"/>
-            <a:ext cx="994787" cy="984823"/>
+            <a:off x="1292026" y="2336411"/>
+            <a:ext cx="994787" cy="947818"/>
           </a:xfrm>
           <a:prstGeom prst="rect">
             <a:avLst/>
@@ -40566,8 +40252,8 @@
         </p:blipFill>
         <p:spPr>
           <a:xfrm flipH="1">
-            <a:off x="1292026" y="2317909"/>
-            <a:ext cx="994787" cy="984823"/>
+            <a:off x="1292026" y="2336411"/>
+            <a:ext cx="994787" cy="947818"/>
           </a:xfrm>
           <a:prstGeom prst="rect">
             <a:avLst/>
@@ -41186,8 +40872,8 @@
         </p:blipFill>
         <p:spPr>
           <a:xfrm flipH="1">
-            <a:off x="1292026" y="2317909"/>
-            <a:ext cx="994787" cy="984823"/>
+            <a:off x="1292026" y="2336411"/>
+            <a:ext cx="994787" cy="947818"/>
           </a:xfrm>
           <a:prstGeom prst="rect">
             <a:avLst/>
@@ -41808,8 +41494,8 @@
         </p:blipFill>
         <p:spPr>
           <a:xfrm flipH="1">
-            <a:off x="1292026" y="2317909"/>
-            <a:ext cx="994787" cy="984823"/>
+            <a:off x="1292026" y="2336411"/>
+            <a:ext cx="994787" cy="947818"/>
           </a:xfrm>
           <a:prstGeom prst="rect">
             <a:avLst/>
@@ -43457,8 +43143,8 @@
         </p:blipFill>
         <p:spPr>
           <a:xfrm flipH="1">
-            <a:off x="1376623" y="3713009"/>
-            <a:ext cx="994787" cy="984823"/>
+            <a:off x="1376623" y="3731511"/>
+            <a:ext cx="994787" cy="947818"/>
           </a:xfrm>
           <a:prstGeom prst="rect">
             <a:avLst/>
@@ -44664,6 +44350,15 @@
 </file>
 
 <file path=customXml/item1.xml><?xml version="1.0" encoding="utf-8"?>
+<?mso-contentType ?>
+<FormTemplates xmlns="http://schemas.microsoft.com/sharepoint/v3/contenttype/forms">
+  <Display>DocumentLibraryForm</Display>
+  <Edit>DocumentLibraryForm</Edit>
+  <New>DocumentLibraryForm</New>
+</FormTemplates>
+</file>
+
+<file path=customXml/item2.xml><?xml version="1.0" encoding="utf-8"?>
 <ct:contentTypeSchema xmlns:ct="http://schemas.microsoft.com/office/2006/metadata/contentType" xmlns:ma="http://schemas.microsoft.com/office/2006/metadata/properties/metaAttributes" ct:_="" ma:_="" ma:contentTypeName="Document" ma:contentTypeID="0x010100A2E4C90AA7333249A7DBC8CC6F49919B" ma:contentTypeVersion="1" ma:contentTypeDescription="Create a new document." ma:contentTypeScope="" ma:versionID="e7b09f0f38d7ed30c7da14951e97abcc">
   <xsd:schema xmlns:xsd="http://www.w3.org/2001/XMLSchema" xmlns:xs="http://www.w3.org/2001/XMLSchema" xmlns:p="http://schemas.microsoft.com/office/2006/metadata/properties" xmlns:ns2="5fad15d0-477e-40da-a20d-40d4ca777cbd" targetNamespace="http://schemas.microsoft.com/office/2006/metadata/properties" ma:root="true" ma:fieldsID="0cee24db179c30c5ebec40b677cadf70" ns2:_="">
     <xsd:import namespace="5fad15d0-477e-40da-a20d-40d4ca777cbd"/>
@@ -44803,22 +44498,21 @@
 </ct:contentTypeSchema>
 </file>
 
-<file path=customXml/item2.xml><?xml version="1.0" encoding="utf-8"?>
+<file path=customXml/item3.xml><?xml version="1.0" encoding="utf-8"?>
 <p:properties xmlns:p="http://schemas.microsoft.com/office/2006/metadata/properties" xmlns:xsi="http://www.w3.org/2001/XMLSchema-instance" xmlns:pc="http://schemas.microsoft.com/office/infopath/2007/PartnerControls">
   <documentManagement/>
 </p:properties>
 </file>
 
-<file path=customXml/item3.xml><?xml version="1.0" encoding="utf-8"?>
-<?mso-contentType ?>
-<FormTemplates xmlns="http://schemas.microsoft.com/sharepoint/v3/contenttype/forms">
-  <Display>DocumentLibraryForm</Display>
-  <Edit>DocumentLibraryForm</Edit>
-  <New>DocumentLibraryForm</New>
-</FormTemplates>
+<file path=customXml/itemProps1.xml><?xml version="1.0" encoding="utf-8"?>
+<ds:datastoreItem xmlns:ds="http://schemas.openxmlformats.org/officeDocument/2006/customXml" ds:itemID="{E1E0CE18-CA03-4891-9CD8-3448778E3D53}">
+  <ds:schemaRefs>
+    <ds:schemaRef ds:uri="http://schemas.microsoft.com/sharepoint/v3/contenttype/forms"/>
+  </ds:schemaRefs>
+</ds:datastoreItem>
 </file>
 
-<file path=customXml/itemProps1.xml><?xml version="1.0" encoding="utf-8"?>
+<file path=customXml/itemProps2.xml><?xml version="1.0" encoding="utf-8"?>
 <ds:datastoreItem xmlns:ds="http://schemas.openxmlformats.org/officeDocument/2006/customXml" ds:itemID="{F17DCE38-6787-497B-B958-75817420EB1E}">
   <ds:schemaRefs>
     <ds:schemaRef ds:uri="http://schemas.microsoft.com/office/2006/metadata/contentType"/>
@@ -44836,7 +44530,7 @@
 </ds:datastoreItem>
 </file>
 
-<file path=customXml/itemProps2.xml><?xml version="1.0" encoding="utf-8"?>
+<file path=customXml/itemProps3.xml><?xml version="1.0" encoding="utf-8"?>
 <ds:datastoreItem xmlns:ds="http://schemas.openxmlformats.org/officeDocument/2006/customXml" ds:itemID="{DA593625-DB14-4FB0-B5A9-3269FA9C120B}">
   <ds:schemaRefs>
     <ds:schemaRef ds:uri="http://www.w3.org/XML/1998/namespace"/>
@@ -44850,12 +44544,4 @@
     <ds:schemaRef ds:uri="http://schemas.microsoft.com/office/2006/documentManagement/types"/>
   </ds:schemaRefs>
 </ds:datastoreItem>
-</file>
-
-<file path=customXml/itemProps3.xml><?xml version="1.0" encoding="utf-8"?>
-<ds:datastoreItem xmlns:ds="http://schemas.openxmlformats.org/officeDocument/2006/customXml" ds:itemID="{E1E0CE18-CA03-4891-9CD8-3448778E3D53}">
-  <ds:schemaRefs>
-    <ds:schemaRef ds:uri="http://schemas.microsoft.com/sharepoint/v3/contenttype/forms"/>
-  </ds:schemaRefs>
-</ds:datastoreItem>
 </file>
--- a/O3652-7 Deep Dive into Security and OAuth/O3652-7 Deep Dive into Security and OAuth.pptx
+++ b/O3652-7 Deep Dive into Security and OAuth/O3652-7 Deep Dive into Security and OAuth.pptx
@@ -386,7 +386,7 @@
           <a:p>
             <a:fld id="{DE219B1A-AE41-483B-A766-69B9363DDA6A}" type="datetimeFigureOut">
               <a:rPr lang="en-US" smtClean="0"/>
-              <a:t>9/8/2014</a:t>
+              <a:t>9/12/2014</a:t>
             </a:fld>
             <a:endParaRPr lang="en-US"/>
           </a:p>
@@ -668,7 +668,7 @@
           <a:p>
             <a:fld id="{D51B1278-D92B-4AF3-A9C1-71DD298190CE}" type="datetimeFigureOut">
               <a:rPr lang="en-US" smtClean="0"/>
-              <a:t>9/8/2014</a:t>
+              <a:t>9/12/2014</a:t>
             </a:fld>
             <a:endParaRPr lang="en-US"/>
           </a:p>
@@ -1249,7 +1249,7 @@
           <a:p>
             <a:fld id="{4184ABB7-2538-4DA8-837C-1631AA9C3786}" type="datetime1">
               <a:rPr lang="en-US" smtClean="0"/>
-              <a:t>9/8/2014</a:t>
+              <a:t>9/12/2014</a:t>
             </a:fld>
             <a:endParaRPr lang="en-US"/>
           </a:p>
@@ -1469,7 +1469,7 @@
           <a:p>
             <a:fld id="{E1069F9F-5C72-40FE-A962-D85A4E6A7779}" type="datetime1">
               <a:rPr lang="en-US" smtClean="0"/>
-              <a:t>9/8/2014</a:t>
+              <a:t>9/12/2014</a:t>
             </a:fld>
             <a:endParaRPr lang="en-US"/>
           </a:p>
@@ -1679,7 +1679,7 @@
           <a:p>
             <a:fld id="{130F6A78-FCFE-4D45-B005-38A37DBDA5FF}" type="datetime1">
               <a:rPr lang="en-US" smtClean="0"/>
-              <a:t>9/8/2014</a:t>
+              <a:t>9/12/2014</a:t>
             </a:fld>
             <a:endParaRPr lang="en-US"/>
           </a:p>
@@ -1885,7 +1885,7 @@
           <a:p>
             <a:fld id="{8A515E4B-48A0-498D-B44A-AAB8296969D7}" type="datetime1">
               <a:rPr lang="en-US" smtClean="0"/>
-              <a:t>9/8/2014</a:t>
+              <a:t>9/12/2014</a:t>
             </a:fld>
             <a:endParaRPr lang="en-US"/>
           </a:p>
@@ -2091,7 +2091,7 @@
           <a:p>
             <a:fld id="{676707B7-EE71-47B8-B3DA-B599B395A08A}" type="datetime1">
               <a:rPr lang="en-US" smtClean="0"/>
-              <a:t>9/8/2014</a:t>
+              <a:t>9/12/2014</a:t>
             </a:fld>
             <a:endParaRPr lang="en-US"/>
           </a:p>
@@ -2297,7 +2297,7 @@
           <a:p>
             <a:fld id="{676707B7-EE71-47B8-B3DA-B599B395A08A}" type="datetime1">
               <a:rPr lang="en-US" smtClean="0"/>
-              <a:t>9/8/2014</a:t>
+              <a:t>9/12/2014</a:t>
             </a:fld>
             <a:endParaRPr lang="en-US"/>
           </a:p>
@@ -2507,7 +2507,7 @@
           <a:p>
             <a:fld id="{65036D97-0781-4CB4-8310-DBE67BB75DC2}" type="datetime1">
               <a:rPr lang="en-US" smtClean="0"/>
-              <a:t>9/8/2014</a:t>
+              <a:t>9/12/2014</a:t>
             </a:fld>
             <a:endParaRPr lang="en-US"/>
           </a:p>
@@ -2713,7 +2713,7 @@
           <a:p>
             <a:fld id="{8A515E4B-48A0-498D-B44A-AAB8296969D7}" type="datetime1">
               <a:rPr lang="en-US" smtClean="0"/>
-              <a:t>9/8/2014</a:t>
+              <a:t>9/12/2014</a:t>
             </a:fld>
             <a:endParaRPr lang="en-US"/>
           </a:p>
@@ -2919,7 +2919,7 @@
           <a:p>
             <a:fld id="{676707B7-EE71-47B8-B3DA-B599B395A08A}" type="datetime1">
               <a:rPr lang="en-US" smtClean="0"/>
-              <a:t>9/8/2014</a:t>
+              <a:t>9/12/2014</a:t>
             </a:fld>
             <a:endParaRPr lang="en-US"/>
           </a:p>
@@ -3125,7 +3125,7 @@
           <a:p>
             <a:fld id="{676707B7-EE71-47B8-B3DA-B599B395A08A}" type="datetime1">
               <a:rPr lang="en-US" smtClean="0"/>
-              <a:t>9/8/2014</a:t>
+              <a:t>9/12/2014</a:t>
             </a:fld>
             <a:endParaRPr lang="en-US"/>
           </a:p>
@@ -3482,7 +3482,7 @@
           <a:p>
             <a:fld id="{B079C3B8-7366-4A44-A34B-3977080C19E7}" type="datetime1">
               <a:rPr lang="en-US" smtClean="0"/>
-              <a:t>9/8/2014</a:t>
+              <a:t>9/12/2014</a:t>
             </a:fld>
             <a:endParaRPr lang="en-US" dirty="0"/>
           </a:p>
@@ -3613,7 +3613,7 @@
           <a:p>
             <a:fld id="{676707B7-EE71-47B8-B3DA-B599B395A08A}" type="datetime1">
               <a:rPr lang="en-US" smtClean="0"/>
-              <a:t>9/8/2014</a:t>
+              <a:t>9/12/2014</a:t>
             </a:fld>
             <a:endParaRPr lang="en-US"/>
           </a:p>
@@ -3819,7 +3819,7 @@
           <a:p>
             <a:fld id="{676707B7-EE71-47B8-B3DA-B599B395A08A}" type="datetime1">
               <a:rPr lang="en-US" smtClean="0"/>
-              <a:t>9/8/2014</a:t>
+              <a:t>9/12/2014</a:t>
             </a:fld>
             <a:endParaRPr lang="en-US"/>
           </a:p>
@@ -4025,7 +4025,7 @@
           <a:p>
             <a:fld id="{676707B7-EE71-47B8-B3DA-B599B395A08A}" type="datetime1">
               <a:rPr lang="en-US" smtClean="0"/>
-              <a:t>9/8/2014</a:t>
+              <a:t>9/12/2014</a:t>
             </a:fld>
             <a:endParaRPr lang="en-US"/>
           </a:p>
@@ -4231,7 +4231,7 @@
           <a:p>
             <a:fld id="{676707B7-EE71-47B8-B3DA-B599B395A08A}" type="datetime1">
               <a:rPr lang="en-US" smtClean="0"/>
-              <a:t>9/8/2014</a:t>
+              <a:t>9/12/2014</a:t>
             </a:fld>
             <a:endParaRPr lang="en-US"/>
           </a:p>
@@ -4437,7 +4437,7 @@
           <a:p>
             <a:fld id="{676707B7-EE71-47B8-B3DA-B599B395A08A}" type="datetime1">
               <a:rPr lang="en-US" smtClean="0"/>
-              <a:t>9/8/2014</a:t>
+              <a:t>9/12/2014</a:t>
             </a:fld>
             <a:endParaRPr lang="en-US"/>
           </a:p>
@@ -4643,7 +4643,7 @@
           <a:p>
             <a:fld id="{676707B7-EE71-47B8-B3DA-B599B395A08A}" type="datetime1">
               <a:rPr lang="en-US" smtClean="0"/>
-              <a:t>9/8/2014</a:t>
+              <a:t>9/12/2014</a:t>
             </a:fld>
             <a:endParaRPr lang="en-US"/>
           </a:p>
@@ -4830,7 +4830,19 @@
           <a:p>
             <a:r>
               <a:rPr lang="en-US" dirty="0" smtClean="0"/>
-              <a:t>The heart of the O365 APIs is the discovery service</a:t>
+              <a:t>The heart of </a:t>
+            </a:r>
+            <a:r>
+              <a:rPr lang="en-US" smtClean="0"/>
+              <a:t>the </a:t>
+            </a:r>
+            <a:r>
+              <a:rPr lang="en-US" smtClean="0"/>
+              <a:t>Office 365 </a:t>
+            </a:r>
+            <a:r>
+              <a:rPr lang="en-US" dirty="0" smtClean="0"/>
+              <a:t>APIs is the discovery service</a:t>
             </a:r>
           </a:p>
           <a:p>
@@ -4913,7 +4925,7 @@
           <a:p>
             <a:fld id="{E74353ED-ACB2-44BF-A903-985B0AF962B7}" type="datetime1">
               <a:rPr lang="en-US" smtClean="0"/>
-              <a:t>9/8/2014</a:t>
+              <a:t>9/12/2014</a:t>
             </a:fld>
             <a:endParaRPr lang="en-US" dirty="0"/>
           </a:p>
@@ -5037,7 +5049,7 @@
           <a:p>
             <a:fld id="{2FB72B3C-19A5-40A1-B772-DE16D35E262B}" type="datetime1">
               <a:rPr lang="en-US" smtClean="0"/>
-              <a:t>9/8/2014</a:t>
+              <a:t>9/12/2014</a:t>
             </a:fld>
             <a:endParaRPr lang="en-US"/>
           </a:p>
@@ -5243,7 +5255,7 @@
           <a:p>
             <a:fld id="{8A515E4B-48A0-498D-B44A-AAB8296969D7}" type="datetime1">
               <a:rPr lang="en-US" smtClean="0"/>
-              <a:t>9/8/2014</a:t>
+              <a:t>9/12/2014</a:t>
             </a:fld>
             <a:endParaRPr lang="en-US"/>
           </a:p>
@@ -5449,7 +5461,7 @@
           <a:p>
             <a:fld id="{676707B7-EE71-47B8-B3DA-B599B395A08A}" type="datetime1">
               <a:rPr lang="en-US" smtClean="0"/>
-              <a:t>9/8/2014</a:t>
+              <a:t>9/12/2014</a:t>
             </a:fld>
             <a:endParaRPr lang="en-US"/>
           </a:p>
@@ -5659,7 +5671,7 @@
           <a:p>
             <a:fld id="{CA454356-7988-4E39-B534-EC35F7CCC11C}" type="datetime1">
               <a:rPr lang="en-US" smtClean="0"/>
-              <a:t>9/8/2014</a:t>
+              <a:t>9/12/2014</a:t>
             </a:fld>
             <a:endParaRPr lang="en-US"/>
           </a:p>
@@ -5865,7 +5877,7 @@
           <a:p>
             <a:fld id="{676707B7-EE71-47B8-B3DA-B599B395A08A}" type="datetime1">
               <a:rPr lang="en-US" smtClean="0"/>
-              <a:t>9/8/2014</a:t>
+              <a:t>9/12/2014</a:t>
             </a:fld>
             <a:endParaRPr lang="en-US"/>
           </a:p>
@@ -6071,7 +6083,7 @@
           <a:p>
             <a:fld id="{676707B7-EE71-47B8-B3DA-B599B395A08A}" type="datetime1">
               <a:rPr lang="en-US" smtClean="0"/>
-              <a:t>9/8/2014</a:t>
+              <a:t>9/12/2014</a:t>
             </a:fld>
             <a:endParaRPr lang="en-US"/>
           </a:p>
@@ -6277,7 +6289,7 @@
           <a:p>
             <a:fld id="{676707B7-EE71-47B8-B3DA-B599B395A08A}" type="datetime1">
               <a:rPr lang="en-US" smtClean="0"/>
-              <a:t>9/8/2014</a:t>
+              <a:t>9/12/2014</a:t>
             </a:fld>
             <a:endParaRPr lang="en-US"/>
           </a:p>
@@ -6483,7 +6495,7 @@
           <a:p>
             <a:fld id="{676707B7-EE71-47B8-B3DA-B599B395A08A}" type="datetime1">
               <a:rPr lang="en-US" smtClean="0"/>
-              <a:t>9/8/2014</a:t>
+              <a:t>9/12/2014</a:t>
             </a:fld>
             <a:endParaRPr lang="en-US"/>
           </a:p>
@@ -6689,7 +6701,7 @@
           <a:p>
             <a:fld id="{676707B7-EE71-47B8-B3DA-B599B395A08A}" type="datetime1">
               <a:rPr lang="en-US" smtClean="0"/>
-              <a:t>9/8/2014</a:t>
+              <a:t>9/12/2014</a:t>
             </a:fld>
             <a:endParaRPr lang="en-US"/>
           </a:p>
@@ -6915,7 +6927,7 @@
           <a:p>
             <a:fld id="{1B4EBD05-8EBB-4AB3-A4B2-2126F6DCC32D}" type="datetime1">
               <a:rPr lang="en-US" smtClean="0"/>
-              <a:t>9/8/2014</a:t>
+              <a:t>9/12/2014</a:t>
             </a:fld>
             <a:endParaRPr lang="en-US"/>
           </a:p>
@@ -7232,7 +7244,7 @@
           <a:p>
             <a:fld id="{0BB6559B-C68D-49B4-97AE-9BB74C417927}" type="datetime1">
               <a:rPr lang="en-US" smtClean="0"/>
-              <a:t>9/8/2014</a:t>
+              <a:t>9/12/2014</a:t>
             </a:fld>
             <a:endParaRPr lang="en-US"/>
           </a:p>
@@ -7343,7 +7355,7 @@
           <a:p>
             <a:fld id="{61C5B620-E71B-4653-A37F-A929320C435E}" type="datetime1">
               <a:rPr lang="en-US" smtClean="0"/>
-              <a:t>9/8/2014</a:t>
+              <a:t>9/12/2014</a:t>
             </a:fld>
             <a:endParaRPr lang="en-US"/>
           </a:p>
@@ -7530,7 +7542,15 @@
           <a:p>
             <a:r>
               <a:rPr lang="en-US" dirty="0" smtClean="0"/>
-              <a:t>It’s not required to link the O365 Directory to an Azure subscription</a:t>
+              <a:t>It’s not required to link the </a:t>
+            </a:r>
+            <a:r>
+              <a:rPr lang="en-US" dirty="0" smtClean="0"/>
+              <a:t>Office 365 </a:t>
+            </a:r>
+            <a:r>
+              <a:rPr lang="en-US" dirty="0" smtClean="0"/>
+              <a:t>Directory to an Azure subscription</a:t>
             </a:r>
           </a:p>
           <a:p>
@@ -7542,7 +7562,15 @@
           <a:p>
             <a:r>
               <a:rPr lang="en-US" dirty="0" smtClean="0"/>
-              <a:t>and opens up the ability to call into O365 from other applications.</a:t>
+              <a:t>and opens up the ability to call into </a:t>
+            </a:r>
+            <a:r>
+              <a:rPr lang="en-US" dirty="0" smtClean="0"/>
+              <a:t>Office 365 </a:t>
+            </a:r>
+            <a:r>
+              <a:rPr lang="en-US" dirty="0" smtClean="0"/>
+              <a:t>from other applications.</a:t>
             </a:r>
           </a:p>
           <a:p>
@@ -7567,7 +7595,7 @@
           <a:p>
             <a:fld id="{BBA7F52A-B8F7-43B0-8B42-741D53CB577A}" type="datetime1">
               <a:rPr lang="en-US" smtClean="0"/>
-              <a:t>9/8/2014</a:t>
+              <a:t>9/12/2014</a:t>
             </a:fld>
             <a:endParaRPr lang="en-US"/>
           </a:p>
@@ -7787,7 +7815,7 @@
           <a:p>
             <a:fld id="{7A5C1551-8DBF-450A-B3B4-597F4F42AC44}" type="datetime1">
               <a:rPr lang="en-US" smtClean="0"/>
-              <a:t>9/8/2014</a:t>
+              <a:t>9/12/2014</a:t>
             </a:fld>
             <a:endParaRPr lang="en-US"/>
           </a:p>
@@ -8056,7 +8084,7 @@
           <a:p>
             <a:fld id="{3BC8CC0E-121B-4488-9618-3397B77BEEEB}" type="datetime1">
               <a:rPr lang="en-US" smtClean="0"/>
-              <a:t>9/8/2014</a:t>
+              <a:t>9/12/2014</a:t>
             </a:fld>
             <a:endParaRPr lang="en-US"/>
           </a:p>
@@ -8278,7 +8306,7 @@
           <a:p>
             <a:fld id="{89A7E491-81C3-4F59-9A1B-8E9BA4671E1E}" type="datetime1">
               <a:rPr lang="en-US" smtClean="0"/>
-              <a:t>9/8/2014</a:t>
+              <a:t>9/12/2014</a:t>
             </a:fld>
             <a:endParaRPr lang="en-US"/>
           </a:p>
@@ -8523,7 +8551,7 @@
           <a:p>
             <a:fld id="{E18369E4-77BE-4358-8410-33F33BA75378}" type="datetime1">
               <a:rPr lang="en-US" smtClean="0"/>
-              <a:t>9/8/2014</a:t>
+              <a:t>9/12/2014</a:t>
             </a:fld>
             <a:endParaRPr lang="en-US"/>
           </a:p>
@@ -21290,7 +21318,7 @@
                 <a:gridCol w="11225057">
                   <a:extLst>
                     <a:ext uri="{9D8B030D-6E8A-4147-A177-3AD203B41FA5}">
-                      <a16:colId xmlns="" xmlns:a16="http://schemas.microsoft.com/office/drawing/2014/main" val="1253488153"/>
+                      <a16:colId xmlns:a16="http://schemas.microsoft.com/office/drawing/2014/main" xmlns="" val="1253488153"/>
                     </a:ext>
                   </a:extLst>
                 </a:gridCol>
@@ -21320,7 +21348,7 @@
                 </a:tc>
                 <a:extLst>
                   <a:ext uri="{0D108BD9-81ED-4DB2-BD59-A6C34878D82A}">
-                    <a16:rowId xmlns="" xmlns:a16="http://schemas.microsoft.com/office/drawing/2014/main" val="829859176"/>
+                    <a16:rowId xmlns:a16="http://schemas.microsoft.com/office/drawing/2014/main" xmlns="" val="829859176"/>
                   </a:ext>
                 </a:extLst>
               </a:tr>
@@ -21341,7 +21369,7 @@
                 </a:tc>
                 <a:extLst>
                   <a:ext uri="{0D108BD9-81ED-4DB2-BD59-A6C34878D82A}">
-                    <a16:rowId xmlns="" xmlns:a16="http://schemas.microsoft.com/office/drawing/2014/main" val="1946132611"/>
+                    <a16:rowId xmlns:a16="http://schemas.microsoft.com/office/drawing/2014/main" xmlns="" val="1946132611"/>
                   </a:ext>
                 </a:extLst>
               </a:tr>
@@ -21378,7 +21406,7 @@
                 </a:tc>
                 <a:extLst>
                   <a:ext uri="{0D108BD9-81ED-4DB2-BD59-A6C34878D82A}">
-                    <a16:rowId xmlns="" xmlns:a16="http://schemas.microsoft.com/office/drawing/2014/main" val="3204002662"/>
+                    <a16:rowId xmlns:a16="http://schemas.microsoft.com/office/drawing/2014/main" xmlns="" val="3204002662"/>
                   </a:ext>
                 </a:extLst>
               </a:tr>
@@ -21419,7 +21447,7 @@
                 </a:tc>
                 <a:extLst>
                   <a:ext uri="{0D108BD9-81ED-4DB2-BD59-A6C34878D82A}">
-                    <a16:rowId xmlns="" xmlns:a16="http://schemas.microsoft.com/office/drawing/2014/main" val="4266278162"/>
+                    <a16:rowId xmlns:a16="http://schemas.microsoft.com/office/drawing/2014/main" xmlns="" val="4266278162"/>
                   </a:ext>
                 </a:extLst>
               </a:tr>
@@ -29617,7 +29645,11 @@
           <a:p>
             <a:r>
               <a:rPr lang="en-US" dirty="0" smtClean="0"/>
-              <a:t>O365 APIS Flow </a:t>
+              <a:t>Office 365 </a:t>
+            </a:r>
+            <a:r>
+              <a:rPr lang="en-US" dirty="0" smtClean="0"/>
+              <a:t>APIS Flow </a:t>
             </a:r>
             <a:r>
               <a:rPr lang="en-US" dirty="0"/>
@@ -29704,7 +29736,15 @@
             </a:r>
             <a:r>
               <a:rPr lang="en-US" dirty="0" smtClean="0"/>
-              <a:t> 2.0 Flow O365 APIs</a:t>
+              <a:t> 2.0 Flow </a:t>
+            </a:r>
+            <a:r>
+              <a:rPr lang="en-US" dirty="0" smtClean="0"/>
+              <a:t>Office 365 </a:t>
+            </a:r>
+            <a:r>
+              <a:rPr lang="en-US" dirty="0" smtClean="0"/>
+              <a:t>APIs</a:t>
             </a:r>
             <a:endParaRPr lang="en-US" dirty="0"/>
           </a:p>
@@ -30219,7 +30259,15 @@
             </a:r>
             <a:r>
               <a:rPr lang="en-US" dirty="0"/>
-              <a:t> 2.0 Flow O365 APIs</a:t>
+              <a:t> 2.0 Flow </a:t>
+            </a:r>
+            <a:r>
+              <a:rPr lang="en-US" dirty="0" smtClean="0"/>
+              <a:t>Office 365 </a:t>
+            </a:r>
+            <a:r>
+              <a:rPr lang="en-US" dirty="0"/>
+              <a:t>APIs</a:t>
             </a:r>
           </a:p>
         </p:txBody>
@@ -30833,7 +30881,15 @@
             </a:r>
             <a:r>
               <a:rPr lang="en-US" dirty="0"/>
-              <a:t> 2.0 Flow O365 APIs</a:t>
+              <a:t> 2.0 Flow </a:t>
+            </a:r>
+            <a:r>
+              <a:rPr lang="en-US" dirty="0" smtClean="0"/>
+              <a:t>Office 365 </a:t>
+            </a:r>
+            <a:r>
+              <a:rPr lang="en-US" dirty="0"/>
+              <a:t>APIs</a:t>
             </a:r>
           </a:p>
         </p:txBody>
@@ -31428,7 +31484,15 @@
             </a:r>
             <a:r>
               <a:rPr lang="en-US" dirty="0"/>
-              <a:t> 2.0 Flow O365 APIs</a:t>
+              <a:t> 2.0 Flow </a:t>
+            </a:r>
+            <a:r>
+              <a:rPr lang="en-US" dirty="0" smtClean="0"/>
+              <a:t>Office 365 </a:t>
+            </a:r>
+            <a:r>
+              <a:rPr lang="en-US" dirty="0"/>
+              <a:t>APIs</a:t>
             </a:r>
           </a:p>
         </p:txBody>
@@ -32042,7 +32106,15 @@
             </a:r>
             <a:r>
               <a:rPr lang="en-US" dirty="0"/>
-              <a:t> 2.0 Flow O365 APIs</a:t>
+              <a:t> 2.0 Flow </a:t>
+            </a:r>
+            <a:r>
+              <a:rPr lang="en-US" dirty="0" smtClean="0"/>
+              <a:t>Office 365 </a:t>
+            </a:r>
+            <a:r>
+              <a:rPr lang="en-US" dirty="0"/>
+              <a:t>APIs</a:t>
             </a:r>
           </a:p>
         </p:txBody>
@@ -32739,7 +32811,15 @@
             </a:r>
             <a:r>
               <a:rPr lang="en-US" dirty="0"/>
-              <a:t> 2.0 Flow O365 APIs</a:t>
+              <a:t> 2.0 Flow </a:t>
+            </a:r>
+            <a:r>
+              <a:rPr lang="en-US" dirty="0" smtClean="0"/>
+              <a:t>Office 365 </a:t>
+            </a:r>
+            <a:r>
+              <a:rPr lang="en-US" dirty="0"/>
+              <a:t>APIs</a:t>
             </a:r>
           </a:p>
         </p:txBody>
@@ -33455,7 +33535,15 @@
             </a:r>
             <a:r>
               <a:rPr lang="en-US" dirty="0"/>
-              <a:t> 2.0 Flow O365 APIs</a:t>
+              <a:t> 2.0 Flow </a:t>
+            </a:r>
+            <a:r>
+              <a:rPr lang="en-US" dirty="0" smtClean="0"/>
+              <a:t>Office 365 </a:t>
+            </a:r>
+            <a:r>
+              <a:rPr lang="en-US" dirty="0"/>
+              <a:t>APIs</a:t>
             </a:r>
           </a:p>
         </p:txBody>
@@ -34102,7 +34190,15 @@
             </a:r>
             <a:r>
               <a:rPr lang="en-US" dirty="0"/>
-              <a:t> 2.0 Flow O365 APIs</a:t>
+              <a:t> 2.0 Flow </a:t>
+            </a:r>
+            <a:r>
+              <a:rPr lang="en-US" dirty="0" smtClean="0"/>
+              <a:t>Office 365 </a:t>
+            </a:r>
+            <a:r>
+              <a:rPr lang="en-US" dirty="0"/>
+              <a:t>APIs</a:t>
             </a:r>
           </a:p>
         </p:txBody>
@@ -34714,7 +34810,15 @@
             </a:r>
             <a:r>
               <a:rPr lang="en-US" dirty="0"/>
-              <a:t> 2.0 Flow O365 APIs</a:t>
+              <a:t> 2.0 Flow </a:t>
+            </a:r>
+            <a:r>
+              <a:rPr lang="en-US" dirty="0" smtClean="0"/>
+              <a:t>Office 365 </a:t>
+            </a:r>
+            <a:r>
+              <a:rPr lang="en-US" dirty="0"/>
+              <a:t>APIs</a:t>
             </a:r>
           </a:p>
         </p:txBody>
@@ -35328,7 +35432,15 @@
             </a:r>
             <a:r>
               <a:rPr lang="en-US" dirty="0"/>
-              <a:t> 2.0 Flow O365 APIs</a:t>
+              <a:t> 2.0 Flow </a:t>
+            </a:r>
+            <a:r>
+              <a:rPr lang="en-US" dirty="0" smtClean="0"/>
+              <a:t>Office 365 </a:t>
+            </a:r>
+            <a:r>
+              <a:rPr lang="en-US" dirty="0"/>
+              <a:t>APIs</a:t>
             </a:r>
           </a:p>
         </p:txBody>
@@ -35924,7 +36036,15 @@
           <a:p>
             <a:r>
               <a:rPr lang="en-US" sz="3920" dirty="0"/>
-              <a:t>Automatically determine URL of O365 services</a:t>
+              <a:t>Automatically determine URL of </a:t>
+            </a:r>
+            <a:r>
+              <a:rPr lang="en-US" sz="3920" dirty="0" smtClean="0"/>
+              <a:t>Office 365 </a:t>
+            </a:r>
+            <a:r>
+              <a:rPr lang="en-US" sz="3920" dirty="0"/>
+              <a:t>services</a:t>
             </a:r>
           </a:p>
           <a:p>
@@ -36811,7 +36931,15 @@
           <a:p>
             <a:r>
               <a:rPr lang="en-US" dirty="0"/>
-              <a:t>Used by O365 for authentication</a:t>
+              <a:t>Used by </a:t>
+            </a:r>
+            <a:r>
+              <a:rPr lang="en-US" dirty="0" smtClean="0"/>
+              <a:t>Office 365 </a:t>
+            </a:r>
+            <a:r>
+              <a:rPr lang="en-US" dirty="0"/>
+              <a:t>for authentication</a:t>
             </a:r>
           </a:p>
           <a:p>
@@ -44350,6 +44478,12 @@
 </file>
 
 <file path=customXml/item1.xml><?xml version="1.0" encoding="utf-8"?>
+<p:properties xmlns:p="http://schemas.microsoft.com/office/2006/metadata/properties" xmlns:xsi="http://www.w3.org/2001/XMLSchema-instance" xmlns:pc="http://schemas.microsoft.com/office/infopath/2007/PartnerControls">
+  <documentManagement/>
+</p:properties>
+</file>
+
+<file path=customXml/item2.xml><?xml version="1.0" encoding="utf-8"?>
 <?mso-contentType ?>
 <FormTemplates xmlns="http://schemas.microsoft.com/sharepoint/v3/contenttype/forms">
   <Display>DocumentLibraryForm</Display>
@@ -44358,7 +44492,7 @@
 </FormTemplates>
 </file>
 
-<file path=customXml/item2.xml><?xml version="1.0" encoding="utf-8"?>
+<file path=customXml/item3.xml><?xml version="1.0" encoding="utf-8"?>
 <ct:contentTypeSchema xmlns:ct="http://schemas.microsoft.com/office/2006/metadata/contentType" xmlns:ma="http://schemas.microsoft.com/office/2006/metadata/properties/metaAttributes" ct:_="" ma:_="" ma:contentTypeName="Document" ma:contentTypeID="0x010100A2E4C90AA7333249A7DBC8CC6F49919B" ma:contentTypeVersion="1" ma:contentTypeDescription="Create a new document." ma:contentTypeScope="" ma:versionID="e7b09f0f38d7ed30c7da14951e97abcc">
   <xsd:schema xmlns:xsd="http://www.w3.org/2001/XMLSchema" xmlns:xs="http://www.w3.org/2001/XMLSchema" xmlns:p="http://schemas.microsoft.com/office/2006/metadata/properties" xmlns:ns2="5fad15d0-477e-40da-a20d-40d4ca777cbd" targetNamespace="http://schemas.microsoft.com/office/2006/metadata/properties" ma:root="true" ma:fieldsID="0cee24db179c30c5ebec40b677cadf70" ns2:_="">
     <xsd:import namespace="5fad15d0-477e-40da-a20d-40d4ca777cbd"/>
@@ -44498,13 +44632,23 @@
 </ct:contentTypeSchema>
 </file>
 
-<file path=customXml/item3.xml><?xml version="1.0" encoding="utf-8"?>
-<p:properties xmlns:p="http://schemas.microsoft.com/office/2006/metadata/properties" xmlns:xsi="http://www.w3.org/2001/XMLSchema-instance" xmlns:pc="http://schemas.microsoft.com/office/infopath/2007/PartnerControls">
-  <documentManagement/>
-</p:properties>
+<file path=customXml/itemProps1.xml><?xml version="1.0" encoding="utf-8"?>
+<ds:datastoreItem xmlns:ds="http://schemas.openxmlformats.org/officeDocument/2006/customXml" ds:itemID="{DA593625-DB14-4FB0-B5A9-3269FA9C120B}">
+  <ds:schemaRefs>
+    <ds:schemaRef ds:uri="http://www.w3.org/XML/1998/namespace"/>
+    <ds:schemaRef ds:uri="http://purl.org/dc/elements/1.1/"/>
+    <ds:schemaRef ds:uri="http://schemas.microsoft.com/office/2006/metadata/properties"/>
+    <ds:schemaRef ds:uri="http://purl.org/dc/dcmitype/"/>
+    <ds:schemaRef ds:uri="http://schemas.microsoft.com/office/infopath/2007/PartnerControls"/>
+    <ds:schemaRef ds:uri="5fad15d0-477e-40da-a20d-40d4ca777cbd"/>
+    <ds:schemaRef ds:uri="http://schemas.openxmlformats.org/package/2006/metadata/core-properties"/>
+    <ds:schemaRef ds:uri="http://purl.org/dc/terms/"/>
+    <ds:schemaRef ds:uri="http://schemas.microsoft.com/office/2006/documentManagement/types"/>
+  </ds:schemaRefs>
+</ds:datastoreItem>
 </file>
 
-<file path=customXml/itemProps1.xml><?xml version="1.0" encoding="utf-8"?>
+<file path=customXml/itemProps2.xml><?xml version="1.0" encoding="utf-8"?>
 <ds:datastoreItem xmlns:ds="http://schemas.openxmlformats.org/officeDocument/2006/customXml" ds:itemID="{E1E0CE18-CA03-4891-9CD8-3448778E3D53}">
   <ds:schemaRefs>
     <ds:schemaRef ds:uri="http://schemas.microsoft.com/sharepoint/v3/contenttype/forms"/>
@@ -44512,7 +44656,7 @@
 </ds:datastoreItem>
 </file>
 
-<file path=customXml/itemProps2.xml><?xml version="1.0" encoding="utf-8"?>
+<file path=customXml/itemProps3.xml><?xml version="1.0" encoding="utf-8"?>
 <ds:datastoreItem xmlns:ds="http://schemas.openxmlformats.org/officeDocument/2006/customXml" ds:itemID="{F17DCE38-6787-497B-B958-75817420EB1E}">
   <ds:schemaRefs>
     <ds:schemaRef ds:uri="http://schemas.microsoft.com/office/2006/metadata/contentType"/>
@@ -44528,20 +44672,4 @@
     <ds:schemaRef ds:uri="http://schemas.microsoft.com/internal/obd"/>
   </ds:schemaRefs>
 </ds:datastoreItem>
-</file>
-
-<file path=customXml/itemProps3.xml><?xml version="1.0" encoding="utf-8"?>
-<ds:datastoreItem xmlns:ds="http://schemas.openxmlformats.org/officeDocument/2006/customXml" ds:itemID="{DA593625-DB14-4FB0-B5A9-3269FA9C120B}">
-  <ds:schemaRefs>
-    <ds:schemaRef ds:uri="http://www.w3.org/XML/1998/namespace"/>
-    <ds:schemaRef ds:uri="http://purl.org/dc/elements/1.1/"/>
-    <ds:schemaRef ds:uri="http://schemas.microsoft.com/office/2006/metadata/properties"/>
-    <ds:schemaRef ds:uri="http://purl.org/dc/dcmitype/"/>
-    <ds:schemaRef ds:uri="http://schemas.microsoft.com/office/infopath/2007/PartnerControls"/>
-    <ds:schemaRef ds:uri="5fad15d0-477e-40da-a20d-40d4ca777cbd"/>
-    <ds:schemaRef ds:uri="http://schemas.openxmlformats.org/package/2006/metadata/core-properties"/>
-    <ds:schemaRef ds:uri="http://purl.org/dc/terms/"/>
-    <ds:schemaRef ds:uri="http://schemas.microsoft.com/office/2006/documentManagement/types"/>
-  </ds:schemaRefs>
-</ds:datastoreItem>
 </file>